--- a/PPT/MachineLearning18-NeuralNetwork.pptx
+++ b/PPT/MachineLearning18-NeuralNetwork.pptx
@@ -5,40 +5,41 @@
     <p:sldMasterId id="2147483653" r:id="rId1"/>
   </p:sldMasterIdLst>
   <p:notesMasterIdLst>
-    <p:notesMasterId r:id="rId30"/>
+    <p:notesMasterId r:id="rId31"/>
   </p:notesMasterIdLst>
   <p:handoutMasterIdLst>
-    <p:handoutMasterId r:id="rId31"/>
+    <p:handoutMasterId r:id="rId32"/>
   </p:handoutMasterIdLst>
   <p:sldIdLst>
     <p:sldId id="264" r:id="rId2"/>
     <p:sldId id="267" r:id="rId3"/>
-    <p:sldId id="268" r:id="rId4"/>
-    <p:sldId id="269" r:id="rId5"/>
-    <p:sldId id="293" r:id="rId6"/>
-    <p:sldId id="271" r:id="rId7"/>
-    <p:sldId id="272" r:id="rId8"/>
-    <p:sldId id="294" r:id="rId9"/>
-    <p:sldId id="295" r:id="rId10"/>
-    <p:sldId id="296" r:id="rId11"/>
-    <p:sldId id="292" r:id="rId12"/>
-    <p:sldId id="297" r:id="rId13"/>
-    <p:sldId id="298" r:id="rId14"/>
-    <p:sldId id="273" r:id="rId15"/>
-    <p:sldId id="274" r:id="rId16"/>
-    <p:sldId id="291" r:id="rId17"/>
-    <p:sldId id="275" r:id="rId18"/>
-    <p:sldId id="276" r:id="rId19"/>
-    <p:sldId id="279" r:id="rId20"/>
-    <p:sldId id="283" r:id="rId21"/>
-    <p:sldId id="285" r:id="rId22"/>
-    <p:sldId id="286" r:id="rId23"/>
-    <p:sldId id="284" r:id="rId24"/>
-    <p:sldId id="290" r:id="rId25"/>
-    <p:sldId id="299" r:id="rId26"/>
-    <p:sldId id="287" r:id="rId27"/>
-    <p:sldId id="288" r:id="rId28"/>
-    <p:sldId id="289" r:id="rId29"/>
+    <p:sldId id="300" r:id="rId4"/>
+    <p:sldId id="268" r:id="rId5"/>
+    <p:sldId id="269" r:id="rId6"/>
+    <p:sldId id="293" r:id="rId7"/>
+    <p:sldId id="271" r:id="rId8"/>
+    <p:sldId id="272" r:id="rId9"/>
+    <p:sldId id="294" r:id="rId10"/>
+    <p:sldId id="295" r:id="rId11"/>
+    <p:sldId id="296" r:id="rId12"/>
+    <p:sldId id="292" r:id="rId13"/>
+    <p:sldId id="297" r:id="rId14"/>
+    <p:sldId id="298" r:id="rId15"/>
+    <p:sldId id="273" r:id="rId16"/>
+    <p:sldId id="274" r:id="rId17"/>
+    <p:sldId id="291" r:id="rId18"/>
+    <p:sldId id="275" r:id="rId19"/>
+    <p:sldId id="276" r:id="rId20"/>
+    <p:sldId id="279" r:id="rId21"/>
+    <p:sldId id="283" r:id="rId22"/>
+    <p:sldId id="285" r:id="rId23"/>
+    <p:sldId id="286" r:id="rId24"/>
+    <p:sldId id="284" r:id="rId25"/>
+    <p:sldId id="290" r:id="rId26"/>
+    <p:sldId id="299" r:id="rId27"/>
+    <p:sldId id="287" r:id="rId28"/>
+    <p:sldId id="288" r:id="rId29"/>
+    <p:sldId id="289" r:id="rId30"/>
   </p:sldIdLst>
   <p:sldSz cx="9144000" cy="6858000" type="screen4x3"/>
   <p:notesSz cx="6648450" cy="9782175"/>
@@ -3863,6 +3864,102 @@
       </p:sp>
       <p:pic>
         <p:nvPicPr>
+          <p:cNvPr id="1026" name="Picture 2" descr="https://dpzbhybb2pdcj.cloudfront.net/allaire/Figures/01fig05.jpg"/>
+          <p:cNvPicPr>
+            <a:picLocks noGrp="1" noChangeAspect="1" noChangeArrowheads="1"/>
+          </p:cNvPicPr>
+          <p:nvPr>
+            <p:ph idx="1"/>
+          </p:nvPr>
+        </p:nvPicPr>
+        <p:blipFill>
+          <a:blip r:embed="rId2">
+            <a:extLst>
+              <a:ext uri="{28A0092B-C50C-407E-A947-70E740481C1C}">
+                <a14:useLocalDpi xmlns:a14="http://schemas.microsoft.com/office/drawing/2010/main" val="0"/>
+              </a:ext>
+            </a:extLst>
+          </a:blip>
+          <a:srcRect/>
+          <a:stretch>
+            <a:fillRect/>
+          </a:stretch>
+        </p:blipFill>
+        <p:spPr bwMode="auto">
+          <a:xfrm>
+            <a:off x="1763688" y="2276872"/>
+            <a:ext cx="5855793" cy="2376264"/>
+          </a:xfrm>
+          <a:prstGeom prst="rect">
+            <a:avLst/>
+          </a:prstGeom>
+          <a:noFill/>
+          <a:extLst>
+            <a:ext uri="{909E8E84-426E-40DD-AFC4-6F175D3DCCD1}">
+              <a14:hiddenFill xmlns:a14="http://schemas.microsoft.com/office/drawing/2010/main">
+                <a:solidFill>
+                  <a:srgbClr val="FFFFFF"/>
+                </a:solidFill>
+              </a14:hiddenFill>
+            </a:ext>
+          </a:extLst>
+        </p:spPr>
+      </p:pic>
+    </p:spTree>
+    <p:extLst>
+      <p:ext uri="{BB962C8B-B14F-4D97-AF65-F5344CB8AC3E}">
+        <p14:creationId xmlns:p14="http://schemas.microsoft.com/office/powerpoint/2010/main" val="4184065999"/>
+      </p:ext>
+    </p:extLst>
+  </p:cSld>
+  <p:clrMapOvr>
+    <a:masterClrMapping/>
+  </p:clrMapOvr>
+</p:sld>
+</file>
+
+<file path=ppt/slides/slide11.xml><?xml version="1.0" encoding="utf-8"?>
+<p:sld xmlns:a="http://schemas.openxmlformats.org/drawingml/2006/main" xmlns:r="http://schemas.openxmlformats.org/officeDocument/2006/relationships" xmlns:p="http://schemas.openxmlformats.org/presentationml/2006/main">
+  <p:cSld>
+    <p:spTree>
+      <p:nvGrpSpPr>
+        <p:cNvPr id="1" name=""/>
+        <p:cNvGrpSpPr/>
+        <p:nvPr/>
+      </p:nvGrpSpPr>
+      <p:grpSpPr>
+        <a:xfrm>
+          <a:off x="0" y="0"/>
+          <a:ext cx="0" cy="0"/>
+          <a:chOff x="0" y="0"/>
+          <a:chExt cx="0" cy="0"/>
+        </a:xfrm>
+      </p:grpSpPr>
+      <p:sp>
+        <p:nvSpPr>
+          <p:cNvPr id="2" name="Titre 1"/>
+          <p:cNvSpPr>
+            <a:spLocks noGrp="1"/>
+          </p:cNvSpPr>
+          <p:nvPr>
+            <p:ph type="title"/>
+          </p:nvPr>
+        </p:nvSpPr>
+        <p:spPr/>
+        <p:txBody>
+          <a:bodyPr/>
+          <a:lstStyle/>
+          <a:p>
+            <a:r>
+              <a:rPr lang="fr-FR" dirty="0" smtClean="0"/>
+              <a:t>MLP MNIST</a:t>
+            </a:r>
+            <a:endParaRPr lang="fr-FR" dirty="0"/>
+          </a:p>
+        </p:txBody>
+      </p:sp>
+      <p:pic>
+        <p:nvPicPr>
           <p:cNvPr id="2050" name="Picture 2" descr="https://dpzbhybb2pdcj.cloudfront.net/allaire/Figures/01fig06_alt.jpg"/>
           <p:cNvPicPr>
             <a:picLocks noGrp="1" noChangeAspect="1" noChangeArrowheads="1"/>
@@ -3917,7 +4014,7 @@
 </p:sld>
 </file>
 
-<file path=ppt/slides/slide11.xml><?xml version="1.0" encoding="utf-8"?>
+<file path=ppt/slides/slide12.xml><?xml version="1.0" encoding="utf-8"?>
 <p:sld xmlns:a="http://schemas.openxmlformats.org/drawingml/2006/main" xmlns:r="http://schemas.openxmlformats.org/officeDocument/2006/relationships" xmlns:p="http://schemas.openxmlformats.org/presentationml/2006/main">
   <p:cSld>
     <p:spTree>
@@ -4017,7 +4114,7 @@
 </p:sld>
 </file>
 
-<file path=ppt/slides/slide12.xml><?xml version="1.0" encoding="utf-8"?>
+<file path=ppt/slides/slide13.xml><?xml version="1.0" encoding="utf-8"?>
 <p:sld xmlns:a="http://schemas.openxmlformats.org/drawingml/2006/main" xmlns:r="http://schemas.openxmlformats.org/officeDocument/2006/relationships" xmlns:p="http://schemas.openxmlformats.org/presentationml/2006/main">
   <p:cSld>
     <p:spTree>
@@ -4113,7 +4210,7 @@
 </p:sld>
 </file>
 
-<file path=ppt/slides/slide13.xml><?xml version="1.0" encoding="utf-8"?>
+<file path=ppt/slides/slide14.xml><?xml version="1.0" encoding="utf-8"?>
 <p:sld xmlns:a="http://schemas.openxmlformats.org/drawingml/2006/main" xmlns:r="http://schemas.openxmlformats.org/officeDocument/2006/relationships" xmlns:p="http://schemas.openxmlformats.org/presentationml/2006/main">
   <p:cSld>
     <p:spTree>
@@ -4209,7 +4306,7 @@
 </p:sld>
 </file>
 
-<file path=ppt/slides/slide14.xml><?xml version="1.0" encoding="utf-8"?>
+<file path=ppt/slides/slide15.xml><?xml version="1.0" encoding="utf-8"?>
 <p:sld xmlns:a="http://schemas.openxmlformats.org/drawingml/2006/main" xmlns:r="http://schemas.openxmlformats.org/officeDocument/2006/relationships" xmlns:p="http://schemas.openxmlformats.org/presentationml/2006/main">
   <p:cSld>
     <p:spTree>
@@ -4320,7 +4417,7 @@
 </p:sld>
 </file>
 
-<file path=ppt/slides/slide15.xml><?xml version="1.0" encoding="utf-8"?>
+<file path=ppt/slides/slide16.xml><?xml version="1.0" encoding="utf-8"?>
 <p:sld xmlns:a="http://schemas.openxmlformats.org/drawingml/2006/main" xmlns:r="http://schemas.openxmlformats.org/officeDocument/2006/relationships" xmlns:p="http://schemas.openxmlformats.org/presentationml/2006/main">
   <p:cSld>
     <p:spTree>
@@ -4507,108 +4604,6 @@
 </p:sld>
 </file>
 
-<file path=ppt/slides/slide16.xml><?xml version="1.0" encoding="utf-8"?>
-<p:sld xmlns:a="http://schemas.openxmlformats.org/drawingml/2006/main" xmlns:r="http://schemas.openxmlformats.org/officeDocument/2006/relationships" xmlns:p="http://schemas.openxmlformats.org/presentationml/2006/main">
-  <p:cSld>
-    <p:spTree>
-      <p:nvGrpSpPr>
-        <p:cNvPr id="1" name=""/>
-        <p:cNvGrpSpPr/>
-        <p:nvPr/>
-      </p:nvGrpSpPr>
-      <p:grpSpPr>
-        <a:xfrm>
-          <a:off x="0" y="0"/>
-          <a:ext cx="0" cy="0"/>
-          <a:chOff x="0" y="0"/>
-          <a:chExt cx="0" cy="0"/>
-        </a:xfrm>
-      </p:grpSpPr>
-      <p:sp>
-        <p:nvSpPr>
-          <p:cNvPr id="2" name="Titre 1"/>
-          <p:cNvSpPr>
-            <a:spLocks noGrp="1"/>
-          </p:cNvSpPr>
-          <p:nvPr>
-            <p:ph type="title"/>
-          </p:nvPr>
-        </p:nvSpPr>
-        <p:spPr/>
-        <p:txBody>
-          <a:bodyPr/>
-          <a:lstStyle/>
-          <a:p>
-            <a:r>
-              <a:rPr lang="fr-FR" dirty="0" smtClean="0"/>
-              <a:t>Calcul Matriciel - GPU</a:t>
-            </a:r>
-            <a:endParaRPr lang="fr-FR" dirty="0"/>
-          </a:p>
-        </p:txBody>
-      </p:sp>
-      <p:sp>
-        <p:nvSpPr>
-          <p:cNvPr id="3" name="Espace réservé du contenu 2"/>
-          <p:cNvSpPr>
-            <a:spLocks noGrp="1"/>
-          </p:cNvSpPr>
-          <p:nvPr>
-            <p:ph idx="1"/>
-          </p:nvPr>
-        </p:nvSpPr>
-        <p:spPr/>
-        <p:txBody>
-          <a:bodyPr/>
-          <a:lstStyle/>
-          <a:p>
-            <a:r>
-              <a:rPr lang="fr-FR" dirty="0" smtClean="0"/>
-              <a:t>Normalement une liste de liste de valeurs est injecté dans le MLP</a:t>
-            </a:r>
-          </a:p>
-          <a:p>
-            <a:r>
-              <a:rPr lang="fr-FR" dirty="0" smtClean="0"/>
-              <a:t>Une itération par liste de valeur</a:t>
-            </a:r>
-          </a:p>
-          <a:p>
-            <a:r>
-              <a:rPr lang="fr-FR" dirty="0" smtClean="0"/>
-              <a:t>L'algorithme est reproductible avec une matrice par layer</a:t>
-            </a:r>
-          </a:p>
-          <a:p>
-            <a:pPr lvl="1"/>
-            <a:r>
-              <a:rPr lang="fr-FR" dirty="0" smtClean="0"/>
-              <a:t>Facilement </a:t>
-            </a:r>
-            <a:r>
-              <a:rPr lang="fr-FR" dirty="0" err="1" smtClean="0"/>
-              <a:t>GPUisable</a:t>
-            </a:r>
-            <a:endParaRPr lang="fr-FR" dirty="0" smtClean="0"/>
-          </a:p>
-          <a:p>
-            <a:endParaRPr lang="fr-FR" dirty="0"/>
-          </a:p>
-        </p:txBody>
-      </p:sp>
-    </p:spTree>
-    <p:extLst>
-      <p:ext uri="{BB962C8B-B14F-4D97-AF65-F5344CB8AC3E}">
-        <p14:creationId xmlns:p14="http://schemas.microsoft.com/office/powerpoint/2010/main" val="2997506584"/>
-      </p:ext>
-    </p:extLst>
-  </p:cSld>
-  <p:clrMapOvr>
-    <a:masterClrMapping/>
-  </p:clrMapOvr>
-</p:sld>
-</file>
-
 <file path=ppt/slides/slide17.xml><?xml version="1.0" encoding="utf-8"?>
 <p:sld xmlns:a="http://schemas.openxmlformats.org/drawingml/2006/main" xmlns:r="http://schemas.openxmlformats.org/officeDocument/2006/relationships" xmlns:p="http://schemas.openxmlformats.org/presentationml/2006/main">
   <p:cSld>
@@ -4643,7 +4638,7 @@
           <a:p>
             <a:r>
               <a:rPr lang="fr-FR" dirty="0" smtClean="0"/>
-              <a:t>Heuristiques</a:t>
+              <a:t>Calcul Matriciel - GPU</a:t>
             </a:r>
             <a:endParaRPr lang="fr-FR" dirty="0"/>
           </a:p>
@@ -4666,39 +4661,34 @@
           <a:p>
             <a:r>
               <a:rPr lang="fr-FR" dirty="0" smtClean="0"/>
-              <a:t>Les réseaux neuronaux étant gourmand en calcul le calcul réparti est presque obligatoire</a:t>
-            </a:r>
-          </a:p>
-          <a:p>
-            <a:r>
-              <a:rPr lang="fr-FR" dirty="0" smtClean="0"/>
-              <a:t>Présence d’heuristiques</a:t>
+              <a:t>Normalement une liste de liste de valeurs est injecté dans le MLP</a:t>
+            </a:r>
+          </a:p>
+          <a:p>
+            <a:r>
+              <a:rPr lang="fr-FR" dirty="0" smtClean="0"/>
+              <a:t>Une itération par liste de valeur</a:t>
+            </a:r>
+          </a:p>
+          <a:p>
+            <a:r>
+              <a:rPr lang="fr-FR" dirty="0" smtClean="0"/>
+              <a:t>L'algorithme est reproductible avec une matrice par layer</a:t>
             </a:r>
           </a:p>
           <a:p>
             <a:pPr lvl="1"/>
             <a:r>
               <a:rPr lang="fr-FR" dirty="0" smtClean="0"/>
-              <a:t>Règles non démontrable qui permettent d’</a:t>
+              <a:t>Facilement </a:t>
             </a:r>
             <a:r>
               <a:rPr lang="fr-FR" dirty="0" err="1" smtClean="0"/>
-              <a:t>accéler</a:t>
-            </a:r>
-            <a:r>
-              <a:rPr lang="fr-FR" dirty="0" smtClean="0"/>
-              <a:t> le traitement</a:t>
-            </a:r>
-          </a:p>
-          <a:p>
-            <a:pPr lvl="1"/>
-            <a:r>
-              <a:rPr lang="fr-FR" dirty="0" smtClean="0"/>
-              <a:t>Par exemple en échec, la prise de la reine est trop couteuse pour continuer</a:t>
-            </a:r>
-          </a:p>
-          <a:p>
-            <a:pPr lvl="1"/>
+              <a:t>GPUisable</a:t>
+            </a:r>
+            <a:endParaRPr lang="fr-FR" dirty="0" smtClean="0"/>
+          </a:p>
+          <a:p>
             <a:endParaRPr lang="fr-FR" dirty="0"/>
           </a:p>
         </p:txBody>
@@ -4706,7 +4696,7 @@
     </p:spTree>
     <p:extLst>
       <p:ext uri="{BB962C8B-B14F-4D97-AF65-F5344CB8AC3E}">
-        <p14:creationId xmlns:p14="http://schemas.microsoft.com/office/powerpoint/2010/main" val="110780175"/>
+        <p14:creationId xmlns:p14="http://schemas.microsoft.com/office/powerpoint/2010/main" val="2997506584"/>
       </p:ext>
     </p:extLst>
   </p:cSld>
@@ -4750,7 +4740,7 @@
           <a:p>
             <a:r>
               <a:rPr lang="fr-FR" dirty="0" smtClean="0"/>
-              <a:t>Apprentissage non supervisé</a:t>
+              <a:t>Heuristiques</a:t>
             </a:r>
             <a:endParaRPr lang="fr-FR" dirty="0"/>
           </a:p>
@@ -4773,6 +4763,113 @@
           <a:p>
             <a:r>
               <a:rPr lang="fr-FR" dirty="0" smtClean="0"/>
+              <a:t>Les réseaux neuronaux étant gourmand en calcul le calcul réparti est presque obligatoire</a:t>
+            </a:r>
+          </a:p>
+          <a:p>
+            <a:r>
+              <a:rPr lang="fr-FR" dirty="0" smtClean="0"/>
+              <a:t>Présence d’heuristiques</a:t>
+            </a:r>
+          </a:p>
+          <a:p>
+            <a:pPr lvl="1"/>
+            <a:r>
+              <a:rPr lang="fr-FR" dirty="0" smtClean="0"/>
+              <a:t>Règles non démontrable qui permettent d’</a:t>
+            </a:r>
+            <a:r>
+              <a:rPr lang="fr-FR" dirty="0" err="1" smtClean="0"/>
+              <a:t>accéler</a:t>
+            </a:r>
+            <a:r>
+              <a:rPr lang="fr-FR" dirty="0" smtClean="0"/>
+              <a:t> le traitement</a:t>
+            </a:r>
+          </a:p>
+          <a:p>
+            <a:pPr lvl="1"/>
+            <a:r>
+              <a:rPr lang="fr-FR" dirty="0" smtClean="0"/>
+              <a:t>Par exemple en échec, la prise de la reine est trop couteuse pour continuer</a:t>
+            </a:r>
+          </a:p>
+          <a:p>
+            <a:pPr lvl="1"/>
+            <a:endParaRPr lang="fr-FR" dirty="0"/>
+          </a:p>
+        </p:txBody>
+      </p:sp>
+    </p:spTree>
+    <p:extLst>
+      <p:ext uri="{BB962C8B-B14F-4D97-AF65-F5344CB8AC3E}">
+        <p14:creationId xmlns:p14="http://schemas.microsoft.com/office/powerpoint/2010/main" val="110780175"/>
+      </p:ext>
+    </p:extLst>
+  </p:cSld>
+  <p:clrMapOvr>
+    <a:masterClrMapping/>
+  </p:clrMapOvr>
+</p:sld>
+</file>
+
+<file path=ppt/slides/slide19.xml><?xml version="1.0" encoding="utf-8"?>
+<p:sld xmlns:a="http://schemas.openxmlformats.org/drawingml/2006/main" xmlns:r="http://schemas.openxmlformats.org/officeDocument/2006/relationships" xmlns:p="http://schemas.openxmlformats.org/presentationml/2006/main">
+  <p:cSld>
+    <p:spTree>
+      <p:nvGrpSpPr>
+        <p:cNvPr id="1" name=""/>
+        <p:cNvGrpSpPr/>
+        <p:nvPr/>
+      </p:nvGrpSpPr>
+      <p:grpSpPr>
+        <a:xfrm>
+          <a:off x="0" y="0"/>
+          <a:ext cx="0" cy="0"/>
+          <a:chOff x="0" y="0"/>
+          <a:chExt cx="0" cy="0"/>
+        </a:xfrm>
+      </p:grpSpPr>
+      <p:sp>
+        <p:nvSpPr>
+          <p:cNvPr id="2" name="Titre 1"/>
+          <p:cNvSpPr>
+            <a:spLocks noGrp="1"/>
+          </p:cNvSpPr>
+          <p:nvPr>
+            <p:ph type="title"/>
+          </p:nvPr>
+        </p:nvSpPr>
+        <p:spPr/>
+        <p:txBody>
+          <a:bodyPr/>
+          <a:lstStyle/>
+          <a:p>
+            <a:r>
+              <a:rPr lang="fr-FR" dirty="0" smtClean="0"/>
+              <a:t>Apprentissage non supervisé</a:t>
+            </a:r>
+            <a:endParaRPr lang="fr-FR" dirty="0"/>
+          </a:p>
+        </p:txBody>
+      </p:sp>
+      <p:sp>
+        <p:nvSpPr>
+          <p:cNvPr id="3" name="Espace réservé du contenu 2"/>
+          <p:cNvSpPr>
+            <a:spLocks noGrp="1"/>
+          </p:cNvSpPr>
+          <p:nvPr>
+            <p:ph idx="1"/>
+          </p:nvPr>
+        </p:nvSpPr>
+        <p:spPr/>
+        <p:txBody>
+          <a:bodyPr/>
+          <a:lstStyle/>
+          <a:p>
+            <a:r>
+              <a:rPr lang="fr-FR" dirty="0" smtClean="0"/>
               <a:t>Il suffit de faire jouer 2 réseaux de neurones entre eux</a:t>
             </a:r>
           </a:p>
@@ -4818,7 +4915,98 @@
 </p:sld>
 </file>
 
-<file path=ppt/slides/slide19.xml><?xml version="1.0" encoding="utf-8"?>
+<file path=ppt/slides/slide2.xml><?xml version="1.0" encoding="utf-8"?>
+<p:sld xmlns:a="http://schemas.openxmlformats.org/drawingml/2006/main" xmlns:r="http://schemas.openxmlformats.org/officeDocument/2006/relationships" xmlns:p="http://schemas.openxmlformats.org/presentationml/2006/main">
+  <p:cSld>
+    <p:spTree>
+      <p:nvGrpSpPr>
+        <p:cNvPr id="1" name=""/>
+        <p:cNvGrpSpPr/>
+        <p:nvPr/>
+      </p:nvGrpSpPr>
+      <p:grpSpPr>
+        <a:xfrm>
+          <a:off x="0" y="0"/>
+          <a:ext cx="0" cy="0"/>
+          <a:chOff x="0" y="0"/>
+          <a:chExt cx="0" cy="0"/>
+        </a:xfrm>
+      </p:grpSpPr>
+      <p:sp>
+        <p:nvSpPr>
+          <p:cNvPr id="2" name="Titre 1"/>
+          <p:cNvSpPr>
+            <a:spLocks noGrp="1"/>
+          </p:cNvSpPr>
+          <p:nvPr>
+            <p:ph type="title"/>
+          </p:nvPr>
+        </p:nvSpPr>
+        <p:spPr/>
+        <p:txBody>
+          <a:bodyPr/>
+          <a:lstStyle/>
+          <a:p>
+            <a:r>
+              <a:rPr lang="fr-FR" smtClean="0"/>
+              <a:t>Neurone</a:t>
+            </a:r>
+            <a:endParaRPr lang="fr-FR"/>
+          </a:p>
+        </p:txBody>
+      </p:sp>
+      <p:sp>
+        <p:nvSpPr>
+          <p:cNvPr id="3" name="Espace réservé du contenu 2"/>
+          <p:cNvSpPr>
+            <a:spLocks noGrp="1"/>
+          </p:cNvSpPr>
+          <p:nvPr>
+            <p:ph idx="1"/>
+          </p:nvPr>
+        </p:nvSpPr>
+        <p:spPr/>
+        <p:txBody>
+          <a:bodyPr/>
+          <a:lstStyle/>
+          <a:p>
+            <a:r>
+              <a:rPr lang="fr-FR" dirty="0" smtClean="0"/>
+              <a:t>En biologie un neurone est une cellule connecté à d’autre neurones qui a la faculté de laisser passer ou non un courant électrique</a:t>
+            </a:r>
+          </a:p>
+          <a:p>
+            <a:r>
+              <a:rPr lang="fr-FR" dirty="0" smtClean="0"/>
+              <a:t>Sa modélisation mathématique est appelé perceptron</a:t>
+            </a:r>
+          </a:p>
+          <a:p>
+            <a:endParaRPr lang="fr-FR" dirty="0"/>
+          </a:p>
+        </p:txBody>
+      </p:sp>
+    </p:spTree>
+    <p:extLst>
+      <p:ext uri="{BB962C8B-B14F-4D97-AF65-F5344CB8AC3E}">
+        <p14:creationId xmlns:p14="http://schemas.microsoft.com/office/powerpoint/2010/main" val="1883161"/>
+      </p:ext>
+    </p:extLst>
+  </p:cSld>
+  <p:clrMapOvr>
+    <a:masterClrMapping/>
+  </p:clrMapOvr>
+  <p:timing>
+    <p:tnLst>
+      <p:par>
+        <p:cTn id="1" dur="indefinite" restart="never" nodeType="tmRoot"/>
+      </p:par>
+    </p:tnLst>
+  </p:timing>
+</p:sld>
+</file>
+
+<file path=ppt/slides/slide20.xml><?xml version="1.0" encoding="utf-8"?>
 <p:sld xmlns:a="http://schemas.openxmlformats.org/drawingml/2006/main" xmlns:r="http://schemas.openxmlformats.org/officeDocument/2006/relationships" xmlns:p="http://schemas.openxmlformats.org/presentationml/2006/main">
   <p:cSld>
     <p:spTree>
@@ -4990,98 +5178,7 @@
 </p:sld>
 </file>
 
-<file path=ppt/slides/slide2.xml><?xml version="1.0" encoding="utf-8"?>
-<p:sld xmlns:a="http://schemas.openxmlformats.org/drawingml/2006/main" xmlns:r="http://schemas.openxmlformats.org/officeDocument/2006/relationships" xmlns:p="http://schemas.openxmlformats.org/presentationml/2006/main">
-  <p:cSld>
-    <p:spTree>
-      <p:nvGrpSpPr>
-        <p:cNvPr id="1" name=""/>
-        <p:cNvGrpSpPr/>
-        <p:nvPr/>
-      </p:nvGrpSpPr>
-      <p:grpSpPr>
-        <a:xfrm>
-          <a:off x="0" y="0"/>
-          <a:ext cx="0" cy="0"/>
-          <a:chOff x="0" y="0"/>
-          <a:chExt cx="0" cy="0"/>
-        </a:xfrm>
-      </p:grpSpPr>
-      <p:sp>
-        <p:nvSpPr>
-          <p:cNvPr id="2" name="Titre 1"/>
-          <p:cNvSpPr>
-            <a:spLocks noGrp="1"/>
-          </p:cNvSpPr>
-          <p:nvPr>
-            <p:ph type="title"/>
-          </p:nvPr>
-        </p:nvSpPr>
-        <p:spPr/>
-        <p:txBody>
-          <a:bodyPr/>
-          <a:lstStyle/>
-          <a:p>
-            <a:r>
-              <a:rPr lang="fr-FR" smtClean="0"/>
-              <a:t>Neurone</a:t>
-            </a:r>
-            <a:endParaRPr lang="fr-FR"/>
-          </a:p>
-        </p:txBody>
-      </p:sp>
-      <p:sp>
-        <p:nvSpPr>
-          <p:cNvPr id="3" name="Espace réservé du contenu 2"/>
-          <p:cNvSpPr>
-            <a:spLocks noGrp="1"/>
-          </p:cNvSpPr>
-          <p:nvPr>
-            <p:ph idx="1"/>
-          </p:nvPr>
-        </p:nvSpPr>
-        <p:spPr/>
-        <p:txBody>
-          <a:bodyPr/>
-          <a:lstStyle/>
-          <a:p>
-            <a:r>
-              <a:rPr lang="fr-FR" dirty="0" smtClean="0"/>
-              <a:t>En biologie un neurone est une cellule connecté à d’autre neurones qui a la faculté de laisser passer ou non un courant électrique</a:t>
-            </a:r>
-          </a:p>
-          <a:p>
-            <a:r>
-              <a:rPr lang="fr-FR" dirty="0" smtClean="0"/>
-              <a:t>Sa modélisation mathématique est appelé perceptron</a:t>
-            </a:r>
-          </a:p>
-          <a:p>
-            <a:endParaRPr lang="fr-FR" dirty="0"/>
-          </a:p>
-        </p:txBody>
-      </p:sp>
-    </p:spTree>
-    <p:extLst>
-      <p:ext uri="{BB962C8B-B14F-4D97-AF65-F5344CB8AC3E}">
-        <p14:creationId xmlns:p14="http://schemas.microsoft.com/office/powerpoint/2010/main" val="1883161"/>
-      </p:ext>
-    </p:extLst>
-  </p:cSld>
-  <p:clrMapOvr>
-    <a:masterClrMapping/>
-  </p:clrMapOvr>
-  <p:timing>
-    <p:tnLst>
-      <p:par>
-        <p:cTn id="1" dur="indefinite" restart="never" nodeType="tmRoot"/>
-      </p:par>
-    </p:tnLst>
-  </p:timing>
-</p:sld>
-</file>
-
-<file path=ppt/slides/slide20.xml><?xml version="1.0" encoding="utf-8"?>
+<file path=ppt/slides/slide21.xml><?xml version="1.0" encoding="utf-8"?>
 <p:sld xmlns:a="http://schemas.openxmlformats.org/drawingml/2006/main" xmlns:r="http://schemas.openxmlformats.org/officeDocument/2006/relationships" xmlns:p="http://schemas.openxmlformats.org/presentationml/2006/main">
   <p:cSld>
     <p:spTree>
@@ -5311,221 +5408,6 @@
 </p:sld>
 </file>
 
-<file path=ppt/slides/slide21.xml><?xml version="1.0" encoding="utf-8"?>
-<p:sld xmlns:a="http://schemas.openxmlformats.org/drawingml/2006/main" xmlns:r="http://schemas.openxmlformats.org/officeDocument/2006/relationships" xmlns:p="http://schemas.openxmlformats.org/presentationml/2006/main">
-  <p:cSld>
-    <p:spTree>
-      <p:nvGrpSpPr>
-        <p:cNvPr id="1" name=""/>
-        <p:cNvGrpSpPr/>
-        <p:nvPr/>
-      </p:nvGrpSpPr>
-      <p:grpSpPr>
-        <a:xfrm>
-          <a:off x="0" y="0"/>
-          <a:ext cx="0" cy="0"/>
-          <a:chOff x="0" y="0"/>
-          <a:chExt cx="0" cy="0"/>
-        </a:xfrm>
-      </p:grpSpPr>
-      <p:sp>
-        <p:nvSpPr>
-          <p:cNvPr id="2" name="Titre 1"/>
-          <p:cNvSpPr>
-            <a:spLocks noGrp="1"/>
-          </p:cNvSpPr>
-          <p:nvPr>
-            <p:ph type="title"/>
-          </p:nvPr>
-        </p:nvSpPr>
-        <p:spPr/>
-        <p:txBody>
-          <a:bodyPr/>
-          <a:lstStyle/>
-          <a:p>
-            <a:r>
-              <a:rPr lang="fr-FR" dirty="0" err="1" smtClean="0"/>
-              <a:t>MLPClassifier</a:t>
-            </a:r>
-            <a:endParaRPr lang="fr-FR" dirty="0"/>
-          </a:p>
-        </p:txBody>
-      </p:sp>
-      <p:sp>
-        <p:nvSpPr>
-          <p:cNvPr id="3" name="Espace réservé du contenu 2"/>
-          <p:cNvSpPr>
-            <a:spLocks noGrp="1"/>
-          </p:cNvSpPr>
-          <p:nvPr>
-            <p:ph idx="1"/>
-          </p:nvPr>
-        </p:nvSpPr>
-        <p:spPr/>
-        <p:txBody>
-          <a:bodyPr/>
-          <a:lstStyle/>
-          <a:p>
-            <a:r>
-              <a:rPr lang="fr-FR" sz="2400" dirty="0" err="1" smtClean="0"/>
-              <a:t>Solver</a:t>
-            </a:r>
-            <a:endParaRPr lang="fr-FR" sz="2400" dirty="0" smtClean="0"/>
-          </a:p>
-          <a:p>
-            <a:pPr lvl="1"/>
-            <a:r>
-              <a:rPr lang="fr-FR" sz="2000" dirty="0" smtClean="0"/>
-              <a:t>Algorithme du changement du poids</a:t>
-            </a:r>
-            <a:endParaRPr lang="fr-FR" sz="2000" dirty="0"/>
-          </a:p>
-          <a:p>
-            <a:pPr lvl="1"/>
-            <a:r>
-              <a:rPr lang="fr-FR" sz="2000" dirty="0" smtClean="0"/>
-              <a:t>Par défaut </a:t>
-            </a:r>
-            <a:r>
-              <a:rPr lang="fr-FR" sz="2000" dirty="0" err="1" smtClean="0"/>
-              <a:t>adam</a:t>
-            </a:r>
-            <a:r>
-              <a:rPr lang="fr-FR" sz="2000" dirty="0"/>
-              <a:t> (</a:t>
-            </a:r>
-            <a:r>
-              <a:rPr lang="fr-FR" sz="2000" dirty="0" err="1"/>
-              <a:t>stochastic</a:t>
-            </a:r>
-            <a:r>
-              <a:rPr lang="fr-FR" sz="2000" dirty="0"/>
-              <a:t> gradient-</a:t>
-            </a:r>
-            <a:r>
-              <a:rPr lang="fr-FR" sz="2000" dirty="0" err="1"/>
-              <a:t>based</a:t>
-            </a:r>
-            <a:r>
-              <a:rPr lang="fr-FR" sz="2000" dirty="0"/>
-              <a:t> </a:t>
-            </a:r>
-            <a:r>
-              <a:rPr lang="fr-FR" sz="2000" dirty="0" err="1" smtClean="0"/>
-              <a:t>optimizer</a:t>
-            </a:r>
-            <a:r>
-              <a:rPr lang="fr-FR" sz="2000" dirty="0" smtClean="0"/>
-              <a:t>)</a:t>
-            </a:r>
-          </a:p>
-          <a:p>
-            <a:pPr lvl="1"/>
-            <a:r>
-              <a:rPr lang="fr-FR" sz="2000" dirty="0" err="1" smtClean="0"/>
-              <a:t>Sgd</a:t>
-            </a:r>
-            <a:r>
-              <a:rPr lang="fr-FR" sz="2000" dirty="0" smtClean="0"/>
-              <a:t> va utiliser </a:t>
-            </a:r>
-            <a:r>
-              <a:rPr lang="fr-FR" sz="2000" dirty="0" err="1" smtClean="0"/>
-              <a:t>Learning_rate</a:t>
-            </a:r>
-            <a:endParaRPr lang="fr-FR" sz="2000" dirty="0" smtClean="0"/>
-          </a:p>
-          <a:p>
-            <a:r>
-              <a:rPr lang="fr-FR" sz="2400" dirty="0" smtClean="0"/>
-              <a:t>Alpha</a:t>
-            </a:r>
-          </a:p>
-          <a:p>
-            <a:pPr lvl="1"/>
-            <a:r>
-              <a:rPr lang="fr-FR" sz="2000" dirty="0" smtClean="0"/>
-              <a:t>0.00001</a:t>
-            </a:r>
-          </a:p>
-          <a:p>
-            <a:pPr lvl="1"/>
-            <a:r>
-              <a:rPr lang="fr-FR" sz="2000" dirty="0" smtClean="0"/>
-              <a:t>Pénalité</a:t>
-            </a:r>
-          </a:p>
-          <a:p>
-            <a:r>
-              <a:rPr lang="fr-FR" sz="2400" dirty="0" err="1" smtClean="0"/>
-              <a:t>Learning_rate</a:t>
-            </a:r>
-            <a:endParaRPr lang="fr-FR" sz="2400" dirty="0" smtClean="0"/>
-          </a:p>
-          <a:p>
-            <a:pPr lvl="1"/>
-            <a:r>
-              <a:rPr lang="fr-FR" sz="2000" dirty="0" smtClean="0"/>
-              <a:t>Constant : changement de poids constant</a:t>
-            </a:r>
-          </a:p>
-          <a:p>
-            <a:pPr lvl="1"/>
-            <a:r>
-              <a:rPr lang="fr-FR" sz="2000" dirty="0" smtClean="0"/>
-              <a:t>Adaptive : Augmente en cas d’erreurs </a:t>
-            </a:r>
-            <a:r>
-              <a:rPr lang="fr-FR" sz="2000" dirty="0" err="1" smtClean="0"/>
-              <a:t>succésive</a:t>
-            </a:r>
-            <a:r>
-              <a:rPr lang="fr-FR" sz="2000" dirty="0" smtClean="0"/>
-              <a:t>, abaisse en cas de succès successif, d’une valeur décrite dans </a:t>
-            </a:r>
-            <a:r>
-              <a:rPr lang="fr-FR" sz="2000" dirty="0" err="1" smtClean="0"/>
-              <a:t>momentum</a:t>
-            </a:r>
-            <a:endParaRPr lang="fr-FR" sz="2000" dirty="0" smtClean="0"/>
-          </a:p>
-          <a:p>
-            <a:pPr lvl="1"/>
-            <a:r>
-              <a:rPr lang="fr-FR" sz="2000" dirty="0" err="1" smtClean="0"/>
-              <a:t>Invscaling</a:t>
-            </a:r>
-            <a:r>
-              <a:rPr lang="fr-FR" sz="2000" dirty="0" smtClean="0"/>
-              <a:t> : baisse dans le temps</a:t>
-            </a:r>
-          </a:p>
-          <a:p>
-            <a:pPr lvl="1"/>
-            <a:endParaRPr lang="fr-FR" dirty="0"/>
-          </a:p>
-        </p:txBody>
-      </p:sp>
-    </p:spTree>
-    <p:extLst>
-      <p:ext uri="{BB962C8B-B14F-4D97-AF65-F5344CB8AC3E}">
-        <p14:creationId xmlns:p14="http://schemas.microsoft.com/office/powerpoint/2010/main" val="670975967"/>
-      </p:ext>
-    </p:extLst>
-  </p:cSld>
-  <p:clrMapOvr>
-    <a:masterClrMapping/>
-  </p:clrMapOvr>
-  <p:timing>
-    <p:tnLst>
-      <p:par>
-        <p:cTn id="1" dur="indefinite" restart="never" nodeType="tmRoot"/>
-      </p:par>
-    </p:tnLst>
-  </p:timing>
-</p:sld>
-</file>
-
 <file path=ppt/slides/slide22.xml><?xml version="1.0" encoding="utf-8"?>
 <p:sld xmlns:a="http://schemas.openxmlformats.org/drawingml/2006/main" xmlns:r="http://schemas.openxmlformats.org/officeDocument/2006/relationships" xmlns:p="http://schemas.openxmlformats.org/presentationml/2006/main">
   <p:cSld>
@@ -5582,53 +5464,141 @@
           <a:lstStyle/>
           <a:p>
             <a:r>
-              <a:rPr lang="fr-FR" dirty="0" err="1" smtClean="0"/>
-              <a:t>Max_iter</a:t>
-            </a:r>
-            <a:endParaRPr lang="fr-FR" dirty="0" smtClean="0"/>
+              <a:rPr lang="fr-FR" sz="2400" dirty="0" err="1" smtClean="0"/>
+              <a:t>Solver</a:t>
+            </a:r>
+            <a:endParaRPr lang="fr-FR" sz="2400" dirty="0" smtClean="0"/>
           </a:p>
           <a:p>
             <a:pPr lvl="1"/>
             <a:r>
-              <a:rPr lang="fr-FR" dirty="0" smtClean="0"/>
-              <a:t>Nombre d’itération</a:t>
-            </a:r>
+              <a:rPr lang="fr-FR" sz="2000" dirty="0" smtClean="0"/>
+              <a:t>Algorithme du changement du poids</a:t>
+            </a:r>
+            <a:endParaRPr lang="fr-FR" sz="2000" dirty="0"/>
           </a:p>
           <a:p>
             <a:pPr lvl="1"/>
             <a:r>
-              <a:rPr lang="fr-FR" dirty="0" smtClean="0"/>
-              <a:t>200 par défaut</a:t>
-            </a:r>
-          </a:p>
-          <a:p>
-            <a:r>
-              <a:rPr lang="fr-FR" dirty="0" err="1" smtClean="0"/>
-              <a:t>Tol</a:t>
-            </a:r>
-            <a:endParaRPr lang="fr-FR" dirty="0" smtClean="0"/>
+              <a:rPr lang="fr-FR" sz="2000" dirty="0" smtClean="0"/>
+              <a:t>Par défaut </a:t>
+            </a:r>
+            <a:r>
+              <a:rPr lang="fr-FR" sz="2000" dirty="0" err="1" smtClean="0"/>
+              <a:t>adam</a:t>
+            </a:r>
+            <a:r>
+              <a:rPr lang="fr-FR" sz="2000" dirty="0"/>
+              <a:t> (</a:t>
+            </a:r>
+            <a:r>
+              <a:rPr lang="fr-FR" sz="2000" dirty="0" err="1"/>
+              <a:t>stochastic</a:t>
+            </a:r>
+            <a:r>
+              <a:rPr lang="fr-FR" sz="2000" dirty="0"/>
+              <a:t> gradient-</a:t>
+            </a:r>
+            <a:r>
+              <a:rPr lang="fr-FR" sz="2000" dirty="0" err="1"/>
+              <a:t>based</a:t>
+            </a:r>
+            <a:r>
+              <a:rPr lang="fr-FR" sz="2000" dirty="0"/>
+              <a:t> </a:t>
+            </a:r>
+            <a:r>
+              <a:rPr lang="fr-FR" sz="2000" dirty="0" err="1" smtClean="0"/>
+              <a:t>optimizer</a:t>
+            </a:r>
+            <a:r>
+              <a:rPr lang="fr-FR" sz="2000" dirty="0" smtClean="0"/>
+              <a:t>)</a:t>
+            </a:r>
           </a:p>
           <a:p>
             <a:pPr lvl="1"/>
             <a:r>
-              <a:rPr lang="fr-FR" dirty="0" smtClean="0"/>
-              <a:t>Tolérance au score</a:t>
-            </a:r>
-          </a:p>
-          <a:p>
-            <a:pPr lvl="2"/>
-            <a:r>
-              <a:rPr lang="fr-FR" dirty="0" smtClean="0"/>
-              <a:t>10</a:t>
-            </a:r>
-            <a:r>
-              <a:rPr lang="fr-FR" baseline="30000" dirty="0" smtClean="0"/>
-              <a:t>E</a:t>
-            </a:r>
-            <a:r>
-              <a:rPr lang="fr-FR" dirty="0" smtClean="0"/>
-              <a:t>-4</a:t>
-            </a:r>
+              <a:rPr lang="fr-FR" sz="2000" dirty="0" err="1" smtClean="0"/>
+              <a:t>Sgd</a:t>
+            </a:r>
+            <a:r>
+              <a:rPr lang="fr-FR" sz="2000" dirty="0" smtClean="0"/>
+              <a:t> va utiliser </a:t>
+            </a:r>
+            <a:r>
+              <a:rPr lang="fr-FR" sz="2000" dirty="0" err="1" smtClean="0"/>
+              <a:t>Learning_rate</a:t>
+            </a:r>
+            <a:endParaRPr lang="fr-FR" sz="2000" dirty="0" smtClean="0"/>
+          </a:p>
+          <a:p>
+            <a:r>
+              <a:rPr lang="fr-FR" sz="2400" dirty="0" smtClean="0"/>
+              <a:t>Alpha</a:t>
+            </a:r>
+          </a:p>
+          <a:p>
+            <a:pPr lvl="1"/>
+            <a:r>
+              <a:rPr lang="fr-FR" sz="2000" dirty="0" smtClean="0"/>
+              <a:t>0.00001</a:t>
+            </a:r>
+          </a:p>
+          <a:p>
+            <a:pPr lvl="1"/>
+            <a:r>
+              <a:rPr lang="fr-FR" sz="2000" dirty="0" smtClean="0"/>
+              <a:t>Pénalité</a:t>
+            </a:r>
+          </a:p>
+          <a:p>
+            <a:r>
+              <a:rPr lang="fr-FR" sz="2400" dirty="0" err="1" smtClean="0"/>
+              <a:t>Learning_rate</a:t>
+            </a:r>
+            <a:endParaRPr lang="fr-FR" sz="2400" dirty="0" smtClean="0"/>
+          </a:p>
+          <a:p>
+            <a:pPr lvl="1"/>
+            <a:r>
+              <a:rPr lang="fr-FR" sz="2000" dirty="0" smtClean="0"/>
+              <a:t>Constant : changement de poids constant</a:t>
+            </a:r>
+          </a:p>
+          <a:p>
+            <a:pPr lvl="1"/>
+            <a:r>
+              <a:rPr lang="fr-FR" sz="2000" dirty="0" smtClean="0"/>
+              <a:t>Adaptive : Augmente en cas d’erreurs </a:t>
+            </a:r>
+            <a:r>
+              <a:rPr lang="fr-FR" sz="2000" dirty="0" err="1" smtClean="0"/>
+              <a:t>succésive</a:t>
+            </a:r>
+            <a:r>
+              <a:rPr lang="fr-FR" sz="2000" dirty="0" smtClean="0"/>
+              <a:t>, abaisse en cas de succès successif, d’une valeur décrite dans </a:t>
+            </a:r>
+            <a:r>
+              <a:rPr lang="fr-FR" sz="2000" dirty="0" err="1" smtClean="0"/>
+              <a:t>momentum</a:t>
+            </a:r>
+            <a:endParaRPr lang="fr-FR" sz="2000" dirty="0" smtClean="0"/>
+          </a:p>
+          <a:p>
+            <a:pPr lvl="1"/>
+            <a:r>
+              <a:rPr lang="fr-FR" sz="2000" dirty="0" err="1" smtClean="0"/>
+              <a:t>Invscaling</a:t>
+            </a:r>
+            <a:r>
+              <a:rPr lang="fr-FR" sz="2000" dirty="0" smtClean="0"/>
+              <a:t> : baisse dans le temps</a:t>
+            </a:r>
+          </a:p>
+          <a:p>
+            <a:pPr lvl="1"/>
             <a:endParaRPr lang="fr-FR" dirty="0"/>
           </a:p>
         </p:txBody>
@@ -5636,13 +5606,20 @@
     </p:spTree>
     <p:extLst>
       <p:ext uri="{BB962C8B-B14F-4D97-AF65-F5344CB8AC3E}">
-        <p14:creationId xmlns:p14="http://schemas.microsoft.com/office/powerpoint/2010/main" val="1317148148"/>
+        <p14:creationId xmlns:p14="http://schemas.microsoft.com/office/powerpoint/2010/main" val="670975967"/>
       </p:ext>
     </p:extLst>
   </p:cSld>
   <p:clrMapOvr>
     <a:masterClrMapping/>
   </p:clrMapOvr>
+  <p:timing>
+    <p:tnLst>
+      <p:par>
+        <p:cTn id="1" dur="indefinite" restart="never" nodeType="tmRoot"/>
+      </p:par>
+    </p:tnLst>
+  </p:timing>
 </p:sld>
 </file>
 
@@ -5686,34 +5663,77 @@
           </a:p>
         </p:txBody>
       </p:sp>
-      <p:pic>
-        <p:nvPicPr>
-          <p:cNvPr id="4" name="Image 3"/>
-          <p:cNvPicPr>
-            <a:picLocks noChangeAspect="1"/>
-          </p:cNvPicPr>
-          <p:nvPr/>
-        </p:nvPicPr>
-        <p:blipFill>
-          <a:blip r:embed="rId2"/>
-          <a:stretch>
-            <a:fillRect/>
-          </a:stretch>
-        </p:blipFill>
-        <p:spPr>
-          <a:xfrm>
-            <a:off x="85816" y="1433512"/>
-            <a:ext cx="9011862" cy="4731792"/>
-          </a:xfrm>
-          <a:prstGeom prst="rect">
-            <a:avLst/>
-          </a:prstGeom>
-        </p:spPr>
-      </p:pic>
+      <p:sp>
+        <p:nvSpPr>
+          <p:cNvPr id="3" name="Espace réservé du contenu 2"/>
+          <p:cNvSpPr>
+            <a:spLocks noGrp="1"/>
+          </p:cNvSpPr>
+          <p:nvPr>
+            <p:ph idx="1"/>
+          </p:nvPr>
+        </p:nvSpPr>
+        <p:spPr/>
+        <p:txBody>
+          <a:bodyPr/>
+          <a:lstStyle/>
+          <a:p>
+            <a:r>
+              <a:rPr lang="fr-FR" dirty="0" err="1" smtClean="0"/>
+              <a:t>Max_iter</a:t>
+            </a:r>
+            <a:endParaRPr lang="fr-FR" dirty="0" smtClean="0"/>
+          </a:p>
+          <a:p>
+            <a:pPr lvl="1"/>
+            <a:r>
+              <a:rPr lang="fr-FR" dirty="0" smtClean="0"/>
+              <a:t>Nombre d’itération</a:t>
+            </a:r>
+          </a:p>
+          <a:p>
+            <a:pPr lvl="1"/>
+            <a:r>
+              <a:rPr lang="fr-FR" dirty="0" smtClean="0"/>
+              <a:t>200 par défaut</a:t>
+            </a:r>
+          </a:p>
+          <a:p>
+            <a:r>
+              <a:rPr lang="fr-FR" dirty="0" err="1" smtClean="0"/>
+              <a:t>Tol</a:t>
+            </a:r>
+            <a:endParaRPr lang="fr-FR" dirty="0" smtClean="0"/>
+          </a:p>
+          <a:p>
+            <a:pPr lvl="1"/>
+            <a:r>
+              <a:rPr lang="fr-FR" dirty="0" smtClean="0"/>
+              <a:t>Tolérance au score</a:t>
+            </a:r>
+          </a:p>
+          <a:p>
+            <a:pPr lvl="2"/>
+            <a:r>
+              <a:rPr lang="fr-FR" dirty="0" smtClean="0"/>
+              <a:t>10</a:t>
+            </a:r>
+            <a:r>
+              <a:rPr lang="fr-FR" baseline="30000" dirty="0" smtClean="0"/>
+              <a:t>E</a:t>
+            </a:r>
+            <a:r>
+              <a:rPr lang="fr-FR" dirty="0" smtClean="0"/>
+              <a:t>-4</a:t>
+            </a:r>
+            <a:endParaRPr lang="fr-FR" dirty="0"/>
+          </a:p>
+        </p:txBody>
+      </p:sp>
     </p:spTree>
     <p:extLst>
       <p:ext uri="{BB962C8B-B14F-4D97-AF65-F5344CB8AC3E}">
-        <p14:creationId xmlns:p14="http://schemas.microsoft.com/office/powerpoint/2010/main" val="567983057"/>
+        <p14:creationId xmlns:p14="http://schemas.microsoft.com/office/powerpoint/2010/main" val="1317148148"/>
       </p:ext>
     </p:extLst>
   </p:cSld>
@@ -5756,42 +5776,8 @@
           <a:lstStyle/>
           <a:p>
             <a:r>
-              <a:rPr lang="fr-FR" dirty="0" smtClean="0"/>
-              <a:t>Nombre de neurones</a:t>
-            </a:r>
-            <a:endParaRPr lang="fr-FR" dirty="0"/>
-          </a:p>
-        </p:txBody>
-      </p:sp>
-      <p:sp>
-        <p:nvSpPr>
-          <p:cNvPr id="3" name="Espace réservé du contenu 2"/>
-          <p:cNvSpPr>
-            <a:spLocks noGrp="1"/>
-          </p:cNvSpPr>
-          <p:nvPr>
-            <p:ph idx="1"/>
-          </p:nvPr>
-        </p:nvSpPr>
-        <p:spPr/>
-        <p:txBody>
-          <a:bodyPr/>
-          <a:lstStyle/>
-          <a:p>
-            <a:r>
-              <a:rPr lang="fr-FR" dirty="0" smtClean="0"/>
-              <a:t>Le nombre de neurones peut dépendre de cette formule</a:t>
-            </a:r>
-          </a:p>
-          <a:p>
-            <a:pPr lvl="1"/>
-            <a:r>
-              <a:rPr lang="fr-FR" smtClean="0"/>
-              <a:t>Il faut </a:t>
-            </a:r>
-            <a:r>
-              <a:rPr lang="fr-FR" dirty="0" smtClean="0"/>
-              <a:t>donc un Ns très élevé</a:t>
+              <a:rPr lang="fr-FR" dirty="0" err="1" smtClean="0"/>
+              <a:t>MLPClassifier</a:t>
             </a:r>
             <a:endParaRPr lang="fr-FR" dirty="0"/>
           </a:p>
@@ -5813,8 +5799,8 @@
         </p:blipFill>
         <p:spPr>
           <a:xfrm>
-            <a:off x="1547664" y="2852936"/>
-            <a:ext cx="6166450" cy="2020044"/>
+            <a:off x="85816" y="1433512"/>
+            <a:ext cx="9011862" cy="4731792"/>
           </a:xfrm>
           <a:prstGeom prst="rect">
             <a:avLst/>
@@ -5824,7 +5810,7 @@
     </p:spTree>
     <p:extLst>
       <p:ext uri="{BB962C8B-B14F-4D97-AF65-F5344CB8AC3E}">
-        <p14:creationId xmlns:p14="http://schemas.microsoft.com/office/powerpoint/2010/main" val="183711057"/>
+        <p14:creationId xmlns:p14="http://schemas.microsoft.com/office/powerpoint/2010/main" val="567983057"/>
       </p:ext>
     </p:extLst>
   </p:cSld>
@@ -5868,6 +5854,117 @@
           <a:p>
             <a:r>
               <a:rPr lang="fr-FR" dirty="0" smtClean="0"/>
+              <a:t>Nombre de neurones</a:t>
+            </a:r>
+            <a:endParaRPr lang="fr-FR" dirty="0"/>
+          </a:p>
+        </p:txBody>
+      </p:sp>
+      <p:sp>
+        <p:nvSpPr>
+          <p:cNvPr id="3" name="Espace réservé du contenu 2"/>
+          <p:cNvSpPr>
+            <a:spLocks noGrp="1"/>
+          </p:cNvSpPr>
+          <p:nvPr>
+            <p:ph idx="1"/>
+          </p:nvPr>
+        </p:nvSpPr>
+        <p:spPr/>
+        <p:txBody>
+          <a:bodyPr/>
+          <a:lstStyle/>
+          <a:p>
+            <a:r>
+              <a:rPr lang="fr-FR" dirty="0" smtClean="0"/>
+              <a:t>Le nombre de neurones peut dépendre de cette formule</a:t>
+            </a:r>
+          </a:p>
+          <a:p>
+            <a:pPr lvl="1"/>
+            <a:r>
+              <a:rPr lang="fr-FR" smtClean="0"/>
+              <a:t>Il faut </a:t>
+            </a:r>
+            <a:r>
+              <a:rPr lang="fr-FR" dirty="0" smtClean="0"/>
+              <a:t>donc un Ns très élevé</a:t>
+            </a:r>
+            <a:endParaRPr lang="fr-FR" dirty="0"/>
+          </a:p>
+        </p:txBody>
+      </p:sp>
+      <p:pic>
+        <p:nvPicPr>
+          <p:cNvPr id="4" name="Image 3"/>
+          <p:cNvPicPr>
+            <a:picLocks noChangeAspect="1"/>
+          </p:cNvPicPr>
+          <p:nvPr/>
+        </p:nvPicPr>
+        <p:blipFill>
+          <a:blip r:embed="rId2"/>
+          <a:stretch>
+            <a:fillRect/>
+          </a:stretch>
+        </p:blipFill>
+        <p:spPr>
+          <a:xfrm>
+            <a:off x="1547664" y="2852936"/>
+            <a:ext cx="6166450" cy="2020044"/>
+          </a:xfrm>
+          <a:prstGeom prst="rect">
+            <a:avLst/>
+          </a:prstGeom>
+        </p:spPr>
+      </p:pic>
+    </p:spTree>
+    <p:extLst>
+      <p:ext uri="{BB962C8B-B14F-4D97-AF65-F5344CB8AC3E}">
+        <p14:creationId xmlns:p14="http://schemas.microsoft.com/office/powerpoint/2010/main" val="183711057"/>
+      </p:ext>
+    </p:extLst>
+  </p:cSld>
+  <p:clrMapOvr>
+    <a:masterClrMapping/>
+  </p:clrMapOvr>
+</p:sld>
+</file>
+
+<file path=ppt/slides/slide26.xml><?xml version="1.0" encoding="utf-8"?>
+<p:sld xmlns:a="http://schemas.openxmlformats.org/drawingml/2006/main" xmlns:r="http://schemas.openxmlformats.org/officeDocument/2006/relationships" xmlns:p="http://schemas.openxmlformats.org/presentationml/2006/main">
+  <p:cSld>
+    <p:spTree>
+      <p:nvGrpSpPr>
+        <p:cNvPr id="1" name=""/>
+        <p:cNvGrpSpPr/>
+        <p:nvPr/>
+      </p:nvGrpSpPr>
+      <p:grpSpPr>
+        <a:xfrm>
+          <a:off x="0" y="0"/>
+          <a:ext cx="0" cy="0"/>
+          <a:chOff x="0" y="0"/>
+          <a:chExt cx="0" cy="0"/>
+        </a:xfrm>
+      </p:grpSpPr>
+      <p:sp>
+        <p:nvSpPr>
+          <p:cNvPr id="2" name="Titre 1"/>
+          <p:cNvSpPr>
+            <a:spLocks noGrp="1"/>
+          </p:cNvSpPr>
+          <p:nvPr>
+            <p:ph type="title"/>
+          </p:nvPr>
+        </p:nvSpPr>
+        <p:spPr/>
+        <p:txBody>
+          <a:bodyPr/>
+          <a:lstStyle/>
+          <a:p>
+            <a:r>
+              <a:rPr lang="fr-FR" dirty="0" smtClean="0"/>
               <a:t>Standardisation d’un jeux de données</a:t>
             </a:r>
             <a:endParaRPr lang="fr-FR" dirty="0"/>
@@ -6030,7 +6127,7 @@
 </p:sld>
 </file>
 
-<file path=ppt/slides/slide26.xml><?xml version="1.0" encoding="utf-8"?>
+<file path=ppt/slides/slide27.xml><?xml version="1.0" encoding="utf-8"?>
 <p:sld xmlns:a="http://schemas.openxmlformats.org/drawingml/2006/main" xmlns:r="http://schemas.openxmlformats.org/officeDocument/2006/relationships" xmlns:p="http://schemas.openxmlformats.org/presentationml/2006/main">
   <p:cSld>
     <p:spTree>
@@ -6147,7 +6244,7 @@
 </p:sld>
 </file>
 
-<file path=ppt/slides/slide27.xml><?xml version="1.0" encoding="utf-8"?>
+<file path=ppt/slides/slide28.xml><?xml version="1.0" encoding="utf-8"?>
 <p:sld xmlns:a="http://schemas.openxmlformats.org/drawingml/2006/main" xmlns:r="http://schemas.openxmlformats.org/officeDocument/2006/relationships" xmlns:p="http://schemas.openxmlformats.org/presentationml/2006/main">
   <p:cSld>
     <p:spTree>
@@ -6335,7 +6432,7 @@
 </p:sld>
 </file>
 
-<file path=ppt/slides/slide28.xml><?xml version="1.0" encoding="utf-8"?>
+<file path=ppt/slides/slide29.xml><?xml version="1.0" encoding="utf-8"?>
 <p:sld xmlns:a="http://schemas.openxmlformats.org/drawingml/2006/main" xmlns:r="http://schemas.openxmlformats.org/officeDocument/2006/relationships" xmlns:p="http://schemas.openxmlformats.org/presentationml/2006/main">
   <p:cSld>
     <p:spTree>
@@ -6465,6 +6562,139 @@
 </file>
 
 <file path=ppt/slides/slide3.xml><?xml version="1.0" encoding="utf-8"?>
+<p:sld xmlns:a="http://schemas.openxmlformats.org/drawingml/2006/main" xmlns:r="http://schemas.openxmlformats.org/officeDocument/2006/relationships" xmlns:p="http://schemas.openxmlformats.org/presentationml/2006/main">
+  <p:cSld>
+    <p:spTree>
+      <p:nvGrpSpPr>
+        <p:cNvPr id="1" name=""/>
+        <p:cNvGrpSpPr/>
+        <p:nvPr/>
+      </p:nvGrpSpPr>
+      <p:grpSpPr>
+        <a:xfrm>
+          <a:off x="0" y="0"/>
+          <a:ext cx="0" cy="0"/>
+          <a:chOff x="0" y="0"/>
+          <a:chExt cx="0" cy="0"/>
+        </a:xfrm>
+      </p:grpSpPr>
+      <p:sp>
+        <p:nvSpPr>
+          <p:cNvPr id="2" name="Titre 1"/>
+          <p:cNvSpPr>
+            <a:spLocks noGrp="1"/>
+          </p:cNvSpPr>
+          <p:nvPr>
+            <p:ph type="title"/>
+          </p:nvPr>
+        </p:nvSpPr>
+        <p:spPr/>
+        <p:txBody>
+          <a:bodyPr/>
+          <a:lstStyle/>
+          <a:p>
+            <a:r>
+              <a:rPr lang="fr-FR" smtClean="0"/>
+              <a:t>Neurone</a:t>
+            </a:r>
+            <a:endParaRPr lang="fr-FR"/>
+          </a:p>
+        </p:txBody>
+      </p:sp>
+      <p:sp>
+        <p:nvSpPr>
+          <p:cNvPr id="3" name="Espace réservé du contenu 2"/>
+          <p:cNvSpPr>
+            <a:spLocks noGrp="1"/>
+          </p:cNvSpPr>
+          <p:nvPr>
+            <p:ph idx="1"/>
+          </p:nvPr>
+        </p:nvSpPr>
+        <p:spPr/>
+        <p:txBody>
+          <a:bodyPr/>
+          <a:lstStyle/>
+          <a:p>
+            <a:r>
+              <a:rPr lang="fr-FR" dirty="0" smtClean="0"/>
+              <a:t>En biologie un neurone est une cellule connecté à d’autre neurones qui a la faculté de laisser passer ou non un courant électrique</a:t>
+            </a:r>
+          </a:p>
+          <a:p>
+            <a:pPr lvl="1"/>
+            <a:r>
+              <a:rPr lang="fr-FR" dirty="0" smtClean="0"/>
+              <a:t>Sa modélisation mathématique est appelé perceptron</a:t>
+            </a:r>
+          </a:p>
+          <a:p>
+            <a:endParaRPr lang="fr-FR" dirty="0"/>
+          </a:p>
+        </p:txBody>
+      </p:sp>
+      <p:pic>
+        <p:nvPicPr>
+          <p:cNvPr id="6146" name="Picture 2" descr="RÃ©sultat de recherche d'images pour &quot;neurone&quot;"/>
+          <p:cNvPicPr>
+            <a:picLocks noChangeAspect="1" noChangeArrowheads="1"/>
+          </p:cNvPicPr>
+          <p:nvPr/>
+        </p:nvPicPr>
+        <p:blipFill>
+          <a:blip r:embed="rId2">
+            <a:extLst>
+              <a:ext uri="{28A0092B-C50C-407E-A947-70E740481C1C}">
+                <a14:useLocalDpi xmlns:a14="http://schemas.microsoft.com/office/drawing/2010/main" val="0"/>
+              </a:ext>
+            </a:extLst>
+          </a:blip>
+          <a:srcRect/>
+          <a:stretch>
+            <a:fillRect/>
+          </a:stretch>
+        </p:blipFill>
+        <p:spPr bwMode="auto">
+          <a:xfrm>
+            <a:off x="2627784" y="3429000"/>
+            <a:ext cx="5184576" cy="2912774"/>
+          </a:xfrm>
+          <a:prstGeom prst="rect">
+            <a:avLst/>
+          </a:prstGeom>
+          <a:noFill/>
+          <a:extLst>
+            <a:ext uri="{909E8E84-426E-40DD-AFC4-6F175D3DCCD1}">
+              <a14:hiddenFill xmlns:a14="http://schemas.microsoft.com/office/drawing/2010/main">
+                <a:solidFill>
+                  <a:srgbClr val="FFFFFF"/>
+                </a:solidFill>
+              </a14:hiddenFill>
+            </a:ext>
+          </a:extLst>
+        </p:spPr>
+      </p:pic>
+    </p:spTree>
+    <p:extLst>
+      <p:ext uri="{BB962C8B-B14F-4D97-AF65-F5344CB8AC3E}">
+        <p14:creationId xmlns:p14="http://schemas.microsoft.com/office/powerpoint/2010/main" val="1624535898"/>
+      </p:ext>
+    </p:extLst>
+  </p:cSld>
+  <p:clrMapOvr>
+    <a:masterClrMapping/>
+  </p:clrMapOvr>
+  <p:timing>
+    <p:tnLst>
+      <p:par>
+        <p:cTn id="1" dur="indefinite" restart="never" nodeType="tmRoot"/>
+      </p:par>
+    </p:tnLst>
+  </p:timing>
+</p:sld>
+</file>
+
+<file path=ppt/slides/slide4.xml><?xml version="1.0" encoding="utf-8"?>
 <p:sld xmlns:a="http://schemas.openxmlformats.org/drawingml/2006/main" xmlns:r="http://schemas.openxmlformats.org/officeDocument/2006/relationships" xmlns:p="http://schemas.openxmlformats.org/presentationml/2006/main">
   <p:cSld>
     <p:spTree>
@@ -6594,10 +6824,17 @@
   <p:clrMapOvr>
     <a:masterClrMapping/>
   </p:clrMapOvr>
+  <p:timing>
+    <p:tnLst>
+      <p:par>
+        <p:cTn id="1" dur="indefinite" restart="never" nodeType="tmRoot"/>
+      </p:par>
+    </p:tnLst>
+  </p:timing>
 </p:sld>
 </file>
 
-<file path=ppt/slides/slide4.xml><?xml version="1.0" encoding="utf-8"?>
+<file path=ppt/slides/slide5.xml><?xml version="1.0" encoding="utf-8"?>
 <p:sld xmlns:a="http://schemas.openxmlformats.org/drawingml/2006/main" xmlns:r="http://schemas.openxmlformats.org/officeDocument/2006/relationships" xmlns:p="http://schemas.openxmlformats.org/presentationml/2006/main">
   <p:cSld>
     <p:spTree>
@@ -6752,10 +6989,17 @@
   <p:clrMapOvr>
     <a:masterClrMapping/>
   </p:clrMapOvr>
+  <p:timing>
+    <p:tnLst>
+      <p:par>
+        <p:cTn id="1" dur="indefinite" restart="never" nodeType="tmRoot"/>
+      </p:par>
+    </p:tnLst>
+  </p:timing>
 </p:sld>
 </file>
 
-<file path=ppt/slides/slide5.xml><?xml version="1.0" encoding="utf-8"?>
+<file path=ppt/slides/slide6.xml><?xml version="1.0" encoding="utf-8"?>
 <p:sld xmlns:a="http://schemas.openxmlformats.org/drawingml/2006/main" xmlns:r="http://schemas.openxmlformats.org/officeDocument/2006/relationships" xmlns:p="http://schemas.openxmlformats.org/presentationml/2006/main">
   <p:cSld>
     <p:spTree>
@@ -6946,535 +7190,6 @@
 </p:sld>
 </file>
 
-<file path=ppt/slides/slide6.xml><?xml version="1.0" encoding="utf-8"?>
-<p:sld xmlns:a="http://schemas.openxmlformats.org/drawingml/2006/main" xmlns:r="http://schemas.openxmlformats.org/officeDocument/2006/relationships" xmlns:p="http://schemas.openxmlformats.org/presentationml/2006/main">
-  <p:cSld>
-    <p:spTree>
-      <p:nvGrpSpPr>
-        <p:cNvPr id="1" name=""/>
-        <p:cNvGrpSpPr/>
-        <p:nvPr/>
-      </p:nvGrpSpPr>
-      <p:grpSpPr>
-        <a:xfrm>
-          <a:off x="0" y="0"/>
-          <a:ext cx="0" cy="0"/>
-          <a:chOff x="0" y="0"/>
-          <a:chExt cx="0" cy="0"/>
-        </a:xfrm>
-      </p:grpSpPr>
-      <p:sp>
-        <p:nvSpPr>
-          <p:cNvPr id="2" name="Titre 1"/>
-          <p:cNvSpPr>
-            <a:spLocks noGrp="1"/>
-          </p:cNvSpPr>
-          <p:nvPr>
-            <p:ph type="title"/>
-          </p:nvPr>
-        </p:nvSpPr>
-        <p:spPr/>
-        <p:txBody>
-          <a:bodyPr/>
-          <a:lstStyle/>
-          <a:p>
-            <a:r>
-              <a:rPr lang="fr-FR" dirty="0" smtClean="0"/>
-              <a:t>Exemple de perceptron simple</a:t>
-            </a:r>
-            <a:endParaRPr lang="fr-FR" dirty="0"/>
-          </a:p>
-        </p:txBody>
-      </p:sp>
-      <p:sp>
-        <p:nvSpPr>
-          <p:cNvPr id="3" name="Espace réservé du contenu 2"/>
-          <p:cNvSpPr>
-            <a:spLocks noGrp="1"/>
-          </p:cNvSpPr>
-          <p:nvPr>
-            <p:ph idx="1"/>
-          </p:nvPr>
-        </p:nvSpPr>
-        <p:spPr/>
-        <p:txBody>
-          <a:bodyPr/>
-          <a:lstStyle/>
-          <a:p>
-            <a:pPr marL="0" indent="0">
-              <a:buNone/>
-            </a:pPr>
-            <a:r>
-              <a:rPr lang="fr-FR" sz="1600" dirty="0">
-                <a:latin typeface="Courier New" panose="02070309020205020404" pitchFamily="49" charset="0"/>
-                <a:cs typeface="Courier New" panose="02070309020205020404" pitchFamily="49" charset="0"/>
-              </a:rPr>
-              <a:t>class Perceptron:</a:t>
-            </a:r>
-          </a:p>
-          <a:p>
-            <a:pPr marL="0" indent="0">
-              <a:buNone/>
-            </a:pPr>
-            <a:endParaRPr lang="fr-FR" sz="1600" dirty="0">
-              <a:latin typeface="Courier New" panose="02070309020205020404" pitchFamily="49" charset="0"/>
-              <a:cs typeface="Courier New" panose="02070309020205020404" pitchFamily="49" charset="0"/>
-            </a:endParaRPr>
-          </a:p>
-          <a:p>
-            <a:pPr marL="0" indent="0">
-              <a:buNone/>
-            </a:pPr>
-            <a:r>
-              <a:rPr lang="fr-FR" sz="1600" dirty="0">
-                <a:latin typeface="Courier New" panose="02070309020205020404" pitchFamily="49" charset="0"/>
-                <a:cs typeface="Courier New" panose="02070309020205020404" pitchFamily="49" charset="0"/>
-              </a:rPr>
-              <a:t>    </a:t>
-            </a:r>
-            <a:r>
-              <a:rPr lang="fr-FR" sz="1600" dirty="0" err="1">
-                <a:latin typeface="Courier New" panose="02070309020205020404" pitchFamily="49" charset="0"/>
-                <a:cs typeface="Courier New" panose="02070309020205020404" pitchFamily="49" charset="0"/>
-              </a:rPr>
-              <a:t>def</a:t>
-            </a:r>
-            <a:r>
-              <a:rPr lang="fr-FR" sz="1600" dirty="0">
-                <a:latin typeface="Courier New" panose="02070309020205020404" pitchFamily="49" charset="0"/>
-                <a:cs typeface="Courier New" panose="02070309020205020404" pitchFamily="49" charset="0"/>
-              </a:rPr>
-              <a:t> __</a:t>
-            </a:r>
-            <a:r>
-              <a:rPr lang="fr-FR" sz="1600" dirty="0" err="1">
-                <a:latin typeface="Courier New" panose="02070309020205020404" pitchFamily="49" charset="0"/>
-                <a:cs typeface="Courier New" panose="02070309020205020404" pitchFamily="49" charset="0"/>
-              </a:rPr>
-              <a:t>init</a:t>
-            </a:r>
-            <a:r>
-              <a:rPr lang="fr-FR" sz="1600" dirty="0">
-                <a:latin typeface="Courier New" panose="02070309020205020404" pitchFamily="49" charset="0"/>
-                <a:cs typeface="Courier New" panose="02070309020205020404" pitchFamily="49" charset="0"/>
-              </a:rPr>
-              <a:t>__(self, </a:t>
-            </a:r>
-            <a:r>
-              <a:rPr lang="fr-FR" sz="1600" dirty="0" err="1">
-                <a:latin typeface="Courier New" panose="02070309020205020404" pitchFamily="49" charset="0"/>
-                <a:cs typeface="Courier New" panose="02070309020205020404" pitchFamily="49" charset="0"/>
-              </a:rPr>
-              <a:t>id:int</a:t>
-            </a:r>
-            <a:r>
-              <a:rPr lang="fr-FR" sz="1600" dirty="0">
-                <a:latin typeface="Courier New" panose="02070309020205020404" pitchFamily="49" charset="0"/>
-                <a:cs typeface="Courier New" panose="02070309020205020404" pitchFamily="49" charset="0"/>
-              </a:rPr>
-              <a:t>, </a:t>
-            </a:r>
-            <a:r>
-              <a:rPr lang="fr-FR" sz="1600" dirty="0" err="1">
-                <a:latin typeface="Courier New" panose="02070309020205020404" pitchFamily="49" charset="0"/>
-                <a:cs typeface="Courier New" panose="02070309020205020404" pitchFamily="49" charset="0"/>
-              </a:rPr>
-              <a:t>weigths</a:t>
-            </a:r>
-            <a:r>
-              <a:rPr lang="fr-FR" sz="1600" dirty="0">
-                <a:latin typeface="Courier New" panose="02070309020205020404" pitchFamily="49" charset="0"/>
-                <a:cs typeface="Courier New" panose="02070309020205020404" pitchFamily="49" charset="0"/>
-              </a:rPr>
-              <a:t>, </a:t>
-            </a:r>
-            <a:r>
-              <a:rPr lang="fr-FR" sz="1600" dirty="0" err="1" smtClean="0">
-                <a:latin typeface="Courier New" panose="02070309020205020404" pitchFamily="49" charset="0"/>
-                <a:cs typeface="Courier New" panose="02070309020205020404" pitchFamily="49" charset="0"/>
-              </a:rPr>
-              <a:t>activationFn</a:t>
-            </a:r>
-            <a:r>
-              <a:rPr lang="fr-FR" sz="1600" dirty="0" smtClean="0">
-                <a:latin typeface="Courier New" panose="02070309020205020404" pitchFamily="49" charset="0"/>
-                <a:cs typeface="Courier New" panose="02070309020205020404" pitchFamily="49" charset="0"/>
-              </a:rPr>
-              <a:t>):</a:t>
-            </a:r>
-            <a:endParaRPr lang="fr-FR" sz="1600" dirty="0">
-              <a:latin typeface="Courier New" panose="02070309020205020404" pitchFamily="49" charset="0"/>
-              <a:cs typeface="Courier New" panose="02070309020205020404" pitchFamily="49" charset="0"/>
-            </a:endParaRPr>
-          </a:p>
-          <a:p>
-            <a:pPr marL="0" indent="0">
-              <a:buNone/>
-            </a:pPr>
-            <a:r>
-              <a:rPr lang="fr-FR" sz="1600" dirty="0">
-                <a:latin typeface="Courier New" panose="02070309020205020404" pitchFamily="49" charset="0"/>
-                <a:cs typeface="Courier New" panose="02070309020205020404" pitchFamily="49" charset="0"/>
-              </a:rPr>
-              <a:t>        </a:t>
-            </a:r>
-            <a:r>
-              <a:rPr lang="fr-FR" sz="1600" dirty="0" err="1">
-                <a:latin typeface="Courier New" panose="02070309020205020404" pitchFamily="49" charset="0"/>
-                <a:cs typeface="Courier New" panose="02070309020205020404" pitchFamily="49" charset="0"/>
-              </a:rPr>
-              <a:t>self.id:int</a:t>
-            </a:r>
-            <a:r>
-              <a:rPr lang="fr-FR" sz="1600" dirty="0">
-                <a:latin typeface="Courier New" panose="02070309020205020404" pitchFamily="49" charset="0"/>
-                <a:cs typeface="Courier New" panose="02070309020205020404" pitchFamily="49" charset="0"/>
-              </a:rPr>
-              <a:t> = id</a:t>
-            </a:r>
-          </a:p>
-          <a:p>
-            <a:pPr marL="0" indent="0">
-              <a:buNone/>
-            </a:pPr>
-            <a:r>
-              <a:rPr lang="fr-FR" sz="1600" dirty="0">
-                <a:latin typeface="Courier New" panose="02070309020205020404" pitchFamily="49" charset="0"/>
-                <a:cs typeface="Courier New" panose="02070309020205020404" pitchFamily="49" charset="0"/>
-              </a:rPr>
-              <a:t>        </a:t>
-            </a:r>
-            <a:r>
-              <a:rPr lang="fr-FR" sz="1600" dirty="0" err="1">
-                <a:latin typeface="Courier New" panose="02070309020205020404" pitchFamily="49" charset="0"/>
-                <a:cs typeface="Courier New" panose="02070309020205020404" pitchFamily="49" charset="0"/>
-              </a:rPr>
-              <a:t>self.weigths:List</a:t>
-            </a:r>
-            <a:r>
-              <a:rPr lang="fr-FR" sz="1600" dirty="0">
-                <a:latin typeface="Courier New" panose="02070309020205020404" pitchFamily="49" charset="0"/>
-                <a:cs typeface="Courier New" panose="02070309020205020404" pitchFamily="49" charset="0"/>
-              </a:rPr>
-              <a:t>[</a:t>
-            </a:r>
-            <a:r>
-              <a:rPr lang="fr-FR" sz="1600" dirty="0" err="1">
-                <a:latin typeface="Courier New" panose="02070309020205020404" pitchFamily="49" charset="0"/>
-                <a:cs typeface="Courier New" panose="02070309020205020404" pitchFamily="49" charset="0"/>
-              </a:rPr>
-              <a:t>float</a:t>
-            </a:r>
-            <a:r>
-              <a:rPr lang="fr-FR" sz="1600" dirty="0">
-                <a:latin typeface="Courier New" panose="02070309020205020404" pitchFamily="49" charset="0"/>
-                <a:cs typeface="Courier New" panose="02070309020205020404" pitchFamily="49" charset="0"/>
-              </a:rPr>
-              <a:t>] = </a:t>
-            </a:r>
-            <a:r>
-              <a:rPr lang="fr-FR" sz="1600" dirty="0" err="1">
-                <a:latin typeface="Courier New" panose="02070309020205020404" pitchFamily="49" charset="0"/>
-                <a:cs typeface="Courier New" panose="02070309020205020404" pitchFamily="49" charset="0"/>
-              </a:rPr>
-              <a:t>weigths</a:t>
-            </a:r>
-            <a:endParaRPr lang="fr-FR" sz="1600" dirty="0">
-              <a:latin typeface="Courier New" panose="02070309020205020404" pitchFamily="49" charset="0"/>
-              <a:cs typeface="Courier New" panose="02070309020205020404" pitchFamily="49" charset="0"/>
-            </a:endParaRPr>
-          </a:p>
-          <a:p>
-            <a:pPr marL="0" indent="0">
-              <a:buNone/>
-            </a:pPr>
-            <a:r>
-              <a:rPr lang="fr-FR" sz="1600" dirty="0">
-                <a:latin typeface="Courier New" panose="02070309020205020404" pitchFamily="49" charset="0"/>
-                <a:cs typeface="Courier New" panose="02070309020205020404" pitchFamily="49" charset="0"/>
-              </a:rPr>
-              <a:t>        </a:t>
-            </a:r>
-            <a:r>
-              <a:rPr lang="fr-FR" sz="1600" dirty="0" err="1">
-                <a:latin typeface="Courier New" panose="02070309020205020404" pitchFamily="49" charset="0"/>
-                <a:cs typeface="Courier New" panose="02070309020205020404" pitchFamily="49" charset="0"/>
-              </a:rPr>
-              <a:t>self.activationFn</a:t>
-            </a:r>
-            <a:r>
-              <a:rPr lang="fr-FR" sz="1600" dirty="0">
-                <a:latin typeface="Courier New" panose="02070309020205020404" pitchFamily="49" charset="0"/>
-                <a:cs typeface="Courier New" panose="02070309020205020404" pitchFamily="49" charset="0"/>
-              </a:rPr>
-              <a:t> = </a:t>
-            </a:r>
-            <a:r>
-              <a:rPr lang="fr-FR" sz="1600" dirty="0" err="1">
-                <a:latin typeface="Courier New" panose="02070309020205020404" pitchFamily="49" charset="0"/>
-                <a:cs typeface="Courier New" panose="02070309020205020404" pitchFamily="49" charset="0"/>
-              </a:rPr>
-              <a:t>activationFn</a:t>
-            </a:r>
-            <a:endParaRPr lang="fr-FR" sz="1600" dirty="0">
-              <a:latin typeface="Courier New" panose="02070309020205020404" pitchFamily="49" charset="0"/>
-              <a:cs typeface="Courier New" panose="02070309020205020404" pitchFamily="49" charset="0"/>
-            </a:endParaRPr>
-          </a:p>
-          <a:p>
-            <a:pPr marL="0" indent="0">
-              <a:buNone/>
-            </a:pPr>
-            <a:r>
-              <a:rPr lang="fr-FR" sz="1600" dirty="0">
-                <a:latin typeface="Courier New" panose="02070309020205020404" pitchFamily="49" charset="0"/>
-                <a:cs typeface="Courier New" panose="02070309020205020404" pitchFamily="49" charset="0"/>
-              </a:rPr>
-              <a:t>        </a:t>
-            </a:r>
-            <a:r>
-              <a:rPr lang="fr-FR" sz="1600" dirty="0" err="1">
-                <a:latin typeface="Courier New" panose="02070309020205020404" pitchFamily="49" charset="0"/>
-                <a:cs typeface="Courier New" panose="02070309020205020404" pitchFamily="49" charset="0"/>
-              </a:rPr>
-              <a:t>self.delta:float</a:t>
-            </a:r>
-            <a:r>
-              <a:rPr lang="fr-FR" sz="1600" dirty="0">
-                <a:latin typeface="Courier New" panose="02070309020205020404" pitchFamily="49" charset="0"/>
-                <a:cs typeface="Courier New" panose="02070309020205020404" pitchFamily="49" charset="0"/>
-              </a:rPr>
-              <a:t> = 0.1</a:t>
-            </a:r>
-          </a:p>
-          <a:p>
-            <a:pPr marL="0" indent="0">
-              <a:buNone/>
-            </a:pPr>
-            <a:r>
-              <a:rPr lang="fr-FR" sz="1600" dirty="0">
-                <a:latin typeface="Courier New" panose="02070309020205020404" pitchFamily="49" charset="0"/>
-                <a:cs typeface="Courier New" panose="02070309020205020404" pitchFamily="49" charset="0"/>
-              </a:rPr>
-              <a:t>        </a:t>
-            </a:r>
-            <a:r>
-              <a:rPr lang="fr-FR" sz="1600" dirty="0" err="1">
-                <a:latin typeface="Courier New" panose="02070309020205020404" pitchFamily="49" charset="0"/>
-                <a:cs typeface="Courier New" panose="02070309020205020404" pitchFamily="49" charset="0"/>
-              </a:rPr>
-              <a:t>self.output:float</a:t>
-            </a:r>
-            <a:r>
-              <a:rPr lang="fr-FR" sz="1600" dirty="0">
-                <a:latin typeface="Courier New" panose="02070309020205020404" pitchFamily="49" charset="0"/>
-                <a:cs typeface="Courier New" panose="02070309020205020404" pitchFamily="49" charset="0"/>
-              </a:rPr>
-              <a:t> = None</a:t>
-            </a:r>
-          </a:p>
-          <a:p>
-            <a:pPr marL="0" indent="0">
-              <a:buNone/>
-            </a:pPr>
-            <a:r>
-              <a:rPr lang="fr-FR" sz="1600" dirty="0" smtClean="0">
-                <a:latin typeface="Courier New" panose="02070309020205020404" pitchFamily="49" charset="0"/>
-                <a:cs typeface="Courier New" panose="02070309020205020404" pitchFamily="49" charset="0"/>
-              </a:rPr>
-              <a:t>        </a:t>
-            </a:r>
-            <a:r>
-              <a:rPr lang="fr-FR" sz="1600" dirty="0" err="1" smtClean="0">
-                <a:latin typeface="Courier New" panose="02070309020205020404" pitchFamily="49" charset="0"/>
-                <a:cs typeface="Courier New" panose="02070309020205020404" pitchFamily="49" charset="0"/>
-              </a:rPr>
-              <a:t>self.inputs</a:t>
-            </a:r>
-            <a:r>
-              <a:rPr lang="fr-FR" sz="1600" dirty="0" smtClean="0">
-                <a:latin typeface="Courier New" panose="02070309020205020404" pitchFamily="49" charset="0"/>
-                <a:cs typeface="Courier New" panose="02070309020205020404" pitchFamily="49" charset="0"/>
-              </a:rPr>
-              <a:t> </a:t>
-            </a:r>
-            <a:r>
-              <a:rPr lang="fr-FR" sz="1600" dirty="0">
-                <a:latin typeface="Courier New" panose="02070309020205020404" pitchFamily="49" charset="0"/>
-                <a:cs typeface="Courier New" panose="02070309020205020404" pitchFamily="49" charset="0"/>
-              </a:rPr>
-              <a:t>= [0 for _ in </a:t>
-            </a:r>
-            <a:r>
-              <a:rPr lang="fr-FR" sz="1600" dirty="0" err="1">
-                <a:latin typeface="Courier New" panose="02070309020205020404" pitchFamily="49" charset="0"/>
-                <a:cs typeface="Courier New" panose="02070309020205020404" pitchFamily="49" charset="0"/>
-              </a:rPr>
-              <a:t>self.weigths</a:t>
-            </a:r>
-            <a:r>
-              <a:rPr lang="fr-FR" sz="1600" dirty="0">
-                <a:latin typeface="Courier New" panose="02070309020205020404" pitchFamily="49" charset="0"/>
-                <a:cs typeface="Courier New" panose="02070309020205020404" pitchFamily="49" charset="0"/>
-              </a:rPr>
-              <a:t>]</a:t>
-            </a:r>
-          </a:p>
-          <a:p>
-            <a:pPr marL="0" indent="0">
-              <a:buNone/>
-            </a:pPr>
-            <a:endParaRPr lang="fr-FR" sz="1600" dirty="0">
-              <a:latin typeface="Courier New" panose="02070309020205020404" pitchFamily="49" charset="0"/>
-              <a:cs typeface="Courier New" panose="02070309020205020404" pitchFamily="49" charset="0"/>
-            </a:endParaRPr>
-          </a:p>
-          <a:p>
-            <a:pPr marL="0" indent="0">
-              <a:buNone/>
-            </a:pPr>
-            <a:r>
-              <a:rPr lang="fr-FR" sz="1600" dirty="0">
-                <a:latin typeface="Courier New" panose="02070309020205020404" pitchFamily="49" charset="0"/>
-                <a:cs typeface="Courier New" panose="02070309020205020404" pitchFamily="49" charset="0"/>
-              </a:rPr>
-              <a:t>    @</a:t>
-            </a:r>
-            <a:r>
-              <a:rPr lang="fr-FR" sz="1600" dirty="0" err="1">
-                <a:latin typeface="Courier New" panose="02070309020205020404" pitchFamily="49" charset="0"/>
-                <a:cs typeface="Courier New" panose="02070309020205020404" pitchFamily="49" charset="0"/>
-              </a:rPr>
-              <a:t>property</a:t>
-            </a:r>
-            <a:endParaRPr lang="fr-FR" sz="1600" dirty="0">
-              <a:latin typeface="Courier New" panose="02070309020205020404" pitchFamily="49" charset="0"/>
-              <a:cs typeface="Courier New" panose="02070309020205020404" pitchFamily="49" charset="0"/>
-            </a:endParaRPr>
-          </a:p>
-          <a:p>
-            <a:pPr marL="0" indent="0">
-              <a:buNone/>
-            </a:pPr>
-            <a:r>
-              <a:rPr lang="fr-FR" sz="1600" dirty="0">
-                <a:latin typeface="Courier New" panose="02070309020205020404" pitchFamily="49" charset="0"/>
-                <a:cs typeface="Courier New" panose="02070309020205020404" pitchFamily="49" charset="0"/>
-              </a:rPr>
-              <a:t>    </a:t>
-            </a:r>
-            <a:r>
-              <a:rPr lang="fr-FR" sz="1600" dirty="0" err="1">
-                <a:latin typeface="Courier New" panose="02070309020205020404" pitchFamily="49" charset="0"/>
-                <a:cs typeface="Courier New" panose="02070309020205020404" pitchFamily="49" charset="0"/>
-              </a:rPr>
-              <a:t>def</a:t>
-            </a:r>
-            <a:r>
-              <a:rPr lang="fr-FR" sz="1600" dirty="0">
-                <a:latin typeface="Courier New" panose="02070309020205020404" pitchFamily="49" charset="0"/>
-                <a:cs typeface="Courier New" panose="02070309020205020404" pitchFamily="49" charset="0"/>
-              </a:rPr>
-              <a:t> signal(self):</a:t>
-            </a:r>
-          </a:p>
-          <a:p>
-            <a:pPr marL="0" indent="0">
-              <a:buNone/>
-            </a:pPr>
-            <a:r>
-              <a:rPr lang="fr-FR" sz="1600" dirty="0">
-                <a:latin typeface="Courier New" panose="02070309020205020404" pitchFamily="49" charset="0"/>
-                <a:cs typeface="Courier New" panose="02070309020205020404" pitchFamily="49" charset="0"/>
-              </a:rPr>
-              <a:t>        return </a:t>
-            </a:r>
-            <a:r>
-              <a:rPr lang="fr-FR" sz="1600" dirty="0" err="1">
-                <a:latin typeface="Courier New" panose="02070309020205020404" pitchFamily="49" charset="0"/>
-                <a:cs typeface="Courier New" panose="02070309020205020404" pitchFamily="49" charset="0"/>
-              </a:rPr>
-              <a:t>sum</a:t>
-            </a:r>
-            <a:r>
-              <a:rPr lang="fr-FR" sz="1600" dirty="0">
-                <a:latin typeface="Courier New" panose="02070309020205020404" pitchFamily="49" charset="0"/>
-                <a:cs typeface="Courier New" panose="02070309020205020404" pitchFamily="49" charset="0"/>
-              </a:rPr>
-              <a:t>([input * </a:t>
-            </a:r>
-            <a:r>
-              <a:rPr lang="fr-FR" sz="1600" dirty="0" err="1">
-                <a:latin typeface="Courier New" panose="02070309020205020404" pitchFamily="49" charset="0"/>
-                <a:cs typeface="Courier New" panose="02070309020205020404" pitchFamily="49" charset="0"/>
-              </a:rPr>
-              <a:t>weight</a:t>
-            </a:r>
-            <a:r>
-              <a:rPr lang="fr-FR" sz="1600" dirty="0">
-                <a:latin typeface="Courier New" panose="02070309020205020404" pitchFamily="49" charset="0"/>
-                <a:cs typeface="Courier New" panose="02070309020205020404" pitchFamily="49" charset="0"/>
-              </a:rPr>
-              <a:t> for input, </a:t>
-            </a:r>
-            <a:r>
-              <a:rPr lang="fr-FR" sz="1600" dirty="0" err="1">
-                <a:latin typeface="Courier New" panose="02070309020205020404" pitchFamily="49" charset="0"/>
-                <a:cs typeface="Courier New" panose="02070309020205020404" pitchFamily="49" charset="0"/>
-              </a:rPr>
-              <a:t>weight</a:t>
-            </a:r>
-            <a:r>
-              <a:rPr lang="fr-FR" sz="1600" dirty="0">
-                <a:latin typeface="Courier New" panose="02070309020205020404" pitchFamily="49" charset="0"/>
-                <a:cs typeface="Courier New" panose="02070309020205020404" pitchFamily="49" charset="0"/>
-              </a:rPr>
-              <a:t> in zip(</a:t>
-            </a:r>
-            <a:r>
-              <a:rPr lang="fr-FR" sz="1600" dirty="0" err="1">
-                <a:latin typeface="Courier New" panose="02070309020205020404" pitchFamily="49" charset="0"/>
-                <a:cs typeface="Courier New" panose="02070309020205020404" pitchFamily="49" charset="0"/>
-              </a:rPr>
-              <a:t>self.inputs</a:t>
-            </a:r>
-            <a:r>
-              <a:rPr lang="fr-FR" sz="1600" dirty="0">
-                <a:latin typeface="Courier New" panose="02070309020205020404" pitchFamily="49" charset="0"/>
-                <a:cs typeface="Courier New" panose="02070309020205020404" pitchFamily="49" charset="0"/>
-              </a:rPr>
-              <a:t>, </a:t>
-            </a:r>
-            <a:r>
-              <a:rPr lang="fr-FR" sz="1600" dirty="0" err="1">
-                <a:latin typeface="Courier New" panose="02070309020205020404" pitchFamily="49" charset="0"/>
-                <a:cs typeface="Courier New" panose="02070309020205020404" pitchFamily="49" charset="0"/>
-              </a:rPr>
-              <a:t>self.weigths</a:t>
-            </a:r>
-            <a:r>
-              <a:rPr lang="fr-FR" sz="1600" dirty="0">
-                <a:latin typeface="Courier New" panose="02070309020205020404" pitchFamily="49" charset="0"/>
-                <a:cs typeface="Courier New" panose="02070309020205020404" pitchFamily="49" charset="0"/>
-              </a:rPr>
-              <a:t>)])</a:t>
-            </a:r>
-          </a:p>
-        </p:txBody>
-      </p:sp>
-    </p:spTree>
-    <p:extLst>
-      <p:ext uri="{BB962C8B-B14F-4D97-AF65-F5344CB8AC3E}">
-        <p14:creationId xmlns:p14="http://schemas.microsoft.com/office/powerpoint/2010/main" val="4089416992"/>
-      </p:ext>
-    </p:extLst>
-  </p:cSld>
-  <p:clrMapOvr>
-    <a:masterClrMapping/>
-  </p:clrMapOvr>
-</p:sld>
-</file>
-
 <file path=ppt/slides/slide7.xml><?xml version="1.0" encoding="utf-8"?>
 <p:sld xmlns:a="http://schemas.openxmlformats.org/drawingml/2006/main" xmlns:r="http://schemas.openxmlformats.org/officeDocument/2006/relationships" xmlns:p="http://schemas.openxmlformats.org/presentationml/2006/main">
   <p:cSld>
@@ -7534,6 +7249,535 @@
               <a:buNone/>
             </a:pPr>
             <a:r>
+              <a:rPr lang="fr-FR" sz="1600" dirty="0">
+                <a:latin typeface="Courier New" panose="02070309020205020404" pitchFamily="49" charset="0"/>
+                <a:cs typeface="Courier New" panose="02070309020205020404" pitchFamily="49" charset="0"/>
+              </a:rPr>
+              <a:t>class Perceptron:</a:t>
+            </a:r>
+          </a:p>
+          <a:p>
+            <a:pPr marL="0" indent="0">
+              <a:buNone/>
+            </a:pPr>
+            <a:endParaRPr lang="fr-FR" sz="1600" dirty="0">
+              <a:latin typeface="Courier New" panose="02070309020205020404" pitchFamily="49" charset="0"/>
+              <a:cs typeface="Courier New" panose="02070309020205020404" pitchFamily="49" charset="0"/>
+            </a:endParaRPr>
+          </a:p>
+          <a:p>
+            <a:pPr marL="0" indent="0">
+              <a:buNone/>
+            </a:pPr>
+            <a:r>
+              <a:rPr lang="fr-FR" sz="1600" dirty="0">
+                <a:latin typeface="Courier New" panose="02070309020205020404" pitchFamily="49" charset="0"/>
+                <a:cs typeface="Courier New" panose="02070309020205020404" pitchFamily="49" charset="0"/>
+              </a:rPr>
+              <a:t>    </a:t>
+            </a:r>
+            <a:r>
+              <a:rPr lang="fr-FR" sz="1600" dirty="0" err="1">
+                <a:latin typeface="Courier New" panose="02070309020205020404" pitchFamily="49" charset="0"/>
+                <a:cs typeface="Courier New" panose="02070309020205020404" pitchFamily="49" charset="0"/>
+              </a:rPr>
+              <a:t>def</a:t>
+            </a:r>
+            <a:r>
+              <a:rPr lang="fr-FR" sz="1600" dirty="0">
+                <a:latin typeface="Courier New" panose="02070309020205020404" pitchFamily="49" charset="0"/>
+                <a:cs typeface="Courier New" panose="02070309020205020404" pitchFamily="49" charset="0"/>
+              </a:rPr>
+              <a:t> __</a:t>
+            </a:r>
+            <a:r>
+              <a:rPr lang="fr-FR" sz="1600" dirty="0" err="1">
+                <a:latin typeface="Courier New" panose="02070309020205020404" pitchFamily="49" charset="0"/>
+                <a:cs typeface="Courier New" panose="02070309020205020404" pitchFamily="49" charset="0"/>
+              </a:rPr>
+              <a:t>init</a:t>
+            </a:r>
+            <a:r>
+              <a:rPr lang="fr-FR" sz="1600" dirty="0">
+                <a:latin typeface="Courier New" panose="02070309020205020404" pitchFamily="49" charset="0"/>
+                <a:cs typeface="Courier New" panose="02070309020205020404" pitchFamily="49" charset="0"/>
+              </a:rPr>
+              <a:t>__(self, </a:t>
+            </a:r>
+            <a:r>
+              <a:rPr lang="fr-FR" sz="1600" dirty="0" err="1">
+                <a:latin typeface="Courier New" panose="02070309020205020404" pitchFamily="49" charset="0"/>
+                <a:cs typeface="Courier New" panose="02070309020205020404" pitchFamily="49" charset="0"/>
+              </a:rPr>
+              <a:t>id:int</a:t>
+            </a:r>
+            <a:r>
+              <a:rPr lang="fr-FR" sz="1600" dirty="0">
+                <a:latin typeface="Courier New" panose="02070309020205020404" pitchFamily="49" charset="0"/>
+                <a:cs typeface="Courier New" panose="02070309020205020404" pitchFamily="49" charset="0"/>
+              </a:rPr>
+              <a:t>, </a:t>
+            </a:r>
+            <a:r>
+              <a:rPr lang="fr-FR" sz="1600" dirty="0" err="1">
+                <a:latin typeface="Courier New" panose="02070309020205020404" pitchFamily="49" charset="0"/>
+                <a:cs typeface="Courier New" panose="02070309020205020404" pitchFamily="49" charset="0"/>
+              </a:rPr>
+              <a:t>weigths</a:t>
+            </a:r>
+            <a:r>
+              <a:rPr lang="fr-FR" sz="1600" dirty="0">
+                <a:latin typeface="Courier New" panose="02070309020205020404" pitchFamily="49" charset="0"/>
+                <a:cs typeface="Courier New" panose="02070309020205020404" pitchFamily="49" charset="0"/>
+              </a:rPr>
+              <a:t>, </a:t>
+            </a:r>
+            <a:r>
+              <a:rPr lang="fr-FR" sz="1600" dirty="0" err="1" smtClean="0">
+                <a:latin typeface="Courier New" panose="02070309020205020404" pitchFamily="49" charset="0"/>
+                <a:cs typeface="Courier New" panose="02070309020205020404" pitchFamily="49" charset="0"/>
+              </a:rPr>
+              <a:t>activationFn</a:t>
+            </a:r>
+            <a:r>
+              <a:rPr lang="fr-FR" sz="1600" dirty="0" smtClean="0">
+                <a:latin typeface="Courier New" panose="02070309020205020404" pitchFamily="49" charset="0"/>
+                <a:cs typeface="Courier New" panose="02070309020205020404" pitchFamily="49" charset="0"/>
+              </a:rPr>
+              <a:t>):</a:t>
+            </a:r>
+            <a:endParaRPr lang="fr-FR" sz="1600" dirty="0">
+              <a:latin typeface="Courier New" panose="02070309020205020404" pitchFamily="49" charset="0"/>
+              <a:cs typeface="Courier New" panose="02070309020205020404" pitchFamily="49" charset="0"/>
+            </a:endParaRPr>
+          </a:p>
+          <a:p>
+            <a:pPr marL="0" indent="0">
+              <a:buNone/>
+            </a:pPr>
+            <a:r>
+              <a:rPr lang="fr-FR" sz="1600" dirty="0">
+                <a:latin typeface="Courier New" panose="02070309020205020404" pitchFamily="49" charset="0"/>
+                <a:cs typeface="Courier New" panose="02070309020205020404" pitchFamily="49" charset="0"/>
+              </a:rPr>
+              <a:t>        </a:t>
+            </a:r>
+            <a:r>
+              <a:rPr lang="fr-FR" sz="1600" dirty="0" err="1">
+                <a:latin typeface="Courier New" panose="02070309020205020404" pitchFamily="49" charset="0"/>
+                <a:cs typeface="Courier New" panose="02070309020205020404" pitchFamily="49" charset="0"/>
+              </a:rPr>
+              <a:t>self.id:int</a:t>
+            </a:r>
+            <a:r>
+              <a:rPr lang="fr-FR" sz="1600" dirty="0">
+                <a:latin typeface="Courier New" panose="02070309020205020404" pitchFamily="49" charset="0"/>
+                <a:cs typeface="Courier New" panose="02070309020205020404" pitchFamily="49" charset="0"/>
+              </a:rPr>
+              <a:t> = id</a:t>
+            </a:r>
+          </a:p>
+          <a:p>
+            <a:pPr marL="0" indent="0">
+              <a:buNone/>
+            </a:pPr>
+            <a:r>
+              <a:rPr lang="fr-FR" sz="1600" dirty="0">
+                <a:latin typeface="Courier New" panose="02070309020205020404" pitchFamily="49" charset="0"/>
+                <a:cs typeface="Courier New" panose="02070309020205020404" pitchFamily="49" charset="0"/>
+              </a:rPr>
+              <a:t>        </a:t>
+            </a:r>
+            <a:r>
+              <a:rPr lang="fr-FR" sz="1600" dirty="0" err="1">
+                <a:latin typeface="Courier New" panose="02070309020205020404" pitchFamily="49" charset="0"/>
+                <a:cs typeface="Courier New" panose="02070309020205020404" pitchFamily="49" charset="0"/>
+              </a:rPr>
+              <a:t>self.weigths:List</a:t>
+            </a:r>
+            <a:r>
+              <a:rPr lang="fr-FR" sz="1600" dirty="0">
+                <a:latin typeface="Courier New" panose="02070309020205020404" pitchFamily="49" charset="0"/>
+                <a:cs typeface="Courier New" panose="02070309020205020404" pitchFamily="49" charset="0"/>
+              </a:rPr>
+              <a:t>[</a:t>
+            </a:r>
+            <a:r>
+              <a:rPr lang="fr-FR" sz="1600" dirty="0" err="1">
+                <a:latin typeface="Courier New" panose="02070309020205020404" pitchFamily="49" charset="0"/>
+                <a:cs typeface="Courier New" panose="02070309020205020404" pitchFamily="49" charset="0"/>
+              </a:rPr>
+              <a:t>float</a:t>
+            </a:r>
+            <a:r>
+              <a:rPr lang="fr-FR" sz="1600" dirty="0">
+                <a:latin typeface="Courier New" panose="02070309020205020404" pitchFamily="49" charset="0"/>
+                <a:cs typeface="Courier New" panose="02070309020205020404" pitchFamily="49" charset="0"/>
+              </a:rPr>
+              <a:t>] = </a:t>
+            </a:r>
+            <a:r>
+              <a:rPr lang="fr-FR" sz="1600" dirty="0" err="1">
+                <a:latin typeface="Courier New" panose="02070309020205020404" pitchFamily="49" charset="0"/>
+                <a:cs typeface="Courier New" panose="02070309020205020404" pitchFamily="49" charset="0"/>
+              </a:rPr>
+              <a:t>weigths</a:t>
+            </a:r>
+            <a:endParaRPr lang="fr-FR" sz="1600" dirty="0">
+              <a:latin typeface="Courier New" panose="02070309020205020404" pitchFamily="49" charset="0"/>
+              <a:cs typeface="Courier New" panose="02070309020205020404" pitchFamily="49" charset="0"/>
+            </a:endParaRPr>
+          </a:p>
+          <a:p>
+            <a:pPr marL="0" indent="0">
+              <a:buNone/>
+            </a:pPr>
+            <a:r>
+              <a:rPr lang="fr-FR" sz="1600" dirty="0">
+                <a:latin typeface="Courier New" panose="02070309020205020404" pitchFamily="49" charset="0"/>
+                <a:cs typeface="Courier New" panose="02070309020205020404" pitchFamily="49" charset="0"/>
+              </a:rPr>
+              <a:t>        </a:t>
+            </a:r>
+            <a:r>
+              <a:rPr lang="fr-FR" sz="1600" dirty="0" err="1">
+                <a:latin typeface="Courier New" panose="02070309020205020404" pitchFamily="49" charset="0"/>
+                <a:cs typeface="Courier New" panose="02070309020205020404" pitchFamily="49" charset="0"/>
+              </a:rPr>
+              <a:t>self.activationFn</a:t>
+            </a:r>
+            <a:r>
+              <a:rPr lang="fr-FR" sz="1600" dirty="0">
+                <a:latin typeface="Courier New" panose="02070309020205020404" pitchFamily="49" charset="0"/>
+                <a:cs typeface="Courier New" panose="02070309020205020404" pitchFamily="49" charset="0"/>
+              </a:rPr>
+              <a:t> = </a:t>
+            </a:r>
+            <a:r>
+              <a:rPr lang="fr-FR" sz="1600" dirty="0" err="1">
+                <a:latin typeface="Courier New" panose="02070309020205020404" pitchFamily="49" charset="0"/>
+                <a:cs typeface="Courier New" panose="02070309020205020404" pitchFamily="49" charset="0"/>
+              </a:rPr>
+              <a:t>activationFn</a:t>
+            </a:r>
+            <a:endParaRPr lang="fr-FR" sz="1600" dirty="0">
+              <a:latin typeface="Courier New" panose="02070309020205020404" pitchFamily="49" charset="0"/>
+              <a:cs typeface="Courier New" panose="02070309020205020404" pitchFamily="49" charset="0"/>
+            </a:endParaRPr>
+          </a:p>
+          <a:p>
+            <a:pPr marL="0" indent="0">
+              <a:buNone/>
+            </a:pPr>
+            <a:r>
+              <a:rPr lang="fr-FR" sz="1600" dirty="0">
+                <a:latin typeface="Courier New" panose="02070309020205020404" pitchFamily="49" charset="0"/>
+                <a:cs typeface="Courier New" panose="02070309020205020404" pitchFamily="49" charset="0"/>
+              </a:rPr>
+              <a:t>        </a:t>
+            </a:r>
+            <a:r>
+              <a:rPr lang="fr-FR" sz="1600" dirty="0" err="1">
+                <a:latin typeface="Courier New" panose="02070309020205020404" pitchFamily="49" charset="0"/>
+                <a:cs typeface="Courier New" panose="02070309020205020404" pitchFamily="49" charset="0"/>
+              </a:rPr>
+              <a:t>self.delta:float</a:t>
+            </a:r>
+            <a:r>
+              <a:rPr lang="fr-FR" sz="1600" dirty="0">
+                <a:latin typeface="Courier New" panose="02070309020205020404" pitchFamily="49" charset="0"/>
+                <a:cs typeface="Courier New" panose="02070309020205020404" pitchFamily="49" charset="0"/>
+              </a:rPr>
+              <a:t> = 0.1</a:t>
+            </a:r>
+          </a:p>
+          <a:p>
+            <a:pPr marL="0" indent="0">
+              <a:buNone/>
+            </a:pPr>
+            <a:r>
+              <a:rPr lang="fr-FR" sz="1600" dirty="0">
+                <a:latin typeface="Courier New" panose="02070309020205020404" pitchFamily="49" charset="0"/>
+                <a:cs typeface="Courier New" panose="02070309020205020404" pitchFamily="49" charset="0"/>
+              </a:rPr>
+              <a:t>        </a:t>
+            </a:r>
+            <a:r>
+              <a:rPr lang="fr-FR" sz="1600" dirty="0" err="1">
+                <a:latin typeface="Courier New" panose="02070309020205020404" pitchFamily="49" charset="0"/>
+                <a:cs typeface="Courier New" panose="02070309020205020404" pitchFamily="49" charset="0"/>
+              </a:rPr>
+              <a:t>self.output:float</a:t>
+            </a:r>
+            <a:r>
+              <a:rPr lang="fr-FR" sz="1600" dirty="0">
+                <a:latin typeface="Courier New" panose="02070309020205020404" pitchFamily="49" charset="0"/>
+                <a:cs typeface="Courier New" panose="02070309020205020404" pitchFamily="49" charset="0"/>
+              </a:rPr>
+              <a:t> = None</a:t>
+            </a:r>
+          </a:p>
+          <a:p>
+            <a:pPr marL="0" indent="0">
+              <a:buNone/>
+            </a:pPr>
+            <a:r>
+              <a:rPr lang="fr-FR" sz="1600" dirty="0" smtClean="0">
+                <a:latin typeface="Courier New" panose="02070309020205020404" pitchFamily="49" charset="0"/>
+                <a:cs typeface="Courier New" panose="02070309020205020404" pitchFamily="49" charset="0"/>
+              </a:rPr>
+              <a:t>        </a:t>
+            </a:r>
+            <a:r>
+              <a:rPr lang="fr-FR" sz="1600" dirty="0" err="1" smtClean="0">
+                <a:latin typeface="Courier New" panose="02070309020205020404" pitchFamily="49" charset="0"/>
+                <a:cs typeface="Courier New" panose="02070309020205020404" pitchFamily="49" charset="0"/>
+              </a:rPr>
+              <a:t>self.inputs</a:t>
+            </a:r>
+            <a:r>
+              <a:rPr lang="fr-FR" sz="1600" dirty="0" smtClean="0">
+                <a:latin typeface="Courier New" panose="02070309020205020404" pitchFamily="49" charset="0"/>
+                <a:cs typeface="Courier New" panose="02070309020205020404" pitchFamily="49" charset="0"/>
+              </a:rPr>
+              <a:t> </a:t>
+            </a:r>
+            <a:r>
+              <a:rPr lang="fr-FR" sz="1600" dirty="0">
+                <a:latin typeface="Courier New" panose="02070309020205020404" pitchFamily="49" charset="0"/>
+                <a:cs typeface="Courier New" panose="02070309020205020404" pitchFamily="49" charset="0"/>
+              </a:rPr>
+              <a:t>= [0 for _ in </a:t>
+            </a:r>
+            <a:r>
+              <a:rPr lang="fr-FR" sz="1600" dirty="0" err="1">
+                <a:latin typeface="Courier New" panose="02070309020205020404" pitchFamily="49" charset="0"/>
+                <a:cs typeface="Courier New" panose="02070309020205020404" pitchFamily="49" charset="0"/>
+              </a:rPr>
+              <a:t>self.weigths</a:t>
+            </a:r>
+            <a:r>
+              <a:rPr lang="fr-FR" sz="1600" dirty="0">
+                <a:latin typeface="Courier New" panose="02070309020205020404" pitchFamily="49" charset="0"/>
+                <a:cs typeface="Courier New" panose="02070309020205020404" pitchFamily="49" charset="0"/>
+              </a:rPr>
+              <a:t>]</a:t>
+            </a:r>
+          </a:p>
+          <a:p>
+            <a:pPr marL="0" indent="0">
+              <a:buNone/>
+            </a:pPr>
+            <a:endParaRPr lang="fr-FR" sz="1600" dirty="0">
+              <a:latin typeface="Courier New" panose="02070309020205020404" pitchFamily="49" charset="0"/>
+              <a:cs typeface="Courier New" panose="02070309020205020404" pitchFamily="49" charset="0"/>
+            </a:endParaRPr>
+          </a:p>
+          <a:p>
+            <a:pPr marL="0" indent="0">
+              <a:buNone/>
+            </a:pPr>
+            <a:r>
+              <a:rPr lang="fr-FR" sz="1600" dirty="0">
+                <a:latin typeface="Courier New" panose="02070309020205020404" pitchFamily="49" charset="0"/>
+                <a:cs typeface="Courier New" panose="02070309020205020404" pitchFamily="49" charset="0"/>
+              </a:rPr>
+              <a:t>    @</a:t>
+            </a:r>
+            <a:r>
+              <a:rPr lang="fr-FR" sz="1600" dirty="0" err="1">
+                <a:latin typeface="Courier New" panose="02070309020205020404" pitchFamily="49" charset="0"/>
+                <a:cs typeface="Courier New" panose="02070309020205020404" pitchFamily="49" charset="0"/>
+              </a:rPr>
+              <a:t>property</a:t>
+            </a:r>
+            <a:endParaRPr lang="fr-FR" sz="1600" dirty="0">
+              <a:latin typeface="Courier New" panose="02070309020205020404" pitchFamily="49" charset="0"/>
+              <a:cs typeface="Courier New" panose="02070309020205020404" pitchFamily="49" charset="0"/>
+            </a:endParaRPr>
+          </a:p>
+          <a:p>
+            <a:pPr marL="0" indent="0">
+              <a:buNone/>
+            </a:pPr>
+            <a:r>
+              <a:rPr lang="fr-FR" sz="1600" dirty="0">
+                <a:latin typeface="Courier New" panose="02070309020205020404" pitchFamily="49" charset="0"/>
+                <a:cs typeface="Courier New" panose="02070309020205020404" pitchFamily="49" charset="0"/>
+              </a:rPr>
+              <a:t>    </a:t>
+            </a:r>
+            <a:r>
+              <a:rPr lang="fr-FR" sz="1600" dirty="0" err="1">
+                <a:latin typeface="Courier New" panose="02070309020205020404" pitchFamily="49" charset="0"/>
+                <a:cs typeface="Courier New" panose="02070309020205020404" pitchFamily="49" charset="0"/>
+              </a:rPr>
+              <a:t>def</a:t>
+            </a:r>
+            <a:r>
+              <a:rPr lang="fr-FR" sz="1600" dirty="0">
+                <a:latin typeface="Courier New" panose="02070309020205020404" pitchFamily="49" charset="0"/>
+                <a:cs typeface="Courier New" panose="02070309020205020404" pitchFamily="49" charset="0"/>
+              </a:rPr>
+              <a:t> signal(self):</a:t>
+            </a:r>
+          </a:p>
+          <a:p>
+            <a:pPr marL="0" indent="0">
+              <a:buNone/>
+            </a:pPr>
+            <a:r>
+              <a:rPr lang="fr-FR" sz="1600" dirty="0">
+                <a:latin typeface="Courier New" panose="02070309020205020404" pitchFamily="49" charset="0"/>
+                <a:cs typeface="Courier New" panose="02070309020205020404" pitchFamily="49" charset="0"/>
+              </a:rPr>
+              <a:t>        return </a:t>
+            </a:r>
+            <a:r>
+              <a:rPr lang="fr-FR" sz="1600" dirty="0" err="1">
+                <a:latin typeface="Courier New" panose="02070309020205020404" pitchFamily="49" charset="0"/>
+                <a:cs typeface="Courier New" panose="02070309020205020404" pitchFamily="49" charset="0"/>
+              </a:rPr>
+              <a:t>sum</a:t>
+            </a:r>
+            <a:r>
+              <a:rPr lang="fr-FR" sz="1600" dirty="0">
+                <a:latin typeface="Courier New" panose="02070309020205020404" pitchFamily="49" charset="0"/>
+                <a:cs typeface="Courier New" panose="02070309020205020404" pitchFamily="49" charset="0"/>
+              </a:rPr>
+              <a:t>([input * </a:t>
+            </a:r>
+            <a:r>
+              <a:rPr lang="fr-FR" sz="1600" dirty="0" err="1">
+                <a:latin typeface="Courier New" panose="02070309020205020404" pitchFamily="49" charset="0"/>
+                <a:cs typeface="Courier New" panose="02070309020205020404" pitchFamily="49" charset="0"/>
+              </a:rPr>
+              <a:t>weight</a:t>
+            </a:r>
+            <a:r>
+              <a:rPr lang="fr-FR" sz="1600" dirty="0">
+                <a:latin typeface="Courier New" panose="02070309020205020404" pitchFamily="49" charset="0"/>
+                <a:cs typeface="Courier New" panose="02070309020205020404" pitchFamily="49" charset="0"/>
+              </a:rPr>
+              <a:t> for input, </a:t>
+            </a:r>
+            <a:r>
+              <a:rPr lang="fr-FR" sz="1600" dirty="0" err="1">
+                <a:latin typeface="Courier New" panose="02070309020205020404" pitchFamily="49" charset="0"/>
+                <a:cs typeface="Courier New" panose="02070309020205020404" pitchFamily="49" charset="0"/>
+              </a:rPr>
+              <a:t>weight</a:t>
+            </a:r>
+            <a:r>
+              <a:rPr lang="fr-FR" sz="1600" dirty="0">
+                <a:latin typeface="Courier New" panose="02070309020205020404" pitchFamily="49" charset="0"/>
+                <a:cs typeface="Courier New" panose="02070309020205020404" pitchFamily="49" charset="0"/>
+              </a:rPr>
+              <a:t> in zip(</a:t>
+            </a:r>
+            <a:r>
+              <a:rPr lang="fr-FR" sz="1600" dirty="0" err="1">
+                <a:latin typeface="Courier New" panose="02070309020205020404" pitchFamily="49" charset="0"/>
+                <a:cs typeface="Courier New" panose="02070309020205020404" pitchFamily="49" charset="0"/>
+              </a:rPr>
+              <a:t>self.inputs</a:t>
+            </a:r>
+            <a:r>
+              <a:rPr lang="fr-FR" sz="1600" dirty="0">
+                <a:latin typeface="Courier New" panose="02070309020205020404" pitchFamily="49" charset="0"/>
+                <a:cs typeface="Courier New" panose="02070309020205020404" pitchFamily="49" charset="0"/>
+              </a:rPr>
+              <a:t>, </a:t>
+            </a:r>
+            <a:r>
+              <a:rPr lang="fr-FR" sz="1600" dirty="0" err="1">
+                <a:latin typeface="Courier New" panose="02070309020205020404" pitchFamily="49" charset="0"/>
+                <a:cs typeface="Courier New" panose="02070309020205020404" pitchFamily="49" charset="0"/>
+              </a:rPr>
+              <a:t>self.weigths</a:t>
+            </a:r>
+            <a:r>
+              <a:rPr lang="fr-FR" sz="1600" dirty="0">
+                <a:latin typeface="Courier New" panose="02070309020205020404" pitchFamily="49" charset="0"/>
+                <a:cs typeface="Courier New" panose="02070309020205020404" pitchFamily="49" charset="0"/>
+              </a:rPr>
+              <a:t>)])</a:t>
+            </a:r>
+          </a:p>
+        </p:txBody>
+      </p:sp>
+    </p:spTree>
+    <p:extLst>
+      <p:ext uri="{BB962C8B-B14F-4D97-AF65-F5344CB8AC3E}">
+        <p14:creationId xmlns:p14="http://schemas.microsoft.com/office/powerpoint/2010/main" val="4089416992"/>
+      </p:ext>
+    </p:extLst>
+  </p:cSld>
+  <p:clrMapOvr>
+    <a:masterClrMapping/>
+  </p:clrMapOvr>
+</p:sld>
+</file>
+
+<file path=ppt/slides/slide8.xml><?xml version="1.0" encoding="utf-8"?>
+<p:sld xmlns:a="http://schemas.openxmlformats.org/drawingml/2006/main" xmlns:r="http://schemas.openxmlformats.org/officeDocument/2006/relationships" xmlns:p="http://schemas.openxmlformats.org/presentationml/2006/main">
+  <p:cSld>
+    <p:spTree>
+      <p:nvGrpSpPr>
+        <p:cNvPr id="1" name=""/>
+        <p:cNvGrpSpPr/>
+        <p:nvPr/>
+      </p:nvGrpSpPr>
+      <p:grpSpPr>
+        <a:xfrm>
+          <a:off x="0" y="0"/>
+          <a:ext cx="0" cy="0"/>
+          <a:chOff x="0" y="0"/>
+          <a:chExt cx="0" cy="0"/>
+        </a:xfrm>
+      </p:grpSpPr>
+      <p:sp>
+        <p:nvSpPr>
+          <p:cNvPr id="2" name="Titre 1"/>
+          <p:cNvSpPr>
+            <a:spLocks noGrp="1"/>
+          </p:cNvSpPr>
+          <p:nvPr>
+            <p:ph type="title"/>
+          </p:nvPr>
+        </p:nvSpPr>
+        <p:spPr/>
+        <p:txBody>
+          <a:bodyPr/>
+          <a:lstStyle/>
+          <a:p>
+            <a:r>
+              <a:rPr lang="fr-FR" dirty="0" smtClean="0"/>
+              <a:t>Exemple de perceptron simple</a:t>
+            </a:r>
+            <a:endParaRPr lang="fr-FR" dirty="0"/>
+          </a:p>
+        </p:txBody>
+      </p:sp>
+      <p:sp>
+        <p:nvSpPr>
+          <p:cNvPr id="3" name="Espace réservé du contenu 2"/>
+          <p:cNvSpPr>
+            <a:spLocks noGrp="1"/>
+          </p:cNvSpPr>
+          <p:nvPr>
+            <p:ph idx="1"/>
+          </p:nvPr>
+        </p:nvSpPr>
+        <p:spPr/>
+        <p:txBody>
+          <a:bodyPr/>
+          <a:lstStyle/>
+          <a:p>
+            <a:pPr marL="0" indent="0">
+              <a:buNone/>
+            </a:pPr>
+            <a:r>
               <a:rPr lang="fr-FR" sz="1600" dirty="0" smtClean="0">
                 <a:latin typeface="Courier New" panose="02070309020205020404" pitchFamily="49" charset="0"/>
                 <a:cs typeface="Courier New" panose="02070309020205020404" pitchFamily="49" charset="0"/>
@@ -7864,7 +8108,7 @@
 </p:sld>
 </file>
 
-<file path=ppt/slides/slide8.xml><?xml version="1.0" encoding="utf-8"?>
+<file path=ppt/slides/slide9.xml><?xml version="1.0" encoding="utf-8"?>
 <p:sld xmlns:a="http://schemas.openxmlformats.org/drawingml/2006/main" xmlns:r="http://schemas.openxmlformats.org/officeDocument/2006/relationships" xmlns:p="http://schemas.openxmlformats.org/presentationml/2006/main">
   <p:cSld>
     <p:spTree>
@@ -7951,102 +8195,6 @@
     <p:extLst>
       <p:ext uri="{BB962C8B-B14F-4D97-AF65-F5344CB8AC3E}">
         <p14:creationId xmlns:p14="http://schemas.microsoft.com/office/powerpoint/2010/main" val="785674241"/>
-      </p:ext>
-    </p:extLst>
-  </p:cSld>
-  <p:clrMapOvr>
-    <a:masterClrMapping/>
-  </p:clrMapOvr>
-</p:sld>
-</file>
-
-<file path=ppt/slides/slide9.xml><?xml version="1.0" encoding="utf-8"?>
-<p:sld xmlns:a="http://schemas.openxmlformats.org/drawingml/2006/main" xmlns:r="http://schemas.openxmlformats.org/officeDocument/2006/relationships" xmlns:p="http://schemas.openxmlformats.org/presentationml/2006/main">
-  <p:cSld>
-    <p:spTree>
-      <p:nvGrpSpPr>
-        <p:cNvPr id="1" name=""/>
-        <p:cNvGrpSpPr/>
-        <p:nvPr/>
-      </p:nvGrpSpPr>
-      <p:grpSpPr>
-        <a:xfrm>
-          <a:off x="0" y="0"/>
-          <a:ext cx="0" cy="0"/>
-          <a:chOff x="0" y="0"/>
-          <a:chExt cx="0" cy="0"/>
-        </a:xfrm>
-      </p:grpSpPr>
-      <p:sp>
-        <p:nvSpPr>
-          <p:cNvPr id="2" name="Titre 1"/>
-          <p:cNvSpPr>
-            <a:spLocks noGrp="1"/>
-          </p:cNvSpPr>
-          <p:nvPr>
-            <p:ph type="title"/>
-          </p:nvPr>
-        </p:nvSpPr>
-        <p:spPr/>
-        <p:txBody>
-          <a:bodyPr/>
-          <a:lstStyle/>
-          <a:p>
-            <a:r>
-              <a:rPr lang="fr-FR" dirty="0" smtClean="0"/>
-              <a:t>MLP MNIST</a:t>
-            </a:r>
-            <a:endParaRPr lang="fr-FR" dirty="0"/>
-          </a:p>
-        </p:txBody>
-      </p:sp>
-      <p:pic>
-        <p:nvPicPr>
-          <p:cNvPr id="1026" name="Picture 2" descr="https://dpzbhybb2pdcj.cloudfront.net/allaire/Figures/01fig05.jpg"/>
-          <p:cNvPicPr>
-            <a:picLocks noGrp="1" noChangeAspect="1" noChangeArrowheads="1"/>
-          </p:cNvPicPr>
-          <p:nvPr>
-            <p:ph idx="1"/>
-          </p:nvPr>
-        </p:nvPicPr>
-        <p:blipFill>
-          <a:blip r:embed="rId2">
-            <a:extLst>
-              <a:ext uri="{28A0092B-C50C-407E-A947-70E740481C1C}">
-                <a14:useLocalDpi xmlns:a14="http://schemas.microsoft.com/office/drawing/2010/main" val="0"/>
-              </a:ext>
-            </a:extLst>
-          </a:blip>
-          <a:srcRect/>
-          <a:stretch>
-            <a:fillRect/>
-          </a:stretch>
-        </p:blipFill>
-        <p:spPr bwMode="auto">
-          <a:xfrm>
-            <a:off x="1763688" y="2276872"/>
-            <a:ext cx="5855793" cy="2376264"/>
-          </a:xfrm>
-          <a:prstGeom prst="rect">
-            <a:avLst/>
-          </a:prstGeom>
-          <a:noFill/>
-          <a:extLst>
-            <a:ext uri="{909E8E84-426E-40DD-AFC4-6F175D3DCCD1}">
-              <a14:hiddenFill xmlns:a14="http://schemas.microsoft.com/office/drawing/2010/main">
-                <a:solidFill>
-                  <a:srgbClr val="FFFFFF"/>
-                </a:solidFill>
-              </a14:hiddenFill>
-            </a:ext>
-          </a:extLst>
-        </p:spPr>
-      </p:pic>
-    </p:spTree>
-    <p:extLst>
-      <p:ext uri="{BB962C8B-B14F-4D97-AF65-F5344CB8AC3E}">
-        <p14:creationId xmlns:p14="http://schemas.microsoft.com/office/powerpoint/2010/main" val="4184065999"/>
       </p:ext>
     </p:extLst>
   </p:cSld>

--- a/PPT/MachineLearning18-NeuralNetwork.pptx
+++ b/PPT/MachineLearning18-NeuralNetwork.pptx
@@ -4011,6 +4011,13 @@
   <p:clrMapOvr>
     <a:masterClrMapping/>
   </p:clrMapOvr>
+  <p:timing>
+    <p:tnLst>
+      <p:par>
+        <p:cTn id="1" dur="indefinite" restart="never" nodeType="tmRoot"/>
+      </p:par>
+    </p:tnLst>
+  </p:timing>
 </p:sld>
 </file>
 
@@ -4111,6 +4118,13 @@
   <p:clrMapOvr>
     <a:masterClrMapping/>
   </p:clrMapOvr>
+  <p:timing>
+    <p:tnLst>
+      <p:par>
+        <p:cTn id="1" dur="indefinite" restart="never" nodeType="tmRoot"/>
+      </p:par>
+    </p:tnLst>
+  </p:timing>
 </p:sld>
 </file>
 
@@ -4207,6 +4221,13 @@
   <p:clrMapOvr>
     <a:masterClrMapping/>
   </p:clrMapOvr>
+  <p:timing>
+    <p:tnLst>
+      <p:par>
+        <p:cTn id="1" dur="indefinite" restart="never" nodeType="tmRoot"/>
+      </p:par>
+    </p:tnLst>
+  </p:timing>
 </p:sld>
 </file>
 
@@ -4303,6 +4324,13 @@
   <p:clrMapOvr>
     <a:masterClrMapping/>
   </p:clrMapOvr>
+  <p:timing>
+    <p:tnLst>
+      <p:par>
+        <p:cTn id="1" dur="indefinite" restart="never" nodeType="tmRoot"/>
+      </p:par>
+    </p:tnLst>
+  </p:timing>
 </p:sld>
 </file>
 
@@ -4414,6 +4442,13 @@
   <p:clrMapOvr>
     <a:masterClrMapping/>
   </p:clrMapOvr>
+  <p:timing>
+    <p:tnLst>
+      <p:par>
+        <p:cTn id="1" dur="indefinite" restart="never" nodeType="tmRoot"/>
+      </p:par>
+    </p:tnLst>
+  </p:timing>
 </p:sld>
 </file>
 
@@ -4601,6 +4636,13 @@
   <p:clrMapOvr>
     <a:masterClrMapping/>
   </p:clrMapOvr>
+  <p:timing>
+    <p:tnLst>
+      <p:par>
+        <p:cTn id="1" dur="indefinite" restart="never" nodeType="tmRoot"/>
+      </p:par>
+    </p:tnLst>
+  </p:timing>
 </p:sld>
 </file>
 
@@ -4703,6 +4745,13 @@
   <p:clrMapOvr>
     <a:masterClrMapping/>
   </p:clrMapOvr>
+  <p:timing>
+    <p:tnLst>
+      <p:par>
+        <p:cTn id="1" dur="indefinite" restart="never" nodeType="tmRoot"/>
+      </p:par>
+    </p:tnLst>
+  </p:timing>
 </p:sld>
 </file>
 
@@ -4810,6 +4859,13 @@
   <p:clrMapOvr>
     <a:masterClrMapping/>
   </p:clrMapOvr>
+  <p:timing>
+    <p:tnLst>
+      <p:par>
+        <p:cTn id="1" dur="indefinite" restart="never" nodeType="tmRoot"/>
+      </p:par>
+    </p:tnLst>
+  </p:timing>
 </p:sld>
 </file>
 
@@ -4912,6 +4968,13 @@
   <p:clrMapOvr>
     <a:masterClrMapping/>
   </p:clrMapOvr>
+  <p:timing>
+    <p:tnLst>
+      <p:par>
+        <p:cTn id="1" dur="indefinite" restart="never" nodeType="tmRoot"/>
+      </p:par>
+    </p:tnLst>
+  </p:timing>
 </p:sld>
 </file>
 
@@ -5573,12 +5636,12 @@
               <a:t>Adaptive : Augmente en cas d’erreurs </a:t>
             </a:r>
             <a:r>
-              <a:rPr lang="fr-FR" sz="2000" dirty="0" err="1" smtClean="0"/>
-              <a:t>succésive</a:t>
-            </a:r>
-            <a:r>
               <a:rPr lang="fr-FR" sz="2000" dirty="0" smtClean="0"/>
-              <a:t>, abaisse en cas de succès successif, d’une valeur décrite dans </a:t>
+              <a:t>successive, </a:t>
+            </a:r>
+            <a:r>
+              <a:rPr lang="fr-FR" sz="2000" dirty="0" smtClean="0"/>
+              <a:t>abaisse en cas de succès successif, d’une valeur décrite dans </a:t>
             </a:r>
             <a:r>
               <a:rPr lang="fr-FR" sz="2000" dirty="0" err="1" smtClean="0"/>
@@ -5740,6 +5803,13 @@
   <p:clrMapOvr>
     <a:masterClrMapping/>
   </p:clrMapOvr>
+  <p:timing>
+    <p:tnLst>
+      <p:par>
+        <p:cTn id="1" dur="indefinite" restart="never" nodeType="tmRoot"/>
+      </p:par>
+    </p:tnLst>
+  </p:timing>
 </p:sld>
 </file>
 
@@ -5817,6 +5887,13 @@
   <p:clrMapOvr>
     <a:masterClrMapping/>
   </p:clrMapOvr>
+  <p:timing>
+    <p:tnLst>
+      <p:par>
+        <p:cTn id="1" dur="indefinite" restart="never" nodeType="tmRoot"/>
+      </p:par>
+    </p:tnLst>
+  </p:timing>
 </p:sld>
 </file>
 
@@ -5928,6 +6005,13 @@
   <p:clrMapOvr>
     <a:masterClrMapping/>
   </p:clrMapOvr>
+  <p:timing>
+    <p:tnLst>
+      <p:par>
+        <p:cTn id="1" dur="indefinite" restart="never" nodeType="tmRoot"/>
+      </p:par>
+    </p:tnLst>
+  </p:timing>
 </p:sld>
 </file>
 
@@ -6241,6 +6325,13 @@
   <p:clrMapOvr>
     <a:masterClrMapping/>
   </p:clrMapOvr>
+  <p:timing>
+    <p:tnLst>
+      <p:par>
+        <p:cTn id="1" dur="indefinite" restart="never" nodeType="tmRoot"/>
+      </p:par>
+    </p:tnLst>
+  </p:timing>
 </p:sld>
 </file>
 
@@ -6429,6 +6520,13 @@
   <p:clrMapOvr>
     <a:masterClrMapping/>
   </p:clrMapOvr>
+  <p:timing>
+    <p:tnLst>
+      <p:par>
+        <p:cTn id="1" dur="indefinite" restart="never" nodeType="tmRoot"/>
+      </p:par>
+    </p:tnLst>
+  </p:timing>
 </p:sld>
 </file>
 
@@ -6493,13 +6591,8 @@
           <a:p>
             <a:r>
               <a:rPr lang="fr-FR" dirty="0" smtClean="0"/>
-              <a:t>Les réseaux neuronaux par convolution sont des MLP avec de </a:t>
-            </a:r>
-            <a:r>
-              <a:rPr lang="fr-FR" smtClean="0"/>
-              <a:t>filtres inter-couches</a:t>
-            </a:r>
-            <a:endParaRPr lang="fr-FR" dirty="0" smtClean="0"/>
+              <a:t>Les réseaux neuronaux par convolution sont des MLP avec de filtres inter-couches</a:t>
+            </a:r>
           </a:p>
           <a:p>
             <a:pPr lvl="1"/>
@@ -6515,7 +6608,19 @@
           <a:p>
             <a:r>
               <a:rPr lang="fr-FR" dirty="0" smtClean="0"/>
-              <a:t>Il peut même y avoir des boucles, le réseau est donc récursif (CRNN)</a:t>
+              <a:t>Il peut même y avoir des boucles, le réseau est </a:t>
+            </a:r>
+            <a:r>
+              <a:rPr lang="fr-FR" smtClean="0"/>
+              <a:t>donc </a:t>
+            </a:r>
+            <a:r>
+              <a:rPr lang="fr-FR" smtClean="0"/>
+              <a:t>récurrent </a:t>
+            </a:r>
+            <a:r>
+              <a:rPr lang="fr-FR" dirty="0" smtClean="0"/>
+              <a:t>(CRNN)</a:t>
             </a:r>
           </a:p>
           <a:p>
@@ -6526,16 +6631,13 @@
             </a:r>
           </a:p>
           <a:p>
-            <a:pPr lvl="1"/>
-            <a:r>
-              <a:rPr lang="fr-FR" dirty="0" smtClean="0"/>
-              <a:t>Peu efficace mais très puissant</a:t>
-            </a:r>
-          </a:p>
-          <a:p>
-            <a:r>
-              <a:rPr lang="fr-FR" dirty="0" smtClean="0"/>
-              <a:t>Réseaux élastiques</a:t>
+            <a:r>
+              <a:rPr lang="fr-FR" dirty="0" smtClean="0"/>
+              <a:t>Réseaux </a:t>
+            </a:r>
+            <a:r>
+              <a:rPr lang="fr-FR" dirty="0" smtClean="0"/>
+              <a:t>élastiques</a:t>
             </a:r>
           </a:p>
           <a:p>
@@ -6558,6 +6660,13 @@
   <p:clrMapOvr>
     <a:masterClrMapping/>
   </p:clrMapOvr>
+  <p:timing>
+    <p:tnLst>
+      <p:par>
+        <p:cTn id="1" dur="indefinite" restart="never" nodeType="tmRoot"/>
+      </p:par>
+    </p:tnLst>
+  </p:timing>
 </p:sld>
 </file>
 

--- a/PPT/MachineLearning18-NeuralNetwork.pptx
+++ b/PPT/MachineLearning18-NeuralNetwork.pptx
@@ -5,10 +5,10 @@
     <p:sldMasterId id="2147483653" r:id="rId1"/>
   </p:sldMasterIdLst>
   <p:notesMasterIdLst>
-    <p:notesMasterId r:id="rId31"/>
+    <p:notesMasterId r:id="rId29"/>
   </p:notesMasterIdLst>
   <p:handoutMasterIdLst>
-    <p:handoutMasterId r:id="rId32"/>
+    <p:handoutMasterId r:id="rId30"/>
   </p:handoutMasterIdLst>
   <p:sldIdLst>
     <p:sldId id="264" r:id="rId2"/>
@@ -24,22 +24,20 @@
     <p:sldId id="296" r:id="rId12"/>
     <p:sldId id="292" r:id="rId13"/>
     <p:sldId id="297" r:id="rId14"/>
-    <p:sldId id="298" r:id="rId15"/>
-    <p:sldId id="273" r:id="rId16"/>
-    <p:sldId id="274" r:id="rId17"/>
-    <p:sldId id="291" r:id="rId18"/>
-    <p:sldId id="275" r:id="rId19"/>
-    <p:sldId id="276" r:id="rId20"/>
-    <p:sldId id="279" r:id="rId21"/>
-    <p:sldId id="283" r:id="rId22"/>
-    <p:sldId id="285" r:id="rId23"/>
-    <p:sldId id="286" r:id="rId24"/>
-    <p:sldId id="284" r:id="rId25"/>
-    <p:sldId id="290" r:id="rId26"/>
-    <p:sldId id="299" r:id="rId27"/>
-    <p:sldId id="287" r:id="rId28"/>
-    <p:sldId id="288" r:id="rId29"/>
-    <p:sldId id="289" r:id="rId30"/>
+    <p:sldId id="301" r:id="rId15"/>
+    <p:sldId id="298" r:id="rId16"/>
+    <p:sldId id="273" r:id="rId17"/>
+    <p:sldId id="274" r:id="rId18"/>
+    <p:sldId id="291" r:id="rId19"/>
+    <p:sldId id="279" r:id="rId20"/>
+    <p:sldId id="283" r:id="rId21"/>
+    <p:sldId id="285" r:id="rId22"/>
+    <p:sldId id="286" r:id="rId23"/>
+    <p:sldId id="284" r:id="rId24"/>
+    <p:sldId id="299" r:id="rId25"/>
+    <p:sldId id="287" r:id="rId26"/>
+    <p:sldId id="288" r:id="rId27"/>
+    <p:sldId id="289" r:id="rId28"/>
   </p:sldIdLst>
   <p:sldSz cx="9144000" cy="6858000" type="screen4x3"/>
   <p:notesSz cx="6648450" cy="9782175"/>
@@ -3915,6 +3913,13 @@
   <p:clrMapOvr>
     <a:masterClrMapping/>
   </p:clrMapOvr>
+  <p:timing>
+    <p:tnLst>
+      <p:par>
+        <p:cTn id="1" dur="indefinite" restart="never" nodeType="tmRoot"/>
+      </p:par>
+    </p:tnLst>
+  </p:timing>
 </p:sld>
 </file>
 
@@ -4265,6 +4270,192 @@
           <a:p>
             <a:r>
               <a:rPr lang="fr-FR" dirty="0" smtClean="0"/>
+              <a:t>SGD</a:t>
+            </a:r>
+            <a:endParaRPr lang="fr-FR" dirty="0"/>
+          </a:p>
+        </p:txBody>
+      </p:sp>
+      <p:sp>
+        <p:nvSpPr>
+          <p:cNvPr id="3" name="Espace réservé du contenu 2"/>
+          <p:cNvSpPr>
+            <a:spLocks noGrp="1"/>
+          </p:cNvSpPr>
+          <p:nvPr>
+            <p:ph idx="1"/>
+          </p:nvPr>
+        </p:nvSpPr>
+        <p:spPr/>
+        <p:txBody>
+          <a:bodyPr/>
+          <a:lstStyle/>
+          <a:p>
+            <a:endParaRPr lang="fr-FR" dirty="0" smtClean="0"/>
+          </a:p>
+          <a:p>
+            <a:pPr marL="0" indent="0">
+              <a:buNone/>
+            </a:pPr>
+            <a:endParaRPr lang="fr-FR" dirty="0"/>
+          </a:p>
+          <a:p>
+            <a:r>
+              <a:rPr lang="fr-FR" dirty="0" err="1" smtClean="0"/>
+              <a:t>dW</a:t>
+            </a:r>
+            <a:r>
+              <a:rPr lang="fr-FR" dirty="0" smtClean="0"/>
+              <a:t> = (</a:t>
+            </a:r>
+            <a:r>
+              <a:rPr lang="fr-FR" dirty="0" err="1" smtClean="0"/>
+              <a:t>loss</a:t>
+            </a:r>
+            <a:r>
+              <a:rPr lang="fr-FR" dirty="0" smtClean="0"/>
+              <a:t> * </a:t>
+            </a:r>
+            <a:r>
+              <a:rPr lang="fr-FR" dirty="0" err="1" smtClean="0"/>
+              <a:t>learningrate</a:t>
+            </a:r>
+            <a:r>
+              <a:rPr lang="fr-FR" dirty="0" smtClean="0"/>
+              <a:t>) / (</a:t>
+            </a:r>
+            <a:r>
+              <a:rPr lang="fr-FR" dirty="0" err="1" smtClean="0"/>
+              <a:t>f</a:t>
+            </a:r>
+            <a:r>
+              <a:rPr lang="fr-FR" sz="1050" dirty="0" err="1" smtClean="0"/>
+              <a:t>acceleration</a:t>
+            </a:r>
+            <a:r>
+              <a:rPr lang="fr-FR" dirty="0" smtClean="0"/>
+              <a:t>(</a:t>
+            </a:r>
+            <a:r>
+              <a:rPr lang="fr-FR" dirty="0" err="1" smtClean="0"/>
+              <a:t>momentum</a:t>
+            </a:r>
+            <a:r>
+              <a:rPr lang="fr-FR" dirty="0" smtClean="0"/>
+              <a:t>) * </a:t>
+            </a:r>
+            <a:r>
+              <a:rPr lang="fr-FR" dirty="0" err="1" smtClean="0"/>
+              <a:t>df</a:t>
+            </a:r>
+            <a:r>
+              <a:rPr lang="fr-FR" dirty="0" smtClean="0"/>
+              <a:t>(x) )</a:t>
+            </a:r>
+          </a:p>
+          <a:p>
+            <a:pPr lvl="1"/>
+            <a:r>
+              <a:rPr lang="fr-FR" dirty="0" err="1" smtClean="0"/>
+              <a:t>learningrate</a:t>
+            </a:r>
+            <a:r>
+              <a:rPr lang="fr-FR" dirty="0" smtClean="0"/>
+              <a:t> = [10</a:t>
+            </a:r>
+            <a:r>
+              <a:rPr lang="fr-FR" baseline="30000" dirty="0" smtClean="0"/>
+              <a:t>e</a:t>
+            </a:r>
+            <a:r>
+              <a:rPr lang="fr-FR" dirty="0" smtClean="0"/>
+              <a:t>-2 .. 10</a:t>
+            </a:r>
+            <a:r>
+              <a:rPr lang="fr-FR" baseline="30000" dirty="0" smtClean="0"/>
+              <a:t>e</a:t>
+            </a:r>
+            <a:r>
+              <a:rPr lang="fr-FR" dirty="0" smtClean="0"/>
+              <a:t>-5]</a:t>
+            </a:r>
+          </a:p>
+          <a:p>
+            <a:r>
+              <a:rPr lang="fr-FR" dirty="0" err="1" smtClean="0"/>
+              <a:t>fSGD</a:t>
+            </a:r>
+            <a:r>
+              <a:rPr lang="fr-FR" dirty="0" smtClean="0"/>
+              <a:t> = </a:t>
+            </a:r>
+            <a:r>
+              <a:rPr lang="fr-FR" dirty="0" err="1" smtClean="0"/>
+              <a:t>dw</a:t>
+            </a:r>
+            <a:r>
+              <a:rPr lang="fr-FR" dirty="0" smtClean="0"/>
+              <a:t> * </a:t>
+            </a:r>
+            <a:r>
+              <a:rPr lang="fr-FR" dirty="0" err="1"/>
+              <a:t>W</a:t>
+            </a:r>
+            <a:r>
+              <a:rPr lang="fr-FR" dirty="0" err="1" smtClean="0"/>
+              <a:t>connexion</a:t>
+            </a:r>
+            <a:endParaRPr lang="fr-FR" dirty="0"/>
+          </a:p>
+        </p:txBody>
+      </p:sp>
+    </p:spTree>
+    <p:extLst>
+      <p:ext uri="{BB962C8B-B14F-4D97-AF65-F5344CB8AC3E}">
+        <p14:creationId xmlns:p14="http://schemas.microsoft.com/office/powerpoint/2010/main" val="1194285222"/>
+      </p:ext>
+    </p:extLst>
+  </p:cSld>
+  <p:clrMapOvr>
+    <a:masterClrMapping/>
+  </p:clrMapOvr>
+</p:sld>
+</file>
+
+<file path=ppt/slides/slide15.xml><?xml version="1.0" encoding="utf-8"?>
+<p:sld xmlns:a="http://schemas.openxmlformats.org/drawingml/2006/main" xmlns:r="http://schemas.openxmlformats.org/officeDocument/2006/relationships" xmlns:p="http://schemas.openxmlformats.org/presentationml/2006/main">
+  <p:cSld>
+    <p:spTree>
+      <p:nvGrpSpPr>
+        <p:cNvPr id="1" name=""/>
+        <p:cNvGrpSpPr/>
+        <p:nvPr/>
+      </p:nvGrpSpPr>
+      <p:grpSpPr>
+        <a:xfrm>
+          <a:off x="0" y="0"/>
+          <a:ext cx="0" cy="0"/>
+          <a:chOff x="0" y="0"/>
+          <a:chExt cx="0" cy="0"/>
+        </a:xfrm>
+      </p:grpSpPr>
+      <p:sp>
+        <p:nvSpPr>
+          <p:cNvPr id="2" name="Titre 1"/>
+          <p:cNvSpPr>
+            <a:spLocks noGrp="1"/>
+          </p:cNvSpPr>
+          <p:nvPr>
+            <p:ph type="title"/>
+          </p:nvPr>
+        </p:nvSpPr>
+        <p:spPr/>
+        <p:txBody>
+          <a:bodyPr/>
+          <a:lstStyle/>
+          <a:p>
+            <a:r>
+              <a:rPr lang="fr-FR" dirty="0" smtClean="0"/>
               <a:t>Dérivation du gradient</a:t>
             </a:r>
             <a:endParaRPr lang="fr-FR" dirty="0"/>
@@ -4334,124 +4525,6 @@
 </p:sld>
 </file>
 
-<file path=ppt/slides/slide15.xml><?xml version="1.0" encoding="utf-8"?>
-<p:sld xmlns:a="http://schemas.openxmlformats.org/drawingml/2006/main" xmlns:r="http://schemas.openxmlformats.org/officeDocument/2006/relationships" xmlns:p="http://schemas.openxmlformats.org/presentationml/2006/main">
-  <p:cSld>
-    <p:spTree>
-      <p:nvGrpSpPr>
-        <p:cNvPr id="1" name=""/>
-        <p:cNvGrpSpPr/>
-        <p:nvPr/>
-      </p:nvGrpSpPr>
-      <p:grpSpPr>
-        <a:xfrm>
-          <a:off x="0" y="0"/>
-          <a:ext cx="0" cy="0"/>
-          <a:chOff x="0" y="0"/>
-          <a:chExt cx="0" cy="0"/>
-        </a:xfrm>
-      </p:grpSpPr>
-      <p:sp>
-        <p:nvSpPr>
-          <p:cNvPr id="2" name="Titre 1"/>
-          <p:cNvSpPr>
-            <a:spLocks noGrp="1"/>
-          </p:cNvSpPr>
-          <p:nvPr>
-            <p:ph type="title"/>
-          </p:nvPr>
-        </p:nvSpPr>
-        <p:spPr/>
-        <p:txBody>
-          <a:bodyPr/>
-          <a:lstStyle/>
-          <a:p>
-            <a:r>
-              <a:rPr lang="fr-FR" dirty="0" smtClean="0"/>
-              <a:t>Résultat</a:t>
-            </a:r>
-            <a:endParaRPr lang="fr-FR" dirty="0"/>
-          </a:p>
-        </p:txBody>
-      </p:sp>
-      <p:sp>
-        <p:nvSpPr>
-          <p:cNvPr id="3" name="Espace réservé du contenu 2"/>
-          <p:cNvSpPr>
-            <a:spLocks noGrp="1"/>
-          </p:cNvSpPr>
-          <p:nvPr>
-            <p:ph idx="1"/>
-          </p:nvPr>
-        </p:nvSpPr>
-        <p:spPr/>
-        <p:txBody>
-          <a:bodyPr/>
-          <a:lstStyle/>
-          <a:p>
-            <a:r>
-              <a:rPr lang="fr-FR" dirty="0" smtClean="0"/>
-              <a:t>Calcul d’un NAND</a:t>
-            </a:r>
-          </a:p>
-          <a:p>
-            <a:pPr lvl="1"/>
-            <a:r>
-              <a:rPr lang="fr-FR" dirty="0" smtClean="0"/>
-              <a:t>Inputs : </a:t>
-            </a:r>
-            <a:r>
-              <a:rPr lang="da-DK" dirty="0"/>
-              <a:t>[False, False],[False,True],[True, False],[True,True</a:t>
-            </a:r>
-            <a:r>
-              <a:rPr lang="da-DK" dirty="0" smtClean="0"/>
-              <a:t>]</a:t>
-            </a:r>
-          </a:p>
-          <a:p>
-            <a:pPr lvl="1"/>
-            <a:r>
-              <a:rPr lang="da-DK" dirty="0" smtClean="0"/>
-              <a:t>Output : False, Flase, False, True</a:t>
-            </a:r>
-          </a:p>
-          <a:p>
-            <a:pPr lvl="1"/>
-            <a:r>
-              <a:rPr lang="da-DK" dirty="0" smtClean="0"/>
-              <a:t>1000 itérations</a:t>
-            </a:r>
-          </a:p>
-          <a:p>
-            <a:pPr lvl="1"/>
-            <a:r>
-              <a:rPr lang="da-DK" dirty="0" smtClean="0"/>
-              <a:t>Résultat obtenu avec seuil de 0.4777 et des poids de 0.5</a:t>
-            </a:r>
-          </a:p>
-        </p:txBody>
-      </p:sp>
-    </p:spTree>
-    <p:extLst>
-      <p:ext uri="{BB962C8B-B14F-4D97-AF65-F5344CB8AC3E}">
-        <p14:creationId xmlns:p14="http://schemas.microsoft.com/office/powerpoint/2010/main" val="3244076630"/>
-      </p:ext>
-    </p:extLst>
-  </p:cSld>
-  <p:clrMapOvr>
-    <a:masterClrMapping/>
-  </p:clrMapOvr>
-  <p:timing>
-    <p:tnLst>
-      <p:par>
-        <p:cTn id="1" dur="indefinite" restart="never" nodeType="tmRoot"/>
-      </p:par>
-    </p:tnLst>
-  </p:timing>
-</p:sld>
-</file>
-
 <file path=ppt/slides/slide16.xml><?xml version="1.0" encoding="utf-8"?>
 <p:sld xmlns:a="http://schemas.openxmlformats.org/drawingml/2006/main" xmlns:r="http://schemas.openxmlformats.org/officeDocument/2006/relationships" xmlns:p="http://schemas.openxmlformats.org/presentationml/2006/main">
   <p:cSld>
@@ -4486,7 +4559,7 @@
           <a:p>
             <a:r>
               <a:rPr lang="fr-FR" dirty="0" smtClean="0"/>
-              <a:t>Réseaux</a:t>
+              <a:t>Résultat</a:t>
             </a:r>
             <a:endParaRPr lang="fr-FR" dirty="0"/>
           </a:p>
@@ -4509,6 +4582,124 @@
           <a:p>
             <a:r>
               <a:rPr lang="fr-FR" dirty="0" smtClean="0"/>
+              <a:t>Calcul d’un NAND</a:t>
+            </a:r>
+          </a:p>
+          <a:p>
+            <a:pPr lvl="1"/>
+            <a:r>
+              <a:rPr lang="fr-FR" dirty="0" smtClean="0"/>
+              <a:t>Inputs : </a:t>
+            </a:r>
+            <a:r>
+              <a:rPr lang="da-DK" dirty="0"/>
+              <a:t>[False, False],[False,True],[True, False],[True,True</a:t>
+            </a:r>
+            <a:r>
+              <a:rPr lang="da-DK" dirty="0" smtClean="0"/>
+              <a:t>]</a:t>
+            </a:r>
+          </a:p>
+          <a:p>
+            <a:pPr lvl="1"/>
+            <a:r>
+              <a:rPr lang="da-DK" dirty="0" smtClean="0"/>
+              <a:t>Output : False, Flase, False, True</a:t>
+            </a:r>
+          </a:p>
+          <a:p>
+            <a:pPr lvl="1"/>
+            <a:r>
+              <a:rPr lang="da-DK" dirty="0" smtClean="0"/>
+              <a:t>1000 itérations</a:t>
+            </a:r>
+          </a:p>
+          <a:p>
+            <a:pPr lvl="1"/>
+            <a:r>
+              <a:rPr lang="da-DK" dirty="0" smtClean="0"/>
+              <a:t>Résultat obtenu avec seuil de 0.4777 et des poids de 0.5</a:t>
+            </a:r>
+          </a:p>
+        </p:txBody>
+      </p:sp>
+    </p:spTree>
+    <p:extLst>
+      <p:ext uri="{BB962C8B-B14F-4D97-AF65-F5344CB8AC3E}">
+        <p14:creationId xmlns:p14="http://schemas.microsoft.com/office/powerpoint/2010/main" val="3244076630"/>
+      </p:ext>
+    </p:extLst>
+  </p:cSld>
+  <p:clrMapOvr>
+    <a:masterClrMapping/>
+  </p:clrMapOvr>
+  <p:timing>
+    <p:tnLst>
+      <p:par>
+        <p:cTn id="1" dur="indefinite" restart="never" nodeType="tmRoot"/>
+      </p:par>
+    </p:tnLst>
+  </p:timing>
+</p:sld>
+</file>
+
+<file path=ppt/slides/slide17.xml><?xml version="1.0" encoding="utf-8"?>
+<p:sld xmlns:a="http://schemas.openxmlformats.org/drawingml/2006/main" xmlns:r="http://schemas.openxmlformats.org/officeDocument/2006/relationships" xmlns:p="http://schemas.openxmlformats.org/presentationml/2006/main">
+  <p:cSld>
+    <p:spTree>
+      <p:nvGrpSpPr>
+        <p:cNvPr id="1" name=""/>
+        <p:cNvGrpSpPr/>
+        <p:nvPr/>
+      </p:nvGrpSpPr>
+      <p:grpSpPr>
+        <a:xfrm>
+          <a:off x="0" y="0"/>
+          <a:ext cx="0" cy="0"/>
+          <a:chOff x="0" y="0"/>
+          <a:chExt cx="0" cy="0"/>
+        </a:xfrm>
+      </p:grpSpPr>
+      <p:sp>
+        <p:nvSpPr>
+          <p:cNvPr id="2" name="Titre 1"/>
+          <p:cNvSpPr>
+            <a:spLocks noGrp="1"/>
+          </p:cNvSpPr>
+          <p:nvPr>
+            <p:ph type="title"/>
+          </p:nvPr>
+        </p:nvSpPr>
+        <p:spPr/>
+        <p:txBody>
+          <a:bodyPr/>
+          <a:lstStyle/>
+          <a:p>
+            <a:r>
+              <a:rPr lang="fr-FR" dirty="0" smtClean="0"/>
+              <a:t>Réseaux</a:t>
+            </a:r>
+            <a:endParaRPr lang="fr-FR" dirty="0"/>
+          </a:p>
+        </p:txBody>
+      </p:sp>
+      <p:sp>
+        <p:nvSpPr>
+          <p:cNvPr id="3" name="Espace réservé du contenu 2"/>
+          <p:cNvSpPr>
+            <a:spLocks noGrp="1"/>
+          </p:cNvSpPr>
+          <p:nvPr>
+            <p:ph idx="1"/>
+          </p:nvPr>
+        </p:nvSpPr>
+        <p:spPr/>
+        <p:txBody>
+          <a:bodyPr/>
+          <a:lstStyle/>
+          <a:p>
+            <a:r>
+              <a:rPr lang="fr-FR" dirty="0" smtClean="0"/>
               <a:t>Les neurones peuvent être mis en réseaux</a:t>
             </a:r>
           </a:p>
@@ -4578,7 +4769,7 @@
               <a:t>derivée</a:t>
             </a:r>
             <a:r>
-              <a:rPr lang="fr-FR" smtClean="0"/>
+              <a:rPr lang="fr-FR" dirty="0" smtClean="0"/>
               <a:t>)</a:t>
             </a:r>
             <a:endParaRPr lang="fr-FR" dirty="0"/>
@@ -4646,115 +4837,6 @@
 </p:sld>
 </file>
 
-<file path=ppt/slides/slide17.xml><?xml version="1.0" encoding="utf-8"?>
-<p:sld xmlns:a="http://schemas.openxmlformats.org/drawingml/2006/main" xmlns:r="http://schemas.openxmlformats.org/officeDocument/2006/relationships" xmlns:p="http://schemas.openxmlformats.org/presentationml/2006/main">
-  <p:cSld>
-    <p:spTree>
-      <p:nvGrpSpPr>
-        <p:cNvPr id="1" name=""/>
-        <p:cNvGrpSpPr/>
-        <p:nvPr/>
-      </p:nvGrpSpPr>
-      <p:grpSpPr>
-        <a:xfrm>
-          <a:off x="0" y="0"/>
-          <a:ext cx="0" cy="0"/>
-          <a:chOff x="0" y="0"/>
-          <a:chExt cx="0" cy="0"/>
-        </a:xfrm>
-      </p:grpSpPr>
-      <p:sp>
-        <p:nvSpPr>
-          <p:cNvPr id="2" name="Titre 1"/>
-          <p:cNvSpPr>
-            <a:spLocks noGrp="1"/>
-          </p:cNvSpPr>
-          <p:nvPr>
-            <p:ph type="title"/>
-          </p:nvPr>
-        </p:nvSpPr>
-        <p:spPr/>
-        <p:txBody>
-          <a:bodyPr/>
-          <a:lstStyle/>
-          <a:p>
-            <a:r>
-              <a:rPr lang="fr-FR" dirty="0" smtClean="0"/>
-              <a:t>Calcul Matriciel - GPU</a:t>
-            </a:r>
-            <a:endParaRPr lang="fr-FR" dirty="0"/>
-          </a:p>
-        </p:txBody>
-      </p:sp>
-      <p:sp>
-        <p:nvSpPr>
-          <p:cNvPr id="3" name="Espace réservé du contenu 2"/>
-          <p:cNvSpPr>
-            <a:spLocks noGrp="1"/>
-          </p:cNvSpPr>
-          <p:nvPr>
-            <p:ph idx="1"/>
-          </p:nvPr>
-        </p:nvSpPr>
-        <p:spPr/>
-        <p:txBody>
-          <a:bodyPr/>
-          <a:lstStyle/>
-          <a:p>
-            <a:r>
-              <a:rPr lang="fr-FR" dirty="0" smtClean="0"/>
-              <a:t>Normalement une liste de liste de valeurs est injecté dans le MLP</a:t>
-            </a:r>
-          </a:p>
-          <a:p>
-            <a:r>
-              <a:rPr lang="fr-FR" dirty="0" smtClean="0"/>
-              <a:t>Une itération par liste de valeur</a:t>
-            </a:r>
-          </a:p>
-          <a:p>
-            <a:r>
-              <a:rPr lang="fr-FR" dirty="0" smtClean="0"/>
-              <a:t>L'algorithme est reproductible avec une matrice par layer</a:t>
-            </a:r>
-          </a:p>
-          <a:p>
-            <a:pPr lvl="1"/>
-            <a:r>
-              <a:rPr lang="fr-FR" dirty="0" smtClean="0"/>
-              <a:t>Facilement </a:t>
-            </a:r>
-            <a:r>
-              <a:rPr lang="fr-FR" dirty="0" err="1" smtClean="0"/>
-              <a:t>GPUisable</a:t>
-            </a:r>
-            <a:endParaRPr lang="fr-FR" dirty="0" smtClean="0"/>
-          </a:p>
-          <a:p>
-            <a:endParaRPr lang="fr-FR" dirty="0"/>
-          </a:p>
-        </p:txBody>
-      </p:sp>
-    </p:spTree>
-    <p:extLst>
-      <p:ext uri="{BB962C8B-B14F-4D97-AF65-F5344CB8AC3E}">
-        <p14:creationId xmlns:p14="http://schemas.microsoft.com/office/powerpoint/2010/main" val="2997506584"/>
-      </p:ext>
-    </p:extLst>
-  </p:cSld>
-  <p:clrMapOvr>
-    <a:masterClrMapping/>
-  </p:clrMapOvr>
-  <p:timing>
-    <p:tnLst>
-      <p:par>
-        <p:cTn id="1" dur="indefinite" restart="never" nodeType="tmRoot"/>
-      </p:par>
-    </p:tnLst>
-  </p:timing>
-</p:sld>
-</file>
-
 <file path=ppt/slides/slide18.xml><?xml version="1.0" encoding="utf-8"?>
 <p:sld xmlns:a="http://schemas.openxmlformats.org/drawingml/2006/main" xmlns:r="http://schemas.openxmlformats.org/officeDocument/2006/relationships" xmlns:p="http://schemas.openxmlformats.org/presentationml/2006/main">
   <p:cSld>
@@ -4789,7 +4871,7 @@
           <a:p>
             <a:r>
               <a:rPr lang="fr-FR" dirty="0" smtClean="0"/>
-              <a:t>Heuristiques</a:t>
+              <a:t>Calcul Matriciel - GPU</a:t>
             </a:r>
             <a:endParaRPr lang="fr-FR" dirty="0"/>
           </a:p>
@@ -4812,39 +4894,34 @@
           <a:p>
             <a:r>
               <a:rPr lang="fr-FR" dirty="0" smtClean="0"/>
-              <a:t>Les réseaux neuronaux étant gourmand en calcul le calcul réparti est presque obligatoire</a:t>
-            </a:r>
-          </a:p>
-          <a:p>
-            <a:r>
-              <a:rPr lang="fr-FR" dirty="0" smtClean="0"/>
-              <a:t>Présence d’heuristiques</a:t>
+              <a:t>Normalement une liste de liste de valeurs est injecté dans le MLP</a:t>
+            </a:r>
+          </a:p>
+          <a:p>
+            <a:r>
+              <a:rPr lang="fr-FR" dirty="0" smtClean="0"/>
+              <a:t>Une itération par liste de valeur</a:t>
+            </a:r>
+          </a:p>
+          <a:p>
+            <a:r>
+              <a:rPr lang="fr-FR" dirty="0" smtClean="0"/>
+              <a:t>L'algorithme est reproductible avec une matrice par layer</a:t>
             </a:r>
           </a:p>
           <a:p>
             <a:pPr lvl="1"/>
             <a:r>
               <a:rPr lang="fr-FR" dirty="0" smtClean="0"/>
-              <a:t>Règles non démontrable qui permettent d’</a:t>
+              <a:t>Facilement </a:t>
             </a:r>
             <a:r>
               <a:rPr lang="fr-FR" dirty="0" err="1" smtClean="0"/>
-              <a:t>accéler</a:t>
-            </a:r>
-            <a:r>
-              <a:rPr lang="fr-FR" dirty="0" smtClean="0"/>
-              <a:t> le traitement</a:t>
-            </a:r>
-          </a:p>
-          <a:p>
-            <a:pPr lvl="1"/>
-            <a:r>
-              <a:rPr lang="fr-FR" dirty="0" smtClean="0"/>
-              <a:t>Par exemple en échec, la prise de la reine est trop couteuse pour continuer</a:t>
-            </a:r>
-          </a:p>
-          <a:p>
-            <a:pPr lvl="1"/>
+              <a:t>GPUisable</a:t>
+            </a:r>
+            <a:endParaRPr lang="fr-FR" dirty="0" smtClean="0"/>
+          </a:p>
+          <a:p>
             <a:endParaRPr lang="fr-FR" dirty="0"/>
           </a:p>
         </p:txBody>
@@ -4852,7 +4929,7 @@
     </p:spTree>
     <p:extLst>
       <p:ext uri="{BB962C8B-B14F-4D97-AF65-F5344CB8AC3E}">
-        <p14:creationId xmlns:p14="http://schemas.microsoft.com/office/powerpoint/2010/main" val="110780175"/>
+        <p14:creationId xmlns:p14="http://schemas.microsoft.com/office/powerpoint/2010/main" val="2997506584"/>
       </p:ext>
     </p:extLst>
   </p:cSld>
@@ -4870,206 +4947,6 @@
 </file>
 
 <file path=ppt/slides/slide19.xml><?xml version="1.0" encoding="utf-8"?>
-<p:sld xmlns:a="http://schemas.openxmlformats.org/drawingml/2006/main" xmlns:r="http://schemas.openxmlformats.org/officeDocument/2006/relationships" xmlns:p="http://schemas.openxmlformats.org/presentationml/2006/main">
-  <p:cSld>
-    <p:spTree>
-      <p:nvGrpSpPr>
-        <p:cNvPr id="1" name=""/>
-        <p:cNvGrpSpPr/>
-        <p:nvPr/>
-      </p:nvGrpSpPr>
-      <p:grpSpPr>
-        <a:xfrm>
-          <a:off x="0" y="0"/>
-          <a:ext cx="0" cy="0"/>
-          <a:chOff x="0" y="0"/>
-          <a:chExt cx="0" cy="0"/>
-        </a:xfrm>
-      </p:grpSpPr>
-      <p:sp>
-        <p:nvSpPr>
-          <p:cNvPr id="2" name="Titre 1"/>
-          <p:cNvSpPr>
-            <a:spLocks noGrp="1"/>
-          </p:cNvSpPr>
-          <p:nvPr>
-            <p:ph type="title"/>
-          </p:nvPr>
-        </p:nvSpPr>
-        <p:spPr/>
-        <p:txBody>
-          <a:bodyPr/>
-          <a:lstStyle/>
-          <a:p>
-            <a:r>
-              <a:rPr lang="fr-FR" dirty="0" smtClean="0"/>
-              <a:t>Apprentissage non supervisé</a:t>
-            </a:r>
-            <a:endParaRPr lang="fr-FR" dirty="0"/>
-          </a:p>
-        </p:txBody>
-      </p:sp>
-      <p:sp>
-        <p:nvSpPr>
-          <p:cNvPr id="3" name="Espace réservé du contenu 2"/>
-          <p:cNvSpPr>
-            <a:spLocks noGrp="1"/>
-          </p:cNvSpPr>
-          <p:nvPr>
-            <p:ph idx="1"/>
-          </p:nvPr>
-        </p:nvSpPr>
-        <p:spPr/>
-        <p:txBody>
-          <a:bodyPr/>
-          <a:lstStyle/>
-          <a:p>
-            <a:r>
-              <a:rPr lang="fr-FR" dirty="0" smtClean="0"/>
-              <a:t>Il suffit de faire jouer 2 réseaux de neurones entre eux</a:t>
-            </a:r>
-          </a:p>
-          <a:p>
-            <a:pPr lvl="1"/>
-            <a:r>
-              <a:rPr lang="fr-FR" dirty="0" smtClean="0"/>
-              <a:t>Echec, Go, …</a:t>
-            </a:r>
-          </a:p>
-          <a:p>
-            <a:r>
-              <a:rPr lang="fr-FR" dirty="0" smtClean="0"/>
-              <a:t>Le vaincu aura un feedback négatif</a:t>
-            </a:r>
-          </a:p>
-          <a:p>
-            <a:r>
-              <a:rPr lang="fr-FR" dirty="0" smtClean="0"/>
-              <a:t>Ceci est décrit dans la machine de </a:t>
-            </a:r>
-            <a:r>
-              <a:rPr lang="fr-FR" dirty="0" err="1" smtClean="0"/>
-              <a:t>Boltzman</a:t>
-            </a:r>
-            <a:r>
-              <a:rPr lang="fr-FR" dirty="0" smtClean="0"/>
-              <a:t> (RBM)</a:t>
-            </a:r>
-          </a:p>
-        </p:txBody>
-      </p:sp>
-    </p:spTree>
-    <p:extLst>
-      <p:ext uri="{BB962C8B-B14F-4D97-AF65-F5344CB8AC3E}">
-        <p14:creationId xmlns:p14="http://schemas.microsoft.com/office/powerpoint/2010/main" val="4136919568"/>
-      </p:ext>
-    </p:extLst>
-  </p:cSld>
-  <p:clrMapOvr>
-    <a:masterClrMapping/>
-  </p:clrMapOvr>
-  <p:timing>
-    <p:tnLst>
-      <p:par>
-        <p:cTn id="1" dur="indefinite" restart="never" nodeType="tmRoot"/>
-      </p:par>
-    </p:tnLst>
-  </p:timing>
-</p:sld>
-</file>
-
-<file path=ppt/slides/slide2.xml><?xml version="1.0" encoding="utf-8"?>
-<p:sld xmlns:a="http://schemas.openxmlformats.org/drawingml/2006/main" xmlns:r="http://schemas.openxmlformats.org/officeDocument/2006/relationships" xmlns:p="http://schemas.openxmlformats.org/presentationml/2006/main">
-  <p:cSld>
-    <p:spTree>
-      <p:nvGrpSpPr>
-        <p:cNvPr id="1" name=""/>
-        <p:cNvGrpSpPr/>
-        <p:nvPr/>
-      </p:nvGrpSpPr>
-      <p:grpSpPr>
-        <a:xfrm>
-          <a:off x="0" y="0"/>
-          <a:ext cx="0" cy="0"/>
-          <a:chOff x="0" y="0"/>
-          <a:chExt cx="0" cy="0"/>
-        </a:xfrm>
-      </p:grpSpPr>
-      <p:sp>
-        <p:nvSpPr>
-          <p:cNvPr id="2" name="Titre 1"/>
-          <p:cNvSpPr>
-            <a:spLocks noGrp="1"/>
-          </p:cNvSpPr>
-          <p:nvPr>
-            <p:ph type="title"/>
-          </p:nvPr>
-        </p:nvSpPr>
-        <p:spPr/>
-        <p:txBody>
-          <a:bodyPr/>
-          <a:lstStyle/>
-          <a:p>
-            <a:r>
-              <a:rPr lang="fr-FR" smtClean="0"/>
-              <a:t>Neurone</a:t>
-            </a:r>
-            <a:endParaRPr lang="fr-FR"/>
-          </a:p>
-        </p:txBody>
-      </p:sp>
-      <p:sp>
-        <p:nvSpPr>
-          <p:cNvPr id="3" name="Espace réservé du contenu 2"/>
-          <p:cNvSpPr>
-            <a:spLocks noGrp="1"/>
-          </p:cNvSpPr>
-          <p:nvPr>
-            <p:ph idx="1"/>
-          </p:nvPr>
-        </p:nvSpPr>
-        <p:spPr/>
-        <p:txBody>
-          <a:bodyPr/>
-          <a:lstStyle/>
-          <a:p>
-            <a:r>
-              <a:rPr lang="fr-FR" dirty="0" smtClean="0"/>
-              <a:t>En biologie un neurone est une cellule connecté à d’autre neurones qui a la faculté de laisser passer ou non un courant électrique</a:t>
-            </a:r>
-          </a:p>
-          <a:p>
-            <a:r>
-              <a:rPr lang="fr-FR" dirty="0" smtClean="0"/>
-              <a:t>Sa modélisation mathématique est appelé perceptron</a:t>
-            </a:r>
-          </a:p>
-          <a:p>
-            <a:endParaRPr lang="fr-FR" dirty="0"/>
-          </a:p>
-        </p:txBody>
-      </p:sp>
-    </p:spTree>
-    <p:extLst>
-      <p:ext uri="{BB962C8B-B14F-4D97-AF65-F5344CB8AC3E}">
-        <p14:creationId xmlns:p14="http://schemas.microsoft.com/office/powerpoint/2010/main" val="1883161"/>
-      </p:ext>
-    </p:extLst>
-  </p:cSld>
-  <p:clrMapOvr>
-    <a:masterClrMapping/>
-  </p:clrMapOvr>
-  <p:timing>
-    <p:tnLst>
-      <p:par>
-        <p:cTn id="1" dur="indefinite" restart="never" nodeType="tmRoot"/>
-      </p:par>
-    </p:tnLst>
-  </p:timing>
-</p:sld>
-</file>
-
-<file path=ppt/slides/slide20.xml><?xml version="1.0" encoding="utf-8"?>
 <p:sld xmlns:a="http://schemas.openxmlformats.org/drawingml/2006/main" xmlns:r="http://schemas.openxmlformats.org/officeDocument/2006/relationships" xmlns:p="http://schemas.openxmlformats.org/presentationml/2006/main">
   <p:cSld>
     <p:spTree>
@@ -5241,7 +5118,98 @@
 </p:sld>
 </file>
 
-<file path=ppt/slides/slide21.xml><?xml version="1.0" encoding="utf-8"?>
+<file path=ppt/slides/slide2.xml><?xml version="1.0" encoding="utf-8"?>
+<p:sld xmlns:a="http://schemas.openxmlformats.org/drawingml/2006/main" xmlns:r="http://schemas.openxmlformats.org/officeDocument/2006/relationships" xmlns:p="http://schemas.openxmlformats.org/presentationml/2006/main">
+  <p:cSld>
+    <p:spTree>
+      <p:nvGrpSpPr>
+        <p:cNvPr id="1" name=""/>
+        <p:cNvGrpSpPr/>
+        <p:nvPr/>
+      </p:nvGrpSpPr>
+      <p:grpSpPr>
+        <a:xfrm>
+          <a:off x="0" y="0"/>
+          <a:ext cx="0" cy="0"/>
+          <a:chOff x="0" y="0"/>
+          <a:chExt cx="0" cy="0"/>
+        </a:xfrm>
+      </p:grpSpPr>
+      <p:sp>
+        <p:nvSpPr>
+          <p:cNvPr id="2" name="Titre 1"/>
+          <p:cNvSpPr>
+            <a:spLocks noGrp="1"/>
+          </p:cNvSpPr>
+          <p:nvPr>
+            <p:ph type="title"/>
+          </p:nvPr>
+        </p:nvSpPr>
+        <p:spPr/>
+        <p:txBody>
+          <a:bodyPr/>
+          <a:lstStyle/>
+          <a:p>
+            <a:r>
+              <a:rPr lang="fr-FR" dirty="0" smtClean="0"/>
+              <a:t>Neurone</a:t>
+            </a:r>
+            <a:endParaRPr lang="fr-FR" dirty="0"/>
+          </a:p>
+        </p:txBody>
+      </p:sp>
+      <p:sp>
+        <p:nvSpPr>
+          <p:cNvPr id="3" name="Espace réservé du contenu 2"/>
+          <p:cNvSpPr>
+            <a:spLocks noGrp="1"/>
+          </p:cNvSpPr>
+          <p:nvPr>
+            <p:ph idx="1"/>
+          </p:nvPr>
+        </p:nvSpPr>
+        <p:spPr/>
+        <p:txBody>
+          <a:bodyPr/>
+          <a:lstStyle/>
+          <a:p>
+            <a:r>
+              <a:rPr lang="fr-FR" dirty="0" smtClean="0"/>
+              <a:t>En biologie un neurone est une cellule connecté à d’autre neurones qui a la faculté de laisser passer ou non un courant électrique</a:t>
+            </a:r>
+          </a:p>
+          <a:p>
+            <a:r>
+              <a:rPr lang="fr-FR" dirty="0" smtClean="0"/>
+              <a:t>Sa modélisation mathématique est appelé perceptron</a:t>
+            </a:r>
+          </a:p>
+          <a:p>
+            <a:endParaRPr lang="fr-FR" dirty="0"/>
+          </a:p>
+        </p:txBody>
+      </p:sp>
+    </p:spTree>
+    <p:extLst>
+      <p:ext uri="{BB962C8B-B14F-4D97-AF65-F5344CB8AC3E}">
+        <p14:creationId xmlns:p14="http://schemas.microsoft.com/office/powerpoint/2010/main" val="1883161"/>
+      </p:ext>
+    </p:extLst>
+  </p:cSld>
+  <p:clrMapOvr>
+    <a:masterClrMapping/>
+  </p:clrMapOvr>
+  <p:timing>
+    <p:tnLst>
+      <p:par>
+        <p:cTn id="1" dur="indefinite" restart="never" nodeType="tmRoot"/>
+      </p:par>
+    </p:tnLst>
+  </p:timing>
+</p:sld>
+</file>
+
+<file path=ppt/slides/slide20.xml><?xml version="1.0" encoding="utf-8"?>
 <p:sld xmlns:a="http://schemas.openxmlformats.org/drawingml/2006/main" xmlns:r="http://schemas.openxmlformats.org/officeDocument/2006/relationships" xmlns:p="http://schemas.openxmlformats.org/presentationml/2006/main">
   <p:cSld>
     <p:spTree>
@@ -5471,6 +5439,213 @@
 </p:sld>
 </file>
 
+<file path=ppt/slides/slide21.xml><?xml version="1.0" encoding="utf-8"?>
+<p:sld xmlns:a="http://schemas.openxmlformats.org/drawingml/2006/main" xmlns:r="http://schemas.openxmlformats.org/officeDocument/2006/relationships" xmlns:p="http://schemas.openxmlformats.org/presentationml/2006/main">
+  <p:cSld>
+    <p:spTree>
+      <p:nvGrpSpPr>
+        <p:cNvPr id="1" name=""/>
+        <p:cNvGrpSpPr/>
+        <p:nvPr/>
+      </p:nvGrpSpPr>
+      <p:grpSpPr>
+        <a:xfrm>
+          <a:off x="0" y="0"/>
+          <a:ext cx="0" cy="0"/>
+          <a:chOff x="0" y="0"/>
+          <a:chExt cx="0" cy="0"/>
+        </a:xfrm>
+      </p:grpSpPr>
+      <p:sp>
+        <p:nvSpPr>
+          <p:cNvPr id="2" name="Titre 1"/>
+          <p:cNvSpPr>
+            <a:spLocks noGrp="1"/>
+          </p:cNvSpPr>
+          <p:nvPr>
+            <p:ph type="title"/>
+          </p:nvPr>
+        </p:nvSpPr>
+        <p:spPr/>
+        <p:txBody>
+          <a:bodyPr/>
+          <a:lstStyle/>
+          <a:p>
+            <a:r>
+              <a:rPr lang="fr-FR" dirty="0" err="1" smtClean="0"/>
+              <a:t>MLPClassifier</a:t>
+            </a:r>
+            <a:endParaRPr lang="fr-FR" dirty="0"/>
+          </a:p>
+        </p:txBody>
+      </p:sp>
+      <p:sp>
+        <p:nvSpPr>
+          <p:cNvPr id="3" name="Espace réservé du contenu 2"/>
+          <p:cNvSpPr>
+            <a:spLocks noGrp="1"/>
+          </p:cNvSpPr>
+          <p:nvPr>
+            <p:ph idx="1"/>
+          </p:nvPr>
+        </p:nvSpPr>
+        <p:spPr/>
+        <p:txBody>
+          <a:bodyPr/>
+          <a:lstStyle/>
+          <a:p>
+            <a:r>
+              <a:rPr lang="fr-FR" sz="2400" dirty="0" err="1" smtClean="0"/>
+              <a:t>Solver</a:t>
+            </a:r>
+            <a:endParaRPr lang="fr-FR" sz="2400" dirty="0" smtClean="0"/>
+          </a:p>
+          <a:p>
+            <a:pPr lvl="1"/>
+            <a:r>
+              <a:rPr lang="fr-FR" sz="2000" dirty="0" smtClean="0"/>
+              <a:t>Algorithme du changement du poids</a:t>
+            </a:r>
+            <a:endParaRPr lang="fr-FR" sz="2000" dirty="0"/>
+          </a:p>
+          <a:p>
+            <a:pPr lvl="1"/>
+            <a:r>
+              <a:rPr lang="fr-FR" sz="2000" dirty="0" smtClean="0"/>
+              <a:t>Par défaut </a:t>
+            </a:r>
+            <a:r>
+              <a:rPr lang="fr-FR" sz="2000" dirty="0" err="1" smtClean="0"/>
+              <a:t>adam</a:t>
+            </a:r>
+            <a:r>
+              <a:rPr lang="fr-FR" sz="2000" dirty="0"/>
+              <a:t> (</a:t>
+            </a:r>
+            <a:r>
+              <a:rPr lang="fr-FR" sz="2000" dirty="0" err="1"/>
+              <a:t>stochastic</a:t>
+            </a:r>
+            <a:r>
+              <a:rPr lang="fr-FR" sz="2000" dirty="0"/>
+              <a:t> gradient-</a:t>
+            </a:r>
+            <a:r>
+              <a:rPr lang="fr-FR" sz="2000" dirty="0" err="1"/>
+              <a:t>based</a:t>
+            </a:r>
+            <a:r>
+              <a:rPr lang="fr-FR" sz="2000" dirty="0"/>
+              <a:t> </a:t>
+            </a:r>
+            <a:r>
+              <a:rPr lang="fr-FR" sz="2000" dirty="0" err="1" smtClean="0"/>
+              <a:t>optimizer</a:t>
+            </a:r>
+            <a:r>
+              <a:rPr lang="fr-FR" sz="2000" dirty="0" smtClean="0"/>
+              <a:t>)</a:t>
+            </a:r>
+          </a:p>
+          <a:p>
+            <a:pPr lvl="1"/>
+            <a:r>
+              <a:rPr lang="fr-FR" sz="2000" dirty="0" err="1" smtClean="0"/>
+              <a:t>Sgd</a:t>
+            </a:r>
+            <a:r>
+              <a:rPr lang="fr-FR" sz="2000" dirty="0" smtClean="0"/>
+              <a:t> va utiliser </a:t>
+            </a:r>
+            <a:r>
+              <a:rPr lang="fr-FR" sz="2000" dirty="0" err="1" smtClean="0"/>
+              <a:t>Learning_rate</a:t>
+            </a:r>
+            <a:endParaRPr lang="fr-FR" sz="2000" dirty="0" smtClean="0"/>
+          </a:p>
+          <a:p>
+            <a:r>
+              <a:rPr lang="fr-FR" sz="2400" dirty="0" smtClean="0"/>
+              <a:t>Alpha</a:t>
+            </a:r>
+          </a:p>
+          <a:p>
+            <a:pPr lvl="1"/>
+            <a:r>
+              <a:rPr lang="fr-FR" sz="2000" dirty="0" smtClean="0"/>
+              <a:t>0.00001</a:t>
+            </a:r>
+          </a:p>
+          <a:p>
+            <a:pPr lvl="1"/>
+            <a:r>
+              <a:rPr lang="fr-FR" sz="2000" dirty="0" smtClean="0"/>
+              <a:t>Pénalité</a:t>
+            </a:r>
+          </a:p>
+          <a:p>
+            <a:r>
+              <a:rPr lang="fr-FR" sz="2400" dirty="0" err="1" smtClean="0"/>
+              <a:t>Learning_rate</a:t>
+            </a:r>
+            <a:endParaRPr lang="fr-FR" sz="2400" dirty="0" smtClean="0"/>
+          </a:p>
+          <a:p>
+            <a:pPr lvl="1"/>
+            <a:r>
+              <a:rPr lang="fr-FR" sz="2000" dirty="0" smtClean="0"/>
+              <a:t>Constant : changement de poids constant</a:t>
+            </a:r>
+          </a:p>
+          <a:p>
+            <a:pPr lvl="1"/>
+            <a:r>
+              <a:rPr lang="fr-FR" sz="2000" dirty="0" smtClean="0"/>
+              <a:t>Adaptive : Augmente en cas d’erreurs successive, abaisse en cas de succès successif, d’une valeur décrite dans </a:t>
+            </a:r>
+            <a:r>
+              <a:rPr lang="fr-FR" sz="2000" dirty="0" err="1" smtClean="0"/>
+              <a:t>momentum</a:t>
+            </a:r>
+            <a:endParaRPr lang="fr-FR" sz="2000" dirty="0" smtClean="0"/>
+          </a:p>
+          <a:p>
+            <a:pPr lvl="1"/>
+            <a:r>
+              <a:rPr lang="fr-FR" sz="2000" dirty="0" err="1" smtClean="0"/>
+              <a:t>Invscaling</a:t>
+            </a:r>
+            <a:r>
+              <a:rPr lang="fr-FR" sz="2000" dirty="0" smtClean="0"/>
+              <a:t> : baisse dans le temps</a:t>
+            </a:r>
+          </a:p>
+          <a:p>
+            <a:pPr lvl="1"/>
+            <a:endParaRPr lang="fr-FR" dirty="0"/>
+          </a:p>
+        </p:txBody>
+      </p:sp>
+    </p:spTree>
+    <p:extLst>
+      <p:ext uri="{BB962C8B-B14F-4D97-AF65-F5344CB8AC3E}">
+        <p14:creationId xmlns:p14="http://schemas.microsoft.com/office/powerpoint/2010/main" val="670975967"/>
+      </p:ext>
+    </p:extLst>
+  </p:cSld>
+  <p:clrMapOvr>
+    <a:masterClrMapping/>
+  </p:clrMapOvr>
+  <p:timing>
+    <p:tnLst>
+      <p:par>
+        <p:cTn id="1" dur="indefinite" restart="never" nodeType="tmRoot"/>
+      </p:par>
+    </p:tnLst>
+  </p:timing>
+</p:sld>
+</file>
+
 <file path=ppt/slides/slide22.xml><?xml version="1.0" encoding="utf-8"?>
 <p:sld xmlns:a="http://schemas.openxmlformats.org/drawingml/2006/main" xmlns:r="http://schemas.openxmlformats.org/officeDocument/2006/relationships" xmlns:p="http://schemas.openxmlformats.org/presentationml/2006/main">
   <p:cSld>
@@ -5527,141 +5702,53 @@
           <a:lstStyle/>
           <a:p>
             <a:r>
-              <a:rPr lang="fr-FR" sz="2400" dirty="0" err="1" smtClean="0"/>
-              <a:t>Solver</a:t>
-            </a:r>
-            <a:endParaRPr lang="fr-FR" sz="2400" dirty="0" smtClean="0"/>
+              <a:rPr lang="fr-FR" dirty="0" err="1" smtClean="0"/>
+              <a:t>Max_iter</a:t>
+            </a:r>
+            <a:endParaRPr lang="fr-FR" dirty="0" smtClean="0"/>
           </a:p>
           <a:p>
             <a:pPr lvl="1"/>
             <a:r>
-              <a:rPr lang="fr-FR" sz="2000" dirty="0" smtClean="0"/>
-              <a:t>Algorithme du changement du poids</a:t>
-            </a:r>
-            <a:endParaRPr lang="fr-FR" sz="2000" dirty="0"/>
+              <a:rPr lang="fr-FR" dirty="0" smtClean="0"/>
+              <a:t>Nombre d’itération</a:t>
+            </a:r>
           </a:p>
           <a:p>
             <a:pPr lvl="1"/>
             <a:r>
-              <a:rPr lang="fr-FR" sz="2000" dirty="0" smtClean="0"/>
-              <a:t>Par défaut </a:t>
-            </a:r>
-            <a:r>
-              <a:rPr lang="fr-FR" sz="2000" dirty="0" err="1" smtClean="0"/>
-              <a:t>adam</a:t>
-            </a:r>
-            <a:r>
-              <a:rPr lang="fr-FR" sz="2000" dirty="0"/>
-              <a:t> (</a:t>
-            </a:r>
-            <a:r>
-              <a:rPr lang="fr-FR" sz="2000" dirty="0" err="1"/>
-              <a:t>stochastic</a:t>
-            </a:r>
-            <a:r>
-              <a:rPr lang="fr-FR" sz="2000" dirty="0"/>
-              <a:t> gradient-</a:t>
-            </a:r>
-            <a:r>
-              <a:rPr lang="fr-FR" sz="2000" dirty="0" err="1"/>
-              <a:t>based</a:t>
-            </a:r>
-            <a:r>
-              <a:rPr lang="fr-FR" sz="2000" dirty="0"/>
-              <a:t> </a:t>
-            </a:r>
-            <a:r>
-              <a:rPr lang="fr-FR" sz="2000" dirty="0" err="1" smtClean="0"/>
-              <a:t>optimizer</a:t>
-            </a:r>
-            <a:r>
-              <a:rPr lang="fr-FR" sz="2000" dirty="0" smtClean="0"/>
-              <a:t>)</a:t>
-            </a:r>
+              <a:rPr lang="fr-FR" dirty="0" smtClean="0"/>
+              <a:t>200 par défaut</a:t>
+            </a:r>
+          </a:p>
+          <a:p>
+            <a:r>
+              <a:rPr lang="fr-FR" dirty="0" err="1" smtClean="0"/>
+              <a:t>Tol</a:t>
+            </a:r>
+            <a:endParaRPr lang="fr-FR" dirty="0" smtClean="0"/>
           </a:p>
           <a:p>
             <a:pPr lvl="1"/>
             <a:r>
-              <a:rPr lang="fr-FR" sz="2000" dirty="0" err="1" smtClean="0"/>
-              <a:t>Sgd</a:t>
-            </a:r>
-            <a:r>
-              <a:rPr lang="fr-FR" sz="2000" dirty="0" smtClean="0"/>
-              <a:t> va utiliser </a:t>
-            </a:r>
-            <a:r>
-              <a:rPr lang="fr-FR" sz="2000" dirty="0" err="1" smtClean="0"/>
-              <a:t>Learning_rate</a:t>
-            </a:r>
-            <a:endParaRPr lang="fr-FR" sz="2000" dirty="0" smtClean="0"/>
-          </a:p>
-          <a:p>
-            <a:r>
-              <a:rPr lang="fr-FR" sz="2400" dirty="0" smtClean="0"/>
-              <a:t>Alpha</a:t>
-            </a:r>
-          </a:p>
-          <a:p>
-            <a:pPr lvl="1"/>
-            <a:r>
-              <a:rPr lang="fr-FR" sz="2000" dirty="0" smtClean="0"/>
-              <a:t>0.00001</a:t>
-            </a:r>
-          </a:p>
-          <a:p>
-            <a:pPr lvl="1"/>
-            <a:r>
-              <a:rPr lang="fr-FR" sz="2000" dirty="0" smtClean="0"/>
-              <a:t>Pénalité</a:t>
-            </a:r>
-          </a:p>
-          <a:p>
-            <a:r>
-              <a:rPr lang="fr-FR" sz="2400" dirty="0" err="1" smtClean="0"/>
-              <a:t>Learning_rate</a:t>
-            </a:r>
-            <a:endParaRPr lang="fr-FR" sz="2400" dirty="0" smtClean="0"/>
-          </a:p>
-          <a:p>
-            <a:pPr lvl="1"/>
-            <a:r>
-              <a:rPr lang="fr-FR" sz="2000" dirty="0" smtClean="0"/>
-              <a:t>Constant : changement de poids constant</a:t>
-            </a:r>
-          </a:p>
-          <a:p>
-            <a:pPr lvl="1"/>
-            <a:r>
-              <a:rPr lang="fr-FR" sz="2000" dirty="0" smtClean="0"/>
-              <a:t>Adaptive : Augmente en cas d’erreurs </a:t>
-            </a:r>
-            <a:r>
-              <a:rPr lang="fr-FR" sz="2000" dirty="0" smtClean="0"/>
-              <a:t>successive, </a:t>
-            </a:r>
-            <a:r>
-              <a:rPr lang="fr-FR" sz="2000" dirty="0" smtClean="0"/>
-              <a:t>abaisse en cas de succès successif, d’une valeur décrite dans </a:t>
-            </a:r>
-            <a:r>
-              <a:rPr lang="fr-FR" sz="2000" dirty="0" err="1" smtClean="0"/>
-              <a:t>momentum</a:t>
-            </a:r>
-            <a:endParaRPr lang="fr-FR" sz="2000" dirty="0" smtClean="0"/>
-          </a:p>
-          <a:p>
-            <a:pPr lvl="1"/>
-            <a:r>
-              <a:rPr lang="fr-FR" sz="2000" dirty="0" err="1" smtClean="0"/>
-              <a:t>Invscaling</a:t>
-            </a:r>
-            <a:r>
-              <a:rPr lang="fr-FR" sz="2000" dirty="0" smtClean="0"/>
-              <a:t> : baisse dans le temps</a:t>
-            </a:r>
-          </a:p>
-          <a:p>
-            <a:pPr lvl="1"/>
+              <a:rPr lang="fr-FR" dirty="0" smtClean="0"/>
+              <a:t>Tolérance au score</a:t>
+            </a:r>
+          </a:p>
+          <a:p>
+            <a:pPr lvl="2"/>
+            <a:r>
+              <a:rPr lang="fr-FR" dirty="0" smtClean="0"/>
+              <a:t>10</a:t>
+            </a:r>
+            <a:r>
+              <a:rPr lang="fr-FR" baseline="30000" dirty="0" smtClean="0"/>
+              <a:t>E</a:t>
+            </a:r>
+            <a:r>
+              <a:rPr lang="fr-FR" dirty="0" smtClean="0"/>
+              <a:t>-4</a:t>
+            </a:r>
             <a:endParaRPr lang="fr-FR" dirty="0"/>
           </a:p>
         </p:txBody>
@@ -5669,7 +5756,7 @@
     </p:spTree>
     <p:extLst>
       <p:ext uri="{BB962C8B-B14F-4D97-AF65-F5344CB8AC3E}">
-        <p14:creationId xmlns:p14="http://schemas.microsoft.com/office/powerpoint/2010/main" val="670975967"/>
+        <p14:creationId xmlns:p14="http://schemas.microsoft.com/office/powerpoint/2010/main" val="1317148148"/>
       </p:ext>
     </p:extLst>
   </p:cSld>
@@ -5726,77 +5813,34 @@
           </a:p>
         </p:txBody>
       </p:sp>
-      <p:sp>
-        <p:nvSpPr>
-          <p:cNvPr id="3" name="Espace réservé du contenu 2"/>
-          <p:cNvSpPr>
-            <a:spLocks noGrp="1"/>
-          </p:cNvSpPr>
-          <p:nvPr>
-            <p:ph idx="1"/>
-          </p:nvPr>
-        </p:nvSpPr>
-        <p:spPr/>
-        <p:txBody>
-          <a:bodyPr/>
-          <a:lstStyle/>
-          <a:p>
-            <a:r>
-              <a:rPr lang="fr-FR" dirty="0" err="1" smtClean="0"/>
-              <a:t>Max_iter</a:t>
-            </a:r>
-            <a:endParaRPr lang="fr-FR" dirty="0" smtClean="0"/>
-          </a:p>
-          <a:p>
-            <a:pPr lvl="1"/>
-            <a:r>
-              <a:rPr lang="fr-FR" dirty="0" smtClean="0"/>
-              <a:t>Nombre d’itération</a:t>
-            </a:r>
-          </a:p>
-          <a:p>
-            <a:pPr lvl="1"/>
-            <a:r>
-              <a:rPr lang="fr-FR" dirty="0" smtClean="0"/>
-              <a:t>200 par défaut</a:t>
-            </a:r>
-          </a:p>
-          <a:p>
-            <a:r>
-              <a:rPr lang="fr-FR" dirty="0" err="1" smtClean="0"/>
-              <a:t>Tol</a:t>
-            </a:r>
-            <a:endParaRPr lang="fr-FR" dirty="0" smtClean="0"/>
-          </a:p>
-          <a:p>
-            <a:pPr lvl="1"/>
-            <a:r>
-              <a:rPr lang="fr-FR" dirty="0" smtClean="0"/>
-              <a:t>Tolérance au score</a:t>
-            </a:r>
-          </a:p>
-          <a:p>
-            <a:pPr lvl="2"/>
-            <a:r>
-              <a:rPr lang="fr-FR" dirty="0" smtClean="0"/>
-              <a:t>10</a:t>
-            </a:r>
-            <a:r>
-              <a:rPr lang="fr-FR" baseline="30000" dirty="0" smtClean="0"/>
-              <a:t>E</a:t>
-            </a:r>
-            <a:r>
-              <a:rPr lang="fr-FR" dirty="0" smtClean="0"/>
-              <a:t>-4</a:t>
-            </a:r>
-            <a:endParaRPr lang="fr-FR" dirty="0"/>
-          </a:p>
-        </p:txBody>
-      </p:sp>
+      <p:pic>
+        <p:nvPicPr>
+          <p:cNvPr id="4" name="Image 3"/>
+          <p:cNvPicPr>
+            <a:picLocks noChangeAspect="1"/>
+          </p:cNvPicPr>
+          <p:nvPr/>
+        </p:nvPicPr>
+        <p:blipFill>
+          <a:blip r:embed="rId2"/>
+          <a:stretch>
+            <a:fillRect/>
+          </a:stretch>
+        </p:blipFill>
+        <p:spPr>
+          <a:xfrm>
+            <a:off x="85816" y="1433512"/>
+            <a:ext cx="9011862" cy="4731792"/>
+          </a:xfrm>
+          <a:prstGeom prst="rect">
+            <a:avLst/>
+          </a:prstGeom>
+        </p:spPr>
+      </p:pic>
     </p:spTree>
     <p:extLst>
       <p:ext uri="{BB962C8B-B14F-4D97-AF65-F5344CB8AC3E}">
-        <p14:creationId xmlns:p14="http://schemas.microsoft.com/office/powerpoint/2010/main" val="1317148148"/>
+        <p14:creationId xmlns:p14="http://schemas.microsoft.com/office/powerpoint/2010/main" val="567983057"/>
       </p:ext>
     </p:extLst>
   </p:cSld>
@@ -5846,208 +5890,6 @@
           <a:lstStyle/>
           <a:p>
             <a:r>
-              <a:rPr lang="fr-FR" dirty="0" err="1" smtClean="0"/>
-              <a:t>MLPClassifier</a:t>
-            </a:r>
-            <a:endParaRPr lang="fr-FR" dirty="0"/>
-          </a:p>
-        </p:txBody>
-      </p:sp>
-      <p:pic>
-        <p:nvPicPr>
-          <p:cNvPr id="4" name="Image 3"/>
-          <p:cNvPicPr>
-            <a:picLocks noChangeAspect="1"/>
-          </p:cNvPicPr>
-          <p:nvPr/>
-        </p:nvPicPr>
-        <p:blipFill>
-          <a:blip r:embed="rId2"/>
-          <a:stretch>
-            <a:fillRect/>
-          </a:stretch>
-        </p:blipFill>
-        <p:spPr>
-          <a:xfrm>
-            <a:off x="85816" y="1433512"/>
-            <a:ext cx="9011862" cy="4731792"/>
-          </a:xfrm>
-          <a:prstGeom prst="rect">
-            <a:avLst/>
-          </a:prstGeom>
-        </p:spPr>
-      </p:pic>
-    </p:spTree>
-    <p:extLst>
-      <p:ext uri="{BB962C8B-B14F-4D97-AF65-F5344CB8AC3E}">
-        <p14:creationId xmlns:p14="http://schemas.microsoft.com/office/powerpoint/2010/main" val="567983057"/>
-      </p:ext>
-    </p:extLst>
-  </p:cSld>
-  <p:clrMapOvr>
-    <a:masterClrMapping/>
-  </p:clrMapOvr>
-  <p:timing>
-    <p:tnLst>
-      <p:par>
-        <p:cTn id="1" dur="indefinite" restart="never" nodeType="tmRoot"/>
-      </p:par>
-    </p:tnLst>
-  </p:timing>
-</p:sld>
-</file>
-
-<file path=ppt/slides/slide25.xml><?xml version="1.0" encoding="utf-8"?>
-<p:sld xmlns:a="http://schemas.openxmlformats.org/drawingml/2006/main" xmlns:r="http://schemas.openxmlformats.org/officeDocument/2006/relationships" xmlns:p="http://schemas.openxmlformats.org/presentationml/2006/main">
-  <p:cSld>
-    <p:spTree>
-      <p:nvGrpSpPr>
-        <p:cNvPr id="1" name=""/>
-        <p:cNvGrpSpPr/>
-        <p:nvPr/>
-      </p:nvGrpSpPr>
-      <p:grpSpPr>
-        <a:xfrm>
-          <a:off x="0" y="0"/>
-          <a:ext cx="0" cy="0"/>
-          <a:chOff x="0" y="0"/>
-          <a:chExt cx="0" cy="0"/>
-        </a:xfrm>
-      </p:grpSpPr>
-      <p:sp>
-        <p:nvSpPr>
-          <p:cNvPr id="2" name="Titre 1"/>
-          <p:cNvSpPr>
-            <a:spLocks noGrp="1"/>
-          </p:cNvSpPr>
-          <p:nvPr>
-            <p:ph type="title"/>
-          </p:nvPr>
-        </p:nvSpPr>
-        <p:spPr/>
-        <p:txBody>
-          <a:bodyPr/>
-          <a:lstStyle/>
-          <a:p>
-            <a:r>
-              <a:rPr lang="fr-FR" dirty="0" smtClean="0"/>
-              <a:t>Nombre de neurones</a:t>
-            </a:r>
-            <a:endParaRPr lang="fr-FR" dirty="0"/>
-          </a:p>
-        </p:txBody>
-      </p:sp>
-      <p:sp>
-        <p:nvSpPr>
-          <p:cNvPr id="3" name="Espace réservé du contenu 2"/>
-          <p:cNvSpPr>
-            <a:spLocks noGrp="1"/>
-          </p:cNvSpPr>
-          <p:nvPr>
-            <p:ph idx="1"/>
-          </p:nvPr>
-        </p:nvSpPr>
-        <p:spPr/>
-        <p:txBody>
-          <a:bodyPr/>
-          <a:lstStyle/>
-          <a:p>
-            <a:r>
-              <a:rPr lang="fr-FR" dirty="0" smtClean="0"/>
-              <a:t>Le nombre de neurones peut dépendre de cette formule</a:t>
-            </a:r>
-          </a:p>
-          <a:p>
-            <a:pPr lvl="1"/>
-            <a:r>
-              <a:rPr lang="fr-FR" smtClean="0"/>
-              <a:t>Il faut </a:t>
-            </a:r>
-            <a:r>
-              <a:rPr lang="fr-FR" dirty="0" smtClean="0"/>
-              <a:t>donc un Ns très élevé</a:t>
-            </a:r>
-            <a:endParaRPr lang="fr-FR" dirty="0"/>
-          </a:p>
-        </p:txBody>
-      </p:sp>
-      <p:pic>
-        <p:nvPicPr>
-          <p:cNvPr id="4" name="Image 3"/>
-          <p:cNvPicPr>
-            <a:picLocks noChangeAspect="1"/>
-          </p:cNvPicPr>
-          <p:nvPr/>
-        </p:nvPicPr>
-        <p:blipFill>
-          <a:blip r:embed="rId2"/>
-          <a:stretch>
-            <a:fillRect/>
-          </a:stretch>
-        </p:blipFill>
-        <p:spPr>
-          <a:xfrm>
-            <a:off x="1547664" y="2852936"/>
-            <a:ext cx="6166450" cy="2020044"/>
-          </a:xfrm>
-          <a:prstGeom prst="rect">
-            <a:avLst/>
-          </a:prstGeom>
-        </p:spPr>
-      </p:pic>
-    </p:spTree>
-    <p:extLst>
-      <p:ext uri="{BB962C8B-B14F-4D97-AF65-F5344CB8AC3E}">
-        <p14:creationId xmlns:p14="http://schemas.microsoft.com/office/powerpoint/2010/main" val="183711057"/>
-      </p:ext>
-    </p:extLst>
-  </p:cSld>
-  <p:clrMapOvr>
-    <a:masterClrMapping/>
-  </p:clrMapOvr>
-  <p:timing>
-    <p:tnLst>
-      <p:par>
-        <p:cTn id="1" dur="indefinite" restart="never" nodeType="tmRoot"/>
-      </p:par>
-    </p:tnLst>
-  </p:timing>
-</p:sld>
-</file>
-
-<file path=ppt/slides/slide26.xml><?xml version="1.0" encoding="utf-8"?>
-<p:sld xmlns:a="http://schemas.openxmlformats.org/drawingml/2006/main" xmlns:r="http://schemas.openxmlformats.org/officeDocument/2006/relationships" xmlns:p="http://schemas.openxmlformats.org/presentationml/2006/main">
-  <p:cSld>
-    <p:spTree>
-      <p:nvGrpSpPr>
-        <p:cNvPr id="1" name=""/>
-        <p:cNvGrpSpPr/>
-        <p:nvPr/>
-      </p:nvGrpSpPr>
-      <p:grpSpPr>
-        <a:xfrm>
-          <a:off x="0" y="0"/>
-          <a:ext cx="0" cy="0"/>
-          <a:chOff x="0" y="0"/>
-          <a:chExt cx="0" cy="0"/>
-        </a:xfrm>
-      </p:grpSpPr>
-      <p:sp>
-        <p:nvSpPr>
-          <p:cNvPr id="2" name="Titre 1"/>
-          <p:cNvSpPr>
-            <a:spLocks noGrp="1"/>
-          </p:cNvSpPr>
-          <p:nvPr>
-            <p:ph type="title"/>
-          </p:nvPr>
-        </p:nvSpPr>
-        <p:spPr/>
-        <p:txBody>
-          <a:bodyPr/>
-          <a:lstStyle/>
-          <a:p>
-            <a:r>
               <a:rPr lang="fr-FR" dirty="0" smtClean="0"/>
               <a:t>Standardisation d’un jeux de données</a:t>
             </a:r>
@@ -6211,7 +6053,7 @@
 </p:sld>
 </file>
 
-<file path=ppt/slides/slide27.xml><?xml version="1.0" encoding="utf-8"?>
+<file path=ppt/slides/slide25.xml><?xml version="1.0" encoding="utf-8"?>
 <p:sld xmlns:a="http://schemas.openxmlformats.org/drawingml/2006/main" xmlns:r="http://schemas.openxmlformats.org/officeDocument/2006/relationships" xmlns:p="http://schemas.openxmlformats.org/presentationml/2006/main">
   <p:cSld>
     <p:spTree>
@@ -6335,7 +6177,7 @@
 </p:sld>
 </file>
 
-<file path=ppt/slides/slide28.xml><?xml version="1.0" encoding="utf-8"?>
+<file path=ppt/slides/slide26.xml><?xml version="1.0" encoding="utf-8"?>
 <p:sld xmlns:a="http://schemas.openxmlformats.org/drawingml/2006/main" xmlns:r="http://schemas.openxmlformats.org/officeDocument/2006/relationships" xmlns:p="http://schemas.openxmlformats.org/presentationml/2006/main">
   <p:cSld>
     <p:spTree>
@@ -6406,7 +6248,11 @@
             <a:pPr lvl="1"/>
             <a:r>
               <a:rPr lang="fr-FR" dirty="0" smtClean="0"/>
-              <a:t>Vrai positif / (vrai positif + faux positif)</a:t>
+              <a:t>Vrai positif / </a:t>
+            </a:r>
+            <a:r>
+              <a:rPr lang="fr-FR" dirty="0" smtClean="0"/>
+              <a:t>(vrai positif + faux positif)</a:t>
             </a:r>
           </a:p>
           <a:p>
@@ -6530,7 +6376,7 @@
 </p:sld>
 </file>
 
-<file path=ppt/slides/slide29.xml><?xml version="1.0" encoding="utf-8"?>
+<file path=ppt/slides/slide27.xml><?xml version="1.0" encoding="utf-8"?>
 <p:sld xmlns:a="http://schemas.openxmlformats.org/drawingml/2006/main" xmlns:r="http://schemas.openxmlformats.org/officeDocument/2006/relationships" xmlns:p="http://schemas.openxmlformats.org/presentationml/2006/main">
   <p:cSld>
     <p:spTree>
@@ -6612,11 +6458,7 @@
             </a:r>
             <a:r>
               <a:rPr lang="fr-FR" smtClean="0"/>
-              <a:t>donc </a:t>
-            </a:r>
-            <a:r>
-              <a:rPr lang="fr-FR" smtClean="0"/>
-              <a:t>récurrent </a:t>
+              <a:t>donc récurrent </a:t>
             </a:r>
             <a:r>
               <a:rPr lang="fr-FR" dirty="0" smtClean="0"/>
@@ -6633,11 +6475,7 @@
           <a:p>
             <a:r>
               <a:rPr lang="fr-FR" dirty="0" smtClean="0"/>
-              <a:t>Réseaux </a:t>
-            </a:r>
-            <a:r>
-              <a:rPr lang="fr-FR" dirty="0" smtClean="0"/>
-              <a:t>élastiques</a:t>
+              <a:t>Réseaux élastiques</a:t>
             </a:r>
           </a:p>
           <a:p>
@@ -6703,10 +6541,10 @@
           <a:lstStyle/>
           <a:p>
             <a:r>
-              <a:rPr lang="fr-FR" smtClean="0"/>
+              <a:rPr lang="fr-FR" dirty="0" smtClean="0"/>
               <a:t>Neurone</a:t>
             </a:r>
-            <a:endParaRPr lang="fr-FR"/>
+            <a:endParaRPr lang="fr-FR" dirty="0"/>
           </a:p>
         </p:txBody>
       </p:sp>
@@ -7296,6 +7134,13 @@
   <p:clrMapOvr>
     <a:masterClrMapping/>
   </p:clrMapOvr>
+  <p:timing>
+    <p:tnLst>
+      <p:par>
+        <p:cTn id="1" dur="indefinite" restart="never" nodeType="tmRoot"/>
+      </p:par>
+    </p:tnLst>
+  </p:timing>
 </p:sld>
 </file>
 
@@ -7825,6 +7670,13 @@
   <p:clrMapOvr>
     <a:masterClrMapping/>
   </p:clrMapOvr>
+  <p:timing>
+    <p:tnLst>
+      <p:par>
+        <p:cTn id="1" dur="indefinite" restart="never" nodeType="tmRoot"/>
+      </p:par>
+    </p:tnLst>
+  </p:timing>
 </p:sld>
 </file>
 
@@ -8214,6 +8066,13 @@
   <p:clrMapOvr>
     <a:masterClrMapping/>
   </p:clrMapOvr>
+  <p:timing>
+    <p:tnLst>
+      <p:par>
+        <p:cTn id="1" dur="indefinite" restart="never" nodeType="tmRoot"/>
+      </p:par>
+    </p:tnLst>
+  </p:timing>
 </p:sld>
 </file>
 
@@ -8310,6 +8169,13 @@
   <p:clrMapOvr>
     <a:masterClrMapping/>
   </p:clrMapOvr>
+  <p:timing>
+    <p:tnLst>
+      <p:par>
+        <p:cTn id="1" dur="indefinite" restart="never" nodeType="tmRoot"/>
+      </p:par>
+    </p:tnLst>
+  </p:timing>
 </p:sld>
 </file>
 

--- a/PPT/MachineLearning18-NeuralNetwork.pptx
+++ b/PPT/MachineLearning18-NeuralNetwork.pptx
@@ -5,10 +5,10 @@
     <p:sldMasterId id="2147483653" r:id="rId1"/>
   </p:sldMasterIdLst>
   <p:notesMasterIdLst>
-    <p:notesMasterId r:id="rId29"/>
+    <p:notesMasterId r:id="rId34"/>
   </p:notesMasterIdLst>
   <p:handoutMasterIdLst>
-    <p:handoutMasterId r:id="rId30"/>
+    <p:handoutMasterId r:id="rId35"/>
   </p:handoutMasterIdLst>
   <p:sldIdLst>
     <p:sldId id="264" r:id="rId2"/>
@@ -35,9 +35,14 @@
     <p:sldId id="286" r:id="rId23"/>
     <p:sldId id="284" r:id="rId24"/>
     <p:sldId id="299" r:id="rId25"/>
-    <p:sldId id="287" r:id="rId26"/>
-    <p:sldId id="288" r:id="rId27"/>
-    <p:sldId id="289" r:id="rId28"/>
+    <p:sldId id="288" r:id="rId26"/>
+    <p:sldId id="302" r:id="rId27"/>
+    <p:sldId id="303" r:id="rId28"/>
+    <p:sldId id="304" r:id="rId29"/>
+    <p:sldId id="305" r:id="rId30"/>
+    <p:sldId id="306" r:id="rId31"/>
+    <p:sldId id="287" r:id="rId32"/>
+    <p:sldId id="289" r:id="rId33"/>
   </p:sldIdLst>
   <p:sldSz cx="9144000" cy="6858000" type="screen4x3"/>
   <p:notesSz cx="6648450" cy="9782175"/>
@@ -630,35 +635,35 @@
           <a:p>
             <a:pPr lvl="0"/>
             <a:r>
-              <a:rPr lang="fr-FR" noProof="0" smtClean="0"/>
+              <a:rPr lang="fr-FR" noProof="0"/>
               <a:t>Cliquez pour modifier les styles du texte du masque</a:t>
             </a:r>
           </a:p>
           <a:p>
             <a:pPr lvl="1"/>
             <a:r>
-              <a:rPr lang="fr-FR" noProof="0" smtClean="0"/>
+              <a:rPr lang="fr-FR" noProof="0"/>
               <a:t>Deuxième niveau</a:t>
             </a:r>
           </a:p>
           <a:p>
             <a:pPr lvl="2"/>
             <a:r>
-              <a:rPr lang="fr-FR" noProof="0" smtClean="0"/>
+              <a:rPr lang="fr-FR" noProof="0"/>
               <a:t>Troisième niveau</a:t>
             </a:r>
           </a:p>
           <a:p>
             <a:pPr lvl="3"/>
             <a:r>
-              <a:rPr lang="fr-FR" noProof="0" smtClean="0"/>
+              <a:rPr lang="fr-FR" noProof="0"/>
               <a:t>Quatrième niveau</a:t>
             </a:r>
           </a:p>
           <a:p>
             <a:pPr lvl="4"/>
             <a:r>
-              <a:rPr lang="fr-FR" noProof="0" smtClean="0"/>
+              <a:rPr lang="fr-FR" noProof="0"/>
               <a:t>Cinquième niveau</a:t>
             </a:r>
           </a:p>
@@ -946,10 +951,9 @@
           <a:lstStyle/>
           <a:p>
             <a:r>
-              <a:rPr lang="fr-FR" smtClean="0"/>
+              <a:rPr lang="fr-FR"/>
               <a:t>Cliquez pour modifier le style du titre</a:t>
             </a:r>
-            <a:endParaRPr lang="fr-FR"/>
           </a:p>
         </p:txBody>
       </p:sp>
@@ -1011,10 +1015,9 @@
           </a:lstStyle>
           <a:p>
             <a:r>
-              <a:rPr lang="fr-FR" smtClean="0"/>
+              <a:rPr lang="fr-FR"/>
               <a:t>Cliquez pour modifier le style des sous-titres du masque</a:t>
             </a:r>
-            <a:endParaRPr lang="fr-FR"/>
           </a:p>
         </p:txBody>
       </p:sp>
@@ -1069,10 +1072,9 @@
           <a:lstStyle/>
           <a:p>
             <a:r>
-              <a:rPr lang="fr-FR" smtClean="0"/>
+              <a:rPr lang="fr-FR"/>
               <a:t>Cliquez pour modifier le style du titre</a:t>
             </a:r>
-            <a:endParaRPr lang="fr-FR"/>
           </a:p>
         </p:txBody>
       </p:sp>
@@ -1098,38 +1100,37 @@
           <a:p>
             <a:pPr lvl="0"/>
             <a:r>
-              <a:rPr lang="fr-FR" smtClean="0"/>
+              <a:rPr lang="fr-FR"/>
               <a:t>Cliquez pour modifier les styles du texte du masque</a:t>
             </a:r>
           </a:p>
           <a:p>
             <a:pPr lvl="1"/>
             <a:r>
-              <a:rPr lang="fr-FR" smtClean="0"/>
+              <a:rPr lang="fr-FR"/>
               <a:t>Deuxième niveau</a:t>
             </a:r>
           </a:p>
           <a:p>
             <a:pPr lvl="2"/>
             <a:r>
-              <a:rPr lang="fr-FR" smtClean="0"/>
+              <a:rPr lang="fr-FR"/>
               <a:t>Troisième niveau</a:t>
             </a:r>
           </a:p>
           <a:p>
             <a:pPr lvl="3"/>
             <a:r>
-              <a:rPr lang="fr-FR" smtClean="0"/>
+              <a:rPr lang="fr-FR"/>
               <a:t>Quatrième niveau</a:t>
             </a:r>
           </a:p>
           <a:p>
             <a:pPr lvl="4"/>
             <a:r>
-              <a:rPr lang="fr-FR" smtClean="0"/>
+              <a:rPr lang="fr-FR"/>
               <a:t>Cinquième niveau</a:t>
             </a:r>
-            <a:endParaRPr lang="fr-FR"/>
           </a:p>
         </p:txBody>
       </p:sp>
@@ -1188,10 +1189,9 @@
           </a:lstStyle>
           <a:p>
             <a:r>
-              <a:rPr lang="fr-FR" dirty="0" smtClean="0"/>
+              <a:rPr lang="fr-FR" dirty="0"/>
               <a:t>Cliquez pour modifier le style du titre</a:t>
             </a:r>
-            <a:endParaRPr lang="fr-FR" dirty="0"/>
           </a:p>
         </p:txBody>
       </p:sp>
@@ -1217,38 +1217,37 @@
           <a:p>
             <a:pPr lvl="0"/>
             <a:r>
-              <a:rPr lang="fr-FR" dirty="0" smtClean="0"/>
+              <a:rPr lang="fr-FR" dirty="0"/>
               <a:t>Cliquez pour modifier les styles du texte du masque</a:t>
             </a:r>
           </a:p>
           <a:p>
             <a:pPr lvl="1"/>
             <a:r>
-              <a:rPr lang="fr-FR" dirty="0" smtClean="0"/>
+              <a:rPr lang="fr-FR" dirty="0"/>
               <a:t>Deuxième niveau</a:t>
             </a:r>
           </a:p>
           <a:p>
             <a:pPr lvl="2"/>
             <a:r>
-              <a:rPr lang="fr-FR" dirty="0" smtClean="0"/>
+              <a:rPr lang="fr-FR" dirty="0"/>
               <a:t>Troisième niveau</a:t>
             </a:r>
           </a:p>
           <a:p>
             <a:pPr lvl="3"/>
             <a:r>
-              <a:rPr lang="fr-FR" dirty="0" smtClean="0"/>
+              <a:rPr lang="fr-FR" dirty="0"/>
               <a:t>Quatrième niveau</a:t>
             </a:r>
           </a:p>
           <a:p>
             <a:pPr lvl="4"/>
             <a:r>
-              <a:rPr lang="fr-FR" dirty="0" smtClean="0"/>
+              <a:rPr lang="fr-FR" dirty="0"/>
               <a:t>Cinquième niveau</a:t>
             </a:r>
-            <a:endParaRPr lang="fr-FR" dirty="0"/>
           </a:p>
         </p:txBody>
       </p:sp>
@@ -1298,10 +1297,9 @@
           <a:lstStyle/>
           <a:p>
             <a:r>
-              <a:rPr lang="fr-FR" smtClean="0"/>
+              <a:rPr lang="fr-FR"/>
               <a:t>Cliquez pour modifier le style du titre</a:t>
             </a:r>
-            <a:endParaRPr lang="fr-FR"/>
           </a:p>
         </p:txBody>
       </p:sp>
@@ -1355,38 +1353,37 @@
           <a:p>
             <a:pPr lvl="0"/>
             <a:r>
-              <a:rPr lang="fr-FR" smtClean="0"/>
+              <a:rPr lang="fr-FR"/>
               <a:t>Cliquez pour modifier les styles du texte du masque</a:t>
             </a:r>
           </a:p>
           <a:p>
             <a:pPr lvl="1"/>
             <a:r>
-              <a:rPr lang="fr-FR" smtClean="0"/>
+              <a:rPr lang="fr-FR"/>
               <a:t>Deuxième niveau</a:t>
             </a:r>
           </a:p>
           <a:p>
             <a:pPr lvl="2"/>
             <a:r>
-              <a:rPr lang="fr-FR" smtClean="0"/>
+              <a:rPr lang="fr-FR"/>
               <a:t>Troisième niveau</a:t>
             </a:r>
           </a:p>
           <a:p>
             <a:pPr lvl="3"/>
             <a:r>
-              <a:rPr lang="fr-FR" smtClean="0"/>
+              <a:rPr lang="fr-FR"/>
               <a:t>Quatrième niveau</a:t>
             </a:r>
           </a:p>
           <a:p>
             <a:pPr lvl="4"/>
             <a:r>
-              <a:rPr lang="fr-FR" smtClean="0"/>
+              <a:rPr lang="fr-FR"/>
               <a:t>Cinquième niveau</a:t>
             </a:r>
-            <a:endParaRPr lang="fr-FR"/>
           </a:p>
         </p:txBody>
       </p:sp>
@@ -1440,38 +1437,37 @@
           <a:p>
             <a:pPr lvl="0"/>
             <a:r>
-              <a:rPr lang="fr-FR" smtClean="0"/>
+              <a:rPr lang="fr-FR"/>
               <a:t>Cliquez pour modifier les styles du texte du masque</a:t>
             </a:r>
           </a:p>
           <a:p>
             <a:pPr lvl="1"/>
             <a:r>
-              <a:rPr lang="fr-FR" smtClean="0"/>
+              <a:rPr lang="fr-FR"/>
               <a:t>Deuxième niveau</a:t>
             </a:r>
           </a:p>
           <a:p>
             <a:pPr lvl="2"/>
             <a:r>
-              <a:rPr lang="fr-FR" smtClean="0"/>
+              <a:rPr lang="fr-FR"/>
               <a:t>Troisième niveau</a:t>
             </a:r>
           </a:p>
           <a:p>
             <a:pPr lvl="3"/>
             <a:r>
-              <a:rPr lang="fr-FR" smtClean="0"/>
+              <a:rPr lang="fr-FR"/>
               <a:t>Quatrième niveau</a:t>
             </a:r>
           </a:p>
           <a:p>
             <a:pPr lvl="4"/>
             <a:r>
-              <a:rPr lang="fr-FR" smtClean="0"/>
+              <a:rPr lang="fr-FR"/>
               <a:t>Cinquième niveau</a:t>
             </a:r>
-            <a:endParaRPr lang="fr-FR"/>
           </a:p>
         </p:txBody>
       </p:sp>
@@ -1530,10 +1526,9 @@
           </a:lstStyle>
           <a:p>
             <a:r>
-              <a:rPr lang="fr-FR" smtClean="0"/>
+              <a:rPr lang="fr-FR"/>
               <a:t>Cliquez pour modifier le style du titre</a:t>
             </a:r>
-            <a:endParaRPr lang="fr-FR"/>
           </a:p>
         </p:txBody>
       </p:sp>
@@ -1596,7 +1591,7 @@
           <a:p>
             <a:pPr lvl="0"/>
             <a:r>
-              <a:rPr lang="fr-FR" smtClean="0"/>
+              <a:rPr lang="fr-FR"/>
               <a:t>Cliquez pour modifier les styles du texte du masque</a:t>
             </a:r>
           </a:p>
@@ -1652,38 +1647,37 @@
           <a:p>
             <a:pPr lvl="0"/>
             <a:r>
-              <a:rPr lang="fr-FR" smtClean="0"/>
+              <a:rPr lang="fr-FR"/>
               <a:t>Cliquez pour modifier les styles du texte du masque</a:t>
             </a:r>
           </a:p>
           <a:p>
             <a:pPr lvl="1"/>
             <a:r>
-              <a:rPr lang="fr-FR" smtClean="0"/>
+              <a:rPr lang="fr-FR"/>
               <a:t>Deuxième niveau</a:t>
             </a:r>
           </a:p>
           <a:p>
             <a:pPr lvl="2"/>
             <a:r>
-              <a:rPr lang="fr-FR" smtClean="0"/>
+              <a:rPr lang="fr-FR"/>
               <a:t>Troisième niveau</a:t>
             </a:r>
           </a:p>
           <a:p>
             <a:pPr lvl="3"/>
             <a:r>
-              <a:rPr lang="fr-FR" smtClean="0"/>
+              <a:rPr lang="fr-FR"/>
               <a:t>Quatrième niveau</a:t>
             </a:r>
           </a:p>
           <a:p>
             <a:pPr lvl="4"/>
             <a:r>
-              <a:rPr lang="fr-FR" smtClean="0"/>
+              <a:rPr lang="fr-FR"/>
               <a:t>Cinquième niveau</a:t>
             </a:r>
-            <a:endParaRPr lang="fr-FR"/>
           </a:p>
         </p:txBody>
       </p:sp>
@@ -1746,7 +1740,7 @@
           <a:p>
             <a:pPr lvl="0"/>
             <a:r>
-              <a:rPr lang="fr-FR" smtClean="0"/>
+              <a:rPr lang="fr-FR"/>
               <a:t>Cliquez pour modifier les styles du texte du masque</a:t>
             </a:r>
           </a:p>
@@ -1802,38 +1796,37 @@
           <a:p>
             <a:pPr lvl="0"/>
             <a:r>
-              <a:rPr lang="fr-FR" smtClean="0"/>
+              <a:rPr lang="fr-FR"/>
               <a:t>Cliquez pour modifier les styles du texte du masque</a:t>
             </a:r>
           </a:p>
           <a:p>
             <a:pPr lvl="1"/>
             <a:r>
-              <a:rPr lang="fr-FR" smtClean="0"/>
+              <a:rPr lang="fr-FR"/>
               <a:t>Deuxième niveau</a:t>
             </a:r>
           </a:p>
           <a:p>
             <a:pPr lvl="2"/>
             <a:r>
-              <a:rPr lang="fr-FR" smtClean="0"/>
+              <a:rPr lang="fr-FR"/>
               <a:t>Troisième niveau</a:t>
             </a:r>
           </a:p>
           <a:p>
             <a:pPr lvl="3"/>
             <a:r>
-              <a:rPr lang="fr-FR" smtClean="0"/>
+              <a:rPr lang="fr-FR"/>
               <a:t>Quatrième niveau</a:t>
             </a:r>
           </a:p>
           <a:p>
             <a:pPr lvl="4"/>
             <a:r>
-              <a:rPr lang="fr-FR" smtClean="0"/>
+              <a:rPr lang="fr-FR"/>
               <a:t>Cinquième niveau</a:t>
             </a:r>
-            <a:endParaRPr lang="fr-FR"/>
           </a:p>
         </p:txBody>
       </p:sp>
@@ -1883,10 +1876,9 @@
           <a:lstStyle/>
           <a:p>
             <a:r>
-              <a:rPr lang="fr-FR" smtClean="0"/>
+              <a:rPr lang="fr-FR"/>
               <a:t>Cliquez pour modifier le style du titre</a:t>
             </a:r>
-            <a:endParaRPr lang="fr-FR"/>
           </a:p>
         </p:txBody>
       </p:sp>
@@ -1975,10 +1967,9 @@
           </a:lstStyle>
           <a:p>
             <a:r>
-              <a:rPr lang="fr-FR" smtClean="0"/>
+              <a:rPr lang="fr-FR"/>
               <a:t>Cliquez pour modifier le style du titre</a:t>
             </a:r>
-            <a:endParaRPr lang="fr-FR"/>
           </a:p>
         </p:txBody>
       </p:sp>
@@ -2032,38 +2023,37 @@
           <a:p>
             <a:pPr lvl="0"/>
             <a:r>
-              <a:rPr lang="fr-FR" smtClean="0"/>
+              <a:rPr lang="fr-FR"/>
               <a:t>Cliquez pour modifier les styles du texte du masque</a:t>
             </a:r>
           </a:p>
           <a:p>
             <a:pPr lvl="1"/>
             <a:r>
-              <a:rPr lang="fr-FR" smtClean="0"/>
+              <a:rPr lang="fr-FR"/>
               <a:t>Deuxième niveau</a:t>
             </a:r>
           </a:p>
           <a:p>
             <a:pPr lvl="2"/>
             <a:r>
-              <a:rPr lang="fr-FR" smtClean="0"/>
+              <a:rPr lang="fr-FR"/>
               <a:t>Troisième niveau</a:t>
             </a:r>
           </a:p>
           <a:p>
             <a:pPr lvl="3"/>
             <a:r>
-              <a:rPr lang="fr-FR" smtClean="0"/>
+              <a:rPr lang="fr-FR"/>
               <a:t>Quatrième niveau</a:t>
             </a:r>
           </a:p>
           <a:p>
             <a:pPr lvl="4"/>
             <a:r>
-              <a:rPr lang="fr-FR" smtClean="0"/>
+              <a:rPr lang="fr-FR"/>
               <a:t>Cinquième niveau</a:t>
             </a:r>
-            <a:endParaRPr lang="fr-FR"/>
           </a:p>
         </p:txBody>
       </p:sp>
@@ -2126,7 +2116,7 @@
           <a:p>
             <a:pPr lvl="0"/>
             <a:r>
-              <a:rPr lang="fr-FR" smtClean="0"/>
+              <a:rPr lang="fr-FR"/>
               <a:t>Cliquez pour modifier les styles du texte du masque</a:t>
             </a:r>
           </a:p>
@@ -2187,10 +2177,9 @@
           </a:lstStyle>
           <a:p>
             <a:r>
-              <a:rPr lang="fr-FR" smtClean="0"/>
+              <a:rPr lang="fr-FR"/>
               <a:t>Cliquez pour modifier le style du titre</a:t>
             </a:r>
-            <a:endParaRPr lang="fr-FR"/>
           </a:p>
         </p:txBody>
       </p:sp>
@@ -2252,7 +2241,7 @@
           </a:lstStyle>
           <a:p>
             <a:pPr lvl="0"/>
-            <a:endParaRPr lang="fr-FR" noProof="0" smtClean="0"/>
+            <a:endParaRPr lang="fr-FR" noProof="0"/>
           </a:p>
         </p:txBody>
       </p:sp>
@@ -2315,7 +2304,7 @@
           <a:p>
             <a:pPr lvl="0"/>
             <a:r>
-              <a:rPr lang="fr-FR" smtClean="0"/>
+              <a:rPr lang="fr-FR"/>
               <a:t>Cliquez pour modifier les styles du texte du masque</a:t>
             </a:r>
           </a:p>
@@ -2367,10 +2356,9 @@
           <a:lstStyle/>
           <a:p>
             <a:r>
-              <a:rPr lang="fr-FR" smtClean="0"/>
+              <a:rPr lang="fr-FR"/>
               <a:t>Cliquez pour modifier le style du titre</a:t>
             </a:r>
-            <a:endParaRPr lang="fr-FR"/>
           </a:p>
         </p:txBody>
       </p:sp>
@@ -2391,38 +2379,37 @@
           <a:p>
             <a:pPr lvl="0"/>
             <a:r>
-              <a:rPr lang="fr-FR" smtClean="0"/>
+              <a:rPr lang="fr-FR"/>
               <a:t>Cliquez pour modifier les styles du texte du masque</a:t>
             </a:r>
           </a:p>
           <a:p>
             <a:pPr lvl="1"/>
             <a:r>
-              <a:rPr lang="fr-FR" smtClean="0"/>
+              <a:rPr lang="fr-FR"/>
               <a:t>Deuxième niveau</a:t>
             </a:r>
           </a:p>
           <a:p>
             <a:pPr lvl="2"/>
             <a:r>
-              <a:rPr lang="fr-FR" smtClean="0"/>
+              <a:rPr lang="fr-FR"/>
               <a:t>Troisième niveau</a:t>
             </a:r>
           </a:p>
           <a:p>
             <a:pPr lvl="3"/>
             <a:r>
-              <a:rPr lang="fr-FR" smtClean="0"/>
+              <a:rPr lang="fr-FR"/>
               <a:t>Quatrième niveau</a:t>
             </a:r>
           </a:p>
           <a:p>
             <a:pPr lvl="4"/>
             <a:r>
-              <a:rPr lang="fr-FR" smtClean="0"/>
+              <a:rPr lang="fr-FR"/>
               <a:t>Cinquième niveau</a:t>
             </a:r>
-            <a:endParaRPr lang="fr-FR"/>
           </a:p>
         </p:txBody>
       </p:sp>
@@ -2603,7 +2590,7 @@
             <a:pPr eaLnBrk="1" hangingPunct="1">
               <a:defRPr/>
             </a:pPr>
-            <a:endParaRPr lang="fr-FR" altLang="fr-FR" smtClean="0"/>
+            <a:endParaRPr lang="fr-FR" altLang="fr-FR"/>
           </a:p>
         </p:txBody>
       </p:sp>
@@ -2757,7 +2744,7 @@
               <a:defRPr/>
             </a:pPr>
             <a:r>
-              <a:rPr lang="fr-FR" sz="1200" dirty="0" smtClean="0"/>
+              <a:rPr lang="fr-FR" sz="1200" dirty="0"/>
               <a:t>Page </a:t>
             </a:r>
             <a:fld id="{E218E9B1-FD08-4C80-902E-210BA2967D0D}" type="slidenum">
@@ -2770,7 +2757,7 @@
               </a:pPr>
               <a:t>‹N°›</a:t>
             </a:fld>
-            <a:endParaRPr lang="fr-FR" dirty="0" smtClean="0">
+            <a:endParaRPr lang="fr-FR" dirty="0">
               <a:latin typeface="Times New Roman" pitchFamily="18" charset="0"/>
             </a:endParaRPr>
           </a:p>
@@ -2926,10 +2913,10 @@
               <a:defRPr/>
             </a:pPr>
             <a:r>
-              <a:rPr lang="fr-FR" sz="1600" dirty="0" smtClean="0"/>
+              <a:rPr lang="fr-FR" sz="1600" dirty="0"/>
               <a:t>Python</a:t>
             </a:r>
-            <a:endParaRPr lang="fr-FR" dirty="0" smtClean="0">
+            <a:endParaRPr lang="fr-FR" dirty="0">
               <a:latin typeface="Times New Roman" pitchFamily="18" charset="0"/>
             </a:endParaRPr>
           </a:p>
@@ -2987,7 +2974,7 @@
           <a:p>
             <a:pPr lvl="0"/>
             <a:r>
-              <a:rPr lang="fr-FR" altLang="fr-FR" smtClean="0"/>
+              <a:rPr lang="fr-FR" altLang="fr-FR"/>
               <a:t>Cliquez pour modifier le style du titre du masque</a:t>
             </a:r>
           </a:p>
@@ -3045,35 +3032,35 @@
           <a:p>
             <a:pPr lvl="0"/>
             <a:r>
-              <a:rPr lang="fr-FR" altLang="fr-FR" smtClean="0"/>
+              <a:rPr lang="fr-FR" altLang="fr-FR"/>
               <a:t>Cliquez pour modifier les styles du texte du masque</a:t>
             </a:r>
           </a:p>
           <a:p>
             <a:pPr lvl="1"/>
             <a:r>
-              <a:rPr lang="fr-FR" altLang="fr-FR" smtClean="0"/>
+              <a:rPr lang="fr-FR" altLang="fr-FR"/>
               <a:t>Deuxième niveau</a:t>
             </a:r>
           </a:p>
           <a:p>
             <a:pPr lvl="2"/>
             <a:r>
-              <a:rPr lang="fr-FR" altLang="fr-FR" smtClean="0"/>
+              <a:rPr lang="fr-FR" altLang="fr-FR"/>
               <a:t>Troisième niveau</a:t>
             </a:r>
           </a:p>
           <a:p>
             <a:pPr lvl="3"/>
             <a:r>
-              <a:rPr lang="fr-FR" altLang="fr-FR" smtClean="0"/>
+              <a:rPr lang="fr-FR" altLang="fr-FR"/>
               <a:t>Quatrième niveau</a:t>
             </a:r>
           </a:p>
           <a:p>
             <a:pPr lvl="4"/>
             <a:r>
-              <a:rPr lang="fr-FR" altLang="fr-FR" smtClean="0"/>
+              <a:rPr lang="fr-FR" altLang="fr-FR"/>
               <a:t>Cinquième niveau</a:t>
             </a:r>
           </a:p>
@@ -3229,10 +3216,10 @@
               <a:defRPr/>
             </a:pPr>
             <a:r>
-              <a:rPr lang="fr-FR" sz="1200" smtClean="0"/>
+              <a:rPr lang="fr-FR" sz="1200"/>
               <a:t>© Cyril Vincent Conseil</a:t>
             </a:r>
-            <a:endParaRPr lang="fr-FR" smtClean="0">
+            <a:endParaRPr lang="fr-FR">
               <a:latin typeface="Times New Roman" pitchFamily="18" charset="0"/>
             </a:endParaRPr>
           </a:p>
@@ -3714,14 +3701,14 @@
           <a:p>
             <a:pPr eaLnBrk="1" hangingPunct="1"/>
             <a:r>
-              <a:rPr lang="fr-FR" altLang="fr-FR" dirty="0" smtClean="0"/>
+              <a:rPr lang="fr-FR" altLang="fr-FR" dirty="0"/>
               <a:t>Chapitre 18</a:t>
             </a:r>
           </a:p>
           <a:p>
             <a:pPr eaLnBrk="1" hangingPunct="1"/>
             <a:r>
-              <a:rPr lang="fr-FR" altLang="fr-FR" dirty="0" smtClean="0"/>
+              <a:rPr lang="fr-FR" altLang="fr-FR" dirty="0"/>
               <a:t>Réseaux Neuronaux</a:t>
             </a:r>
           </a:p>
@@ -3774,10 +3761,9 @@
           <a:lstStyle/>
           <a:p>
             <a:r>
-              <a:rPr lang="fr-FR" sz="3600" dirty="0" smtClean="0"/>
+              <a:rPr lang="fr-FR" sz="3600" dirty="0"/>
               <a:t>Data Science</a:t>
             </a:r>
-            <a:endParaRPr lang="fr-FR" sz="3600" dirty="0"/>
           </a:p>
         </p:txBody>
       </p:sp>
@@ -3810,13 +3796,6 @@
   <p:clrMapOvr>
     <a:masterClrMapping/>
   </p:clrMapOvr>
-  <p:timing>
-    <p:tnLst>
-      <p:par>
-        <p:cTn id="1" dur="indefinite" restart="never" nodeType="tmRoot"/>
-      </p:par>
-    </p:tnLst>
-  </p:timing>
 </p:sld>
 </file>
 
@@ -3853,10 +3832,9 @@
           <a:lstStyle/>
           <a:p>
             <a:r>
-              <a:rPr lang="fr-FR" dirty="0" smtClean="0"/>
+              <a:rPr lang="fr-FR" dirty="0"/>
               <a:t>MLP MNIST</a:t>
             </a:r>
-            <a:endParaRPr lang="fr-FR" dirty="0"/>
           </a:p>
         </p:txBody>
       </p:sp>
@@ -3913,13 +3891,6 @@
   <p:clrMapOvr>
     <a:masterClrMapping/>
   </p:clrMapOvr>
-  <p:timing>
-    <p:tnLst>
-      <p:par>
-        <p:cTn id="1" dur="indefinite" restart="never" nodeType="tmRoot"/>
-      </p:par>
-    </p:tnLst>
-  </p:timing>
 </p:sld>
 </file>
 
@@ -3956,10 +3927,9 @@
           <a:lstStyle/>
           <a:p>
             <a:r>
-              <a:rPr lang="fr-FR" dirty="0" smtClean="0"/>
+              <a:rPr lang="fr-FR" dirty="0"/>
               <a:t>MLP MNIST</a:t>
             </a:r>
-            <a:endParaRPr lang="fr-FR" dirty="0"/>
           </a:p>
         </p:txBody>
       </p:sp>
@@ -4016,13 +3986,6 @@
   <p:clrMapOvr>
     <a:masterClrMapping/>
   </p:clrMapOvr>
-  <p:timing>
-    <p:tnLst>
-      <p:par>
-        <p:cTn id="1" dur="indefinite" restart="never" nodeType="tmRoot"/>
-      </p:par>
-    </p:tnLst>
-  </p:timing>
 </p:sld>
 </file>
 
@@ -4059,7 +4022,7 @@
           <a:lstStyle/>
           <a:p>
             <a:r>
-              <a:rPr lang="fr-FR" dirty="0" err="1" smtClean="0"/>
+              <a:rPr lang="fr-FR" dirty="0" err="1"/>
               <a:t>Backpropagation</a:t>
             </a:r>
             <a:endParaRPr lang="fr-FR" dirty="0"/>
@@ -4082,31 +4045,31 @@
           <a:lstStyle/>
           <a:p>
             <a:r>
-              <a:rPr lang="fr-FR" dirty="0" smtClean="0"/>
+              <a:rPr lang="fr-FR" dirty="0"/>
               <a:t>Les réseaux de neurones sont souvent supervisé</a:t>
             </a:r>
           </a:p>
           <a:p>
             <a:pPr lvl="1"/>
             <a:r>
-              <a:rPr lang="fr-FR" dirty="0" smtClean="0"/>
+              <a:rPr lang="fr-FR" dirty="0"/>
               <a:t>Présence d’un feedback pour indiquer si le calcul est bon</a:t>
             </a:r>
           </a:p>
           <a:p>
             <a:r>
-              <a:rPr lang="fr-FR" dirty="0" smtClean="0"/>
+              <a:rPr lang="fr-FR" dirty="0"/>
               <a:t>Si le feedback est bon, le neurone se fige un peu plus</a:t>
             </a:r>
           </a:p>
           <a:p>
             <a:r>
-              <a:rPr lang="fr-FR" dirty="0" smtClean="0"/>
+              <a:rPr lang="fr-FR" dirty="0"/>
               <a:t>Sinon, le seuil et les poids changent un peu</a:t>
             </a:r>
           </a:p>
           <a:p>
-            <a:endParaRPr lang="fr-FR" dirty="0" smtClean="0"/>
+            <a:endParaRPr lang="fr-FR" dirty="0"/>
           </a:p>
           <a:p>
             <a:endParaRPr lang="fr-FR" dirty="0"/>
@@ -4123,13 +4086,6 @@
   <p:clrMapOvr>
     <a:masterClrMapping/>
   </p:clrMapOvr>
-  <p:timing>
-    <p:tnLst>
-      <p:par>
-        <p:cTn id="1" dur="indefinite" restart="never" nodeType="tmRoot"/>
-      </p:par>
-    </p:tnLst>
-  </p:timing>
 </p:sld>
 </file>
 
@@ -4166,7 +4122,7 @@
           <a:lstStyle/>
           <a:p>
             <a:r>
-              <a:rPr lang="fr-FR" dirty="0" err="1" smtClean="0"/>
+              <a:rPr lang="fr-FR" dirty="0" err="1"/>
               <a:t>Backpropagation</a:t>
             </a:r>
             <a:endParaRPr lang="fr-FR" dirty="0"/>
@@ -4226,13 +4182,6 @@
   <p:clrMapOvr>
     <a:masterClrMapping/>
   </p:clrMapOvr>
-  <p:timing>
-    <p:tnLst>
-      <p:par>
-        <p:cTn id="1" dur="indefinite" restart="never" nodeType="tmRoot"/>
-      </p:par>
-    </p:tnLst>
-  </p:timing>
 </p:sld>
 </file>
 
@@ -4269,10 +4218,9 @@
           <a:lstStyle/>
           <a:p>
             <a:r>
-              <a:rPr lang="fr-FR" dirty="0" smtClean="0"/>
+              <a:rPr lang="fr-FR" dirty="0"/>
               <a:t>SGD</a:t>
             </a:r>
-            <a:endParaRPr lang="fr-FR" dirty="0"/>
           </a:p>
         </p:txBody>
       </p:sp>
@@ -4291,7 +4239,7 @@
           <a:bodyPr/>
           <a:lstStyle/>
           <a:p>
-            <a:endParaRPr lang="fr-FR" dirty="0" smtClean="0"/>
+            <a:endParaRPr lang="fr-FR" dirty="0"/>
           </a:p>
           <a:p>
             <a:pPr marL="0" indent="0">
@@ -4301,109 +4249,105 @@
           </a:p>
           <a:p>
             <a:r>
-              <a:rPr lang="fr-FR" dirty="0" err="1" smtClean="0"/>
+              <a:rPr lang="fr-FR" dirty="0" err="1"/>
               <a:t>dW</a:t>
             </a:r>
             <a:r>
-              <a:rPr lang="fr-FR" dirty="0" smtClean="0"/>
+              <a:rPr lang="fr-FR" dirty="0"/>
               <a:t> = (</a:t>
             </a:r>
             <a:r>
-              <a:rPr lang="fr-FR" dirty="0" err="1" smtClean="0"/>
+              <a:rPr lang="fr-FR" dirty="0" err="1"/>
               <a:t>loss</a:t>
             </a:r>
             <a:r>
-              <a:rPr lang="fr-FR" dirty="0" smtClean="0"/>
+              <a:rPr lang="fr-FR" dirty="0"/>
               <a:t> * </a:t>
             </a:r>
             <a:r>
-              <a:rPr lang="fr-FR" dirty="0" err="1" smtClean="0"/>
+              <a:rPr lang="fr-FR" dirty="0" err="1"/>
               <a:t>learningrate</a:t>
             </a:r>
             <a:r>
-              <a:rPr lang="fr-FR" dirty="0" smtClean="0"/>
+              <a:rPr lang="fr-FR" dirty="0"/>
               <a:t>) / (</a:t>
             </a:r>
             <a:r>
-              <a:rPr lang="fr-FR" dirty="0" err="1" smtClean="0"/>
+              <a:rPr lang="fr-FR" dirty="0" err="1"/>
               <a:t>f</a:t>
             </a:r>
             <a:r>
-              <a:rPr lang="fr-FR" sz="1050" dirty="0" err="1" smtClean="0"/>
+              <a:rPr lang="fr-FR" sz="1050" dirty="0" err="1"/>
               <a:t>acceleration</a:t>
             </a:r>
             <a:r>
-              <a:rPr lang="fr-FR" dirty="0" smtClean="0"/>
+              <a:rPr lang="fr-FR" dirty="0"/>
               <a:t>(</a:t>
             </a:r>
             <a:r>
-              <a:rPr lang="fr-FR" dirty="0" err="1" smtClean="0"/>
+              <a:rPr lang="fr-FR" dirty="0" err="1"/>
               <a:t>momentum</a:t>
             </a:r>
             <a:r>
-              <a:rPr lang="fr-FR" dirty="0" smtClean="0"/>
+              <a:rPr lang="fr-FR" dirty="0"/>
               <a:t>) * </a:t>
             </a:r>
             <a:r>
-              <a:rPr lang="fr-FR" dirty="0" err="1" smtClean="0"/>
+              <a:rPr lang="fr-FR" dirty="0" err="1"/>
               <a:t>df</a:t>
             </a:r>
             <a:r>
-              <a:rPr lang="fr-FR" dirty="0" smtClean="0"/>
+              <a:rPr lang="fr-FR" dirty="0"/>
               <a:t>(x) )</a:t>
             </a:r>
           </a:p>
           <a:p>
             <a:pPr lvl="1"/>
             <a:r>
-              <a:rPr lang="fr-FR" dirty="0" err="1" smtClean="0"/>
+              <a:rPr lang="fr-FR" dirty="0" err="1"/>
               <a:t>learningrate</a:t>
             </a:r>
             <a:r>
-              <a:rPr lang="fr-FR" dirty="0" smtClean="0"/>
+              <a:rPr lang="fr-FR" dirty="0"/>
               <a:t> = [10</a:t>
             </a:r>
             <a:r>
-              <a:rPr lang="fr-FR" baseline="30000" dirty="0" smtClean="0"/>
+              <a:rPr lang="fr-FR" baseline="30000" dirty="0"/>
               <a:t>e</a:t>
             </a:r>
             <a:r>
-              <a:rPr lang="fr-FR" dirty="0" smtClean="0"/>
+              <a:rPr lang="fr-FR" dirty="0"/>
               <a:t>-2 .. 10</a:t>
             </a:r>
             <a:r>
-              <a:rPr lang="fr-FR" baseline="30000" dirty="0" smtClean="0"/>
+              <a:rPr lang="fr-FR" baseline="30000" dirty="0"/>
               <a:t>e</a:t>
             </a:r>
             <a:r>
-              <a:rPr lang="fr-FR" dirty="0" smtClean="0"/>
+              <a:rPr lang="fr-FR" dirty="0"/>
               <a:t>-5]</a:t>
             </a:r>
           </a:p>
           <a:p>
             <a:r>
-              <a:rPr lang="fr-FR" dirty="0" err="1" smtClean="0"/>
+              <a:rPr lang="fr-FR" dirty="0" err="1"/>
               <a:t>fSGD</a:t>
             </a:r>
             <a:r>
-              <a:rPr lang="fr-FR" dirty="0" smtClean="0"/>
+              <a:rPr lang="fr-FR" dirty="0"/>
               <a:t> = </a:t>
             </a:r>
             <a:r>
-              <a:rPr lang="fr-FR" dirty="0" err="1" smtClean="0"/>
+              <a:rPr lang="fr-FR" dirty="0" err="1"/>
               <a:t>dw</a:t>
             </a:r>
             <a:r>
-              <a:rPr lang="fr-FR" dirty="0" smtClean="0"/>
+              <a:rPr lang="fr-FR" dirty="0"/>
               <a:t> * </a:t>
             </a:r>
             <a:r>
               <a:rPr lang="fr-FR" dirty="0" err="1"/>
-              <a:t>W</a:t>
-            </a:r>
-            <a:r>
-              <a:rPr lang="fr-FR" dirty="0" err="1" smtClean="0"/>
-              <a:t>connexion</a:t>
+              <a:t>Wconnexion</a:t>
             </a:r>
             <a:endParaRPr lang="fr-FR" dirty="0"/>
           </a:p>
@@ -4455,10 +4399,9 @@
           <a:lstStyle/>
           <a:p>
             <a:r>
-              <a:rPr lang="fr-FR" dirty="0" smtClean="0"/>
+              <a:rPr lang="fr-FR" dirty="0"/>
               <a:t>Dérivation du gradient</a:t>
             </a:r>
-            <a:endParaRPr lang="fr-FR" dirty="0"/>
           </a:p>
         </p:txBody>
       </p:sp>
@@ -4515,13 +4458,6 @@
   <p:clrMapOvr>
     <a:masterClrMapping/>
   </p:clrMapOvr>
-  <p:timing>
-    <p:tnLst>
-      <p:par>
-        <p:cTn id="1" dur="indefinite" restart="never" nodeType="tmRoot"/>
-      </p:par>
-    </p:tnLst>
-  </p:timing>
 </p:sld>
 </file>
 
@@ -4558,10 +4494,9 @@
           <a:lstStyle/>
           <a:p>
             <a:r>
-              <a:rPr lang="fr-FR" dirty="0" smtClean="0"/>
+              <a:rPr lang="fr-FR" dirty="0"/>
               <a:t>Résultat</a:t>
             </a:r>
-            <a:endParaRPr lang="fr-FR" dirty="0"/>
           </a:p>
         </p:txBody>
       </p:sp>
@@ -4581,43 +4516,39 @@
           <a:lstStyle/>
           <a:p>
             <a:r>
-              <a:rPr lang="fr-FR" dirty="0" smtClean="0"/>
+              <a:rPr lang="fr-FR" dirty="0"/>
               <a:t>Calcul d’un NAND</a:t>
             </a:r>
           </a:p>
           <a:p>
             <a:pPr lvl="1"/>
             <a:r>
-              <a:rPr lang="fr-FR" dirty="0" smtClean="0"/>
+              <a:rPr lang="fr-FR" dirty="0"/>
               <a:t>Inputs : </a:t>
             </a:r>
             <a:r>
               <a:rPr lang="da-DK" dirty="0"/>
-              <a:t>[False, False],[False,True],[True, False],[True,True</a:t>
-            </a:r>
-            <a:r>
-              <a:rPr lang="da-DK" dirty="0" smtClean="0"/>
-              <a:t>]</a:t>
+              <a:t>[False, False],[False,True],[True, False],[True,True]</a:t>
             </a:r>
           </a:p>
           <a:p>
             <a:pPr lvl="1"/>
             <a:r>
-              <a:rPr lang="da-DK" dirty="0" smtClean="0"/>
+              <a:rPr lang="da-DK" dirty="0"/>
               <a:t>Output : False, Flase, False, True</a:t>
             </a:r>
           </a:p>
           <a:p>
             <a:pPr lvl="1"/>
             <a:r>
-              <a:rPr lang="da-DK" dirty="0" smtClean="0"/>
+              <a:rPr lang="da-DK" dirty="0"/>
               <a:t>1000 itérations</a:t>
             </a:r>
           </a:p>
           <a:p>
             <a:pPr lvl="1"/>
             <a:r>
-              <a:rPr lang="da-DK" dirty="0" smtClean="0"/>
+              <a:rPr lang="da-DK" dirty="0"/>
               <a:t>Résultat obtenu avec seuil de 0.4777 et des poids de 0.5</a:t>
             </a:r>
           </a:p>
@@ -4633,13 +4564,6 @@
   <p:clrMapOvr>
     <a:masterClrMapping/>
   </p:clrMapOvr>
-  <p:timing>
-    <p:tnLst>
-      <p:par>
-        <p:cTn id="1" dur="indefinite" restart="never" nodeType="tmRoot"/>
-      </p:par>
-    </p:tnLst>
-  </p:timing>
 </p:sld>
 </file>
 
@@ -4676,10 +4600,9 @@
           <a:lstStyle/>
           <a:p>
             <a:r>
-              <a:rPr lang="fr-FR" dirty="0" smtClean="0"/>
+              <a:rPr lang="fr-FR" dirty="0"/>
               <a:t>Réseaux</a:t>
             </a:r>
-            <a:endParaRPr lang="fr-FR" dirty="0"/>
           </a:p>
         </p:txBody>
       </p:sp>
@@ -4699,14 +4622,14 @@
           <a:lstStyle/>
           <a:p>
             <a:r>
-              <a:rPr lang="fr-FR" dirty="0" smtClean="0"/>
+              <a:rPr lang="fr-FR" dirty="0"/>
               <a:t>Les neurones peuvent être mis en réseaux</a:t>
             </a:r>
           </a:p>
           <a:p>
             <a:pPr lvl="1"/>
             <a:r>
-              <a:rPr lang="fr-FR" dirty="0" smtClean="0"/>
+              <a:rPr lang="fr-FR" dirty="0"/>
               <a:t>En arbre (MLP)</a:t>
             </a:r>
           </a:p>
@@ -4714,65 +4637,60 @@
             <a:pPr lvl="1"/>
             <a:r>
               <a:rPr lang="fr-FR" dirty="0"/>
-              <a:t>E</a:t>
-            </a:r>
-            <a:r>
-              <a:rPr lang="fr-FR" dirty="0" smtClean="0"/>
-              <a:t>n graphe (plus complexe)</a:t>
+              <a:t>En graphe (plus complexe)</a:t>
             </a:r>
           </a:p>
           <a:p>
             <a:pPr lvl="1"/>
             <a:r>
-              <a:rPr lang="fr-FR" dirty="0" smtClean="0"/>
+              <a:rPr lang="fr-FR" dirty="0"/>
               <a:t>Poids multiples</a:t>
             </a:r>
           </a:p>
           <a:p>
             <a:r>
-              <a:rPr lang="fr-FR" dirty="0" smtClean="0"/>
+              <a:rPr lang="fr-FR" dirty="0"/>
               <a:t>Très couteux</a:t>
             </a:r>
           </a:p>
           <a:p>
             <a:pPr lvl="1"/>
             <a:r>
-              <a:rPr lang="fr-FR" dirty="0" smtClean="0"/>
+              <a:rPr lang="fr-FR" dirty="0"/>
               <a:t>Mais donne de très bon résultats</a:t>
             </a:r>
           </a:p>
           <a:p>
             <a:pPr lvl="1"/>
             <a:r>
-              <a:rPr lang="fr-FR" dirty="0" smtClean="0"/>
+              <a:rPr lang="fr-FR" dirty="0"/>
               <a:t>Maitrise l’addition sur 4 bits avec 10 neurones et 10000 itérations</a:t>
             </a:r>
           </a:p>
           <a:p>
             <a:r>
-              <a:rPr lang="fr-FR" dirty="0" err="1" smtClean="0"/>
+              <a:rPr lang="fr-FR" dirty="0" err="1"/>
               <a:t>Backpropagation</a:t>
             </a:r>
             <a:r>
-              <a:rPr lang="fr-FR" dirty="0" smtClean="0"/>
+              <a:rPr lang="fr-FR" dirty="0"/>
               <a:t> complexe</a:t>
             </a:r>
           </a:p>
           <a:p>
             <a:pPr lvl="1"/>
             <a:r>
-              <a:rPr lang="fr-FR" dirty="0" smtClean="0"/>
+              <a:rPr lang="fr-FR" dirty="0"/>
               <a:t>Basé sur la répartition de l'erreurs sur les poids et la pente de la courbe de la fonction d'activation (</a:t>
             </a:r>
             <a:r>
-              <a:rPr lang="fr-FR" dirty="0" err="1" smtClean="0"/>
+              <a:rPr lang="fr-FR" dirty="0" err="1"/>
               <a:t>derivée</a:t>
             </a:r>
             <a:r>
-              <a:rPr lang="fr-FR" dirty="0" smtClean="0"/>
+              <a:rPr lang="fr-FR" dirty="0"/>
               <a:t>)</a:t>
             </a:r>
-            <a:endParaRPr lang="fr-FR" dirty="0"/>
           </a:p>
         </p:txBody>
       </p:sp>
@@ -4827,13 +4745,6 @@
   <p:clrMapOvr>
     <a:masterClrMapping/>
   </p:clrMapOvr>
-  <p:timing>
-    <p:tnLst>
-      <p:par>
-        <p:cTn id="1" dur="indefinite" restart="never" nodeType="tmRoot"/>
-      </p:par>
-    </p:tnLst>
-  </p:timing>
 </p:sld>
 </file>
 
@@ -4870,10 +4781,9 @@
           <a:lstStyle/>
           <a:p>
             <a:r>
-              <a:rPr lang="fr-FR" dirty="0" smtClean="0"/>
+              <a:rPr lang="fr-FR" dirty="0"/>
               <a:t>Calcul Matriciel - GPU</a:t>
             </a:r>
-            <a:endParaRPr lang="fr-FR" dirty="0"/>
           </a:p>
         </p:txBody>
       </p:sp>
@@ -4893,33 +4803,33 @@
           <a:lstStyle/>
           <a:p>
             <a:r>
-              <a:rPr lang="fr-FR" dirty="0" smtClean="0"/>
+              <a:rPr lang="fr-FR" dirty="0"/>
               <a:t>Normalement une liste de liste de valeurs est injecté dans le MLP</a:t>
             </a:r>
           </a:p>
           <a:p>
             <a:r>
-              <a:rPr lang="fr-FR" dirty="0" smtClean="0"/>
+              <a:rPr lang="fr-FR" dirty="0"/>
               <a:t>Une itération par liste de valeur</a:t>
             </a:r>
           </a:p>
           <a:p>
             <a:r>
-              <a:rPr lang="fr-FR" dirty="0" smtClean="0"/>
+              <a:rPr lang="fr-FR" dirty="0"/>
               <a:t>L'algorithme est reproductible avec une matrice par layer</a:t>
             </a:r>
           </a:p>
           <a:p>
             <a:pPr lvl="1"/>
             <a:r>
-              <a:rPr lang="fr-FR" dirty="0" smtClean="0"/>
+              <a:rPr lang="fr-FR" dirty="0"/>
               <a:t>Facilement </a:t>
             </a:r>
             <a:r>
-              <a:rPr lang="fr-FR" dirty="0" err="1" smtClean="0"/>
+              <a:rPr lang="fr-FR" dirty="0" err="1"/>
               <a:t>GPUisable</a:t>
             </a:r>
-            <a:endParaRPr lang="fr-FR" dirty="0" smtClean="0"/>
+            <a:endParaRPr lang="fr-FR" dirty="0"/>
           </a:p>
           <a:p>
             <a:endParaRPr lang="fr-FR" dirty="0"/>
@@ -4936,13 +4846,6 @@
   <p:clrMapOvr>
     <a:masterClrMapping/>
   </p:clrMapOvr>
-  <p:timing>
-    <p:tnLst>
-      <p:par>
-        <p:cTn id="1" dur="indefinite" restart="never" nodeType="tmRoot"/>
-      </p:par>
-    </p:tnLst>
-  </p:timing>
 </p:sld>
 </file>
 
@@ -4979,10 +4882,9 @@
           <a:lstStyle/>
           <a:p>
             <a:r>
-              <a:rPr lang="fr-FR" dirty="0" smtClean="0"/>
+              <a:rPr lang="fr-FR" dirty="0"/>
               <a:t>Cancer du Sein</a:t>
             </a:r>
-            <a:endParaRPr lang="fr-FR" dirty="0"/>
           </a:p>
         </p:txBody>
       </p:sp>
@@ -5002,7 +4904,7 @@
           <a:lstStyle/>
           <a:p>
             <a:r>
-              <a:rPr lang="fr-FR" dirty="0" smtClean="0"/>
+              <a:rPr lang="fr-FR" dirty="0"/>
               <a:t>Base de données du de cancer du Sein du Wisconsin</a:t>
             </a:r>
           </a:p>
@@ -5010,17 +4912,13 @@
             <a:pPr lvl="1"/>
             <a:r>
               <a:rPr lang="en-US" dirty="0"/>
-              <a:t>Wisconsin Diagnostic Breast Cancer (WDBC</a:t>
-            </a:r>
-            <a:r>
-              <a:rPr lang="en-US" dirty="0" smtClean="0"/>
-              <a:t>)</a:t>
+              <a:t>Wisconsin Diagnostic Breast Cancer (WDBC)</a:t>
             </a:r>
           </a:p>
           <a:p>
             <a:pPr lvl="1"/>
             <a:r>
-              <a:rPr lang="en-US" dirty="0" smtClean="0"/>
+              <a:rPr lang="en-US" dirty="0"/>
               <a:t>1995</a:t>
             </a:r>
           </a:p>
@@ -5108,13 +5006,6 @@
   <p:clrMapOvr>
     <a:masterClrMapping/>
   </p:clrMapOvr>
-  <p:timing>
-    <p:tnLst>
-      <p:par>
-        <p:cTn id="1" dur="indefinite" restart="never" nodeType="tmRoot"/>
-      </p:par>
-    </p:tnLst>
-  </p:timing>
 </p:sld>
 </file>
 
@@ -5151,10 +5042,9 @@
           <a:lstStyle/>
           <a:p>
             <a:r>
-              <a:rPr lang="fr-FR" dirty="0" smtClean="0"/>
+              <a:rPr lang="fr-FR" dirty="0"/>
               <a:t>Neurone</a:t>
             </a:r>
-            <a:endParaRPr lang="fr-FR" dirty="0"/>
           </a:p>
         </p:txBody>
       </p:sp>
@@ -5174,13 +5064,13 @@
           <a:lstStyle/>
           <a:p>
             <a:r>
-              <a:rPr lang="fr-FR" dirty="0" smtClean="0"/>
+              <a:rPr lang="fr-FR" dirty="0"/>
               <a:t>En biologie un neurone est une cellule connecté à d’autre neurones qui a la faculté de laisser passer ou non un courant électrique</a:t>
             </a:r>
           </a:p>
           <a:p>
             <a:r>
-              <a:rPr lang="fr-FR" dirty="0" smtClean="0"/>
+              <a:rPr lang="fr-FR" dirty="0"/>
               <a:t>Sa modélisation mathématique est appelé perceptron</a:t>
             </a:r>
           </a:p>
@@ -5199,13 +5089,6 @@
   <p:clrMapOvr>
     <a:masterClrMapping/>
   </p:clrMapOvr>
-  <p:timing>
-    <p:tnLst>
-      <p:par>
-        <p:cTn id="1" dur="indefinite" restart="never" nodeType="tmRoot"/>
-      </p:par>
-    </p:tnLst>
-  </p:timing>
 </p:sld>
 </file>
 
@@ -5242,7 +5125,7 @@
           <a:lstStyle/>
           <a:p>
             <a:r>
-              <a:rPr lang="fr-FR" smtClean="0"/>
+              <a:rPr lang="fr-FR"/>
               <a:t>MLPClassifier</a:t>
             </a:r>
             <a:endParaRPr lang="fr-FR" dirty="0"/>
@@ -5265,13 +5148,13 @@
           <a:lstStyle/>
           <a:p>
             <a:r>
-              <a:rPr lang="fr-FR" dirty="0" smtClean="0"/>
+              <a:rPr lang="fr-FR" dirty="0"/>
               <a:t>Multi Layer Perceptron Classifier</a:t>
             </a:r>
           </a:p>
           <a:p>
             <a:r>
-              <a:rPr lang="fr-FR" dirty="0" err="1" smtClean="0"/>
+              <a:rPr lang="fr-FR" dirty="0" err="1"/>
               <a:t>Hidden_layer_size</a:t>
             </a:r>
             <a:endParaRPr lang="fr-FR" dirty="0"/>
@@ -5279,82 +5162,78 @@
           <a:p>
             <a:pPr lvl="1"/>
             <a:r>
-              <a:rPr lang="fr-FR" dirty="0" smtClean="0"/>
+              <a:rPr lang="fr-FR" dirty="0"/>
               <a:t>nombre de perceptron par couche</a:t>
             </a:r>
           </a:p>
           <a:p>
             <a:pPr lvl="1"/>
             <a:r>
-              <a:rPr lang="fr-FR" dirty="0" smtClean="0"/>
+              <a:rPr lang="fr-FR" dirty="0"/>
               <a:t>(30,30,30) : trois couches de 30 perceptrons</a:t>
             </a:r>
           </a:p>
           <a:p>
             <a:r>
-              <a:rPr lang="fr-FR" dirty="0" smtClean="0"/>
+              <a:rPr lang="fr-FR" dirty="0"/>
               <a:t>Activation</a:t>
             </a:r>
           </a:p>
           <a:p>
             <a:pPr lvl="1"/>
             <a:r>
-              <a:rPr lang="fr-FR" dirty="0" smtClean="0"/>
+              <a:rPr lang="fr-FR" dirty="0"/>
               <a:t>Fonction d’activation</a:t>
             </a:r>
           </a:p>
           <a:p>
             <a:pPr lvl="1"/>
             <a:r>
-              <a:rPr lang="fr-FR" dirty="0" err="1" smtClean="0"/>
+              <a:rPr lang="fr-FR" dirty="0" err="1"/>
               <a:t>Logistic</a:t>
             </a:r>
             <a:r>
-              <a:rPr lang="fr-FR" dirty="0" smtClean="0"/>
+              <a:rPr lang="fr-FR" dirty="0"/>
               <a:t> : </a:t>
             </a:r>
             <a:r>
-              <a:rPr lang="fr-FR" dirty="0" err="1" smtClean="0"/>
+              <a:rPr lang="fr-FR" dirty="0" err="1"/>
               <a:t>sigmoide</a:t>
             </a:r>
             <a:r>
-              <a:rPr lang="fr-FR" dirty="0" smtClean="0"/>
+              <a:rPr lang="fr-FR" dirty="0"/>
               <a:t> bien répartie mais couteuse : </a:t>
             </a:r>
             <a:r>
-              <a:rPr lang="fr-FR" sz="2200" dirty="0" smtClean="0"/>
+              <a:rPr lang="fr-FR" sz="2200" dirty="0"/>
               <a:t>f(x) = 1/1+exp(-x))</a:t>
             </a:r>
           </a:p>
           <a:p>
             <a:pPr lvl="1"/>
             <a:r>
-              <a:rPr lang="fr-FR" dirty="0" err="1" smtClean="0"/>
+              <a:rPr lang="fr-FR" dirty="0" err="1"/>
               <a:t>Tanh</a:t>
             </a:r>
             <a:r>
-              <a:rPr lang="fr-FR" dirty="0" smtClean="0"/>
+              <a:rPr lang="fr-FR" dirty="0"/>
               <a:t> : </a:t>
             </a:r>
             <a:r>
-              <a:rPr lang="fr-FR" dirty="0" err="1" smtClean="0"/>
+              <a:rPr lang="fr-FR" dirty="0" err="1"/>
               <a:t>sigmoide</a:t>
             </a:r>
             <a:r>
-              <a:rPr lang="fr-FR" dirty="0" smtClean="0"/>
+              <a:rPr lang="fr-FR" dirty="0"/>
               <a:t> </a:t>
             </a:r>
             <a:r>
-              <a:rPr lang="fr-FR" dirty="0" err="1" smtClean="0"/>
+              <a:rPr lang="fr-FR" dirty="0" err="1"/>
               <a:t>simplifée</a:t>
             </a:r>
             <a:r>
-              <a:rPr lang="fr-FR" dirty="0" smtClean="0"/>
-              <a:t> : </a:t>
-            </a:r>
-            <a:r>
-              <a:rPr lang="fr-FR" dirty="0"/>
-              <a:t>f(x) = </a:t>
+              <a:rPr lang="fr-FR" dirty="0"/>
+              <a:t> : f(x) = </a:t>
             </a:r>
             <a:r>
               <a:rPr lang="fr-FR" dirty="0" err="1"/>
@@ -5362,17 +5241,13 @@
             </a:r>
             <a:r>
               <a:rPr lang="fr-FR" dirty="0"/>
-              <a:t>(x</a:t>
-            </a:r>
-            <a:r>
-              <a:rPr lang="fr-FR" dirty="0" smtClean="0"/>
-              <a:t>)</a:t>
+              <a:t>(x)</a:t>
             </a:r>
           </a:p>
           <a:p>
             <a:pPr lvl="1"/>
             <a:r>
-              <a:rPr lang="fr-FR" dirty="0" smtClean="0"/>
+              <a:rPr lang="fr-FR" dirty="0"/>
               <a:t>Relu (par défaut) : f(x) = max (0, x) rapide mais ne permet pas de tout faire </a:t>
             </a:r>
           </a:p>
@@ -5429,13 +5304,6 @@
   <p:clrMapOvr>
     <a:masterClrMapping/>
   </p:clrMapOvr>
-  <p:timing>
-    <p:tnLst>
-      <p:par>
-        <p:cTn id="1" dur="indefinite" restart="never" nodeType="tmRoot"/>
-      </p:par>
-    </p:tnLst>
-  </p:timing>
 </p:sld>
 </file>
 
@@ -5472,7 +5340,7 @@
           <a:lstStyle/>
           <a:p>
             <a:r>
-              <a:rPr lang="fr-FR" dirty="0" err="1" smtClean="0"/>
+              <a:rPr lang="fr-FR" dirty="0" err="1"/>
               <a:t>MLPClassifier</a:t>
             </a:r>
             <a:endParaRPr lang="fr-FR" dirty="0"/>
@@ -5495,27 +5363,26 @@
           <a:lstStyle/>
           <a:p>
             <a:r>
-              <a:rPr lang="fr-FR" sz="2400" dirty="0" err="1" smtClean="0"/>
+              <a:rPr lang="fr-FR" sz="2400" dirty="0" err="1"/>
               <a:t>Solver</a:t>
             </a:r>
-            <a:endParaRPr lang="fr-FR" sz="2400" dirty="0" smtClean="0"/>
+            <a:endParaRPr lang="fr-FR" sz="2400" dirty="0"/>
           </a:p>
           <a:p>
             <a:pPr lvl="1"/>
             <a:r>
-              <a:rPr lang="fr-FR" sz="2000" dirty="0" smtClean="0"/>
+              <a:rPr lang="fr-FR" sz="2000" dirty="0"/>
               <a:t>Algorithme du changement du poids</a:t>
             </a:r>
-            <a:endParaRPr lang="fr-FR" sz="2000" dirty="0"/>
           </a:p>
           <a:p>
             <a:pPr lvl="1"/>
             <a:r>
-              <a:rPr lang="fr-FR" sz="2000" dirty="0" smtClean="0"/>
+              <a:rPr lang="fr-FR" sz="2000" dirty="0"/>
               <a:t>Par défaut </a:t>
             </a:r>
             <a:r>
-              <a:rPr lang="fr-FR" sz="2000" dirty="0" err="1" smtClean="0"/>
+              <a:rPr lang="fr-FR" sz="2000" dirty="0" err="1"/>
               <a:t>adam</a:t>
             </a:r>
             <a:r>
@@ -5539,84 +5406,84 @@
               <a:t> </a:t>
             </a:r>
             <a:r>
-              <a:rPr lang="fr-FR" sz="2000" dirty="0" err="1" smtClean="0"/>
+              <a:rPr lang="fr-FR" sz="2000" dirty="0" err="1"/>
               <a:t>optimizer</a:t>
             </a:r>
             <a:r>
-              <a:rPr lang="fr-FR" sz="2000" dirty="0" smtClean="0"/>
+              <a:rPr lang="fr-FR" sz="2000" dirty="0"/>
               <a:t>)</a:t>
             </a:r>
           </a:p>
           <a:p>
             <a:pPr lvl="1"/>
             <a:r>
-              <a:rPr lang="fr-FR" sz="2000" dirty="0" err="1" smtClean="0"/>
+              <a:rPr lang="fr-FR" sz="2000" dirty="0" err="1"/>
               <a:t>Sgd</a:t>
             </a:r>
             <a:r>
-              <a:rPr lang="fr-FR" sz="2000" dirty="0" smtClean="0"/>
+              <a:rPr lang="fr-FR" sz="2000" dirty="0"/>
               <a:t> va utiliser </a:t>
             </a:r>
             <a:r>
-              <a:rPr lang="fr-FR" sz="2000" dirty="0" err="1" smtClean="0"/>
+              <a:rPr lang="fr-FR" sz="2000" dirty="0" err="1"/>
               <a:t>Learning_rate</a:t>
             </a:r>
-            <a:endParaRPr lang="fr-FR" sz="2000" dirty="0" smtClean="0"/>
-          </a:p>
-          <a:p>
-            <a:r>
-              <a:rPr lang="fr-FR" sz="2400" dirty="0" smtClean="0"/>
+            <a:endParaRPr lang="fr-FR" sz="2000" dirty="0"/>
+          </a:p>
+          <a:p>
+            <a:r>
+              <a:rPr lang="fr-FR" sz="2400" dirty="0"/>
               <a:t>Alpha</a:t>
             </a:r>
           </a:p>
           <a:p>
             <a:pPr lvl="1"/>
             <a:r>
-              <a:rPr lang="fr-FR" sz="2000" dirty="0" smtClean="0"/>
+              <a:rPr lang="fr-FR" sz="2000" dirty="0"/>
               <a:t>0.00001</a:t>
             </a:r>
           </a:p>
           <a:p>
             <a:pPr lvl="1"/>
             <a:r>
-              <a:rPr lang="fr-FR" sz="2000" dirty="0" smtClean="0"/>
+              <a:rPr lang="fr-FR" sz="2000" dirty="0"/>
               <a:t>Pénalité</a:t>
             </a:r>
           </a:p>
           <a:p>
             <a:r>
-              <a:rPr lang="fr-FR" sz="2400" dirty="0" err="1" smtClean="0"/>
+              <a:rPr lang="fr-FR" sz="2400" dirty="0" err="1"/>
               <a:t>Learning_rate</a:t>
             </a:r>
-            <a:endParaRPr lang="fr-FR" sz="2400" dirty="0" smtClean="0"/>
+            <a:endParaRPr lang="fr-FR" sz="2400" dirty="0"/>
           </a:p>
           <a:p>
             <a:pPr lvl="1"/>
             <a:r>
-              <a:rPr lang="fr-FR" sz="2000" dirty="0" smtClean="0"/>
+              <a:rPr lang="fr-FR" sz="2000" dirty="0"/>
               <a:t>Constant : changement de poids constant</a:t>
             </a:r>
           </a:p>
           <a:p>
             <a:pPr lvl="1"/>
             <a:r>
-              <a:rPr lang="fr-FR" sz="2000" dirty="0" smtClean="0"/>
+              <a:rPr lang="fr-FR" sz="2000" dirty="0"/>
               <a:t>Adaptive : Augmente en cas d’erreurs successive, abaisse en cas de succès successif, d’une valeur décrite dans </a:t>
             </a:r>
             <a:r>
-              <a:rPr lang="fr-FR" sz="2000" dirty="0" err="1" smtClean="0"/>
+              <a:rPr lang="fr-FR" sz="2000" dirty="0" err="1"/>
               <a:t>momentum</a:t>
             </a:r>
-            <a:endParaRPr lang="fr-FR" sz="2000" dirty="0" smtClean="0"/>
+            <a:endParaRPr lang="fr-FR" sz="2000" dirty="0"/>
           </a:p>
           <a:p>
             <a:pPr lvl="1"/>
             <a:r>
-              <a:rPr lang="fr-FR" sz="2000" dirty="0" err="1" smtClean="0"/>
+              <a:rPr lang="fr-FR" sz="2000" dirty="0" err="1"/>
               <a:t>Invscaling</a:t>
             </a:r>
             <a:r>
-              <a:rPr lang="fr-FR" sz="2000" dirty="0" smtClean="0"/>
+              <a:rPr lang="fr-FR" sz="2000" dirty="0"/>
               <a:t> : baisse dans le temps</a:t>
             </a:r>
           </a:p>
@@ -5636,13 +5503,6 @@
   <p:clrMapOvr>
     <a:masterClrMapping/>
   </p:clrMapOvr>
-  <p:timing>
-    <p:tnLst>
-      <p:par>
-        <p:cTn id="1" dur="indefinite" restart="never" nodeType="tmRoot"/>
-      </p:par>
-    </p:tnLst>
-  </p:timing>
 </p:sld>
 </file>
 
@@ -5679,7 +5539,7 @@
           <a:lstStyle/>
           <a:p>
             <a:r>
-              <a:rPr lang="fr-FR" dirty="0" err="1" smtClean="0"/>
+              <a:rPr lang="fr-FR" dirty="0" err="1"/>
               <a:t>MLPClassifier</a:t>
             </a:r>
             <a:endParaRPr lang="fr-FR" dirty="0"/>
@@ -5702,54 +5562,53 @@
           <a:lstStyle/>
           <a:p>
             <a:r>
-              <a:rPr lang="fr-FR" dirty="0" err="1" smtClean="0"/>
+              <a:rPr lang="fr-FR" dirty="0" err="1"/>
               <a:t>Max_iter</a:t>
             </a:r>
-            <a:endParaRPr lang="fr-FR" dirty="0" smtClean="0"/>
+            <a:endParaRPr lang="fr-FR" dirty="0"/>
           </a:p>
           <a:p>
             <a:pPr lvl="1"/>
             <a:r>
-              <a:rPr lang="fr-FR" dirty="0" smtClean="0"/>
+              <a:rPr lang="fr-FR" dirty="0"/>
               <a:t>Nombre d’itération</a:t>
             </a:r>
           </a:p>
           <a:p>
             <a:pPr lvl="1"/>
             <a:r>
-              <a:rPr lang="fr-FR" dirty="0" smtClean="0"/>
+              <a:rPr lang="fr-FR" dirty="0"/>
               <a:t>200 par défaut</a:t>
             </a:r>
           </a:p>
           <a:p>
             <a:r>
-              <a:rPr lang="fr-FR" dirty="0" err="1" smtClean="0"/>
+              <a:rPr lang="fr-FR" dirty="0" err="1"/>
               <a:t>Tol</a:t>
             </a:r>
-            <a:endParaRPr lang="fr-FR" dirty="0" smtClean="0"/>
+            <a:endParaRPr lang="fr-FR" dirty="0"/>
           </a:p>
           <a:p>
             <a:pPr lvl="1"/>
             <a:r>
-              <a:rPr lang="fr-FR" dirty="0" smtClean="0"/>
+              <a:rPr lang="fr-FR" dirty="0"/>
               <a:t>Tolérance au score</a:t>
             </a:r>
           </a:p>
           <a:p>
             <a:pPr lvl="2"/>
             <a:r>
-              <a:rPr lang="fr-FR" dirty="0" smtClean="0"/>
+              <a:rPr lang="fr-FR" dirty="0"/>
               <a:t>10</a:t>
             </a:r>
             <a:r>
-              <a:rPr lang="fr-FR" baseline="30000" dirty="0" smtClean="0"/>
+              <a:rPr lang="fr-FR" baseline="30000" dirty="0"/>
               <a:t>E</a:t>
             </a:r>
             <a:r>
-              <a:rPr lang="fr-FR" dirty="0" smtClean="0"/>
+              <a:rPr lang="fr-FR" dirty="0"/>
               <a:t>-4</a:t>
             </a:r>
-            <a:endParaRPr lang="fr-FR" dirty="0"/>
           </a:p>
         </p:txBody>
       </p:sp>
@@ -5763,13 +5622,6 @@
   <p:clrMapOvr>
     <a:masterClrMapping/>
   </p:clrMapOvr>
-  <p:timing>
-    <p:tnLst>
-      <p:par>
-        <p:cTn id="1" dur="indefinite" restart="never" nodeType="tmRoot"/>
-      </p:par>
-    </p:tnLst>
-  </p:timing>
 </p:sld>
 </file>
 
@@ -5806,7 +5658,7 @@
           <a:lstStyle/>
           <a:p>
             <a:r>
-              <a:rPr lang="fr-FR" dirty="0" err="1" smtClean="0"/>
+              <a:rPr lang="fr-FR" dirty="0" err="1"/>
               <a:t>MLPClassifier</a:t>
             </a:r>
             <a:endParaRPr lang="fr-FR" dirty="0"/>
@@ -5847,13 +5699,6 @@
   <p:clrMapOvr>
     <a:masterClrMapping/>
   </p:clrMapOvr>
-  <p:timing>
-    <p:tnLst>
-      <p:par>
-        <p:cTn id="1" dur="indefinite" restart="never" nodeType="tmRoot"/>
-      </p:par>
-    </p:tnLst>
-  </p:timing>
 </p:sld>
 </file>
 
@@ -5890,10 +5735,9 @@
           <a:lstStyle/>
           <a:p>
             <a:r>
-              <a:rPr lang="fr-FR" dirty="0" smtClean="0"/>
+              <a:rPr lang="fr-FR" dirty="0"/>
               <a:t>Standardisation d’un jeux de données</a:t>
             </a:r>
-            <a:endParaRPr lang="fr-FR" dirty="0"/>
           </a:p>
         </p:txBody>
       </p:sp>
@@ -5914,122 +5758,91 @@
           <a:p>
             <a:r>
               <a:rPr lang="fr-FR" sz="2400" dirty="0"/>
-              <a:t>Permet de </a:t>
-            </a:r>
-            <a:r>
-              <a:rPr lang="fr-FR" sz="2400" dirty="0" smtClean="0"/>
-              <a:t>normaliser </a:t>
+              <a:t>Permet de normaliser </a:t>
             </a:r>
             <a:r>
               <a:rPr lang="fr-FR" sz="2400"/>
-              <a:t>les </a:t>
-            </a:r>
-            <a:r>
-              <a:rPr lang="fr-FR" sz="2400" smtClean="0"/>
-              <a:t>données</a:t>
-            </a:r>
-            <a:endParaRPr lang="fr-FR" sz="2400" dirty="0" smtClean="0"/>
-          </a:p>
-          <a:p>
-            <a:r>
-              <a:rPr lang="fr-FR" sz="2400" dirty="0" err="1" smtClean="0"/>
+              <a:t>les données</a:t>
+            </a:r>
+            <a:endParaRPr lang="fr-FR" sz="2400" dirty="0"/>
+          </a:p>
+          <a:p>
+            <a:r>
+              <a:rPr lang="fr-FR" sz="2400" dirty="0" err="1"/>
               <a:t>MinMaxScaler</a:t>
             </a:r>
-            <a:endParaRPr lang="fr-FR" sz="2400" dirty="0" smtClean="0"/>
+            <a:endParaRPr lang="fr-FR" sz="2400" dirty="0"/>
           </a:p>
           <a:p>
             <a:pPr lvl="1"/>
             <a:r>
-              <a:rPr lang="fr-FR" sz="2000" dirty="0" smtClean="0"/>
+              <a:rPr lang="fr-FR" sz="2000" dirty="0"/>
               <a:t>Redimensionne les données pour qu’elles soient comprises entre 0 et 1</a:t>
             </a:r>
           </a:p>
           <a:p>
             <a:pPr lvl="1"/>
             <a:r>
-              <a:rPr lang="fr-FR" sz="2000" dirty="0" smtClean="0"/>
+              <a:rPr lang="fr-FR" sz="2000" dirty="0"/>
               <a:t>Assez sensible aux données extrêmes</a:t>
             </a:r>
-            <a:endParaRPr lang="fr-FR" sz="2000" dirty="0"/>
-          </a:p>
-          <a:p>
-            <a:r>
-              <a:rPr lang="fr-FR" sz="2400" dirty="0" err="1" smtClean="0"/>
+          </a:p>
+          <a:p>
+            <a:r>
+              <a:rPr lang="fr-FR" sz="2400" dirty="0" err="1"/>
               <a:t>StandardScaler</a:t>
             </a:r>
-            <a:endParaRPr lang="fr-FR" sz="2400" dirty="0" smtClean="0"/>
+            <a:endParaRPr lang="fr-FR" sz="2400" dirty="0"/>
           </a:p>
           <a:p>
             <a:pPr lvl="1"/>
             <a:r>
-              <a:rPr lang="fr-FR" sz="2000" dirty="0" smtClean="0"/>
-              <a:t>Supprime </a:t>
-            </a:r>
-            <a:r>
               <a:rPr lang="fr-FR" sz="2000" dirty="0"/>
-              <a:t>la moyenne et la mise à l'échelle de la variance de </a:t>
-            </a:r>
-            <a:r>
-              <a:rPr lang="fr-FR" sz="2000" dirty="0" smtClean="0"/>
-              <a:t>l'unité et en centrant sur 0</a:t>
+              <a:t>Supprime la moyenne et la mise à l'échelle de la variance de l'unité et en centrant sur 0</a:t>
             </a:r>
           </a:p>
           <a:p>
             <a:pPr lvl="1"/>
             <a:r>
-              <a:rPr lang="fr-FR" sz="2000" dirty="0" smtClean="0"/>
+              <a:rPr lang="fr-FR" sz="2000" dirty="0"/>
               <a:t>La moyenne devient 0</a:t>
             </a:r>
           </a:p>
           <a:p>
             <a:pPr lvl="1"/>
             <a:r>
-              <a:rPr lang="fr-FR" sz="2000" dirty="0" smtClean="0"/>
-              <a:t>Modifie l’</a:t>
-            </a:r>
-            <a:r>
               <a:rPr lang="fr-FR" sz="2000" dirty="0"/>
-              <a:t>é</a:t>
-            </a:r>
-            <a:r>
-              <a:rPr lang="fr-FR" sz="2000" dirty="0" smtClean="0"/>
-              <a:t>cart type</a:t>
+              <a:t>Modifie l’écart type</a:t>
             </a:r>
           </a:p>
           <a:p>
             <a:pPr lvl="1"/>
             <a:r>
-              <a:rPr lang="fr-FR" sz="2000" dirty="0" smtClean="0"/>
-              <a:t>Moins sensible aux données </a:t>
-            </a:r>
-            <a:r>
               <a:rPr lang="fr-FR" sz="2000" dirty="0"/>
-              <a:t>extrêmes</a:t>
-            </a:r>
-            <a:endParaRPr lang="fr-FR" sz="2000" dirty="0" smtClean="0"/>
-          </a:p>
-          <a:p>
-            <a:r>
-              <a:rPr lang="fr-FR" sz="2400" dirty="0" err="1" smtClean="0"/>
+              <a:t>Moins sensible aux données extrêmes</a:t>
+            </a:r>
+          </a:p>
+          <a:p>
+            <a:r>
+              <a:rPr lang="fr-FR" sz="2400" dirty="0" err="1"/>
               <a:t>RobusteScaler</a:t>
             </a:r>
-            <a:endParaRPr lang="fr-FR" sz="2400" dirty="0" smtClean="0"/>
+            <a:endParaRPr lang="fr-FR" sz="2400" dirty="0"/>
           </a:p>
           <a:p>
             <a:pPr lvl="1"/>
             <a:r>
-              <a:rPr lang="fr-FR" sz="2000" dirty="0" smtClean="0"/>
+              <a:rPr lang="fr-FR" sz="2000" dirty="0"/>
               <a:t>Fonctionne comme </a:t>
             </a:r>
             <a:r>
-              <a:rPr lang="fr-FR" sz="2000" dirty="0" err="1" smtClean="0"/>
+              <a:rPr lang="fr-FR" sz="2000" dirty="0" err="1"/>
               <a:t>StandardScaler</a:t>
             </a:r>
             <a:r>
-              <a:rPr lang="fr-FR" sz="2000" dirty="0" smtClean="0"/>
+              <a:rPr lang="fr-FR" sz="2000" dirty="0"/>
               <a:t> mais en percentile et est donc encore moins sensible aux données extrêmes</a:t>
             </a:r>
-            <a:endParaRPr lang="fr-FR" sz="2000" dirty="0"/>
           </a:p>
         </p:txBody>
       </p:sp>
@@ -6043,13 +5856,6 @@
   <p:clrMapOvr>
     <a:masterClrMapping/>
   </p:clrMapOvr>
-  <p:timing>
-    <p:tnLst>
-      <p:par>
-        <p:cTn id="1" dur="indefinite" restart="never" nodeType="tmRoot"/>
-      </p:par>
-    </p:tnLst>
-  </p:timing>
 </p:sld>
 </file>
 
@@ -6086,8 +5892,8 @@
           <a:lstStyle/>
           <a:p>
             <a:r>
-              <a:rPr lang="fr-FR" dirty="0" smtClean="0"/>
-              <a:t>Matrice de confusion</a:t>
+              <a:rPr lang="fr-FR" dirty="0" err="1"/>
+              <a:t>Metrics</a:t>
             </a:r>
             <a:endParaRPr lang="fr-FR" dirty="0"/>
           </a:p>
@@ -6109,10 +5915,712 @@
           <a:lstStyle/>
           <a:p>
             <a:r>
-              <a:rPr lang="fr-FR" dirty="0" smtClean="0"/>
+              <a:rPr lang="fr-FR" dirty="0"/>
+              <a:t>Apporte le calcul des scores</a:t>
+            </a:r>
+          </a:p>
+          <a:p>
+            <a:r>
+              <a:rPr lang="fr-FR" dirty="0"/>
+              <a:t>import </a:t>
+            </a:r>
+            <a:r>
+              <a:rPr lang="fr-FR" dirty="0" err="1"/>
+              <a:t>sklearn.metrics</a:t>
+            </a:r>
+            <a:endParaRPr lang="fr-FR" dirty="0"/>
+          </a:p>
+          <a:p>
+            <a:r>
+              <a:rPr lang="fr-FR" dirty="0"/>
+              <a:t>Possède plein de mesure de score</a:t>
+            </a:r>
+          </a:p>
+          <a:p>
+            <a:pPr lvl="1"/>
+            <a:endParaRPr lang="fr-FR" dirty="0"/>
+          </a:p>
+        </p:txBody>
+      </p:sp>
+    </p:spTree>
+    <p:extLst>
+      <p:ext uri="{BB962C8B-B14F-4D97-AF65-F5344CB8AC3E}">
+        <p14:creationId xmlns:p14="http://schemas.microsoft.com/office/powerpoint/2010/main" val="3766392983"/>
+      </p:ext>
+    </p:extLst>
+  </p:cSld>
+  <p:clrMapOvr>
+    <a:masterClrMapping/>
+  </p:clrMapOvr>
+</p:sld>
+</file>
+
+<file path=ppt/slides/slide26.xml><?xml version="1.0" encoding="utf-8"?>
+<p:sld xmlns:a="http://schemas.openxmlformats.org/drawingml/2006/main" xmlns:r="http://schemas.openxmlformats.org/officeDocument/2006/relationships" xmlns:p="http://schemas.openxmlformats.org/presentationml/2006/main">
+  <p:cSld>
+    <p:spTree>
+      <p:nvGrpSpPr>
+        <p:cNvPr id="1" name=""/>
+        <p:cNvGrpSpPr/>
+        <p:nvPr/>
+      </p:nvGrpSpPr>
+      <p:grpSpPr>
+        <a:xfrm>
+          <a:off x="0" y="0"/>
+          <a:ext cx="0" cy="0"/>
+          <a:chOff x="0" y="0"/>
+          <a:chExt cx="0" cy="0"/>
+        </a:xfrm>
+      </p:grpSpPr>
+      <p:sp>
+        <p:nvSpPr>
+          <p:cNvPr id="2" name="Titre 1"/>
+          <p:cNvSpPr>
+            <a:spLocks noGrp="1"/>
+          </p:cNvSpPr>
+          <p:nvPr>
+            <p:ph type="title"/>
+          </p:nvPr>
+        </p:nvSpPr>
+        <p:spPr/>
+        <p:txBody>
+          <a:bodyPr/>
+          <a:lstStyle/>
+          <a:p>
+            <a:r>
+              <a:rPr lang="fr-FR" dirty="0" err="1"/>
+              <a:t>Accuracy</a:t>
+            </a:r>
+            <a:endParaRPr lang="fr-FR" dirty="0"/>
+          </a:p>
+        </p:txBody>
+      </p:sp>
+      <p:sp>
+        <p:nvSpPr>
+          <p:cNvPr id="3" name="Espace réservé du contenu 2"/>
+          <p:cNvSpPr>
+            <a:spLocks noGrp="1"/>
+          </p:cNvSpPr>
+          <p:nvPr>
+            <p:ph idx="1"/>
+          </p:nvPr>
+        </p:nvSpPr>
+        <p:spPr/>
+        <p:txBody>
+          <a:bodyPr/>
+          <a:lstStyle/>
+          <a:p>
+            <a:r>
+              <a:rPr lang="fr-FR" dirty="0" err="1"/>
+              <a:t>accuracy_score</a:t>
+            </a:r>
+            <a:endParaRPr lang="fr-FR" dirty="0"/>
+          </a:p>
+          <a:p>
+            <a:pPr lvl="1"/>
+            <a:r>
+              <a:rPr lang="fr-FR" dirty="0"/>
+              <a:t>(Vrai positif + vrai négatif) / total</a:t>
+            </a:r>
+          </a:p>
+          <a:p>
+            <a:pPr lvl="1"/>
+            <a:r>
+              <a:rPr lang="fr-FR" dirty="0"/>
+              <a:t>Apporte la qualité générale du modèle</a:t>
+            </a:r>
+          </a:p>
+        </p:txBody>
+      </p:sp>
+    </p:spTree>
+    <p:extLst>
+      <p:ext uri="{BB962C8B-B14F-4D97-AF65-F5344CB8AC3E}">
+        <p14:creationId xmlns:p14="http://schemas.microsoft.com/office/powerpoint/2010/main" val="3195015525"/>
+      </p:ext>
+    </p:extLst>
+  </p:cSld>
+  <p:clrMapOvr>
+    <a:masterClrMapping/>
+  </p:clrMapOvr>
+</p:sld>
+</file>
+
+<file path=ppt/slides/slide27.xml><?xml version="1.0" encoding="utf-8"?>
+<p:sld xmlns:a="http://schemas.openxmlformats.org/drawingml/2006/main" xmlns:r="http://schemas.openxmlformats.org/officeDocument/2006/relationships" xmlns:p="http://schemas.openxmlformats.org/presentationml/2006/main">
+  <p:cSld>
+    <p:spTree>
+      <p:nvGrpSpPr>
+        <p:cNvPr id="1" name=""/>
+        <p:cNvGrpSpPr/>
+        <p:nvPr/>
+      </p:nvGrpSpPr>
+      <p:grpSpPr>
+        <a:xfrm>
+          <a:off x="0" y="0"/>
+          <a:ext cx="0" cy="0"/>
+          <a:chOff x="0" y="0"/>
+          <a:chExt cx="0" cy="0"/>
+        </a:xfrm>
+      </p:grpSpPr>
+      <p:sp>
+        <p:nvSpPr>
+          <p:cNvPr id="2" name="Titre 1"/>
+          <p:cNvSpPr>
+            <a:spLocks noGrp="1"/>
+          </p:cNvSpPr>
+          <p:nvPr>
+            <p:ph type="title"/>
+          </p:nvPr>
+        </p:nvSpPr>
+        <p:spPr/>
+        <p:txBody>
+          <a:bodyPr/>
+          <a:lstStyle/>
+          <a:p>
+            <a:r>
+              <a:rPr lang="fr-FR" dirty="0"/>
+              <a:t>Précision</a:t>
+            </a:r>
+          </a:p>
+        </p:txBody>
+      </p:sp>
+      <p:sp>
+        <p:nvSpPr>
+          <p:cNvPr id="3" name="Espace réservé du contenu 2"/>
+          <p:cNvSpPr>
+            <a:spLocks noGrp="1"/>
+          </p:cNvSpPr>
+          <p:nvPr>
+            <p:ph idx="1"/>
+          </p:nvPr>
+        </p:nvSpPr>
+        <p:spPr/>
+        <p:txBody>
+          <a:bodyPr/>
+          <a:lstStyle/>
+          <a:p>
+            <a:r>
+              <a:rPr lang="fr-FR" dirty="0" err="1"/>
+              <a:t>precision_score</a:t>
+            </a:r>
+            <a:endParaRPr lang="fr-FR" dirty="0"/>
+          </a:p>
+          <a:p>
+            <a:pPr lvl="1"/>
+            <a:r>
+              <a:rPr lang="fr-FR" dirty="0"/>
+              <a:t>Vrai positif / (vrai positif + faux positif)</a:t>
+            </a:r>
+          </a:p>
+          <a:p>
+            <a:pPr lvl="1"/>
+            <a:r>
+              <a:rPr lang="fr-FR" dirty="0"/>
+              <a:t>Apporte la qualité générale du modèle</a:t>
+            </a:r>
+          </a:p>
+        </p:txBody>
+      </p:sp>
+    </p:spTree>
+    <p:extLst>
+      <p:ext uri="{BB962C8B-B14F-4D97-AF65-F5344CB8AC3E}">
+        <p14:creationId xmlns:p14="http://schemas.microsoft.com/office/powerpoint/2010/main" val="2846624218"/>
+      </p:ext>
+    </p:extLst>
+  </p:cSld>
+  <p:clrMapOvr>
+    <a:masterClrMapping/>
+  </p:clrMapOvr>
+</p:sld>
+</file>
+
+<file path=ppt/slides/slide28.xml><?xml version="1.0" encoding="utf-8"?>
+<p:sld xmlns:a="http://schemas.openxmlformats.org/drawingml/2006/main" xmlns:r="http://schemas.openxmlformats.org/officeDocument/2006/relationships" xmlns:p="http://schemas.openxmlformats.org/presentationml/2006/main">
+  <p:cSld>
+    <p:spTree>
+      <p:nvGrpSpPr>
+        <p:cNvPr id="1" name=""/>
+        <p:cNvGrpSpPr/>
+        <p:nvPr/>
+      </p:nvGrpSpPr>
+      <p:grpSpPr>
+        <a:xfrm>
+          <a:off x="0" y="0"/>
+          <a:ext cx="0" cy="0"/>
+          <a:chOff x="0" y="0"/>
+          <a:chExt cx="0" cy="0"/>
+        </a:xfrm>
+      </p:grpSpPr>
+      <p:sp>
+        <p:nvSpPr>
+          <p:cNvPr id="2" name="Titre 1"/>
+          <p:cNvSpPr>
+            <a:spLocks noGrp="1"/>
+          </p:cNvSpPr>
+          <p:nvPr>
+            <p:ph type="title"/>
+          </p:nvPr>
+        </p:nvSpPr>
+        <p:spPr/>
+        <p:txBody>
+          <a:bodyPr/>
+          <a:lstStyle/>
+          <a:p>
+            <a:r>
+              <a:rPr lang="fr-FR" dirty="0" err="1"/>
+              <a:t>Recall</a:t>
+            </a:r>
+            <a:endParaRPr lang="fr-FR" dirty="0"/>
+          </a:p>
+        </p:txBody>
+      </p:sp>
+      <p:sp>
+        <p:nvSpPr>
+          <p:cNvPr id="3" name="Espace réservé du contenu 2"/>
+          <p:cNvSpPr>
+            <a:spLocks noGrp="1"/>
+          </p:cNvSpPr>
+          <p:nvPr>
+            <p:ph idx="1"/>
+          </p:nvPr>
+        </p:nvSpPr>
+        <p:spPr/>
+        <p:txBody>
+          <a:bodyPr/>
+          <a:lstStyle/>
+          <a:p>
+            <a:r>
+              <a:rPr lang="fr-FR" dirty="0" err="1"/>
+              <a:t>recall_score</a:t>
+            </a:r>
+            <a:endParaRPr lang="fr-FR" dirty="0"/>
+          </a:p>
+          <a:p>
+            <a:pPr lvl="1"/>
+            <a:r>
+              <a:rPr lang="fr-FR" dirty="0"/>
+              <a:t>vrai positif / (vrai positif + faux négatifs)</a:t>
+            </a:r>
+          </a:p>
+          <a:p>
+            <a:pPr lvl="1"/>
+            <a:r>
+              <a:rPr lang="fr-FR" dirty="0"/>
+              <a:t>Apporte la qualité générale du modèle</a:t>
+            </a:r>
+          </a:p>
+        </p:txBody>
+      </p:sp>
+    </p:spTree>
+    <p:extLst>
+      <p:ext uri="{BB962C8B-B14F-4D97-AF65-F5344CB8AC3E}">
+        <p14:creationId xmlns:p14="http://schemas.microsoft.com/office/powerpoint/2010/main" val="2348779459"/>
+      </p:ext>
+    </p:extLst>
+  </p:cSld>
+  <p:clrMapOvr>
+    <a:masterClrMapping/>
+  </p:clrMapOvr>
+</p:sld>
+</file>
+
+<file path=ppt/slides/slide29.xml><?xml version="1.0" encoding="utf-8"?>
+<p:sld xmlns:a="http://schemas.openxmlformats.org/drawingml/2006/main" xmlns:r="http://schemas.openxmlformats.org/officeDocument/2006/relationships" xmlns:p="http://schemas.openxmlformats.org/presentationml/2006/main">
+  <p:cSld>
+    <p:spTree>
+      <p:nvGrpSpPr>
+        <p:cNvPr id="1" name=""/>
+        <p:cNvGrpSpPr/>
+        <p:nvPr/>
+      </p:nvGrpSpPr>
+      <p:grpSpPr>
+        <a:xfrm>
+          <a:off x="0" y="0"/>
+          <a:ext cx="0" cy="0"/>
+          <a:chOff x="0" y="0"/>
+          <a:chExt cx="0" cy="0"/>
+        </a:xfrm>
+      </p:grpSpPr>
+      <p:sp>
+        <p:nvSpPr>
+          <p:cNvPr id="2" name="Titre 1">
+            <a:extLst>
+              <a:ext uri="{FF2B5EF4-FFF2-40B4-BE49-F238E27FC236}">
+                <a16:creationId xmlns:a16="http://schemas.microsoft.com/office/drawing/2014/main" id="{0549AE2E-4C8C-4615-8233-3BF76CC5E1B0}"/>
+              </a:ext>
+            </a:extLst>
+          </p:cNvPr>
+          <p:cNvSpPr>
+            <a:spLocks noGrp="1"/>
+          </p:cNvSpPr>
+          <p:nvPr>
+            <p:ph type="title"/>
+          </p:nvPr>
+        </p:nvSpPr>
+        <p:spPr/>
+        <p:txBody>
+          <a:bodyPr/>
+          <a:lstStyle/>
+          <a:p>
+            <a:r>
+              <a:rPr lang="fr-FR" dirty="0"/>
+              <a:t>F1 score</a:t>
+            </a:r>
+          </a:p>
+        </p:txBody>
+      </p:sp>
+      <p:sp>
+        <p:nvSpPr>
+          <p:cNvPr id="3" name="Espace réservé du contenu 2">
+            <a:extLst>
+              <a:ext uri="{FF2B5EF4-FFF2-40B4-BE49-F238E27FC236}">
+                <a16:creationId xmlns:a16="http://schemas.microsoft.com/office/drawing/2014/main" id="{B8F4452C-74FC-4EC2-B38D-AE5218565F4C}"/>
+              </a:ext>
+            </a:extLst>
+          </p:cNvPr>
+          <p:cNvSpPr>
+            <a:spLocks noGrp="1"/>
+          </p:cNvSpPr>
+          <p:nvPr>
+            <p:ph idx="1"/>
+          </p:nvPr>
+        </p:nvSpPr>
+        <p:spPr/>
+        <p:txBody>
+          <a:bodyPr/>
+          <a:lstStyle/>
+          <a:p>
+            <a:r>
+              <a:rPr lang="fr-FR" dirty="0"/>
+              <a:t>f1_score</a:t>
+            </a:r>
+          </a:p>
+          <a:p>
+            <a:r>
+              <a:rPr lang="en-US" dirty="0"/>
+              <a:t>F1 = 2 * (precision * recall) / (precision + recall)</a:t>
+            </a:r>
+            <a:endParaRPr lang="fr-FR" dirty="0"/>
+          </a:p>
+          <a:p>
+            <a:r>
+              <a:rPr lang="fr-FR" dirty="0"/>
+              <a:t>Moyenne harmonique de </a:t>
+            </a:r>
+            <a:r>
+              <a:rPr lang="fr-FR" dirty="0" err="1"/>
+              <a:t>precision</a:t>
+            </a:r>
+            <a:r>
+              <a:rPr lang="fr-FR" dirty="0"/>
+              <a:t> et </a:t>
+            </a:r>
+            <a:r>
+              <a:rPr lang="fr-FR" dirty="0" err="1"/>
+              <a:t>recall</a:t>
+            </a:r>
+            <a:endParaRPr lang="fr-FR" dirty="0"/>
+          </a:p>
+        </p:txBody>
+      </p:sp>
+    </p:spTree>
+    <p:extLst>
+      <p:ext uri="{BB962C8B-B14F-4D97-AF65-F5344CB8AC3E}">
+        <p14:creationId xmlns:p14="http://schemas.microsoft.com/office/powerpoint/2010/main" val="1373387526"/>
+      </p:ext>
+    </p:extLst>
+  </p:cSld>
+  <p:clrMapOvr>
+    <a:masterClrMapping/>
+  </p:clrMapOvr>
+</p:sld>
+</file>
+
+<file path=ppt/slides/slide3.xml><?xml version="1.0" encoding="utf-8"?>
+<p:sld xmlns:a="http://schemas.openxmlformats.org/drawingml/2006/main" xmlns:r="http://schemas.openxmlformats.org/officeDocument/2006/relationships" xmlns:p="http://schemas.openxmlformats.org/presentationml/2006/main">
+  <p:cSld>
+    <p:spTree>
+      <p:nvGrpSpPr>
+        <p:cNvPr id="1" name=""/>
+        <p:cNvGrpSpPr/>
+        <p:nvPr/>
+      </p:nvGrpSpPr>
+      <p:grpSpPr>
+        <a:xfrm>
+          <a:off x="0" y="0"/>
+          <a:ext cx="0" cy="0"/>
+          <a:chOff x="0" y="0"/>
+          <a:chExt cx="0" cy="0"/>
+        </a:xfrm>
+      </p:grpSpPr>
+      <p:sp>
+        <p:nvSpPr>
+          <p:cNvPr id="2" name="Titre 1"/>
+          <p:cNvSpPr>
+            <a:spLocks noGrp="1"/>
+          </p:cNvSpPr>
+          <p:nvPr>
+            <p:ph type="title"/>
+          </p:nvPr>
+        </p:nvSpPr>
+        <p:spPr/>
+        <p:txBody>
+          <a:bodyPr/>
+          <a:lstStyle/>
+          <a:p>
+            <a:r>
+              <a:rPr lang="fr-FR" dirty="0"/>
+              <a:t>Neurone</a:t>
+            </a:r>
+          </a:p>
+        </p:txBody>
+      </p:sp>
+      <p:sp>
+        <p:nvSpPr>
+          <p:cNvPr id="3" name="Espace réservé du contenu 2"/>
+          <p:cNvSpPr>
+            <a:spLocks noGrp="1"/>
+          </p:cNvSpPr>
+          <p:nvPr>
+            <p:ph idx="1"/>
+          </p:nvPr>
+        </p:nvSpPr>
+        <p:spPr/>
+        <p:txBody>
+          <a:bodyPr/>
+          <a:lstStyle/>
+          <a:p>
+            <a:r>
+              <a:rPr lang="fr-FR" dirty="0"/>
+              <a:t>En biologie un neurone est une cellule connecté à d’autre neurones qui a la faculté de laisser passer ou non un courant électrique</a:t>
+            </a:r>
+          </a:p>
+          <a:p>
+            <a:pPr lvl="1"/>
+            <a:r>
+              <a:rPr lang="fr-FR" dirty="0"/>
+              <a:t>Sa modélisation mathématique est appelé perceptron</a:t>
+            </a:r>
+          </a:p>
+          <a:p>
+            <a:endParaRPr lang="fr-FR" dirty="0"/>
+          </a:p>
+        </p:txBody>
+      </p:sp>
+      <p:pic>
+        <p:nvPicPr>
+          <p:cNvPr id="6146" name="Picture 2" descr="RÃ©sultat de recherche d'images pour &quot;neurone&quot;"/>
+          <p:cNvPicPr>
+            <a:picLocks noChangeAspect="1" noChangeArrowheads="1"/>
+          </p:cNvPicPr>
+          <p:nvPr/>
+        </p:nvPicPr>
+        <p:blipFill>
+          <a:blip r:embed="rId2">
+            <a:extLst>
+              <a:ext uri="{28A0092B-C50C-407E-A947-70E740481C1C}">
+                <a14:useLocalDpi xmlns:a14="http://schemas.microsoft.com/office/drawing/2010/main" val="0"/>
+              </a:ext>
+            </a:extLst>
+          </a:blip>
+          <a:srcRect/>
+          <a:stretch>
+            <a:fillRect/>
+          </a:stretch>
+        </p:blipFill>
+        <p:spPr bwMode="auto">
+          <a:xfrm>
+            <a:off x="2627784" y="3429000"/>
+            <a:ext cx="5184576" cy="2912774"/>
+          </a:xfrm>
+          <a:prstGeom prst="rect">
+            <a:avLst/>
+          </a:prstGeom>
+          <a:noFill/>
+          <a:extLst>
+            <a:ext uri="{909E8E84-426E-40DD-AFC4-6F175D3DCCD1}">
+              <a14:hiddenFill xmlns:a14="http://schemas.microsoft.com/office/drawing/2010/main">
+                <a:solidFill>
+                  <a:srgbClr val="FFFFFF"/>
+                </a:solidFill>
+              </a14:hiddenFill>
+            </a:ext>
+          </a:extLst>
+        </p:spPr>
+      </p:pic>
+    </p:spTree>
+    <p:extLst>
+      <p:ext uri="{BB962C8B-B14F-4D97-AF65-F5344CB8AC3E}">
+        <p14:creationId xmlns:p14="http://schemas.microsoft.com/office/powerpoint/2010/main" val="1624535898"/>
+      </p:ext>
+    </p:extLst>
+  </p:cSld>
+  <p:clrMapOvr>
+    <a:masterClrMapping/>
+  </p:clrMapOvr>
+</p:sld>
+</file>
+
+<file path=ppt/slides/slide30.xml><?xml version="1.0" encoding="utf-8"?>
+<p:sld xmlns:a="http://schemas.openxmlformats.org/drawingml/2006/main" xmlns:r="http://schemas.openxmlformats.org/officeDocument/2006/relationships" xmlns:p="http://schemas.openxmlformats.org/presentationml/2006/main">
+  <p:cSld>
+    <p:spTree>
+      <p:nvGrpSpPr>
+        <p:cNvPr id="1" name=""/>
+        <p:cNvGrpSpPr/>
+        <p:nvPr/>
+      </p:nvGrpSpPr>
+      <p:grpSpPr>
+        <a:xfrm>
+          <a:off x="0" y="0"/>
+          <a:ext cx="0" cy="0"/>
+          <a:chOff x="0" y="0"/>
+          <a:chExt cx="0" cy="0"/>
+        </a:xfrm>
+      </p:grpSpPr>
+      <p:sp>
+        <p:nvSpPr>
+          <p:cNvPr id="2" name="Titre 1"/>
+          <p:cNvSpPr>
+            <a:spLocks noGrp="1"/>
+          </p:cNvSpPr>
+          <p:nvPr>
+            <p:ph type="title"/>
+          </p:nvPr>
+        </p:nvSpPr>
+        <p:spPr/>
+        <p:txBody>
+          <a:bodyPr/>
+          <a:lstStyle/>
+          <a:p>
+            <a:r>
+              <a:rPr lang="fr-FR" dirty="0"/>
+              <a:t>Classification-report</a:t>
+            </a:r>
+          </a:p>
+        </p:txBody>
+      </p:sp>
+      <p:sp>
+        <p:nvSpPr>
+          <p:cNvPr id="3" name="Espace réservé du contenu 2"/>
+          <p:cNvSpPr>
+            <a:spLocks noGrp="1"/>
+          </p:cNvSpPr>
+          <p:nvPr>
+            <p:ph idx="1"/>
+          </p:nvPr>
+        </p:nvSpPr>
+        <p:spPr/>
+        <p:txBody>
+          <a:bodyPr/>
+          <a:lstStyle/>
+          <a:p>
+            <a:r>
+              <a:rPr lang="fr-FR" dirty="0"/>
+              <a:t>Reprends les différents scores en un seul rapport et par catégorie</a:t>
+            </a:r>
+          </a:p>
+          <a:p>
+            <a:pPr lvl="1"/>
+            <a:endParaRPr lang="fr-FR" dirty="0"/>
+          </a:p>
+        </p:txBody>
+      </p:sp>
+      <p:pic>
+        <p:nvPicPr>
+          <p:cNvPr id="4" name="Image 3"/>
+          <p:cNvPicPr>
+            <a:picLocks noChangeAspect="1"/>
+          </p:cNvPicPr>
+          <p:nvPr/>
+        </p:nvPicPr>
+        <p:blipFill>
+          <a:blip r:embed="rId2"/>
+          <a:stretch>
+            <a:fillRect/>
+          </a:stretch>
+        </p:blipFill>
+        <p:spPr>
+          <a:xfrm>
+            <a:off x="683568" y="3573016"/>
+            <a:ext cx="7096787" cy="1965265"/>
+          </a:xfrm>
+          <a:prstGeom prst="rect">
+            <a:avLst/>
+          </a:prstGeom>
+        </p:spPr>
+      </p:pic>
+    </p:spTree>
+    <p:extLst>
+      <p:ext uri="{BB962C8B-B14F-4D97-AF65-F5344CB8AC3E}">
+        <p14:creationId xmlns:p14="http://schemas.microsoft.com/office/powerpoint/2010/main" val="362975916"/>
+      </p:ext>
+    </p:extLst>
+  </p:cSld>
+  <p:clrMapOvr>
+    <a:masterClrMapping/>
+  </p:clrMapOvr>
+</p:sld>
+</file>
+
+<file path=ppt/slides/slide31.xml><?xml version="1.0" encoding="utf-8"?>
+<p:sld xmlns:a="http://schemas.openxmlformats.org/drawingml/2006/main" xmlns:r="http://schemas.openxmlformats.org/officeDocument/2006/relationships" xmlns:p="http://schemas.openxmlformats.org/presentationml/2006/main">
+  <p:cSld>
+    <p:spTree>
+      <p:nvGrpSpPr>
+        <p:cNvPr id="1" name=""/>
+        <p:cNvGrpSpPr/>
+        <p:nvPr/>
+      </p:nvGrpSpPr>
+      <p:grpSpPr>
+        <a:xfrm>
+          <a:off x="0" y="0"/>
+          <a:ext cx="0" cy="0"/>
+          <a:chOff x="0" y="0"/>
+          <a:chExt cx="0" cy="0"/>
+        </a:xfrm>
+      </p:grpSpPr>
+      <p:sp>
+        <p:nvSpPr>
+          <p:cNvPr id="2" name="Titre 1"/>
+          <p:cNvSpPr>
+            <a:spLocks noGrp="1"/>
+          </p:cNvSpPr>
+          <p:nvPr>
+            <p:ph type="title"/>
+          </p:nvPr>
+        </p:nvSpPr>
+        <p:spPr/>
+        <p:txBody>
+          <a:bodyPr/>
+          <a:lstStyle/>
+          <a:p>
+            <a:r>
+              <a:rPr lang="fr-FR" dirty="0"/>
+              <a:t>Matrice de confusion</a:t>
+            </a:r>
+          </a:p>
+        </p:txBody>
+      </p:sp>
+      <p:sp>
+        <p:nvSpPr>
+          <p:cNvPr id="3" name="Espace réservé du contenu 2"/>
+          <p:cNvSpPr>
+            <a:spLocks noGrp="1"/>
+          </p:cNvSpPr>
+          <p:nvPr>
+            <p:ph idx="1"/>
+          </p:nvPr>
+        </p:nvSpPr>
+        <p:spPr/>
+        <p:txBody>
+          <a:bodyPr/>
+          <a:lstStyle/>
+          <a:p>
+            <a:r>
+              <a:rPr lang="fr-FR" dirty="0"/>
               <a:t>La matrice de confusion apporte les cas de succès, en discriminant les vrai positifs, les vrai négatifs, les faux positifs et les vrais positifs</a:t>
             </a:r>
-            <a:endParaRPr lang="fr-FR" dirty="0"/>
           </a:p>
         </p:txBody>
       </p:sp>
@@ -6167,17 +6675,10 @@
   <p:clrMapOvr>
     <a:masterClrMapping/>
   </p:clrMapOvr>
-  <p:timing>
-    <p:tnLst>
-      <p:par>
-        <p:cTn id="1" dur="indefinite" restart="never" nodeType="tmRoot"/>
-      </p:par>
-    </p:tnLst>
-  </p:timing>
 </p:sld>
 </file>
 
-<file path=ppt/slides/slide26.xml><?xml version="1.0" encoding="utf-8"?>
+<file path=ppt/slides/slide32.xml><?xml version="1.0" encoding="utf-8"?>
 <p:sld xmlns:a="http://schemas.openxmlformats.org/drawingml/2006/main" xmlns:r="http://schemas.openxmlformats.org/officeDocument/2006/relationships" xmlns:p="http://schemas.openxmlformats.org/presentationml/2006/main">
   <p:cSld>
     <p:spTree>
@@ -6210,10 +6711,13 @@
           <a:lstStyle/>
           <a:p>
             <a:r>
-              <a:rPr lang="fr-FR" dirty="0" smtClean="0"/>
-              <a:t>Classification report</a:t>
-            </a:r>
-            <a:endParaRPr lang="fr-FR" dirty="0"/>
+              <a:rPr lang="fr-FR" dirty="0" err="1"/>
+              <a:t>Convulational</a:t>
+            </a:r>
+            <a:r>
+              <a:rPr lang="fr-FR" dirty="0"/>
+              <a:t> Neural Network</a:t>
+            </a:r>
           </a:p>
         </p:txBody>
       </p:sp>
@@ -6233,258 +6737,54 @@
           <a:lstStyle/>
           <a:p>
             <a:r>
-              <a:rPr lang="fr-FR" dirty="0" smtClean="0"/>
-              <a:t>Apporte le taux de succès détaillé</a:t>
-            </a:r>
-          </a:p>
-          <a:p>
-            <a:r>
-              <a:rPr lang="fr-FR" dirty="0" err="1" smtClean="0"/>
-              <a:t>Precision</a:t>
-            </a:r>
-            <a:endParaRPr lang="fr-FR" dirty="0" smtClean="0"/>
+              <a:rPr lang="fr-FR" dirty="0"/>
+              <a:t>Les réseaux neuronaux par convolution sont des MLP avec de filtres inter-couches</a:t>
+            </a:r>
           </a:p>
           <a:p>
             <a:pPr lvl="1"/>
             <a:r>
-              <a:rPr lang="fr-FR" dirty="0" smtClean="0"/>
-              <a:t>Vrai positif / </a:t>
-            </a:r>
-            <a:r>
-              <a:rPr lang="fr-FR" dirty="0" smtClean="0"/>
-              <a:t>(vrai positif + faux positif)</a:t>
+              <a:rPr lang="fr-FR" dirty="0" err="1"/>
+              <a:t>Convulational</a:t>
+            </a:r>
+            <a:r>
+              <a:rPr lang="fr-FR" dirty="0"/>
+              <a:t> Neural Network - CNN</a:t>
+            </a:r>
+          </a:p>
+          <a:p>
+            <a:r>
+              <a:rPr lang="fr-FR" dirty="0"/>
+              <a:t>Il peut même y avoir des boucles, le réseau est </a:t>
+            </a:r>
+            <a:r>
+              <a:rPr lang="fr-FR"/>
+              <a:t>donc récurrent </a:t>
+            </a:r>
+            <a:r>
+              <a:rPr lang="fr-FR" dirty="0"/>
+              <a:t>(CRNN)</a:t>
             </a:r>
           </a:p>
           <a:p>
             <a:pPr lvl="1"/>
             <a:r>
-              <a:rPr lang="fr-FR" dirty="0" smtClean="0"/>
-              <a:t>Moins grave</a:t>
-            </a:r>
-          </a:p>
-          <a:p>
-            <a:r>
-              <a:rPr lang="fr-FR" dirty="0" err="1" smtClean="0"/>
-              <a:t>Recall</a:t>
-            </a:r>
-            <a:endParaRPr lang="fr-FR" dirty="0"/>
+              <a:rPr lang="fr-FR" dirty="0"/>
+              <a:t>Théorie mathématique assez difficile</a:t>
+            </a:r>
+          </a:p>
+          <a:p>
+            <a:r>
+              <a:rPr lang="fr-FR" dirty="0"/>
+              <a:t>Réseaux élastiques</a:t>
+            </a:r>
           </a:p>
           <a:p>
             <a:pPr lvl="1"/>
             <a:r>
-              <a:rPr lang="fr-FR" dirty="0" smtClean="0"/>
-              <a:t>vrai positif / </a:t>
-            </a:r>
-            <a:r>
-              <a:rPr lang="fr-FR" dirty="0"/>
-              <a:t>(vrai positif + </a:t>
-            </a:r>
-            <a:r>
-              <a:rPr lang="fr-FR" dirty="0" smtClean="0"/>
-              <a:t>faux négatifs)</a:t>
-            </a:r>
-          </a:p>
-          <a:p>
-            <a:pPr lvl="1"/>
-            <a:r>
-              <a:rPr lang="fr-FR" dirty="0" smtClean="0"/>
-              <a:t>Plus grave</a:t>
-            </a:r>
-          </a:p>
-          <a:p>
-            <a:r>
-              <a:rPr lang="fr-FR" dirty="0" err="1" smtClean="0"/>
-              <a:t>Fl</a:t>
-            </a:r>
-            <a:r>
-              <a:rPr lang="fr-FR" dirty="0" smtClean="0"/>
-              <a:t>-score</a:t>
-            </a:r>
-          </a:p>
-          <a:p>
-            <a:pPr lvl="1"/>
-            <a:r>
-              <a:rPr lang="fr-FR" dirty="0" smtClean="0"/>
-              <a:t>Doit être proche de 1</a:t>
-            </a:r>
-          </a:p>
-          <a:p>
-            <a:r>
-              <a:rPr lang="fr-FR" dirty="0" smtClean="0"/>
-              <a:t>Support</a:t>
-            </a:r>
-          </a:p>
-          <a:p>
-            <a:pPr lvl="1"/>
-            <a:r>
-              <a:rPr lang="fr-FR" dirty="0" smtClean="0"/>
-              <a:t>Nombre de positifs et négatifs</a:t>
-            </a:r>
-            <a:endParaRPr lang="fr-FR" dirty="0"/>
-          </a:p>
-          <a:p>
-            <a:pPr lvl="1"/>
-            <a:endParaRPr lang="fr-FR" dirty="0" smtClean="0"/>
-          </a:p>
-          <a:p>
-            <a:pPr lvl="1"/>
-            <a:endParaRPr lang="fr-FR" dirty="0"/>
-          </a:p>
-        </p:txBody>
-      </p:sp>
-      <p:pic>
-        <p:nvPicPr>
-          <p:cNvPr id="4" name="Image 3"/>
-          <p:cNvPicPr>
-            <a:picLocks noChangeAspect="1"/>
-          </p:cNvPicPr>
-          <p:nvPr/>
-        </p:nvPicPr>
-        <p:blipFill>
-          <a:blip r:embed="rId2"/>
-          <a:stretch>
-            <a:fillRect/>
-          </a:stretch>
-        </p:blipFill>
-        <p:spPr>
-          <a:xfrm>
-            <a:off x="3923928" y="4365104"/>
-            <a:ext cx="5497779" cy="1522462"/>
-          </a:xfrm>
-          <a:prstGeom prst="rect">
-            <a:avLst/>
-          </a:prstGeom>
-        </p:spPr>
-      </p:pic>
-    </p:spTree>
-    <p:extLst>
-      <p:ext uri="{BB962C8B-B14F-4D97-AF65-F5344CB8AC3E}">
-        <p14:creationId xmlns:p14="http://schemas.microsoft.com/office/powerpoint/2010/main" val="3766392983"/>
-      </p:ext>
-    </p:extLst>
-  </p:cSld>
-  <p:clrMapOvr>
-    <a:masterClrMapping/>
-  </p:clrMapOvr>
-  <p:timing>
-    <p:tnLst>
-      <p:par>
-        <p:cTn id="1" dur="indefinite" restart="never" nodeType="tmRoot"/>
-      </p:par>
-    </p:tnLst>
-  </p:timing>
-</p:sld>
-</file>
-
-<file path=ppt/slides/slide27.xml><?xml version="1.0" encoding="utf-8"?>
-<p:sld xmlns:a="http://schemas.openxmlformats.org/drawingml/2006/main" xmlns:r="http://schemas.openxmlformats.org/officeDocument/2006/relationships" xmlns:p="http://schemas.openxmlformats.org/presentationml/2006/main">
-  <p:cSld>
-    <p:spTree>
-      <p:nvGrpSpPr>
-        <p:cNvPr id="1" name=""/>
-        <p:cNvGrpSpPr/>
-        <p:nvPr/>
-      </p:nvGrpSpPr>
-      <p:grpSpPr>
-        <a:xfrm>
-          <a:off x="0" y="0"/>
-          <a:ext cx="0" cy="0"/>
-          <a:chOff x="0" y="0"/>
-          <a:chExt cx="0" cy="0"/>
-        </a:xfrm>
-      </p:grpSpPr>
-      <p:sp>
-        <p:nvSpPr>
-          <p:cNvPr id="2" name="Titre 1"/>
-          <p:cNvSpPr>
-            <a:spLocks noGrp="1"/>
-          </p:cNvSpPr>
-          <p:nvPr>
-            <p:ph type="title"/>
-          </p:nvPr>
-        </p:nvSpPr>
-        <p:spPr/>
-        <p:txBody>
-          <a:bodyPr/>
-          <a:lstStyle/>
-          <a:p>
-            <a:r>
-              <a:rPr lang="fr-FR" dirty="0" err="1" smtClean="0"/>
-              <a:t>Convulational</a:t>
-            </a:r>
-            <a:r>
-              <a:rPr lang="fr-FR" dirty="0" smtClean="0"/>
-              <a:t> Neural Network</a:t>
-            </a:r>
-            <a:endParaRPr lang="fr-FR" dirty="0"/>
-          </a:p>
-        </p:txBody>
-      </p:sp>
-      <p:sp>
-        <p:nvSpPr>
-          <p:cNvPr id="3" name="Espace réservé du contenu 2"/>
-          <p:cNvSpPr>
-            <a:spLocks noGrp="1"/>
-          </p:cNvSpPr>
-          <p:nvPr>
-            <p:ph idx="1"/>
-          </p:nvPr>
-        </p:nvSpPr>
-        <p:spPr/>
-        <p:txBody>
-          <a:bodyPr/>
-          <a:lstStyle/>
-          <a:p>
-            <a:r>
-              <a:rPr lang="fr-FR" dirty="0" smtClean="0"/>
-              <a:t>Les réseaux neuronaux par convolution sont des MLP avec de filtres inter-couches</a:t>
-            </a:r>
-          </a:p>
-          <a:p>
-            <a:pPr lvl="1"/>
-            <a:r>
-              <a:rPr lang="fr-FR" dirty="0" err="1" smtClean="0"/>
-              <a:t>Convulational</a:t>
-            </a:r>
-            <a:r>
-              <a:rPr lang="fr-FR" dirty="0" smtClean="0"/>
-              <a:t> Neural Network - CNN</a:t>
-            </a:r>
-          </a:p>
-          <a:p>
-            <a:r>
-              <a:rPr lang="fr-FR" dirty="0" smtClean="0"/>
-              <a:t>Il peut même y avoir des boucles, le réseau est </a:t>
-            </a:r>
-            <a:r>
-              <a:rPr lang="fr-FR" smtClean="0"/>
-              <a:t>donc récurrent </a:t>
-            </a:r>
-            <a:r>
-              <a:rPr lang="fr-FR" dirty="0" smtClean="0"/>
-              <a:t>(CRNN)</a:t>
-            </a:r>
-          </a:p>
-          <a:p>
-            <a:pPr lvl="1"/>
-            <a:r>
-              <a:rPr lang="fr-FR" dirty="0" smtClean="0"/>
-              <a:t>Théorie mathématique assez difficile</a:t>
-            </a:r>
-          </a:p>
-          <a:p>
-            <a:r>
-              <a:rPr lang="fr-FR" dirty="0" smtClean="0"/>
-              <a:t>Réseaux élastiques</a:t>
-            </a:r>
-          </a:p>
-          <a:p>
-            <a:pPr lvl="1"/>
-            <a:r>
-              <a:rPr lang="fr-FR" dirty="0" smtClean="0"/>
+              <a:rPr lang="fr-FR" dirty="0"/>
               <a:t>Les neurones peuvent se lier (et se délier) dynamiquement et en nombre</a:t>
             </a:r>
-            <a:endParaRPr lang="fr-FR" dirty="0"/>
           </a:p>
         </p:txBody>
       </p:sp>
@@ -6498,146 +6798,6 @@
   <p:clrMapOvr>
     <a:masterClrMapping/>
   </p:clrMapOvr>
-  <p:timing>
-    <p:tnLst>
-      <p:par>
-        <p:cTn id="1" dur="indefinite" restart="never" nodeType="tmRoot"/>
-      </p:par>
-    </p:tnLst>
-  </p:timing>
-</p:sld>
-</file>
-
-<file path=ppt/slides/slide3.xml><?xml version="1.0" encoding="utf-8"?>
-<p:sld xmlns:a="http://schemas.openxmlformats.org/drawingml/2006/main" xmlns:r="http://schemas.openxmlformats.org/officeDocument/2006/relationships" xmlns:p="http://schemas.openxmlformats.org/presentationml/2006/main">
-  <p:cSld>
-    <p:spTree>
-      <p:nvGrpSpPr>
-        <p:cNvPr id="1" name=""/>
-        <p:cNvGrpSpPr/>
-        <p:nvPr/>
-      </p:nvGrpSpPr>
-      <p:grpSpPr>
-        <a:xfrm>
-          <a:off x="0" y="0"/>
-          <a:ext cx="0" cy="0"/>
-          <a:chOff x="0" y="0"/>
-          <a:chExt cx="0" cy="0"/>
-        </a:xfrm>
-      </p:grpSpPr>
-      <p:sp>
-        <p:nvSpPr>
-          <p:cNvPr id="2" name="Titre 1"/>
-          <p:cNvSpPr>
-            <a:spLocks noGrp="1"/>
-          </p:cNvSpPr>
-          <p:nvPr>
-            <p:ph type="title"/>
-          </p:nvPr>
-        </p:nvSpPr>
-        <p:spPr/>
-        <p:txBody>
-          <a:bodyPr/>
-          <a:lstStyle/>
-          <a:p>
-            <a:r>
-              <a:rPr lang="fr-FR" dirty="0" smtClean="0"/>
-              <a:t>Neurone</a:t>
-            </a:r>
-            <a:endParaRPr lang="fr-FR" dirty="0"/>
-          </a:p>
-        </p:txBody>
-      </p:sp>
-      <p:sp>
-        <p:nvSpPr>
-          <p:cNvPr id="3" name="Espace réservé du contenu 2"/>
-          <p:cNvSpPr>
-            <a:spLocks noGrp="1"/>
-          </p:cNvSpPr>
-          <p:nvPr>
-            <p:ph idx="1"/>
-          </p:nvPr>
-        </p:nvSpPr>
-        <p:spPr/>
-        <p:txBody>
-          <a:bodyPr/>
-          <a:lstStyle/>
-          <a:p>
-            <a:r>
-              <a:rPr lang="fr-FR" dirty="0" smtClean="0"/>
-              <a:t>En biologie un neurone est une cellule connecté à d’autre neurones qui a la faculté de laisser passer ou non un courant électrique</a:t>
-            </a:r>
-          </a:p>
-          <a:p>
-            <a:pPr lvl="1"/>
-            <a:r>
-              <a:rPr lang="fr-FR" dirty="0" smtClean="0"/>
-              <a:t>Sa modélisation mathématique est appelé perceptron</a:t>
-            </a:r>
-          </a:p>
-          <a:p>
-            <a:endParaRPr lang="fr-FR" dirty="0"/>
-          </a:p>
-        </p:txBody>
-      </p:sp>
-      <p:pic>
-        <p:nvPicPr>
-          <p:cNvPr id="6146" name="Picture 2" descr="RÃ©sultat de recherche d'images pour &quot;neurone&quot;"/>
-          <p:cNvPicPr>
-            <a:picLocks noChangeAspect="1" noChangeArrowheads="1"/>
-          </p:cNvPicPr>
-          <p:nvPr/>
-        </p:nvPicPr>
-        <p:blipFill>
-          <a:blip r:embed="rId2">
-            <a:extLst>
-              <a:ext uri="{28A0092B-C50C-407E-A947-70E740481C1C}">
-                <a14:useLocalDpi xmlns:a14="http://schemas.microsoft.com/office/drawing/2010/main" val="0"/>
-              </a:ext>
-            </a:extLst>
-          </a:blip>
-          <a:srcRect/>
-          <a:stretch>
-            <a:fillRect/>
-          </a:stretch>
-        </p:blipFill>
-        <p:spPr bwMode="auto">
-          <a:xfrm>
-            <a:off x="2627784" y="3429000"/>
-            <a:ext cx="5184576" cy="2912774"/>
-          </a:xfrm>
-          <a:prstGeom prst="rect">
-            <a:avLst/>
-          </a:prstGeom>
-          <a:noFill/>
-          <a:extLst>
-            <a:ext uri="{909E8E84-426E-40DD-AFC4-6F175D3DCCD1}">
-              <a14:hiddenFill xmlns:a14="http://schemas.microsoft.com/office/drawing/2010/main">
-                <a:solidFill>
-                  <a:srgbClr val="FFFFFF"/>
-                </a:solidFill>
-              </a14:hiddenFill>
-            </a:ext>
-          </a:extLst>
-        </p:spPr>
-      </p:pic>
-    </p:spTree>
-    <p:extLst>
-      <p:ext uri="{BB962C8B-B14F-4D97-AF65-F5344CB8AC3E}">
-        <p14:creationId xmlns:p14="http://schemas.microsoft.com/office/powerpoint/2010/main" val="1624535898"/>
-      </p:ext>
-    </p:extLst>
-  </p:cSld>
-  <p:clrMapOvr>
-    <a:masterClrMapping/>
-  </p:clrMapOvr>
-  <p:timing>
-    <p:tnLst>
-      <p:par>
-        <p:cTn id="1" dur="indefinite" restart="never" nodeType="tmRoot"/>
-      </p:par>
-    </p:tnLst>
-  </p:timing>
 </p:sld>
 </file>
 
@@ -6674,10 +6834,9 @@
           <a:lstStyle/>
           <a:p>
             <a:r>
-              <a:rPr lang="fr-FR" dirty="0" smtClean="0"/>
+              <a:rPr lang="fr-FR" dirty="0"/>
               <a:t>Perceptron</a:t>
             </a:r>
-            <a:endParaRPr lang="fr-FR" dirty="0"/>
           </a:p>
         </p:txBody>
       </p:sp>
@@ -6697,21 +6856,21 @@
           <a:lstStyle/>
           <a:p>
             <a:r>
-              <a:rPr lang="fr-FR" dirty="0" smtClean="0"/>
+              <a:rPr lang="fr-FR" dirty="0"/>
               <a:t>Un perceptron possède plusieurs entrées (ix), une sortie (o), un seuil et une fonction d’activation (f)</a:t>
             </a:r>
           </a:p>
           <a:p>
             <a:r>
-              <a:rPr lang="fr-FR" dirty="0" smtClean="0"/>
+              <a:rPr lang="fr-FR" dirty="0"/>
               <a:t>Chaque entrée possède un poids (</a:t>
             </a:r>
             <a:r>
-              <a:rPr lang="fr-FR" dirty="0" err="1" smtClean="0"/>
+              <a:rPr lang="fr-FR" dirty="0" err="1"/>
               <a:t>Wx</a:t>
             </a:r>
             <a:r>
-              <a:rPr lang="fr-FR" dirty="0" smtClean="0"/>
+              <a:rPr lang="fr-FR" dirty="0"/>
               <a:t>)</a:t>
             </a:r>
           </a:p>
@@ -6771,13 +6930,6 @@
   <p:clrMapOvr>
     <a:masterClrMapping/>
   </p:clrMapOvr>
-  <p:timing>
-    <p:tnLst>
-      <p:par>
-        <p:cTn id="1" dur="indefinite" restart="never" nodeType="tmRoot"/>
-      </p:par>
-    </p:tnLst>
-  </p:timing>
 </p:sld>
 </file>
 
@@ -6814,10 +6966,9 @@
           <a:lstStyle/>
           <a:p>
             <a:r>
-              <a:rPr lang="fr-FR" dirty="0" smtClean="0"/>
+              <a:rPr lang="fr-FR" dirty="0"/>
               <a:t>Perceptron</a:t>
             </a:r>
-            <a:endParaRPr lang="fr-FR" dirty="0"/>
           </a:p>
         </p:txBody>
       </p:sp>
@@ -6837,48 +6988,44 @@
           <a:lstStyle/>
           <a:p>
             <a:r>
-              <a:rPr lang="fr-FR" dirty="0" smtClean="0"/>
+              <a:rPr lang="fr-FR" dirty="0"/>
               <a:t>L’ensemble des entrées sont multipliés à leurs poids puis sommés</a:t>
             </a:r>
           </a:p>
           <a:p>
             <a:r>
               <a:rPr lang="fr-FR" dirty="0"/>
-              <a:t>s</a:t>
-            </a:r>
-            <a:r>
-              <a:rPr lang="fr-FR" dirty="0" smtClean="0"/>
-              <a:t>ignal = </a:t>
-            </a:r>
-            <a:r>
-              <a:rPr lang="fr-FR" dirty="0" err="1" smtClean="0"/>
+              <a:t>signal = </a:t>
+            </a:r>
+            <a:r>
+              <a:rPr lang="fr-FR" dirty="0" err="1"/>
               <a:t>sum</a:t>
             </a:r>
             <a:r>
-              <a:rPr lang="fr-FR" dirty="0" smtClean="0"/>
+              <a:rPr lang="fr-FR" dirty="0"/>
               <a:t>(i[x]*W[x])</a:t>
             </a:r>
           </a:p>
           <a:p>
             <a:r>
-              <a:rPr lang="fr-FR" dirty="0" smtClean="0"/>
+              <a:rPr lang="fr-FR" dirty="0"/>
               <a:t>Si f(signal) &gt; seuil (ou biais) alors le signal passe dans le sortie</a:t>
             </a:r>
           </a:p>
           <a:p>
             <a:r>
-              <a:rPr lang="fr-FR" dirty="0" smtClean="0"/>
+              <a:rPr lang="fr-FR" dirty="0"/>
               <a:t>f est souvent une tangente hyperbolique ou une sigmoïde</a:t>
             </a:r>
           </a:p>
           <a:p>
             <a:pPr lvl="1"/>
             <a:r>
-              <a:rPr lang="fr-FR" dirty="0" smtClean="0"/>
+              <a:rPr lang="fr-FR" dirty="0"/>
               <a:t>F = </a:t>
             </a:r>
             <a:r>
-              <a:rPr lang="fr-FR" dirty="0" err="1" smtClean="0"/>
+              <a:rPr lang="fr-FR" dirty="0" err="1"/>
               <a:t>math.tanh</a:t>
             </a:r>
             <a:endParaRPr lang="fr-FR" dirty="0"/>
@@ -6936,13 +7083,6 @@
   <p:clrMapOvr>
     <a:masterClrMapping/>
   </p:clrMapOvr>
-  <p:timing>
-    <p:tnLst>
-      <p:par>
-        <p:cTn id="1" dur="indefinite" restart="never" nodeType="tmRoot"/>
-      </p:par>
-    </p:tnLst>
-  </p:timing>
 </p:sld>
 </file>
 
@@ -6979,10 +7119,9 @@
           <a:lstStyle/>
           <a:p>
             <a:r>
-              <a:rPr lang="fr-FR" dirty="0" smtClean="0"/>
+              <a:rPr lang="fr-FR" dirty="0"/>
               <a:t>Exemple simple</a:t>
             </a:r>
-            <a:endParaRPr lang="fr-FR" dirty="0"/>
           </a:p>
         </p:txBody>
       </p:sp>
@@ -7002,84 +7141,83 @@
           <a:lstStyle/>
           <a:p>
             <a:r>
-              <a:rPr lang="fr-FR" dirty="0" smtClean="0"/>
+              <a:rPr lang="fr-FR" dirty="0"/>
               <a:t>Réseau (2,2,2)</a:t>
             </a:r>
           </a:p>
           <a:p>
             <a:pPr lvl="1"/>
             <a:r>
-              <a:rPr lang="fr-FR" dirty="0" smtClean="0"/>
+              <a:rPr lang="fr-FR" dirty="0"/>
               <a:t>2 inputs</a:t>
             </a:r>
           </a:p>
           <a:p>
             <a:pPr lvl="1"/>
             <a:r>
-              <a:rPr lang="fr-FR" dirty="0" smtClean="0"/>
+              <a:rPr lang="fr-FR" dirty="0"/>
               <a:t>2 </a:t>
             </a:r>
             <a:r>
-              <a:rPr lang="fr-FR" dirty="0" err="1" smtClean="0"/>
+              <a:rPr lang="fr-FR" dirty="0" err="1"/>
               <a:t>hiddens</a:t>
             </a:r>
-            <a:endParaRPr lang="fr-FR" dirty="0" smtClean="0"/>
+            <a:endParaRPr lang="fr-FR" dirty="0"/>
           </a:p>
           <a:p>
             <a:pPr lvl="1"/>
             <a:r>
-              <a:rPr lang="fr-FR" dirty="0" smtClean="0"/>
+              <a:rPr lang="fr-FR" dirty="0"/>
               <a:t>2 outputs</a:t>
             </a:r>
           </a:p>
           <a:p>
             <a:r>
-              <a:rPr lang="fr-FR" dirty="0" smtClean="0"/>
+              <a:rPr lang="fr-FR" dirty="0"/>
               <a:t>Input [0.05, 0.1]</a:t>
             </a:r>
           </a:p>
           <a:p>
             <a:r>
-              <a:rPr lang="fr-FR" dirty="0" smtClean="0"/>
+              <a:rPr lang="fr-FR" dirty="0"/>
               <a:t>Output </a:t>
             </a:r>
             <a:r>
-              <a:rPr lang="fr-FR" dirty="0" err="1" smtClean="0"/>
+              <a:rPr lang="fr-FR" dirty="0" err="1"/>
               <a:t>target</a:t>
             </a:r>
             <a:r>
-              <a:rPr lang="fr-FR" dirty="0" smtClean="0"/>
+              <a:rPr lang="fr-FR" dirty="0"/>
               <a:t> [0.01, 0.99]</a:t>
             </a:r>
           </a:p>
           <a:p>
             <a:r>
-              <a:rPr lang="fr-FR" dirty="0" err="1" smtClean="0"/>
+              <a:rPr lang="fr-FR" dirty="0" err="1"/>
               <a:t>wx</a:t>
             </a:r>
             <a:r>
-              <a:rPr lang="fr-FR" dirty="0" smtClean="0"/>
+              <a:rPr lang="fr-FR" dirty="0"/>
               <a:t> = Poids</a:t>
             </a:r>
           </a:p>
           <a:p>
             <a:r>
-              <a:rPr lang="fr-FR" dirty="0" err="1" smtClean="0"/>
+              <a:rPr lang="fr-FR" dirty="0" err="1"/>
               <a:t>bx</a:t>
             </a:r>
             <a:r>
-              <a:rPr lang="fr-FR" dirty="0" smtClean="0"/>
+              <a:rPr lang="fr-FR" dirty="0"/>
               <a:t> = </a:t>
             </a:r>
             <a:r>
-              <a:rPr lang="fr-FR" dirty="0" err="1" smtClean="0"/>
+              <a:rPr lang="fr-FR" dirty="0" err="1"/>
               <a:t>Bias</a:t>
             </a:r>
             <a:r>
-              <a:rPr lang="fr-FR" dirty="0" smtClean="0"/>
+              <a:rPr lang="fr-FR" dirty="0"/>
               <a:t> (seuils)</a:t>
             </a:r>
-            <a:endParaRPr lang="fr-FR" dirty="0"/>
           </a:p>
         </p:txBody>
       </p:sp>
@@ -7134,13 +7272,6 @@
   <p:clrMapOvr>
     <a:masterClrMapping/>
   </p:clrMapOvr>
-  <p:timing>
-    <p:tnLst>
-      <p:par>
-        <p:cTn id="1" dur="indefinite" restart="never" nodeType="tmRoot"/>
-      </p:par>
-    </p:tnLst>
-  </p:timing>
 </p:sld>
 </file>
 
@@ -7177,10 +7308,9 @@
           <a:lstStyle/>
           <a:p>
             <a:r>
-              <a:rPr lang="fr-FR" dirty="0" smtClean="0"/>
+              <a:rPr lang="fr-FR" dirty="0"/>
               <a:t>Exemple de perceptron simple</a:t>
             </a:r>
-            <a:endParaRPr lang="fr-FR" dirty="0"/>
           </a:p>
         </p:txBody>
       </p:sp>
@@ -7287,23 +7417,19 @@
               <a:t>, </a:t>
             </a:r>
             <a:r>
-              <a:rPr lang="fr-FR" sz="1600" dirty="0" err="1" smtClean="0">
+              <a:rPr lang="fr-FR" sz="1600" dirty="0" err="1">
                 <a:latin typeface="Courier New" panose="02070309020205020404" pitchFamily="49" charset="0"/>
                 <a:cs typeface="Courier New" panose="02070309020205020404" pitchFamily="49" charset="0"/>
               </a:rPr>
               <a:t>activationFn</a:t>
             </a:r>
             <a:r>
-              <a:rPr lang="fr-FR" sz="1600" dirty="0" smtClean="0">
+              <a:rPr lang="fr-FR" sz="1600" dirty="0">
                 <a:latin typeface="Courier New" panose="02070309020205020404" pitchFamily="49" charset="0"/>
                 <a:cs typeface="Courier New" panose="02070309020205020404" pitchFamily="49" charset="0"/>
               </a:rPr>
               <a:t>):</a:t>
             </a:r>
-            <a:endParaRPr lang="fr-FR" sz="1600" dirty="0">
-              <a:latin typeface="Courier New" panose="02070309020205020404" pitchFamily="49" charset="0"/>
-              <a:cs typeface="Courier New" panose="02070309020205020404" pitchFamily="49" charset="0"/>
-            </a:endParaRPr>
           </a:p>
           <a:p>
             <a:pPr marL="0" indent="0">
@@ -7476,32 +7602,25 @@
               <a:buNone/>
             </a:pPr>
             <a:r>
-              <a:rPr lang="fr-FR" sz="1600" dirty="0" smtClean="0">
+              <a:rPr lang="fr-FR" sz="1600" dirty="0">
                 <a:latin typeface="Courier New" panose="02070309020205020404" pitchFamily="49" charset="0"/>
                 <a:cs typeface="Courier New" panose="02070309020205020404" pitchFamily="49" charset="0"/>
               </a:rPr>
               <a:t>        </a:t>
             </a:r>
             <a:r>
-              <a:rPr lang="fr-FR" sz="1600" dirty="0" err="1" smtClean="0">
+              <a:rPr lang="fr-FR" sz="1600" dirty="0" err="1">
                 <a:latin typeface="Courier New" panose="02070309020205020404" pitchFamily="49" charset="0"/>
                 <a:cs typeface="Courier New" panose="02070309020205020404" pitchFamily="49" charset="0"/>
               </a:rPr>
               <a:t>self.inputs</a:t>
             </a:r>
             <a:r>
-              <a:rPr lang="fr-FR" sz="1600" dirty="0" smtClean="0">
-                <a:latin typeface="Courier New" panose="02070309020205020404" pitchFamily="49" charset="0"/>
-                <a:cs typeface="Courier New" panose="02070309020205020404" pitchFamily="49" charset="0"/>
-              </a:rPr>
-              <a:t> </a:t>
-            </a:r>
-            <a:r>
               <a:rPr lang="fr-FR" sz="1600" dirty="0">
                 <a:latin typeface="Courier New" panose="02070309020205020404" pitchFamily="49" charset="0"/>
                 <a:cs typeface="Courier New" panose="02070309020205020404" pitchFamily="49" charset="0"/>
               </a:rPr>
-              <a:t>= [0 for _ in </a:t>
+              <a:t> = [0 for _ in </a:t>
             </a:r>
             <a:r>
               <a:rPr lang="fr-FR" sz="1600" dirty="0" err="1">
@@ -7670,13 +7789,6 @@
   <p:clrMapOvr>
     <a:masterClrMapping/>
   </p:clrMapOvr>
-  <p:timing>
-    <p:tnLst>
-      <p:par>
-        <p:cTn id="1" dur="indefinite" restart="never" nodeType="tmRoot"/>
-      </p:par>
-    </p:tnLst>
-  </p:timing>
 </p:sld>
 </file>
 
@@ -7713,10 +7825,9 @@
           <a:lstStyle/>
           <a:p>
             <a:r>
-              <a:rPr lang="fr-FR" dirty="0" smtClean="0"/>
+              <a:rPr lang="fr-FR" dirty="0"/>
               <a:t>Exemple de perceptron simple</a:t>
             </a:r>
-            <a:endParaRPr lang="fr-FR" dirty="0"/>
           </a:p>
         </p:txBody>
       </p:sp>
@@ -7738,19 +7849,12 @@
             <a:pPr marL="0" indent="0">
               <a:buNone/>
             </a:pPr>
-            <a:r>
-              <a:rPr lang="fr-FR" sz="1600" dirty="0" smtClean="0">
-                <a:latin typeface="Courier New" panose="02070309020205020404" pitchFamily="49" charset="0"/>
-                <a:cs typeface="Courier New" panose="02070309020205020404" pitchFamily="49" charset="0"/>
-              </a:rPr>
-              <a:t>    </a:t>
-            </a:r>
             <a:r>
               <a:rPr lang="fr-FR" sz="1600" dirty="0">
                 <a:latin typeface="Courier New" panose="02070309020205020404" pitchFamily="49" charset="0"/>
                 <a:cs typeface="Courier New" panose="02070309020205020404" pitchFamily="49" charset="0"/>
               </a:rPr>
-              <a:t> </a:t>
+              <a:t>     </a:t>
             </a:r>
             <a:r>
               <a:rPr lang="fr-FR" sz="1600" dirty="0" err="1">
@@ -7849,32 +7953,25 @@
               <a:buNone/>
             </a:pPr>
             <a:r>
-              <a:rPr lang="fr-FR" sz="1600" dirty="0" smtClean="0">
+              <a:rPr lang="fr-FR" sz="1600" dirty="0">
                 <a:latin typeface="Courier New" panose="02070309020205020404" pitchFamily="49" charset="0"/>
                 <a:cs typeface="Courier New" panose="02070309020205020404" pitchFamily="49" charset="0"/>
               </a:rPr>
               <a:t>        </a:t>
             </a:r>
             <a:r>
-              <a:rPr lang="fr-FR" sz="1600" dirty="0" err="1" smtClean="0">
+              <a:rPr lang="fr-FR" sz="1600" dirty="0" err="1">
                 <a:latin typeface="Courier New" panose="02070309020205020404" pitchFamily="49" charset="0"/>
                 <a:cs typeface="Courier New" panose="02070309020205020404" pitchFamily="49" charset="0"/>
               </a:rPr>
               <a:t>self.output</a:t>
             </a:r>
             <a:r>
-              <a:rPr lang="fr-FR" sz="1600" dirty="0" smtClean="0">
-                <a:latin typeface="Courier New" panose="02070309020205020404" pitchFamily="49" charset="0"/>
-                <a:cs typeface="Courier New" panose="02070309020205020404" pitchFamily="49" charset="0"/>
-              </a:rPr>
-              <a:t> </a:t>
-            </a:r>
-            <a:r>
               <a:rPr lang="fr-FR" sz="1600" dirty="0">
                 <a:latin typeface="Courier New" panose="02070309020205020404" pitchFamily="49" charset="0"/>
                 <a:cs typeface="Courier New" panose="02070309020205020404" pitchFamily="49" charset="0"/>
               </a:rPr>
-              <a:t>= 1 if </a:t>
+              <a:t> = 1 if </a:t>
             </a:r>
             <a:r>
               <a:rPr lang="fr-FR" sz="1600" dirty="0" err="1">
@@ -8066,13 +8163,6 @@
   <p:clrMapOvr>
     <a:masterClrMapping/>
   </p:clrMapOvr>
-  <p:timing>
-    <p:tnLst>
-      <p:par>
-        <p:cTn id="1" dur="indefinite" restart="never" nodeType="tmRoot"/>
-      </p:par>
-    </p:tnLst>
-  </p:timing>
 </p:sld>
 </file>
 
@@ -8109,10 +8199,9 @@
           <a:lstStyle/>
           <a:p>
             <a:r>
-              <a:rPr lang="fr-FR" dirty="0" smtClean="0"/>
+              <a:rPr lang="fr-FR" dirty="0"/>
               <a:t>L'importance des poids</a:t>
             </a:r>
-            <a:endParaRPr lang="fr-FR" dirty="0"/>
           </a:p>
         </p:txBody>
       </p:sp>
@@ -8169,13 +8258,6 @@
   <p:clrMapOvr>
     <a:masterClrMapping/>
   </p:clrMapOvr>
-  <p:timing>
-    <p:tnLst>
-      <p:par>
-        <p:cTn id="1" dur="indefinite" restart="never" nodeType="tmRoot"/>
-      </p:par>
-    </p:tnLst>
-  </p:timing>
 </p:sld>
 </file>
 

--- a/PPT/MachineLearning18-NeuralNetwork.pptx
+++ b/PPT/MachineLearning18-NeuralNetwork.pptx
@@ -5,10 +5,10 @@
     <p:sldMasterId id="2147483653" r:id="rId1"/>
   </p:sldMasterIdLst>
   <p:notesMasterIdLst>
-    <p:notesMasterId r:id="rId34"/>
+    <p:notesMasterId r:id="rId33"/>
   </p:notesMasterIdLst>
   <p:handoutMasterIdLst>
-    <p:handoutMasterId r:id="rId35"/>
+    <p:handoutMasterId r:id="rId34"/>
   </p:handoutMasterIdLst>
   <p:sldIdLst>
     <p:sldId id="264" r:id="rId2"/>
@@ -42,7 +42,6 @@
     <p:sldId id="305" r:id="rId30"/>
     <p:sldId id="306" r:id="rId31"/>
     <p:sldId id="287" r:id="rId32"/>
-    <p:sldId id="289" r:id="rId33"/>
   </p:sldIdLst>
   <p:sldSz cx="9144000" cy="6858000" type="screen4x3"/>
   <p:notesSz cx="6648450" cy="9782175"/>
@@ -6119,6 +6118,13 @@
               <a:t>Apporte la qualité générale du modèle</a:t>
             </a:r>
           </a:p>
+          <a:p>
+            <a:pPr lvl="1"/>
+            <a:r>
+              <a:rPr lang="fr-FR" dirty="0"/>
+              <a:t>Sensibilité aux faux positifs</a:t>
+            </a:r>
+          </a:p>
         </p:txBody>
       </p:sp>
     </p:spTree>
@@ -6209,6 +6215,13 @@
               <a:t>Apporte la qualité générale du modèle</a:t>
             </a:r>
           </a:p>
+          <a:p>
+            <a:pPr lvl="1"/>
+            <a:r>
+              <a:rPr lang="fr-FR" dirty="0"/>
+              <a:t>Sensibilité aux faux négatifs</a:t>
+            </a:r>
+          </a:p>
         </p:txBody>
       </p:sp>
     </p:spTree>
@@ -6320,6 +6333,21 @@
               <a:t>recall</a:t>
             </a:r>
             <a:endParaRPr lang="fr-FR" dirty="0"/>
+          </a:p>
+          <a:p>
+            <a:pPr lvl="1"/>
+            <a:r>
+              <a:rPr lang="fr-FR" dirty="0"/>
+              <a:t>Plus utile que l'</a:t>
+            </a:r>
+            <a:r>
+              <a:rPr lang="fr-FR" dirty="0" err="1"/>
+              <a:t>accuracy</a:t>
+            </a:r>
+            <a:r>
+              <a:rPr lang="fr-FR" dirty="0"/>
+              <a:t> pour les catégorisations non balancées</a:t>
+            </a:r>
           </a:p>
         </p:txBody>
       </p:sp>
@@ -6669,129 +6697,6 @@
     <p:extLst>
       <p:ext uri="{BB962C8B-B14F-4D97-AF65-F5344CB8AC3E}">
         <p14:creationId xmlns:p14="http://schemas.microsoft.com/office/powerpoint/2010/main" val="2989045877"/>
-      </p:ext>
-    </p:extLst>
-  </p:cSld>
-  <p:clrMapOvr>
-    <a:masterClrMapping/>
-  </p:clrMapOvr>
-</p:sld>
-</file>
-
-<file path=ppt/slides/slide32.xml><?xml version="1.0" encoding="utf-8"?>
-<p:sld xmlns:a="http://schemas.openxmlformats.org/drawingml/2006/main" xmlns:r="http://schemas.openxmlformats.org/officeDocument/2006/relationships" xmlns:p="http://schemas.openxmlformats.org/presentationml/2006/main">
-  <p:cSld>
-    <p:spTree>
-      <p:nvGrpSpPr>
-        <p:cNvPr id="1" name=""/>
-        <p:cNvGrpSpPr/>
-        <p:nvPr/>
-      </p:nvGrpSpPr>
-      <p:grpSpPr>
-        <a:xfrm>
-          <a:off x="0" y="0"/>
-          <a:ext cx="0" cy="0"/>
-          <a:chOff x="0" y="0"/>
-          <a:chExt cx="0" cy="0"/>
-        </a:xfrm>
-      </p:grpSpPr>
-      <p:sp>
-        <p:nvSpPr>
-          <p:cNvPr id="2" name="Titre 1"/>
-          <p:cNvSpPr>
-            <a:spLocks noGrp="1"/>
-          </p:cNvSpPr>
-          <p:nvPr>
-            <p:ph type="title"/>
-          </p:nvPr>
-        </p:nvSpPr>
-        <p:spPr/>
-        <p:txBody>
-          <a:bodyPr/>
-          <a:lstStyle/>
-          <a:p>
-            <a:r>
-              <a:rPr lang="fr-FR" dirty="0" err="1"/>
-              <a:t>Convulational</a:t>
-            </a:r>
-            <a:r>
-              <a:rPr lang="fr-FR" dirty="0"/>
-              <a:t> Neural Network</a:t>
-            </a:r>
-          </a:p>
-        </p:txBody>
-      </p:sp>
-      <p:sp>
-        <p:nvSpPr>
-          <p:cNvPr id="3" name="Espace réservé du contenu 2"/>
-          <p:cNvSpPr>
-            <a:spLocks noGrp="1"/>
-          </p:cNvSpPr>
-          <p:nvPr>
-            <p:ph idx="1"/>
-          </p:nvPr>
-        </p:nvSpPr>
-        <p:spPr/>
-        <p:txBody>
-          <a:bodyPr/>
-          <a:lstStyle/>
-          <a:p>
-            <a:r>
-              <a:rPr lang="fr-FR" dirty="0"/>
-              <a:t>Les réseaux neuronaux par convolution sont des MLP avec de filtres inter-couches</a:t>
-            </a:r>
-          </a:p>
-          <a:p>
-            <a:pPr lvl="1"/>
-            <a:r>
-              <a:rPr lang="fr-FR" dirty="0" err="1"/>
-              <a:t>Convulational</a:t>
-            </a:r>
-            <a:r>
-              <a:rPr lang="fr-FR" dirty="0"/>
-              <a:t> Neural Network - CNN</a:t>
-            </a:r>
-          </a:p>
-          <a:p>
-            <a:r>
-              <a:rPr lang="fr-FR" dirty="0"/>
-              <a:t>Il peut même y avoir des boucles, le réseau est </a:t>
-            </a:r>
-            <a:r>
-              <a:rPr lang="fr-FR"/>
-              <a:t>donc récurrent </a:t>
-            </a:r>
-            <a:r>
-              <a:rPr lang="fr-FR" dirty="0"/>
-              <a:t>(CRNN)</a:t>
-            </a:r>
-          </a:p>
-          <a:p>
-            <a:pPr lvl="1"/>
-            <a:r>
-              <a:rPr lang="fr-FR" dirty="0"/>
-              <a:t>Théorie mathématique assez difficile</a:t>
-            </a:r>
-          </a:p>
-          <a:p>
-            <a:r>
-              <a:rPr lang="fr-FR" dirty="0"/>
-              <a:t>Réseaux élastiques</a:t>
-            </a:r>
-          </a:p>
-          <a:p>
-            <a:pPr lvl="1"/>
-            <a:r>
-              <a:rPr lang="fr-FR" dirty="0"/>
-              <a:t>Les neurones peuvent se lier (et se délier) dynamiquement et en nombre</a:t>
-            </a:r>
-          </a:p>
-        </p:txBody>
-      </p:sp>
-    </p:spTree>
-    <p:extLst>
-      <p:ext uri="{BB962C8B-B14F-4D97-AF65-F5344CB8AC3E}">
-        <p14:creationId xmlns:p14="http://schemas.microsoft.com/office/powerpoint/2010/main" val="460319037"/>
       </p:ext>
     </p:extLst>
   </p:cSld>

--- a/PPT/MachineLearning18-NeuralNetwork.pptx
+++ b/PPT/MachineLearning18-NeuralNetwork.pptx
@@ -3795,6 +3795,13 @@
   <p:clrMapOvr>
     <a:masterClrMapping/>
   </p:clrMapOvr>
+  <p:timing>
+    <p:tnLst>
+      <p:par>
+        <p:cTn id="1" dur="indefinite" restart="never" nodeType="tmRoot"/>
+      </p:par>
+    </p:tnLst>
+  </p:timing>
 </p:sld>
 </file>
 
@@ -3890,6 +3897,13 @@
   <p:clrMapOvr>
     <a:masterClrMapping/>
   </p:clrMapOvr>
+  <p:timing>
+    <p:tnLst>
+      <p:par>
+        <p:cTn id="1" dur="indefinite" restart="never" nodeType="tmRoot"/>
+      </p:par>
+    </p:tnLst>
+  </p:timing>
 </p:sld>
 </file>
 
@@ -3985,6 +3999,13 @@
   <p:clrMapOvr>
     <a:masterClrMapping/>
   </p:clrMapOvr>
+  <p:timing>
+    <p:tnLst>
+      <p:par>
+        <p:cTn id="1" dur="indefinite" restart="never" nodeType="tmRoot"/>
+      </p:par>
+    </p:tnLst>
+  </p:timing>
 </p:sld>
 </file>
 
@@ -4085,6 +4106,13 @@
   <p:clrMapOvr>
     <a:masterClrMapping/>
   </p:clrMapOvr>
+  <p:timing>
+    <p:tnLst>
+      <p:par>
+        <p:cTn id="1" dur="indefinite" restart="never" nodeType="tmRoot"/>
+      </p:par>
+    </p:tnLst>
+  </p:timing>
 </p:sld>
 </file>
 
@@ -4181,6 +4209,13 @@
   <p:clrMapOvr>
     <a:masterClrMapping/>
   </p:clrMapOvr>
+  <p:timing>
+    <p:tnLst>
+      <p:par>
+        <p:cTn id="1" dur="indefinite" restart="never" nodeType="tmRoot"/>
+      </p:par>
+    </p:tnLst>
+  </p:timing>
 </p:sld>
 </file>
 
@@ -4362,6 +4397,13 @@
   <p:clrMapOvr>
     <a:masterClrMapping/>
   </p:clrMapOvr>
+  <p:timing>
+    <p:tnLst>
+      <p:par>
+        <p:cTn id="1" dur="indefinite" restart="never" nodeType="tmRoot"/>
+      </p:par>
+    </p:tnLst>
+  </p:timing>
 </p:sld>
 </file>
 
@@ -4457,6 +4499,13 @@
   <p:clrMapOvr>
     <a:masterClrMapping/>
   </p:clrMapOvr>
+  <p:timing>
+    <p:tnLst>
+      <p:par>
+        <p:cTn id="1" dur="indefinite" restart="never" nodeType="tmRoot"/>
+      </p:par>
+    </p:tnLst>
+  </p:timing>
 </p:sld>
 </file>
 
@@ -4563,6 +4612,13 @@
   <p:clrMapOvr>
     <a:masterClrMapping/>
   </p:clrMapOvr>
+  <p:timing>
+    <p:tnLst>
+      <p:par>
+        <p:cTn id="1" dur="indefinite" restart="never" nodeType="tmRoot"/>
+      </p:par>
+    </p:tnLst>
+  </p:timing>
 </p:sld>
 </file>
 
@@ -4744,6 +4800,13 @@
   <p:clrMapOvr>
     <a:masterClrMapping/>
   </p:clrMapOvr>
+  <p:timing>
+    <p:tnLst>
+      <p:par>
+        <p:cTn id="1" dur="indefinite" restart="never" nodeType="tmRoot"/>
+      </p:par>
+    </p:tnLst>
+  </p:timing>
 </p:sld>
 </file>
 
@@ -4845,6 +4908,13 @@
   <p:clrMapOvr>
     <a:masterClrMapping/>
   </p:clrMapOvr>
+  <p:timing>
+    <p:tnLst>
+      <p:par>
+        <p:cTn id="1" dur="indefinite" restart="never" nodeType="tmRoot"/>
+      </p:par>
+    </p:tnLst>
+  </p:timing>
 </p:sld>
 </file>
 
@@ -5005,6 +5075,13 @@
   <p:clrMapOvr>
     <a:masterClrMapping/>
   </p:clrMapOvr>
+  <p:timing>
+    <p:tnLst>
+      <p:par>
+        <p:cTn id="1" dur="indefinite" restart="never" nodeType="tmRoot"/>
+      </p:par>
+    </p:tnLst>
+  </p:timing>
 </p:sld>
 </file>
 
@@ -5088,6 +5165,13 @@
   <p:clrMapOvr>
     <a:masterClrMapping/>
   </p:clrMapOvr>
+  <p:timing>
+    <p:tnLst>
+      <p:par>
+        <p:cTn id="1" dur="indefinite" restart="never" nodeType="tmRoot"/>
+      </p:par>
+    </p:tnLst>
+  </p:timing>
 </p:sld>
 </file>
 
@@ -5303,6 +5387,13 @@
   <p:clrMapOvr>
     <a:masterClrMapping/>
   </p:clrMapOvr>
+  <p:timing>
+    <p:tnLst>
+      <p:par>
+        <p:cTn id="1" dur="indefinite" restart="never" nodeType="tmRoot"/>
+      </p:par>
+    </p:tnLst>
+  </p:timing>
 </p:sld>
 </file>
 
@@ -5502,6 +5593,13 @@
   <p:clrMapOvr>
     <a:masterClrMapping/>
   </p:clrMapOvr>
+  <p:timing>
+    <p:tnLst>
+      <p:par>
+        <p:cTn id="1" dur="indefinite" restart="never" nodeType="tmRoot"/>
+      </p:par>
+    </p:tnLst>
+  </p:timing>
 </p:sld>
 </file>
 
@@ -5621,6 +5719,13 @@
   <p:clrMapOvr>
     <a:masterClrMapping/>
   </p:clrMapOvr>
+  <p:timing>
+    <p:tnLst>
+      <p:par>
+        <p:cTn id="1" dur="indefinite" restart="never" nodeType="tmRoot"/>
+      </p:par>
+    </p:tnLst>
+  </p:timing>
 </p:sld>
 </file>
 
@@ -5698,6 +5803,13 @@
   <p:clrMapOvr>
     <a:masterClrMapping/>
   </p:clrMapOvr>
+  <p:timing>
+    <p:tnLst>
+      <p:par>
+        <p:cTn id="1" dur="indefinite" restart="never" nodeType="tmRoot"/>
+      </p:par>
+    </p:tnLst>
+  </p:timing>
 </p:sld>
 </file>
 
@@ -5757,13 +5869,8 @@
           <a:p>
             <a:r>
               <a:rPr lang="fr-FR" sz="2400" dirty="0"/>
-              <a:t>Permet de normaliser </a:t>
-            </a:r>
-            <a:r>
-              <a:rPr lang="fr-FR" sz="2400"/>
-              <a:t>les données</a:t>
-            </a:r>
-            <a:endParaRPr lang="fr-FR" sz="2400" dirty="0"/>
+              <a:t>Permet de normaliser les données</a:t>
+            </a:r>
           </a:p>
           <a:p>
             <a:r>
@@ -5823,8 +5930,8 @@
           </a:p>
           <a:p>
             <a:r>
-              <a:rPr lang="fr-FR" sz="2400" dirty="0" err="1"/>
-              <a:t>RobusteScaler</a:t>
+              <a:rPr lang="fr-FR" sz="2400" dirty="0" err="1" smtClean="0"/>
+              <a:t>RobustScaler</a:t>
             </a:r>
             <a:endParaRPr lang="fr-FR" sz="2400" dirty="0"/>
           </a:p>
@@ -5855,6 +5962,13 @@
   <p:clrMapOvr>
     <a:masterClrMapping/>
   </p:clrMapOvr>
+  <p:timing>
+    <p:tnLst>
+      <p:par>
+        <p:cTn id="1" dur="indefinite" restart="never" nodeType="tmRoot"/>
+      </p:par>
+    </p:tnLst>
+  </p:timing>
 </p:sld>
 </file>
 
@@ -5951,6 +6065,13 @@
   <p:clrMapOvr>
     <a:masterClrMapping/>
   </p:clrMapOvr>
+  <p:timing>
+    <p:tnLst>
+      <p:par>
+        <p:cTn id="1" dur="indefinite" restart="never" nodeType="tmRoot"/>
+      </p:par>
+    </p:tnLst>
+  </p:timing>
 </p:sld>
 </file>
 
@@ -6486,6 +6607,13 @@
   <p:clrMapOvr>
     <a:masterClrMapping/>
   </p:clrMapOvr>
+  <p:timing>
+    <p:tnLst>
+      <p:par>
+        <p:cTn id="1" dur="indefinite" restart="never" nodeType="tmRoot"/>
+      </p:par>
+    </p:tnLst>
+  </p:timing>
 </p:sld>
 </file>
 
@@ -6835,6 +6963,13 @@
   <p:clrMapOvr>
     <a:masterClrMapping/>
   </p:clrMapOvr>
+  <p:timing>
+    <p:tnLst>
+      <p:par>
+        <p:cTn id="1" dur="indefinite" restart="never" nodeType="tmRoot"/>
+      </p:par>
+    </p:tnLst>
+  </p:timing>
 </p:sld>
 </file>
 
@@ -6988,6 +7123,13 @@
   <p:clrMapOvr>
     <a:masterClrMapping/>
   </p:clrMapOvr>
+  <p:timing>
+    <p:tnLst>
+      <p:par>
+        <p:cTn id="1" dur="indefinite" restart="never" nodeType="tmRoot"/>
+      </p:par>
+    </p:tnLst>
+  </p:timing>
 </p:sld>
 </file>
 
@@ -7177,6 +7319,13 @@
   <p:clrMapOvr>
     <a:masterClrMapping/>
   </p:clrMapOvr>
+  <p:timing>
+    <p:tnLst>
+      <p:par>
+        <p:cTn id="1" dur="indefinite" restart="never" nodeType="tmRoot"/>
+      </p:par>
+    </p:tnLst>
+  </p:timing>
 </p:sld>
 </file>
 
@@ -7694,6 +7843,13 @@
   <p:clrMapOvr>
     <a:masterClrMapping/>
   </p:clrMapOvr>
+  <p:timing>
+    <p:tnLst>
+      <p:par>
+        <p:cTn id="1" dur="indefinite" restart="never" nodeType="tmRoot"/>
+      </p:par>
+    </p:tnLst>
+  </p:timing>
 </p:sld>
 </file>
 
@@ -8068,6 +8224,13 @@
   <p:clrMapOvr>
     <a:masterClrMapping/>
   </p:clrMapOvr>
+  <p:timing>
+    <p:tnLst>
+      <p:par>
+        <p:cTn id="1" dur="indefinite" restart="never" nodeType="tmRoot"/>
+      </p:par>
+    </p:tnLst>
+  </p:timing>
 </p:sld>
 </file>
 
@@ -8163,6 +8326,13 @@
   <p:clrMapOvr>
     <a:masterClrMapping/>
   </p:clrMapOvr>
+  <p:timing>
+    <p:tnLst>
+      <p:par>
+        <p:cTn id="1" dur="indefinite" restart="never" nodeType="tmRoot"/>
+      </p:par>
+    </p:tnLst>
+  </p:timing>
 </p:sld>
 </file>
 

--- a/PPT/MachineLearning18-NeuralNetwork.pptx
+++ b/PPT/MachineLearning18-NeuralNetwork.pptx
@@ -3795,13 +3795,6 @@
   <p:clrMapOvr>
     <a:masterClrMapping/>
   </p:clrMapOvr>
-  <p:timing>
-    <p:tnLst>
-      <p:par>
-        <p:cTn id="1" dur="indefinite" restart="never" nodeType="tmRoot"/>
-      </p:par>
-    </p:tnLst>
-  </p:timing>
 </p:sld>
 </file>
 
@@ -3897,13 +3890,6 @@
   <p:clrMapOvr>
     <a:masterClrMapping/>
   </p:clrMapOvr>
-  <p:timing>
-    <p:tnLst>
-      <p:par>
-        <p:cTn id="1" dur="indefinite" restart="never" nodeType="tmRoot"/>
-      </p:par>
-    </p:tnLst>
-  </p:timing>
 </p:sld>
 </file>
 
@@ -3999,13 +3985,6 @@
   <p:clrMapOvr>
     <a:masterClrMapping/>
   </p:clrMapOvr>
-  <p:timing>
-    <p:tnLst>
-      <p:par>
-        <p:cTn id="1" dur="indefinite" restart="never" nodeType="tmRoot"/>
-      </p:par>
-    </p:tnLst>
-  </p:timing>
 </p:sld>
 </file>
 
@@ -4106,13 +4085,6 @@
   <p:clrMapOvr>
     <a:masterClrMapping/>
   </p:clrMapOvr>
-  <p:timing>
-    <p:tnLst>
-      <p:par>
-        <p:cTn id="1" dur="indefinite" restart="never" nodeType="tmRoot"/>
-      </p:par>
-    </p:tnLst>
-  </p:timing>
 </p:sld>
 </file>
 
@@ -4209,13 +4181,6 @@
   <p:clrMapOvr>
     <a:masterClrMapping/>
   </p:clrMapOvr>
-  <p:timing>
-    <p:tnLst>
-      <p:par>
-        <p:cTn id="1" dur="indefinite" restart="never" nodeType="tmRoot"/>
-      </p:par>
-    </p:tnLst>
-  </p:timing>
 </p:sld>
 </file>
 
@@ -4397,13 +4362,6 @@
   <p:clrMapOvr>
     <a:masterClrMapping/>
   </p:clrMapOvr>
-  <p:timing>
-    <p:tnLst>
-      <p:par>
-        <p:cTn id="1" dur="indefinite" restart="never" nodeType="tmRoot"/>
-      </p:par>
-    </p:tnLst>
-  </p:timing>
 </p:sld>
 </file>
 
@@ -4499,13 +4457,6 @@
   <p:clrMapOvr>
     <a:masterClrMapping/>
   </p:clrMapOvr>
-  <p:timing>
-    <p:tnLst>
-      <p:par>
-        <p:cTn id="1" dur="indefinite" restart="never" nodeType="tmRoot"/>
-      </p:par>
-    </p:tnLst>
-  </p:timing>
 </p:sld>
 </file>
 
@@ -4612,13 +4563,6 @@
   <p:clrMapOvr>
     <a:masterClrMapping/>
   </p:clrMapOvr>
-  <p:timing>
-    <p:tnLst>
-      <p:par>
-        <p:cTn id="1" dur="indefinite" restart="never" nodeType="tmRoot"/>
-      </p:par>
-    </p:tnLst>
-  </p:timing>
 </p:sld>
 </file>
 
@@ -4800,13 +4744,6 @@
   <p:clrMapOvr>
     <a:masterClrMapping/>
   </p:clrMapOvr>
-  <p:timing>
-    <p:tnLst>
-      <p:par>
-        <p:cTn id="1" dur="indefinite" restart="never" nodeType="tmRoot"/>
-      </p:par>
-    </p:tnLst>
-  </p:timing>
 </p:sld>
 </file>
 
@@ -4908,13 +4845,6 @@
   <p:clrMapOvr>
     <a:masterClrMapping/>
   </p:clrMapOvr>
-  <p:timing>
-    <p:tnLst>
-      <p:par>
-        <p:cTn id="1" dur="indefinite" restart="never" nodeType="tmRoot"/>
-      </p:par>
-    </p:tnLst>
-  </p:timing>
 </p:sld>
 </file>
 
@@ -5075,13 +5005,6 @@
   <p:clrMapOvr>
     <a:masterClrMapping/>
   </p:clrMapOvr>
-  <p:timing>
-    <p:tnLst>
-      <p:par>
-        <p:cTn id="1" dur="indefinite" restart="never" nodeType="tmRoot"/>
-      </p:par>
-    </p:tnLst>
-  </p:timing>
 </p:sld>
 </file>
 
@@ -5165,13 +5088,6 @@
   <p:clrMapOvr>
     <a:masterClrMapping/>
   </p:clrMapOvr>
-  <p:timing>
-    <p:tnLst>
-      <p:par>
-        <p:cTn id="1" dur="indefinite" restart="never" nodeType="tmRoot"/>
-      </p:par>
-    </p:tnLst>
-  </p:timing>
 </p:sld>
 </file>
 
@@ -5387,13 +5303,6 @@
   <p:clrMapOvr>
     <a:masterClrMapping/>
   </p:clrMapOvr>
-  <p:timing>
-    <p:tnLst>
-      <p:par>
-        <p:cTn id="1" dur="indefinite" restart="never" nodeType="tmRoot"/>
-      </p:par>
-    </p:tnLst>
-  </p:timing>
 </p:sld>
 </file>
 
@@ -5593,13 +5502,6 @@
   <p:clrMapOvr>
     <a:masterClrMapping/>
   </p:clrMapOvr>
-  <p:timing>
-    <p:tnLst>
-      <p:par>
-        <p:cTn id="1" dur="indefinite" restart="never" nodeType="tmRoot"/>
-      </p:par>
-    </p:tnLst>
-  </p:timing>
 </p:sld>
 </file>
 
@@ -5719,13 +5621,6 @@
   <p:clrMapOvr>
     <a:masterClrMapping/>
   </p:clrMapOvr>
-  <p:timing>
-    <p:tnLst>
-      <p:par>
-        <p:cTn id="1" dur="indefinite" restart="never" nodeType="tmRoot"/>
-      </p:par>
-    </p:tnLst>
-  </p:timing>
 </p:sld>
 </file>
 
@@ -5803,13 +5698,6 @@
   <p:clrMapOvr>
     <a:masterClrMapping/>
   </p:clrMapOvr>
-  <p:timing>
-    <p:tnLst>
-      <p:par>
-        <p:cTn id="1" dur="indefinite" restart="never" nodeType="tmRoot"/>
-      </p:par>
-    </p:tnLst>
-  </p:timing>
 </p:sld>
 </file>
 
@@ -5930,7 +5818,7 @@
           </a:p>
           <a:p>
             <a:r>
-              <a:rPr lang="fr-FR" sz="2400" dirty="0" err="1" smtClean="0"/>
+              <a:rPr lang="fr-FR" sz="2400" dirty="0" err="1"/>
               <a:t>RobustScaler</a:t>
             </a:r>
             <a:endParaRPr lang="fr-FR" sz="2400" dirty="0"/>
@@ -5962,13 +5850,6 @@
   <p:clrMapOvr>
     <a:masterClrMapping/>
   </p:clrMapOvr>
-  <p:timing>
-    <p:tnLst>
-      <p:par>
-        <p:cTn id="1" dur="indefinite" restart="never" nodeType="tmRoot"/>
-      </p:par>
-    </p:tnLst>
-  </p:timing>
 </p:sld>
 </file>
 
@@ -6065,13 +5946,6 @@
   <p:clrMapOvr>
     <a:masterClrMapping/>
   </p:clrMapOvr>
-  <p:timing>
-    <p:tnLst>
-      <p:par>
-        <p:cTn id="1" dur="indefinite" restart="never" nodeType="tmRoot"/>
-      </p:par>
-    </p:tnLst>
-  </p:timing>
 </p:sld>
 </file>
 
@@ -6541,14 +6415,14 @@
           <a:p>
             <a:r>
               <a:rPr lang="fr-FR" dirty="0"/>
-              <a:t>En biologie un neurone est une cellule connecté à d’autre neurones qui a la faculté de laisser passer ou non un courant électrique</a:t>
+              <a:t>En biologie un neurone est une cellule connectée à d’autre neurones qui a la faculté de laisser passer ou non un courant électrique</a:t>
             </a:r>
           </a:p>
           <a:p>
             <a:pPr lvl="1"/>
             <a:r>
               <a:rPr lang="fr-FR" dirty="0"/>
-              <a:t>Sa modélisation mathématique est appelé perceptron</a:t>
+              <a:t>Sa modélisation mathématique est appelée perceptron</a:t>
             </a:r>
           </a:p>
           <a:p>
@@ -6607,13 +6481,6 @@
   <p:clrMapOvr>
     <a:masterClrMapping/>
   </p:clrMapOvr>
-  <p:timing>
-    <p:tnLst>
-      <p:par>
-        <p:cTn id="1" dur="indefinite" restart="never" nodeType="tmRoot"/>
-      </p:par>
-    </p:tnLst>
-  </p:timing>
 </p:sld>
 </file>
 
@@ -6963,13 +6830,6 @@
   <p:clrMapOvr>
     <a:masterClrMapping/>
   </p:clrMapOvr>
-  <p:timing>
-    <p:tnLst>
-      <p:par>
-        <p:cTn id="1" dur="indefinite" restart="never" nodeType="tmRoot"/>
-      </p:par>
-    </p:tnLst>
-  </p:timing>
 </p:sld>
 </file>
 
@@ -7049,7 +6909,15 @@
           <a:p>
             <a:r>
               <a:rPr lang="fr-FR" dirty="0"/>
-              <a:t>Si f(signal) &gt; seuil (ou biais) alors le signal passe dans le sortie</a:t>
+              <a:t>Si f(signal) &gt; seuil (ou biais) alors le signal passe </a:t>
+            </a:r>
+            <a:r>
+              <a:rPr lang="fr-FR"/>
+              <a:t>dans la </a:t>
+            </a:r>
+            <a:r>
+              <a:rPr lang="fr-FR" dirty="0"/>
+              <a:t>sortie</a:t>
             </a:r>
           </a:p>
           <a:p>
@@ -7123,13 +6991,6 @@
   <p:clrMapOvr>
     <a:masterClrMapping/>
   </p:clrMapOvr>
-  <p:timing>
-    <p:tnLst>
-      <p:par>
-        <p:cTn id="1" dur="indefinite" restart="never" nodeType="tmRoot"/>
-      </p:par>
-    </p:tnLst>
-  </p:timing>
 </p:sld>
 </file>
 
@@ -7319,13 +7180,6 @@
   <p:clrMapOvr>
     <a:masterClrMapping/>
   </p:clrMapOvr>
-  <p:timing>
-    <p:tnLst>
-      <p:par>
-        <p:cTn id="1" dur="indefinite" restart="never" nodeType="tmRoot"/>
-      </p:par>
-    </p:tnLst>
-  </p:timing>
 </p:sld>
 </file>
 
@@ -7843,13 +7697,6 @@
   <p:clrMapOvr>
     <a:masterClrMapping/>
   </p:clrMapOvr>
-  <p:timing>
-    <p:tnLst>
-      <p:par>
-        <p:cTn id="1" dur="indefinite" restart="never" nodeType="tmRoot"/>
-      </p:par>
-    </p:tnLst>
-  </p:timing>
 </p:sld>
 </file>
 
@@ -8224,13 +8071,6 @@
   <p:clrMapOvr>
     <a:masterClrMapping/>
   </p:clrMapOvr>
-  <p:timing>
-    <p:tnLst>
-      <p:par>
-        <p:cTn id="1" dur="indefinite" restart="never" nodeType="tmRoot"/>
-      </p:par>
-    </p:tnLst>
-  </p:timing>
 </p:sld>
 </file>
 
@@ -8326,13 +8166,6 @@
   <p:clrMapOvr>
     <a:masterClrMapping/>
   </p:clrMapOvr>
-  <p:timing>
-    <p:tnLst>
-      <p:par>
-        <p:cTn id="1" dur="indefinite" restart="never" nodeType="tmRoot"/>
-      </p:par>
-    </p:tnLst>
-  </p:timing>
 </p:sld>
 </file>
 

--- a/PPT/MachineLearning18-NeuralNetwork.pptx
+++ b/PPT/MachineLearning18-NeuralNetwork.pptx
@@ -5,10 +5,10 @@
     <p:sldMasterId id="2147483653" r:id="rId1"/>
   </p:sldMasterIdLst>
   <p:notesMasterIdLst>
-    <p:notesMasterId r:id="rId33"/>
+    <p:notesMasterId r:id="rId34"/>
   </p:notesMasterIdLst>
   <p:handoutMasterIdLst>
-    <p:handoutMasterId r:id="rId34"/>
+    <p:handoutMasterId r:id="rId35"/>
   </p:handoutMasterIdLst>
   <p:sldIdLst>
     <p:sldId id="264" r:id="rId2"/>
@@ -21,27 +21,28 @@
     <p:sldId id="272" r:id="rId9"/>
     <p:sldId id="294" r:id="rId10"/>
     <p:sldId id="295" r:id="rId11"/>
-    <p:sldId id="296" r:id="rId12"/>
-    <p:sldId id="292" r:id="rId13"/>
-    <p:sldId id="297" r:id="rId14"/>
-    <p:sldId id="301" r:id="rId15"/>
-    <p:sldId id="298" r:id="rId16"/>
-    <p:sldId id="273" r:id="rId17"/>
-    <p:sldId id="274" r:id="rId18"/>
-    <p:sldId id="291" r:id="rId19"/>
-    <p:sldId id="279" r:id="rId20"/>
-    <p:sldId id="283" r:id="rId21"/>
-    <p:sldId id="285" r:id="rId22"/>
-    <p:sldId id="286" r:id="rId23"/>
-    <p:sldId id="284" r:id="rId24"/>
-    <p:sldId id="299" r:id="rId25"/>
-    <p:sldId id="288" r:id="rId26"/>
-    <p:sldId id="302" r:id="rId27"/>
-    <p:sldId id="303" r:id="rId28"/>
-    <p:sldId id="304" r:id="rId29"/>
-    <p:sldId id="305" r:id="rId30"/>
-    <p:sldId id="306" r:id="rId31"/>
-    <p:sldId id="287" r:id="rId32"/>
+    <p:sldId id="307" r:id="rId12"/>
+    <p:sldId id="296" r:id="rId13"/>
+    <p:sldId id="292" r:id="rId14"/>
+    <p:sldId id="297" r:id="rId15"/>
+    <p:sldId id="301" r:id="rId16"/>
+    <p:sldId id="298" r:id="rId17"/>
+    <p:sldId id="273" r:id="rId18"/>
+    <p:sldId id="274" r:id="rId19"/>
+    <p:sldId id="291" r:id="rId20"/>
+    <p:sldId id="279" r:id="rId21"/>
+    <p:sldId id="283" r:id="rId22"/>
+    <p:sldId id="285" r:id="rId23"/>
+    <p:sldId id="286" r:id="rId24"/>
+    <p:sldId id="284" r:id="rId25"/>
+    <p:sldId id="299" r:id="rId26"/>
+    <p:sldId id="288" r:id="rId27"/>
+    <p:sldId id="302" r:id="rId28"/>
+    <p:sldId id="303" r:id="rId29"/>
+    <p:sldId id="304" r:id="rId30"/>
+    <p:sldId id="305" r:id="rId31"/>
+    <p:sldId id="306" r:id="rId32"/>
+    <p:sldId id="287" r:id="rId33"/>
   </p:sldIdLst>
   <p:sldSz cx="9144000" cy="6858000" type="screen4x3"/>
   <p:notesSz cx="6648450" cy="9782175"/>
@@ -3912,6 +3913,139 @@
       </p:grpSpPr>
       <p:sp>
         <p:nvSpPr>
+          <p:cNvPr id="2" name="Titre 1">
+            <a:extLst>
+              <a:ext uri="{FF2B5EF4-FFF2-40B4-BE49-F238E27FC236}">
+                <a16:creationId xmlns:a16="http://schemas.microsoft.com/office/drawing/2014/main" id="{4AC09F29-8346-47D3-A515-9954CC424289}"/>
+              </a:ext>
+            </a:extLst>
+          </p:cNvPr>
+          <p:cNvSpPr>
+            <a:spLocks noGrp="1"/>
+          </p:cNvSpPr>
+          <p:nvPr>
+            <p:ph type="title"/>
+          </p:nvPr>
+        </p:nvSpPr>
+        <p:spPr/>
+        <p:txBody>
+          <a:bodyPr/>
+          <a:lstStyle/>
+          <a:p>
+            <a:endParaRPr lang="fr-FR"/>
+          </a:p>
+        </p:txBody>
+      </p:sp>
+      <p:sp>
+        <p:nvSpPr>
+          <p:cNvPr id="3" name="Espace réservé du contenu 2">
+            <a:extLst>
+              <a:ext uri="{FF2B5EF4-FFF2-40B4-BE49-F238E27FC236}">
+                <a16:creationId xmlns:a16="http://schemas.microsoft.com/office/drawing/2014/main" id="{33493374-E714-44E6-A49A-E5566328D743}"/>
+              </a:ext>
+            </a:extLst>
+          </p:cNvPr>
+          <p:cNvSpPr>
+            <a:spLocks noGrp="1"/>
+          </p:cNvSpPr>
+          <p:nvPr>
+            <p:ph idx="1"/>
+          </p:nvPr>
+        </p:nvSpPr>
+        <p:spPr/>
+        <p:txBody>
+          <a:bodyPr/>
+          <a:lstStyle/>
+          <a:p>
+            <a:r>
+              <a:rPr lang="fr-FR" dirty="0"/>
+              <a:t>2 millions de neurones</a:t>
+            </a:r>
+          </a:p>
+          <a:p>
+            <a:r>
+              <a:rPr lang="fr-FR" dirty="0"/>
+              <a:t>2 </a:t>
+            </a:r>
+            <a:r>
+              <a:rPr lang="fr-FR" dirty="0" err="1"/>
+              <a:t>layers</a:t>
+            </a:r>
+            <a:r>
+              <a:rPr lang="fr-FR" dirty="0"/>
+              <a:t> de 1 million</a:t>
+            </a:r>
+          </a:p>
+          <a:p>
+            <a:pPr lvl="1"/>
+            <a:r>
+              <a:rPr lang="fr-FR" dirty="0"/>
+              <a:t>10e18</a:t>
+            </a:r>
+          </a:p>
+          <a:p>
+            <a:r>
+              <a:rPr lang="fr-FR" dirty="0"/>
+              <a:t>1000 </a:t>
+            </a:r>
+            <a:r>
+              <a:rPr lang="fr-FR" dirty="0" err="1"/>
+              <a:t>layers</a:t>
+            </a:r>
+            <a:r>
+              <a:rPr lang="fr-FR" dirty="0"/>
+              <a:t> de 2000 neurones</a:t>
+            </a:r>
+          </a:p>
+          <a:p>
+            <a:pPr lvl="1"/>
+            <a:r>
+              <a:rPr lang="fr-FR" dirty="0"/>
+              <a:t>4,10</a:t>
+            </a:r>
+            <a:r>
+              <a:rPr lang="fr-FR" baseline="30000" dirty="0"/>
+              <a:t>e</a:t>
+            </a:r>
+            <a:r>
+              <a:rPr lang="fr-FR" dirty="0"/>
+              <a:t>9</a:t>
+            </a:r>
+          </a:p>
+        </p:txBody>
+      </p:sp>
+    </p:spTree>
+    <p:extLst>
+      <p:ext uri="{BB962C8B-B14F-4D97-AF65-F5344CB8AC3E}">
+        <p14:creationId xmlns:p14="http://schemas.microsoft.com/office/powerpoint/2010/main" val="2111260161"/>
+      </p:ext>
+    </p:extLst>
+  </p:cSld>
+  <p:clrMapOvr>
+    <a:masterClrMapping/>
+  </p:clrMapOvr>
+</p:sld>
+</file>
+
+<file path=ppt/slides/slide12.xml><?xml version="1.0" encoding="utf-8"?>
+<p:sld xmlns:a="http://schemas.openxmlformats.org/drawingml/2006/main" xmlns:r="http://schemas.openxmlformats.org/officeDocument/2006/relationships" xmlns:p="http://schemas.openxmlformats.org/presentationml/2006/main">
+  <p:cSld>
+    <p:spTree>
+      <p:nvGrpSpPr>
+        <p:cNvPr id="1" name=""/>
+        <p:cNvGrpSpPr/>
+        <p:nvPr/>
+      </p:nvGrpSpPr>
+      <p:grpSpPr>
+        <a:xfrm>
+          <a:off x="0" y="0"/>
+          <a:ext cx="0" cy="0"/>
+          <a:chOff x="0" y="0"/>
+          <a:chExt cx="0" cy="0"/>
+        </a:xfrm>
+      </p:grpSpPr>
+      <p:sp>
+        <p:nvSpPr>
           <p:cNvPr id="2" name="Titre 1"/>
           <p:cNvSpPr>
             <a:spLocks noGrp="1"/>
@@ -3988,7 +4122,7 @@
 </p:sld>
 </file>
 
-<file path=ppt/slides/slide12.xml><?xml version="1.0" encoding="utf-8"?>
+<file path=ppt/slides/slide13.xml><?xml version="1.0" encoding="utf-8"?>
 <p:sld xmlns:a="http://schemas.openxmlformats.org/drawingml/2006/main" xmlns:r="http://schemas.openxmlformats.org/officeDocument/2006/relationships" xmlns:p="http://schemas.openxmlformats.org/presentationml/2006/main">
   <p:cSld>
     <p:spTree>
@@ -4088,7 +4222,7 @@
 </p:sld>
 </file>
 
-<file path=ppt/slides/slide13.xml><?xml version="1.0" encoding="utf-8"?>
+<file path=ppt/slides/slide14.xml><?xml version="1.0" encoding="utf-8"?>
 <p:sld xmlns:a="http://schemas.openxmlformats.org/drawingml/2006/main" xmlns:r="http://schemas.openxmlformats.org/officeDocument/2006/relationships" xmlns:p="http://schemas.openxmlformats.org/presentationml/2006/main">
   <p:cSld>
     <p:spTree>
@@ -4184,7 +4318,7 @@
 </p:sld>
 </file>
 
-<file path=ppt/slides/slide14.xml><?xml version="1.0" encoding="utf-8"?>
+<file path=ppt/slides/slide15.xml><?xml version="1.0" encoding="utf-8"?>
 <p:sld xmlns:a="http://schemas.openxmlformats.org/drawingml/2006/main" xmlns:r="http://schemas.openxmlformats.org/officeDocument/2006/relationships" xmlns:p="http://schemas.openxmlformats.org/presentationml/2006/main">
   <p:cSld>
     <p:spTree>
@@ -4365,7 +4499,7 @@
 </p:sld>
 </file>
 
-<file path=ppt/slides/slide15.xml><?xml version="1.0" encoding="utf-8"?>
+<file path=ppt/slides/slide16.xml><?xml version="1.0" encoding="utf-8"?>
 <p:sld xmlns:a="http://schemas.openxmlformats.org/drawingml/2006/main" xmlns:r="http://schemas.openxmlformats.org/officeDocument/2006/relationships" xmlns:p="http://schemas.openxmlformats.org/presentationml/2006/main">
   <p:cSld>
     <p:spTree>
@@ -4460,112 +4594,6 @@
 </p:sld>
 </file>
 
-<file path=ppt/slides/slide16.xml><?xml version="1.0" encoding="utf-8"?>
-<p:sld xmlns:a="http://schemas.openxmlformats.org/drawingml/2006/main" xmlns:r="http://schemas.openxmlformats.org/officeDocument/2006/relationships" xmlns:p="http://schemas.openxmlformats.org/presentationml/2006/main">
-  <p:cSld>
-    <p:spTree>
-      <p:nvGrpSpPr>
-        <p:cNvPr id="1" name=""/>
-        <p:cNvGrpSpPr/>
-        <p:nvPr/>
-      </p:nvGrpSpPr>
-      <p:grpSpPr>
-        <a:xfrm>
-          <a:off x="0" y="0"/>
-          <a:ext cx="0" cy="0"/>
-          <a:chOff x="0" y="0"/>
-          <a:chExt cx="0" cy="0"/>
-        </a:xfrm>
-      </p:grpSpPr>
-      <p:sp>
-        <p:nvSpPr>
-          <p:cNvPr id="2" name="Titre 1"/>
-          <p:cNvSpPr>
-            <a:spLocks noGrp="1"/>
-          </p:cNvSpPr>
-          <p:nvPr>
-            <p:ph type="title"/>
-          </p:nvPr>
-        </p:nvSpPr>
-        <p:spPr/>
-        <p:txBody>
-          <a:bodyPr/>
-          <a:lstStyle/>
-          <a:p>
-            <a:r>
-              <a:rPr lang="fr-FR" dirty="0"/>
-              <a:t>Résultat</a:t>
-            </a:r>
-          </a:p>
-        </p:txBody>
-      </p:sp>
-      <p:sp>
-        <p:nvSpPr>
-          <p:cNvPr id="3" name="Espace réservé du contenu 2"/>
-          <p:cNvSpPr>
-            <a:spLocks noGrp="1"/>
-          </p:cNvSpPr>
-          <p:nvPr>
-            <p:ph idx="1"/>
-          </p:nvPr>
-        </p:nvSpPr>
-        <p:spPr/>
-        <p:txBody>
-          <a:bodyPr/>
-          <a:lstStyle/>
-          <a:p>
-            <a:r>
-              <a:rPr lang="fr-FR" dirty="0"/>
-              <a:t>Calcul d’un NAND</a:t>
-            </a:r>
-          </a:p>
-          <a:p>
-            <a:pPr lvl="1"/>
-            <a:r>
-              <a:rPr lang="fr-FR" dirty="0"/>
-              <a:t>Inputs : </a:t>
-            </a:r>
-            <a:r>
-              <a:rPr lang="da-DK" dirty="0"/>
-              <a:t>[False, False],[False,True],[True, False],[True,True]</a:t>
-            </a:r>
-          </a:p>
-          <a:p>
-            <a:pPr lvl="1"/>
-            <a:r>
-              <a:rPr lang="da-DK" dirty="0"/>
-              <a:t>Output : False, Flase, False, True</a:t>
-            </a:r>
-          </a:p>
-          <a:p>
-            <a:pPr lvl="1"/>
-            <a:r>
-              <a:rPr lang="da-DK" dirty="0"/>
-              <a:t>1000 itérations</a:t>
-            </a:r>
-          </a:p>
-          <a:p>
-            <a:pPr lvl="1"/>
-            <a:r>
-              <a:rPr lang="da-DK" dirty="0"/>
-              <a:t>Résultat obtenu avec seuil de 0.4777 et des poids de 0.5</a:t>
-            </a:r>
-          </a:p>
-        </p:txBody>
-      </p:sp>
-    </p:spTree>
-    <p:extLst>
-      <p:ext uri="{BB962C8B-B14F-4D97-AF65-F5344CB8AC3E}">
-        <p14:creationId xmlns:p14="http://schemas.microsoft.com/office/powerpoint/2010/main" val="3244076630"/>
-      </p:ext>
-    </p:extLst>
-  </p:cSld>
-  <p:clrMapOvr>
-    <a:masterClrMapping/>
-  </p:clrMapOvr>
-</p:sld>
-</file>
-
 <file path=ppt/slides/slide17.xml><?xml version="1.0" encoding="utf-8"?>
 <p:sld xmlns:a="http://schemas.openxmlformats.org/drawingml/2006/main" xmlns:r="http://schemas.openxmlformats.org/officeDocument/2006/relationships" xmlns:p="http://schemas.openxmlformats.org/presentationml/2006/main">
   <p:cSld>
@@ -4600,7 +4628,7 @@
           <a:p>
             <a:r>
               <a:rPr lang="fr-FR" dirty="0"/>
-              <a:t>Réseaux</a:t>
+              <a:t>Résultat</a:t>
             </a:r>
           </a:p>
         </p:txBody>
@@ -4622,6 +4650,112 @@
           <a:p>
             <a:r>
               <a:rPr lang="fr-FR" dirty="0"/>
+              <a:t>Calcul d’un NAND</a:t>
+            </a:r>
+          </a:p>
+          <a:p>
+            <a:pPr lvl="1"/>
+            <a:r>
+              <a:rPr lang="fr-FR" dirty="0"/>
+              <a:t>Inputs : </a:t>
+            </a:r>
+            <a:r>
+              <a:rPr lang="da-DK" dirty="0"/>
+              <a:t>[False, False],[False,True],[True, False],[True,True]</a:t>
+            </a:r>
+          </a:p>
+          <a:p>
+            <a:pPr lvl="1"/>
+            <a:r>
+              <a:rPr lang="da-DK" dirty="0"/>
+              <a:t>Output : False, Flase, False, True</a:t>
+            </a:r>
+          </a:p>
+          <a:p>
+            <a:pPr lvl="1"/>
+            <a:r>
+              <a:rPr lang="da-DK" dirty="0"/>
+              <a:t>1000 itérations</a:t>
+            </a:r>
+          </a:p>
+          <a:p>
+            <a:pPr lvl="1"/>
+            <a:r>
+              <a:rPr lang="da-DK" dirty="0"/>
+              <a:t>Résultat obtenu avec seuil de 0.4777 et des poids de 0.5</a:t>
+            </a:r>
+          </a:p>
+        </p:txBody>
+      </p:sp>
+    </p:spTree>
+    <p:extLst>
+      <p:ext uri="{BB962C8B-B14F-4D97-AF65-F5344CB8AC3E}">
+        <p14:creationId xmlns:p14="http://schemas.microsoft.com/office/powerpoint/2010/main" val="3244076630"/>
+      </p:ext>
+    </p:extLst>
+  </p:cSld>
+  <p:clrMapOvr>
+    <a:masterClrMapping/>
+  </p:clrMapOvr>
+</p:sld>
+</file>
+
+<file path=ppt/slides/slide18.xml><?xml version="1.0" encoding="utf-8"?>
+<p:sld xmlns:a="http://schemas.openxmlformats.org/drawingml/2006/main" xmlns:r="http://schemas.openxmlformats.org/officeDocument/2006/relationships" xmlns:p="http://schemas.openxmlformats.org/presentationml/2006/main">
+  <p:cSld>
+    <p:spTree>
+      <p:nvGrpSpPr>
+        <p:cNvPr id="1" name=""/>
+        <p:cNvGrpSpPr/>
+        <p:nvPr/>
+      </p:nvGrpSpPr>
+      <p:grpSpPr>
+        <a:xfrm>
+          <a:off x="0" y="0"/>
+          <a:ext cx="0" cy="0"/>
+          <a:chOff x="0" y="0"/>
+          <a:chExt cx="0" cy="0"/>
+        </a:xfrm>
+      </p:grpSpPr>
+      <p:sp>
+        <p:nvSpPr>
+          <p:cNvPr id="2" name="Titre 1"/>
+          <p:cNvSpPr>
+            <a:spLocks noGrp="1"/>
+          </p:cNvSpPr>
+          <p:nvPr>
+            <p:ph type="title"/>
+          </p:nvPr>
+        </p:nvSpPr>
+        <p:spPr/>
+        <p:txBody>
+          <a:bodyPr/>
+          <a:lstStyle/>
+          <a:p>
+            <a:r>
+              <a:rPr lang="fr-FR" dirty="0"/>
+              <a:t>Réseaux</a:t>
+            </a:r>
+          </a:p>
+        </p:txBody>
+      </p:sp>
+      <p:sp>
+        <p:nvSpPr>
+          <p:cNvPr id="3" name="Espace réservé du contenu 2"/>
+          <p:cNvSpPr>
+            <a:spLocks noGrp="1"/>
+          </p:cNvSpPr>
+          <p:nvPr>
+            <p:ph idx="1"/>
+          </p:nvPr>
+        </p:nvSpPr>
+        <p:spPr/>
+        <p:txBody>
+          <a:bodyPr/>
+          <a:lstStyle/>
+          <a:p>
+            <a:r>
+              <a:rPr lang="fr-FR" dirty="0"/>
               <a:t>Les neurones peuvent être mis en réseaux</a:t>
             </a:r>
           </a:p>
@@ -4629,7 +4763,7 @@
             <a:pPr lvl="1"/>
             <a:r>
               <a:rPr lang="fr-FR" dirty="0"/>
-              <a:t>En arbre (MLP)</a:t>
+              <a:t>En graphe (MLP)</a:t>
             </a:r>
           </a:p>
           <a:p>
@@ -4747,7 +4881,7 @@
 </p:sld>
 </file>
 
-<file path=ppt/slides/slide18.xml><?xml version="1.0" encoding="utf-8"?>
+<file path=ppt/slides/slide19.xml><?xml version="1.0" encoding="utf-8"?>
 <p:sld xmlns:a="http://schemas.openxmlformats.org/drawingml/2006/main" xmlns:r="http://schemas.openxmlformats.org/officeDocument/2006/relationships" xmlns:p="http://schemas.openxmlformats.org/presentationml/2006/main">
   <p:cSld>
     <p:spTree>
@@ -4848,7 +4982,90 @@
 </p:sld>
 </file>
 
-<file path=ppt/slides/slide19.xml><?xml version="1.0" encoding="utf-8"?>
+<file path=ppt/slides/slide2.xml><?xml version="1.0" encoding="utf-8"?>
+<p:sld xmlns:a="http://schemas.openxmlformats.org/drawingml/2006/main" xmlns:r="http://schemas.openxmlformats.org/officeDocument/2006/relationships" xmlns:p="http://schemas.openxmlformats.org/presentationml/2006/main">
+  <p:cSld>
+    <p:spTree>
+      <p:nvGrpSpPr>
+        <p:cNvPr id="1" name=""/>
+        <p:cNvGrpSpPr/>
+        <p:nvPr/>
+      </p:nvGrpSpPr>
+      <p:grpSpPr>
+        <a:xfrm>
+          <a:off x="0" y="0"/>
+          <a:ext cx="0" cy="0"/>
+          <a:chOff x="0" y="0"/>
+          <a:chExt cx="0" cy="0"/>
+        </a:xfrm>
+      </p:grpSpPr>
+      <p:sp>
+        <p:nvSpPr>
+          <p:cNvPr id="2" name="Titre 1"/>
+          <p:cNvSpPr>
+            <a:spLocks noGrp="1"/>
+          </p:cNvSpPr>
+          <p:nvPr>
+            <p:ph type="title"/>
+          </p:nvPr>
+        </p:nvSpPr>
+        <p:spPr/>
+        <p:txBody>
+          <a:bodyPr/>
+          <a:lstStyle/>
+          <a:p>
+            <a:r>
+              <a:rPr lang="fr-FR" dirty="0"/>
+              <a:t>Neurone</a:t>
+            </a:r>
+          </a:p>
+        </p:txBody>
+      </p:sp>
+      <p:sp>
+        <p:nvSpPr>
+          <p:cNvPr id="3" name="Espace réservé du contenu 2"/>
+          <p:cNvSpPr>
+            <a:spLocks noGrp="1"/>
+          </p:cNvSpPr>
+          <p:nvPr>
+            <p:ph idx="1"/>
+          </p:nvPr>
+        </p:nvSpPr>
+        <p:spPr/>
+        <p:txBody>
+          <a:bodyPr/>
+          <a:lstStyle/>
+          <a:p>
+            <a:r>
+              <a:rPr lang="fr-FR" dirty="0"/>
+              <a:t>En biologie un neurone est une cellule connecté à d’autre neurones qui a la faculté de laisser passer ou non un courant électrique</a:t>
+            </a:r>
+          </a:p>
+          <a:p>
+            <a:r>
+              <a:rPr lang="fr-FR" dirty="0"/>
+              <a:t>Sa modélisation mathématique est appelé perceptron</a:t>
+            </a:r>
+          </a:p>
+          <a:p>
+            <a:endParaRPr lang="fr-FR" dirty="0"/>
+          </a:p>
+        </p:txBody>
+      </p:sp>
+    </p:spTree>
+    <p:extLst>
+      <p:ext uri="{BB962C8B-B14F-4D97-AF65-F5344CB8AC3E}">
+        <p14:creationId xmlns:p14="http://schemas.microsoft.com/office/powerpoint/2010/main" val="1883161"/>
+      </p:ext>
+    </p:extLst>
+  </p:cSld>
+  <p:clrMapOvr>
+    <a:masterClrMapping/>
+  </p:clrMapOvr>
+</p:sld>
+</file>
+
+<file path=ppt/slides/slide20.xml><?xml version="1.0" encoding="utf-8"?>
 <p:sld xmlns:a="http://schemas.openxmlformats.org/drawingml/2006/main" xmlns:r="http://schemas.openxmlformats.org/officeDocument/2006/relationships" xmlns:p="http://schemas.openxmlformats.org/presentationml/2006/main">
   <p:cSld>
     <p:spTree>
@@ -5008,90 +5225,7 @@
 </p:sld>
 </file>
 
-<file path=ppt/slides/slide2.xml><?xml version="1.0" encoding="utf-8"?>
-<p:sld xmlns:a="http://schemas.openxmlformats.org/drawingml/2006/main" xmlns:r="http://schemas.openxmlformats.org/officeDocument/2006/relationships" xmlns:p="http://schemas.openxmlformats.org/presentationml/2006/main">
-  <p:cSld>
-    <p:spTree>
-      <p:nvGrpSpPr>
-        <p:cNvPr id="1" name=""/>
-        <p:cNvGrpSpPr/>
-        <p:nvPr/>
-      </p:nvGrpSpPr>
-      <p:grpSpPr>
-        <a:xfrm>
-          <a:off x="0" y="0"/>
-          <a:ext cx="0" cy="0"/>
-          <a:chOff x="0" y="0"/>
-          <a:chExt cx="0" cy="0"/>
-        </a:xfrm>
-      </p:grpSpPr>
-      <p:sp>
-        <p:nvSpPr>
-          <p:cNvPr id="2" name="Titre 1"/>
-          <p:cNvSpPr>
-            <a:spLocks noGrp="1"/>
-          </p:cNvSpPr>
-          <p:nvPr>
-            <p:ph type="title"/>
-          </p:nvPr>
-        </p:nvSpPr>
-        <p:spPr/>
-        <p:txBody>
-          <a:bodyPr/>
-          <a:lstStyle/>
-          <a:p>
-            <a:r>
-              <a:rPr lang="fr-FR" dirty="0"/>
-              <a:t>Neurone</a:t>
-            </a:r>
-          </a:p>
-        </p:txBody>
-      </p:sp>
-      <p:sp>
-        <p:nvSpPr>
-          <p:cNvPr id="3" name="Espace réservé du contenu 2"/>
-          <p:cNvSpPr>
-            <a:spLocks noGrp="1"/>
-          </p:cNvSpPr>
-          <p:nvPr>
-            <p:ph idx="1"/>
-          </p:nvPr>
-        </p:nvSpPr>
-        <p:spPr/>
-        <p:txBody>
-          <a:bodyPr/>
-          <a:lstStyle/>
-          <a:p>
-            <a:r>
-              <a:rPr lang="fr-FR" dirty="0"/>
-              <a:t>En biologie un neurone est une cellule connecté à d’autre neurones qui a la faculté de laisser passer ou non un courant électrique</a:t>
-            </a:r>
-          </a:p>
-          <a:p>
-            <a:r>
-              <a:rPr lang="fr-FR" dirty="0"/>
-              <a:t>Sa modélisation mathématique est appelé perceptron</a:t>
-            </a:r>
-          </a:p>
-          <a:p>
-            <a:endParaRPr lang="fr-FR" dirty="0"/>
-          </a:p>
-        </p:txBody>
-      </p:sp>
-    </p:spTree>
-    <p:extLst>
-      <p:ext uri="{BB962C8B-B14F-4D97-AF65-F5344CB8AC3E}">
-        <p14:creationId xmlns:p14="http://schemas.microsoft.com/office/powerpoint/2010/main" val="1883161"/>
-      </p:ext>
-    </p:extLst>
-  </p:cSld>
-  <p:clrMapOvr>
-    <a:masterClrMapping/>
-  </p:clrMapOvr>
-</p:sld>
-</file>
-
-<file path=ppt/slides/slide20.xml><?xml version="1.0" encoding="utf-8"?>
+<file path=ppt/slides/slide21.xml><?xml version="1.0" encoding="utf-8"?>
 <p:sld xmlns:a="http://schemas.openxmlformats.org/drawingml/2006/main" xmlns:r="http://schemas.openxmlformats.org/officeDocument/2006/relationships" xmlns:p="http://schemas.openxmlformats.org/presentationml/2006/main">
   <p:cSld>
     <p:spTree>
@@ -5306,205 +5440,6 @@
 </p:sld>
 </file>
 
-<file path=ppt/slides/slide21.xml><?xml version="1.0" encoding="utf-8"?>
-<p:sld xmlns:a="http://schemas.openxmlformats.org/drawingml/2006/main" xmlns:r="http://schemas.openxmlformats.org/officeDocument/2006/relationships" xmlns:p="http://schemas.openxmlformats.org/presentationml/2006/main">
-  <p:cSld>
-    <p:spTree>
-      <p:nvGrpSpPr>
-        <p:cNvPr id="1" name=""/>
-        <p:cNvGrpSpPr/>
-        <p:nvPr/>
-      </p:nvGrpSpPr>
-      <p:grpSpPr>
-        <a:xfrm>
-          <a:off x="0" y="0"/>
-          <a:ext cx="0" cy="0"/>
-          <a:chOff x="0" y="0"/>
-          <a:chExt cx="0" cy="0"/>
-        </a:xfrm>
-      </p:grpSpPr>
-      <p:sp>
-        <p:nvSpPr>
-          <p:cNvPr id="2" name="Titre 1"/>
-          <p:cNvSpPr>
-            <a:spLocks noGrp="1"/>
-          </p:cNvSpPr>
-          <p:nvPr>
-            <p:ph type="title"/>
-          </p:nvPr>
-        </p:nvSpPr>
-        <p:spPr/>
-        <p:txBody>
-          <a:bodyPr/>
-          <a:lstStyle/>
-          <a:p>
-            <a:r>
-              <a:rPr lang="fr-FR" dirty="0" err="1"/>
-              <a:t>MLPClassifier</a:t>
-            </a:r>
-            <a:endParaRPr lang="fr-FR" dirty="0"/>
-          </a:p>
-        </p:txBody>
-      </p:sp>
-      <p:sp>
-        <p:nvSpPr>
-          <p:cNvPr id="3" name="Espace réservé du contenu 2"/>
-          <p:cNvSpPr>
-            <a:spLocks noGrp="1"/>
-          </p:cNvSpPr>
-          <p:nvPr>
-            <p:ph idx="1"/>
-          </p:nvPr>
-        </p:nvSpPr>
-        <p:spPr/>
-        <p:txBody>
-          <a:bodyPr/>
-          <a:lstStyle/>
-          <a:p>
-            <a:r>
-              <a:rPr lang="fr-FR" sz="2400" dirty="0" err="1"/>
-              <a:t>Solver</a:t>
-            </a:r>
-            <a:endParaRPr lang="fr-FR" sz="2400" dirty="0"/>
-          </a:p>
-          <a:p>
-            <a:pPr lvl="1"/>
-            <a:r>
-              <a:rPr lang="fr-FR" sz="2000" dirty="0"/>
-              <a:t>Algorithme du changement du poids</a:t>
-            </a:r>
-          </a:p>
-          <a:p>
-            <a:pPr lvl="1"/>
-            <a:r>
-              <a:rPr lang="fr-FR" sz="2000" dirty="0"/>
-              <a:t>Par défaut </a:t>
-            </a:r>
-            <a:r>
-              <a:rPr lang="fr-FR" sz="2000" dirty="0" err="1"/>
-              <a:t>adam</a:t>
-            </a:r>
-            <a:r>
-              <a:rPr lang="fr-FR" sz="2000" dirty="0"/>
-              <a:t> (</a:t>
-            </a:r>
-            <a:r>
-              <a:rPr lang="fr-FR" sz="2000" dirty="0" err="1"/>
-              <a:t>stochastic</a:t>
-            </a:r>
-            <a:r>
-              <a:rPr lang="fr-FR" sz="2000" dirty="0"/>
-              <a:t> gradient-</a:t>
-            </a:r>
-            <a:r>
-              <a:rPr lang="fr-FR" sz="2000" dirty="0" err="1"/>
-              <a:t>based</a:t>
-            </a:r>
-            <a:r>
-              <a:rPr lang="fr-FR" sz="2000" dirty="0"/>
-              <a:t> </a:t>
-            </a:r>
-            <a:r>
-              <a:rPr lang="fr-FR" sz="2000" dirty="0" err="1"/>
-              <a:t>optimizer</a:t>
-            </a:r>
-            <a:r>
-              <a:rPr lang="fr-FR" sz="2000" dirty="0"/>
-              <a:t>)</a:t>
-            </a:r>
-          </a:p>
-          <a:p>
-            <a:pPr lvl="1"/>
-            <a:r>
-              <a:rPr lang="fr-FR" sz="2000" dirty="0" err="1"/>
-              <a:t>Sgd</a:t>
-            </a:r>
-            <a:r>
-              <a:rPr lang="fr-FR" sz="2000" dirty="0"/>
-              <a:t> va utiliser </a:t>
-            </a:r>
-            <a:r>
-              <a:rPr lang="fr-FR" sz="2000" dirty="0" err="1"/>
-              <a:t>Learning_rate</a:t>
-            </a:r>
-            <a:endParaRPr lang="fr-FR" sz="2000" dirty="0"/>
-          </a:p>
-          <a:p>
-            <a:r>
-              <a:rPr lang="fr-FR" sz="2400" dirty="0"/>
-              <a:t>Alpha</a:t>
-            </a:r>
-          </a:p>
-          <a:p>
-            <a:pPr lvl="1"/>
-            <a:r>
-              <a:rPr lang="fr-FR" sz="2000" dirty="0"/>
-              <a:t>0.00001</a:t>
-            </a:r>
-          </a:p>
-          <a:p>
-            <a:pPr lvl="1"/>
-            <a:r>
-              <a:rPr lang="fr-FR" sz="2000" dirty="0"/>
-              <a:t>Pénalité</a:t>
-            </a:r>
-          </a:p>
-          <a:p>
-            <a:r>
-              <a:rPr lang="fr-FR" sz="2400" dirty="0" err="1"/>
-              <a:t>Learning_rate</a:t>
-            </a:r>
-            <a:endParaRPr lang="fr-FR" sz="2400" dirty="0"/>
-          </a:p>
-          <a:p>
-            <a:pPr lvl="1"/>
-            <a:r>
-              <a:rPr lang="fr-FR" sz="2000" dirty="0"/>
-              <a:t>Constant : changement de poids constant</a:t>
-            </a:r>
-          </a:p>
-          <a:p>
-            <a:pPr lvl="1"/>
-            <a:r>
-              <a:rPr lang="fr-FR" sz="2000" dirty="0"/>
-              <a:t>Adaptive : Augmente en cas d’erreurs successive, abaisse en cas de succès successif, d’une valeur décrite dans </a:t>
-            </a:r>
-            <a:r>
-              <a:rPr lang="fr-FR" sz="2000" dirty="0" err="1"/>
-              <a:t>momentum</a:t>
-            </a:r>
-            <a:endParaRPr lang="fr-FR" sz="2000" dirty="0"/>
-          </a:p>
-          <a:p>
-            <a:pPr lvl="1"/>
-            <a:r>
-              <a:rPr lang="fr-FR" sz="2000" dirty="0" err="1"/>
-              <a:t>Invscaling</a:t>
-            </a:r>
-            <a:r>
-              <a:rPr lang="fr-FR" sz="2000" dirty="0"/>
-              <a:t> : baisse dans le temps</a:t>
-            </a:r>
-          </a:p>
-          <a:p>
-            <a:pPr lvl="1"/>
-            <a:endParaRPr lang="fr-FR" dirty="0"/>
-          </a:p>
-        </p:txBody>
-      </p:sp>
-    </p:spTree>
-    <p:extLst>
-      <p:ext uri="{BB962C8B-B14F-4D97-AF65-F5344CB8AC3E}">
-        <p14:creationId xmlns:p14="http://schemas.microsoft.com/office/powerpoint/2010/main" val="670975967"/>
-      </p:ext>
-    </p:extLst>
-  </p:cSld>
-  <p:clrMapOvr>
-    <a:masterClrMapping/>
-  </p:clrMapOvr>
-</p:sld>
-</file>
-
 <file path=ppt/slides/slide22.xml><?xml version="1.0" encoding="utf-8"?>
 <p:sld xmlns:a="http://schemas.openxmlformats.org/drawingml/2006/main" xmlns:r="http://schemas.openxmlformats.org/officeDocument/2006/relationships" xmlns:p="http://schemas.openxmlformats.org/presentationml/2006/main">
   <p:cSld>
@@ -5561,6 +5496,205 @@
           <a:lstStyle/>
           <a:p>
             <a:r>
+              <a:rPr lang="fr-FR" sz="2400" dirty="0" err="1"/>
+              <a:t>Solver</a:t>
+            </a:r>
+            <a:endParaRPr lang="fr-FR" sz="2400" dirty="0"/>
+          </a:p>
+          <a:p>
+            <a:pPr lvl="1"/>
+            <a:r>
+              <a:rPr lang="fr-FR" sz="2000" dirty="0"/>
+              <a:t>Algorithme du changement du poids</a:t>
+            </a:r>
+          </a:p>
+          <a:p>
+            <a:pPr lvl="1"/>
+            <a:r>
+              <a:rPr lang="fr-FR" sz="2000" dirty="0"/>
+              <a:t>Par défaut </a:t>
+            </a:r>
+            <a:r>
+              <a:rPr lang="fr-FR" sz="2000" dirty="0" err="1"/>
+              <a:t>adam</a:t>
+            </a:r>
+            <a:r>
+              <a:rPr lang="fr-FR" sz="2000" dirty="0"/>
+              <a:t> (</a:t>
+            </a:r>
+            <a:r>
+              <a:rPr lang="fr-FR" sz="2000" dirty="0" err="1"/>
+              <a:t>stochastic</a:t>
+            </a:r>
+            <a:r>
+              <a:rPr lang="fr-FR" sz="2000" dirty="0"/>
+              <a:t> gradient-</a:t>
+            </a:r>
+            <a:r>
+              <a:rPr lang="fr-FR" sz="2000" dirty="0" err="1"/>
+              <a:t>based</a:t>
+            </a:r>
+            <a:r>
+              <a:rPr lang="fr-FR" sz="2000" dirty="0"/>
+              <a:t> </a:t>
+            </a:r>
+            <a:r>
+              <a:rPr lang="fr-FR" sz="2000" dirty="0" err="1"/>
+              <a:t>optimizer</a:t>
+            </a:r>
+            <a:r>
+              <a:rPr lang="fr-FR" sz="2000" dirty="0"/>
+              <a:t>)</a:t>
+            </a:r>
+          </a:p>
+          <a:p>
+            <a:pPr lvl="1"/>
+            <a:r>
+              <a:rPr lang="fr-FR" sz="2000" dirty="0" err="1"/>
+              <a:t>Sgd</a:t>
+            </a:r>
+            <a:r>
+              <a:rPr lang="fr-FR" sz="2000" dirty="0"/>
+              <a:t> va utiliser </a:t>
+            </a:r>
+            <a:r>
+              <a:rPr lang="fr-FR" sz="2000" dirty="0" err="1"/>
+              <a:t>Learning_rate</a:t>
+            </a:r>
+            <a:endParaRPr lang="fr-FR" sz="2000" dirty="0"/>
+          </a:p>
+          <a:p>
+            <a:r>
+              <a:rPr lang="fr-FR" sz="2400" dirty="0"/>
+              <a:t>Alpha</a:t>
+            </a:r>
+          </a:p>
+          <a:p>
+            <a:pPr lvl="1"/>
+            <a:r>
+              <a:rPr lang="fr-FR" sz="2000" dirty="0"/>
+              <a:t>0.00001</a:t>
+            </a:r>
+          </a:p>
+          <a:p>
+            <a:pPr lvl="1"/>
+            <a:r>
+              <a:rPr lang="fr-FR" sz="2000" dirty="0"/>
+              <a:t>Pénalité</a:t>
+            </a:r>
+          </a:p>
+          <a:p>
+            <a:r>
+              <a:rPr lang="fr-FR" sz="2400" dirty="0" err="1"/>
+              <a:t>Learning_rate</a:t>
+            </a:r>
+            <a:endParaRPr lang="fr-FR" sz="2400" dirty="0"/>
+          </a:p>
+          <a:p>
+            <a:pPr lvl="1"/>
+            <a:r>
+              <a:rPr lang="fr-FR" sz="2000" dirty="0"/>
+              <a:t>Constant : changement de poids constant</a:t>
+            </a:r>
+          </a:p>
+          <a:p>
+            <a:pPr lvl="1"/>
+            <a:r>
+              <a:rPr lang="fr-FR" sz="2000" dirty="0"/>
+              <a:t>Adaptive : Augmente en cas d’erreurs successive, abaisse en cas de succès successif, d’une valeur décrite dans </a:t>
+            </a:r>
+            <a:r>
+              <a:rPr lang="fr-FR" sz="2000" dirty="0" err="1"/>
+              <a:t>momentum</a:t>
+            </a:r>
+            <a:endParaRPr lang="fr-FR" sz="2000" dirty="0"/>
+          </a:p>
+          <a:p>
+            <a:pPr lvl="1"/>
+            <a:r>
+              <a:rPr lang="fr-FR" sz="2000" dirty="0" err="1"/>
+              <a:t>Invscaling</a:t>
+            </a:r>
+            <a:r>
+              <a:rPr lang="fr-FR" sz="2000" dirty="0"/>
+              <a:t> : baisse dans le temps</a:t>
+            </a:r>
+          </a:p>
+          <a:p>
+            <a:pPr lvl="1"/>
+            <a:endParaRPr lang="fr-FR" dirty="0"/>
+          </a:p>
+        </p:txBody>
+      </p:sp>
+    </p:spTree>
+    <p:extLst>
+      <p:ext uri="{BB962C8B-B14F-4D97-AF65-F5344CB8AC3E}">
+        <p14:creationId xmlns:p14="http://schemas.microsoft.com/office/powerpoint/2010/main" val="670975967"/>
+      </p:ext>
+    </p:extLst>
+  </p:cSld>
+  <p:clrMapOvr>
+    <a:masterClrMapping/>
+  </p:clrMapOvr>
+</p:sld>
+</file>
+
+<file path=ppt/slides/slide23.xml><?xml version="1.0" encoding="utf-8"?>
+<p:sld xmlns:a="http://schemas.openxmlformats.org/drawingml/2006/main" xmlns:r="http://schemas.openxmlformats.org/officeDocument/2006/relationships" xmlns:p="http://schemas.openxmlformats.org/presentationml/2006/main">
+  <p:cSld>
+    <p:spTree>
+      <p:nvGrpSpPr>
+        <p:cNvPr id="1" name=""/>
+        <p:cNvGrpSpPr/>
+        <p:nvPr/>
+      </p:nvGrpSpPr>
+      <p:grpSpPr>
+        <a:xfrm>
+          <a:off x="0" y="0"/>
+          <a:ext cx="0" cy="0"/>
+          <a:chOff x="0" y="0"/>
+          <a:chExt cx="0" cy="0"/>
+        </a:xfrm>
+      </p:grpSpPr>
+      <p:sp>
+        <p:nvSpPr>
+          <p:cNvPr id="2" name="Titre 1"/>
+          <p:cNvSpPr>
+            <a:spLocks noGrp="1"/>
+          </p:cNvSpPr>
+          <p:nvPr>
+            <p:ph type="title"/>
+          </p:nvPr>
+        </p:nvSpPr>
+        <p:spPr/>
+        <p:txBody>
+          <a:bodyPr/>
+          <a:lstStyle/>
+          <a:p>
+            <a:r>
+              <a:rPr lang="fr-FR" dirty="0" err="1"/>
+              <a:t>MLPClassifier</a:t>
+            </a:r>
+            <a:endParaRPr lang="fr-FR" dirty="0"/>
+          </a:p>
+        </p:txBody>
+      </p:sp>
+      <p:sp>
+        <p:nvSpPr>
+          <p:cNvPr id="3" name="Espace réservé du contenu 2"/>
+          <p:cNvSpPr>
+            <a:spLocks noGrp="1"/>
+          </p:cNvSpPr>
+          <p:nvPr>
+            <p:ph idx="1"/>
+          </p:nvPr>
+        </p:nvSpPr>
+        <p:spPr/>
+        <p:txBody>
+          <a:bodyPr/>
+          <a:lstStyle/>
+          <a:p>
+            <a:r>
               <a:rPr lang="fr-FR" dirty="0" err="1"/>
               <a:t>Max_iter</a:t>
             </a:r>
@@ -5624,7 +5758,7 @@
 </p:sld>
 </file>
 
-<file path=ppt/slides/slide23.xml><?xml version="1.0" encoding="utf-8"?>
+<file path=ppt/slides/slide24.xml><?xml version="1.0" encoding="utf-8"?>
 <p:sld xmlns:a="http://schemas.openxmlformats.org/drawingml/2006/main" xmlns:r="http://schemas.openxmlformats.org/officeDocument/2006/relationships" xmlns:p="http://schemas.openxmlformats.org/presentationml/2006/main">
   <p:cSld>
     <p:spTree>
@@ -5701,158 +5835,6 @@
 </p:sld>
 </file>
 
-<file path=ppt/slides/slide24.xml><?xml version="1.0" encoding="utf-8"?>
-<p:sld xmlns:a="http://schemas.openxmlformats.org/drawingml/2006/main" xmlns:r="http://schemas.openxmlformats.org/officeDocument/2006/relationships" xmlns:p="http://schemas.openxmlformats.org/presentationml/2006/main">
-  <p:cSld>
-    <p:spTree>
-      <p:nvGrpSpPr>
-        <p:cNvPr id="1" name=""/>
-        <p:cNvGrpSpPr/>
-        <p:nvPr/>
-      </p:nvGrpSpPr>
-      <p:grpSpPr>
-        <a:xfrm>
-          <a:off x="0" y="0"/>
-          <a:ext cx="0" cy="0"/>
-          <a:chOff x="0" y="0"/>
-          <a:chExt cx="0" cy="0"/>
-        </a:xfrm>
-      </p:grpSpPr>
-      <p:sp>
-        <p:nvSpPr>
-          <p:cNvPr id="2" name="Titre 1"/>
-          <p:cNvSpPr>
-            <a:spLocks noGrp="1"/>
-          </p:cNvSpPr>
-          <p:nvPr>
-            <p:ph type="title"/>
-          </p:nvPr>
-        </p:nvSpPr>
-        <p:spPr/>
-        <p:txBody>
-          <a:bodyPr/>
-          <a:lstStyle/>
-          <a:p>
-            <a:r>
-              <a:rPr lang="fr-FR" dirty="0"/>
-              <a:t>Standardisation d’un jeux de données</a:t>
-            </a:r>
-          </a:p>
-        </p:txBody>
-      </p:sp>
-      <p:sp>
-        <p:nvSpPr>
-          <p:cNvPr id="3" name="Espace réservé du contenu 2"/>
-          <p:cNvSpPr>
-            <a:spLocks noGrp="1"/>
-          </p:cNvSpPr>
-          <p:nvPr>
-            <p:ph idx="1"/>
-          </p:nvPr>
-        </p:nvSpPr>
-        <p:spPr/>
-        <p:txBody>
-          <a:bodyPr/>
-          <a:lstStyle/>
-          <a:p>
-            <a:r>
-              <a:rPr lang="fr-FR" sz="2400" dirty="0"/>
-              <a:t>Permet de normaliser les données</a:t>
-            </a:r>
-          </a:p>
-          <a:p>
-            <a:r>
-              <a:rPr lang="fr-FR" sz="2400" dirty="0" err="1"/>
-              <a:t>MinMaxScaler</a:t>
-            </a:r>
-            <a:endParaRPr lang="fr-FR" sz="2400" dirty="0"/>
-          </a:p>
-          <a:p>
-            <a:pPr lvl="1"/>
-            <a:r>
-              <a:rPr lang="fr-FR" sz="2000" dirty="0"/>
-              <a:t>Redimensionne les données pour qu’elles soient comprises entre 0 et 1</a:t>
-            </a:r>
-          </a:p>
-          <a:p>
-            <a:pPr lvl="1"/>
-            <a:r>
-              <a:rPr lang="fr-FR" sz="2000" dirty="0"/>
-              <a:t>Assez sensible aux données extrêmes</a:t>
-            </a:r>
-          </a:p>
-          <a:p>
-            <a:r>
-              <a:rPr lang="fr-FR" sz="2400" dirty="0" err="1"/>
-              <a:t>StandardScaler</a:t>
-            </a:r>
-            <a:endParaRPr lang="fr-FR" sz="2400" dirty="0"/>
-          </a:p>
-          <a:p>
-            <a:pPr lvl="1"/>
-            <a:r>
-              <a:rPr lang="fr-FR" sz="2000" dirty="0"/>
-              <a:t>Supprime la moyenne et la mise à l'échelle de la variance de l'unité et en centrant sur 0</a:t>
-            </a:r>
-          </a:p>
-          <a:p>
-            <a:pPr lvl="1"/>
-            <a:r>
-              <a:rPr lang="fr-FR" sz="2000" dirty="0"/>
-              <a:t>La moyenne devient 0</a:t>
-            </a:r>
-          </a:p>
-          <a:p>
-            <a:pPr lvl="1"/>
-            <a:r>
-              <a:rPr lang="fr-FR" sz="2000" dirty="0"/>
-              <a:t>Modifie l’écart type</a:t>
-            </a:r>
-          </a:p>
-          <a:p>
-            <a:pPr lvl="1"/>
-            <a:r>
-              <a:rPr lang="fr-FR" sz="2000" dirty="0"/>
-              <a:t>Moins sensible aux données extrêmes</a:t>
-            </a:r>
-          </a:p>
-          <a:p>
-            <a:r>
-              <a:rPr lang="fr-FR" sz="2400" dirty="0" err="1"/>
-              <a:t>RobustScaler</a:t>
-            </a:r>
-            <a:endParaRPr lang="fr-FR" sz="2400" dirty="0"/>
-          </a:p>
-          <a:p>
-            <a:pPr lvl="1"/>
-            <a:r>
-              <a:rPr lang="fr-FR" sz="2000" dirty="0"/>
-              <a:t>Fonctionne comme </a:t>
-            </a:r>
-            <a:r>
-              <a:rPr lang="fr-FR" sz="2000" dirty="0" err="1"/>
-              <a:t>StandardScaler</a:t>
-            </a:r>
-            <a:r>
-              <a:rPr lang="fr-FR" sz="2000" dirty="0"/>
-              <a:t> mais en percentile et est donc encore moins sensible aux données extrêmes</a:t>
-            </a:r>
-          </a:p>
-        </p:txBody>
-      </p:sp>
-    </p:spTree>
-    <p:extLst>
-      <p:ext uri="{BB962C8B-B14F-4D97-AF65-F5344CB8AC3E}">
-        <p14:creationId xmlns:p14="http://schemas.microsoft.com/office/powerpoint/2010/main" val="4099719663"/>
-      </p:ext>
-    </p:extLst>
-  </p:cSld>
-  <p:clrMapOvr>
-    <a:masterClrMapping/>
-  </p:clrMapOvr>
-</p:sld>
-</file>
-
 <file path=ppt/slides/slide25.xml><?xml version="1.0" encoding="utf-8"?>
 <p:sld xmlns:a="http://schemas.openxmlformats.org/drawingml/2006/main" xmlns:r="http://schemas.openxmlformats.org/officeDocument/2006/relationships" xmlns:p="http://schemas.openxmlformats.org/presentationml/2006/main">
   <p:cSld>
@@ -5886,10 +5868,9 @@
           <a:lstStyle/>
           <a:p>
             <a:r>
-              <a:rPr lang="fr-FR" dirty="0" err="1"/>
-              <a:t>Metrics</a:t>
-            </a:r>
-            <a:endParaRPr lang="fr-FR" dirty="0"/>
+              <a:rPr lang="fr-FR" dirty="0"/>
+              <a:t>Standardisation d’un jeux de données</a:t>
+            </a:r>
           </a:p>
         </p:txBody>
       </p:sp>
@@ -5909,37 +5890,94 @@
           <a:lstStyle/>
           <a:p>
             <a:r>
-              <a:rPr lang="fr-FR" dirty="0"/>
-              <a:t>Apporte le calcul des scores</a:t>
-            </a:r>
-          </a:p>
-          <a:p>
-            <a:r>
-              <a:rPr lang="fr-FR" dirty="0"/>
-              <a:t>import </a:t>
-            </a:r>
-            <a:r>
-              <a:rPr lang="fr-FR" dirty="0" err="1"/>
-              <a:t>sklearn.metrics</a:t>
-            </a:r>
-            <a:endParaRPr lang="fr-FR" dirty="0"/>
-          </a:p>
-          <a:p>
-            <a:r>
-              <a:rPr lang="fr-FR" dirty="0"/>
-              <a:t>Possède plein de mesure de score</a:t>
-            </a:r>
+              <a:rPr lang="fr-FR" sz="2400" dirty="0"/>
+              <a:t>Permet de normaliser les données</a:t>
+            </a:r>
+          </a:p>
+          <a:p>
+            <a:r>
+              <a:rPr lang="fr-FR" sz="2400" dirty="0" err="1"/>
+              <a:t>MinMaxScaler</a:t>
+            </a:r>
+            <a:endParaRPr lang="fr-FR" sz="2400" dirty="0"/>
           </a:p>
           <a:p>
             <a:pPr lvl="1"/>
-            <a:endParaRPr lang="fr-FR" dirty="0"/>
+            <a:r>
+              <a:rPr lang="fr-FR" sz="2000" dirty="0"/>
+              <a:t>Redimensionne les données pour qu’elles soient comprises entre 0 et 1</a:t>
+            </a:r>
+          </a:p>
+          <a:p>
+            <a:pPr lvl="1"/>
+            <a:r>
+              <a:rPr lang="fr-FR" sz="2000" dirty="0"/>
+              <a:t>Assez sensible aux données extrêmes</a:t>
+            </a:r>
+          </a:p>
+          <a:p>
+            <a:r>
+              <a:rPr lang="fr-FR" sz="2400" dirty="0" err="1"/>
+              <a:t>StandardScaler</a:t>
+            </a:r>
+            <a:endParaRPr lang="fr-FR" sz="2400" dirty="0"/>
+          </a:p>
+          <a:p>
+            <a:pPr lvl="1"/>
+            <a:r>
+              <a:rPr lang="fr-FR" sz="2000" dirty="0"/>
+              <a:t>Supprime la moyenne et la mise à l'échelle de la variance de l'unité et en centrant sur 0</a:t>
+            </a:r>
+          </a:p>
+          <a:p>
+            <a:pPr lvl="1"/>
+            <a:r>
+              <a:rPr lang="fr-FR" sz="2000" dirty="0"/>
+              <a:t>La moyenne devient 0</a:t>
+            </a:r>
+          </a:p>
+          <a:p>
+            <a:pPr lvl="1"/>
+            <a:r>
+              <a:rPr lang="fr-FR" sz="2000" dirty="0"/>
+              <a:t>Modifie l’écart type</a:t>
+            </a:r>
+          </a:p>
+          <a:p>
+            <a:pPr lvl="1"/>
+            <a:r>
+              <a:rPr lang="fr-FR" sz="2000" dirty="0"/>
+              <a:t>Moins sensible aux données extrêmes</a:t>
+            </a:r>
+          </a:p>
+          <a:p>
+            <a:r>
+              <a:rPr lang="fr-FR" sz="2400" dirty="0" err="1"/>
+              <a:t>RobustScaler</a:t>
+            </a:r>
+            <a:endParaRPr lang="fr-FR" sz="2400" dirty="0"/>
+          </a:p>
+          <a:p>
+            <a:pPr lvl="1"/>
+            <a:r>
+              <a:rPr lang="fr-FR" sz="2000" dirty="0"/>
+              <a:t>Fonctionne comme </a:t>
+            </a:r>
+            <a:r>
+              <a:rPr lang="fr-FR" sz="2000" dirty="0" err="1"/>
+              <a:t>StandardScaler</a:t>
+            </a:r>
+            <a:r>
+              <a:rPr lang="fr-FR" sz="2000" dirty="0"/>
+              <a:t> mais en percentile et est donc encore moins sensible aux données extrêmes</a:t>
+            </a:r>
           </a:p>
         </p:txBody>
       </p:sp>
     </p:spTree>
     <p:extLst>
       <p:ext uri="{BB962C8B-B14F-4D97-AF65-F5344CB8AC3E}">
-        <p14:creationId xmlns:p14="http://schemas.microsoft.com/office/powerpoint/2010/main" val="3766392983"/>
+        <p14:creationId xmlns:p14="http://schemas.microsoft.com/office/powerpoint/2010/main" val="4099719663"/>
       </p:ext>
     </p:extLst>
   </p:cSld>
@@ -5983,7 +6021,7 @@
           <a:p>
             <a:r>
               <a:rPr lang="fr-FR" dirty="0" err="1"/>
-              <a:t>Accuracy</a:t>
+              <a:t>Metrics</a:t>
             </a:r>
             <a:endParaRPr lang="fr-FR" dirty="0"/>
           </a:p>
@@ -6005,31 +6043,37 @@
           <a:lstStyle/>
           <a:p>
             <a:r>
+              <a:rPr lang="fr-FR" dirty="0"/>
+              <a:t>Apporte le calcul des scores</a:t>
+            </a:r>
+          </a:p>
+          <a:p>
+            <a:r>
+              <a:rPr lang="fr-FR" dirty="0"/>
+              <a:t>import </a:t>
+            </a:r>
+            <a:r>
               <a:rPr lang="fr-FR" dirty="0" err="1"/>
-              <a:t>accuracy_score</a:t>
+              <a:t>sklearn.metrics</a:t>
             </a:r>
             <a:endParaRPr lang="fr-FR" dirty="0"/>
           </a:p>
           <a:p>
+            <a:r>
+              <a:rPr lang="fr-FR" dirty="0"/>
+              <a:t>Possède plein de mesure de score</a:t>
+            </a:r>
+          </a:p>
+          <a:p>
             <a:pPr lvl="1"/>
-            <a:r>
-              <a:rPr lang="fr-FR" dirty="0"/>
-              <a:t>(Vrai positif + vrai négatif) / total</a:t>
-            </a:r>
-          </a:p>
-          <a:p>
-            <a:pPr lvl="1"/>
-            <a:r>
-              <a:rPr lang="fr-FR" dirty="0"/>
-              <a:t>Apporte la qualité générale du modèle</a:t>
-            </a:r>
+            <a:endParaRPr lang="fr-FR" dirty="0"/>
           </a:p>
         </p:txBody>
       </p:sp>
     </p:spTree>
     <p:extLst>
       <p:ext uri="{BB962C8B-B14F-4D97-AF65-F5344CB8AC3E}">
-        <p14:creationId xmlns:p14="http://schemas.microsoft.com/office/powerpoint/2010/main" val="3195015525"/>
+        <p14:creationId xmlns:p14="http://schemas.microsoft.com/office/powerpoint/2010/main" val="3766392983"/>
       </p:ext>
     </p:extLst>
   </p:cSld>
@@ -6072,9 +6116,10 @@
           <a:lstStyle/>
           <a:p>
             <a:r>
-              <a:rPr lang="fr-FR" dirty="0"/>
-              <a:t>Précision</a:t>
-            </a:r>
+              <a:rPr lang="fr-FR" dirty="0" err="1"/>
+              <a:t>Accuracy</a:t>
+            </a:r>
+            <a:endParaRPr lang="fr-FR" dirty="0"/>
           </a:p>
         </p:txBody>
       </p:sp>
@@ -6095,7 +6140,7 @@
           <a:p>
             <a:r>
               <a:rPr lang="fr-FR" dirty="0" err="1"/>
-              <a:t>precision_score</a:t>
+              <a:t>accuracy_score</a:t>
             </a:r>
             <a:endParaRPr lang="fr-FR" dirty="0"/>
           </a:p>
@@ -6103,7 +6148,7 @@
             <a:pPr lvl="1"/>
             <a:r>
               <a:rPr lang="fr-FR" dirty="0"/>
-              <a:t>Vrai positif / (vrai positif + faux positif)</a:t>
+              <a:t>(Vrai positif + vrai négatif) / total</a:t>
             </a:r>
           </a:p>
           <a:p>
@@ -6111,13 +6156,6 @@
             <a:r>
               <a:rPr lang="fr-FR" dirty="0"/>
               <a:t>Apporte la qualité générale du modèle</a:t>
-            </a:r>
-          </a:p>
-          <a:p>
-            <a:pPr lvl="1"/>
-            <a:r>
-              <a:rPr lang="fr-FR" dirty="0"/>
-              <a:t>Sensibilité aux faux positifs</a:t>
             </a:r>
           </a:p>
         </p:txBody>
@@ -6125,7 +6163,7 @@
     </p:spTree>
     <p:extLst>
       <p:ext uri="{BB962C8B-B14F-4D97-AF65-F5344CB8AC3E}">
-        <p14:creationId xmlns:p14="http://schemas.microsoft.com/office/powerpoint/2010/main" val="2846624218"/>
+        <p14:creationId xmlns:p14="http://schemas.microsoft.com/office/powerpoint/2010/main" val="3195015525"/>
       </p:ext>
     </p:extLst>
   </p:cSld>
@@ -6168,10 +6206,9 @@
           <a:lstStyle/>
           <a:p>
             <a:r>
-              <a:rPr lang="fr-FR" dirty="0" err="1"/>
-              <a:t>Recall</a:t>
-            </a:r>
-            <a:endParaRPr lang="fr-FR" dirty="0"/>
+              <a:rPr lang="fr-FR" dirty="0"/>
+              <a:t>Précision</a:t>
+            </a:r>
           </a:p>
         </p:txBody>
       </p:sp>
@@ -6192,7 +6229,7 @@
           <a:p>
             <a:r>
               <a:rPr lang="fr-FR" dirty="0" err="1"/>
-              <a:t>recall_score</a:t>
+              <a:t>precision_score</a:t>
             </a:r>
             <a:endParaRPr lang="fr-FR" dirty="0"/>
           </a:p>
@@ -6200,7 +6237,7 @@
             <a:pPr lvl="1"/>
             <a:r>
               <a:rPr lang="fr-FR" dirty="0"/>
-              <a:t>vrai positif / (vrai positif + faux négatifs)</a:t>
+              <a:t>Vrai positif / (vrai positif + faux positif)</a:t>
             </a:r>
           </a:p>
           <a:p>
@@ -6214,7 +6251,7 @@
             <a:pPr lvl="1"/>
             <a:r>
               <a:rPr lang="fr-FR" dirty="0"/>
-              <a:t>Sensibilité aux faux négatifs</a:t>
+              <a:t>Sensibilité aux faux positifs</a:t>
             </a:r>
           </a:p>
         </p:txBody>
@@ -6222,7 +6259,7 @@
     </p:spTree>
     <p:extLst>
       <p:ext uri="{BB962C8B-B14F-4D97-AF65-F5344CB8AC3E}">
-        <p14:creationId xmlns:p14="http://schemas.microsoft.com/office/powerpoint/2010/main" val="2348779459"/>
+        <p14:creationId xmlns:p14="http://schemas.microsoft.com/office/powerpoint/2010/main" val="2846624218"/>
       </p:ext>
     </p:extLst>
   </p:cSld>
@@ -6251,13 +6288,7 @@
       </p:grpSpPr>
       <p:sp>
         <p:nvSpPr>
-          <p:cNvPr id="2" name="Titre 1">
-            <a:extLst>
-              <a:ext uri="{FF2B5EF4-FFF2-40B4-BE49-F238E27FC236}">
-                <a16:creationId xmlns:a16="http://schemas.microsoft.com/office/drawing/2014/main" id="{0549AE2E-4C8C-4615-8233-3BF76CC5E1B0}"/>
-              </a:ext>
-            </a:extLst>
-          </p:cNvPr>
+          <p:cNvPr id="2" name="Titre 1"/>
           <p:cNvSpPr>
             <a:spLocks noGrp="1"/>
           </p:cNvSpPr>
@@ -6271,21 +6302,16 @@
           <a:lstStyle/>
           <a:p>
             <a:r>
-              <a:rPr lang="fr-FR" dirty="0"/>
-              <a:t>F1 score</a:t>
-            </a:r>
+              <a:rPr lang="fr-FR" dirty="0" err="1"/>
+              <a:t>Recall</a:t>
+            </a:r>
+            <a:endParaRPr lang="fr-FR" dirty="0"/>
           </a:p>
         </p:txBody>
       </p:sp>
       <p:sp>
         <p:nvSpPr>
-          <p:cNvPr id="3" name="Espace réservé du contenu 2">
-            <a:extLst>
-              <a:ext uri="{FF2B5EF4-FFF2-40B4-BE49-F238E27FC236}">
-                <a16:creationId xmlns:a16="http://schemas.microsoft.com/office/drawing/2014/main" id="{B8F4452C-74FC-4EC2-B38D-AE5218565F4C}"/>
-              </a:ext>
-            </a:extLst>
-          </p:cNvPr>
+          <p:cNvPr id="3" name="Espace réservé du contenu 2"/>
           <p:cNvSpPr>
             <a:spLocks noGrp="1"/>
           </p:cNvSpPr>
@@ -6299,49 +6325,30 @@
           <a:lstStyle/>
           <a:p>
             <a:r>
-              <a:rPr lang="fr-FR" dirty="0"/>
-              <a:t>f1_score</a:t>
-            </a:r>
-          </a:p>
-          <a:p>
-            <a:r>
-              <a:rPr lang="en-US" dirty="0"/>
-              <a:t>F1 = 2 * (precision * recall) / (precision + recall)</a:t>
+              <a:rPr lang="fr-FR" dirty="0" err="1"/>
+              <a:t>recall_score</a:t>
             </a:r>
             <a:endParaRPr lang="fr-FR" dirty="0"/>
           </a:p>
           <a:p>
-            <a:r>
-              <a:rPr lang="fr-FR" dirty="0"/>
-              <a:t>Moyenne harmonique de </a:t>
-            </a:r>
-            <a:r>
-              <a:rPr lang="fr-FR" dirty="0" err="1"/>
-              <a:t>precision</a:t>
-            </a:r>
-            <a:r>
-              <a:rPr lang="fr-FR" dirty="0"/>
-              <a:t> et </a:t>
-            </a:r>
-            <a:r>
-              <a:rPr lang="fr-FR" dirty="0" err="1"/>
-              <a:t>recall</a:t>
-            </a:r>
-            <a:endParaRPr lang="fr-FR" dirty="0"/>
-          </a:p>
-          <a:p>
             <a:pPr lvl="1"/>
             <a:r>
               <a:rPr lang="fr-FR" dirty="0"/>
-              <a:t>Plus utile que l'</a:t>
-            </a:r>
-            <a:r>
-              <a:rPr lang="fr-FR" dirty="0" err="1"/>
-              <a:t>accuracy</a:t>
-            </a:r>
-            <a:r>
-              <a:rPr lang="fr-FR" dirty="0"/>
-              <a:t> pour les catégorisations non balancées</a:t>
+              <a:t>vrai positif / (vrai positif + faux négatifs)</a:t>
+            </a:r>
+          </a:p>
+          <a:p>
+            <a:pPr lvl="1"/>
+            <a:r>
+              <a:rPr lang="fr-FR" dirty="0"/>
+              <a:t>Apporte la qualité générale du modèle</a:t>
+            </a:r>
+          </a:p>
+          <a:p>
+            <a:pPr lvl="1"/>
+            <a:r>
+              <a:rPr lang="fr-FR" dirty="0"/>
+              <a:t>Sensibilité aux faux négatifs</a:t>
             </a:r>
           </a:p>
         </p:txBody>
@@ -6349,7 +6356,7 @@
     </p:spTree>
     <p:extLst>
       <p:ext uri="{BB962C8B-B14F-4D97-AF65-F5344CB8AC3E}">
-        <p14:creationId xmlns:p14="http://schemas.microsoft.com/office/powerpoint/2010/main" val="1373387526"/>
+        <p14:creationId xmlns:p14="http://schemas.microsoft.com/office/powerpoint/2010/main" val="2348779459"/>
       </p:ext>
     </p:extLst>
   </p:cSld>
@@ -6503,6 +6510,133 @@
       </p:grpSpPr>
       <p:sp>
         <p:nvSpPr>
+          <p:cNvPr id="2" name="Titre 1">
+            <a:extLst>
+              <a:ext uri="{FF2B5EF4-FFF2-40B4-BE49-F238E27FC236}">
+                <a16:creationId xmlns:a16="http://schemas.microsoft.com/office/drawing/2014/main" id="{0549AE2E-4C8C-4615-8233-3BF76CC5E1B0}"/>
+              </a:ext>
+            </a:extLst>
+          </p:cNvPr>
+          <p:cNvSpPr>
+            <a:spLocks noGrp="1"/>
+          </p:cNvSpPr>
+          <p:nvPr>
+            <p:ph type="title"/>
+          </p:nvPr>
+        </p:nvSpPr>
+        <p:spPr/>
+        <p:txBody>
+          <a:bodyPr/>
+          <a:lstStyle/>
+          <a:p>
+            <a:r>
+              <a:rPr lang="fr-FR" dirty="0"/>
+              <a:t>F1 score</a:t>
+            </a:r>
+          </a:p>
+        </p:txBody>
+      </p:sp>
+      <p:sp>
+        <p:nvSpPr>
+          <p:cNvPr id="3" name="Espace réservé du contenu 2">
+            <a:extLst>
+              <a:ext uri="{FF2B5EF4-FFF2-40B4-BE49-F238E27FC236}">
+                <a16:creationId xmlns:a16="http://schemas.microsoft.com/office/drawing/2014/main" id="{B8F4452C-74FC-4EC2-B38D-AE5218565F4C}"/>
+              </a:ext>
+            </a:extLst>
+          </p:cNvPr>
+          <p:cNvSpPr>
+            <a:spLocks noGrp="1"/>
+          </p:cNvSpPr>
+          <p:nvPr>
+            <p:ph idx="1"/>
+          </p:nvPr>
+        </p:nvSpPr>
+        <p:spPr/>
+        <p:txBody>
+          <a:bodyPr/>
+          <a:lstStyle/>
+          <a:p>
+            <a:r>
+              <a:rPr lang="fr-FR" dirty="0"/>
+              <a:t>f1_score</a:t>
+            </a:r>
+          </a:p>
+          <a:p>
+            <a:r>
+              <a:rPr lang="en-US" dirty="0"/>
+              <a:t>F1 = 2 * (precision * recall) / (precision + recall)</a:t>
+            </a:r>
+            <a:endParaRPr lang="fr-FR" dirty="0"/>
+          </a:p>
+          <a:p>
+            <a:r>
+              <a:rPr lang="fr-FR" dirty="0"/>
+              <a:t>Moyenne harmonique de </a:t>
+            </a:r>
+            <a:r>
+              <a:rPr lang="fr-FR" dirty="0" err="1"/>
+              <a:t>precision</a:t>
+            </a:r>
+            <a:r>
+              <a:rPr lang="fr-FR" dirty="0"/>
+              <a:t> et </a:t>
+            </a:r>
+            <a:r>
+              <a:rPr lang="fr-FR" dirty="0" err="1"/>
+              <a:t>recall</a:t>
+            </a:r>
+            <a:endParaRPr lang="fr-FR" dirty="0"/>
+          </a:p>
+          <a:p>
+            <a:pPr lvl="1"/>
+            <a:r>
+              <a:rPr lang="fr-FR" dirty="0"/>
+              <a:t>Plus utile que l'</a:t>
+            </a:r>
+            <a:r>
+              <a:rPr lang="fr-FR" dirty="0" err="1"/>
+              <a:t>accuracy</a:t>
+            </a:r>
+            <a:r>
+              <a:rPr lang="fr-FR" dirty="0"/>
+              <a:t> pour les catégorisations non balancées</a:t>
+            </a:r>
+          </a:p>
+        </p:txBody>
+      </p:sp>
+    </p:spTree>
+    <p:extLst>
+      <p:ext uri="{BB962C8B-B14F-4D97-AF65-F5344CB8AC3E}">
+        <p14:creationId xmlns:p14="http://schemas.microsoft.com/office/powerpoint/2010/main" val="1373387526"/>
+      </p:ext>
+    </p:extLst>
+  </p:cSld>
+  <p:clrMapOvr>
+    <a:masterClrMapping/>
+  </p:clrMapOvr>
+</p:sld>
+</file>
+
+<file path=ppt/slides/slide31.xml><?xml version="1.0" encoding="utf-8"?>
+<p:sld xmlns:a="http://schemas.openxmlformats.org/drawingml/2006/main" xmlns:r="http://schemas.openxmlformats.org/officeDocument/2006/relationships" xmlns:p="http://schemas.openxmlformats.org/presentationml/2006/main">
+  <p:cSld>
+    <p:spTree>
+      <p:nvGrpSpPr>
+        <p:cNvPr id="1" name=""/>
+        <p:cNvGrpSpPr/>
+        <p:nvPr/>
+      </p:nvGrpSpPr>
+      <p:grpSpPr>
+        <a:xfrm>
+          <a:off x="0" y="0"/>
+          <a:ext cx="0" cy="0"/>
+          <a:chOff x="0" y="0"/>
+          <a:chExt cx="0" cy="0"/>
+        </a:xfrm>
+      </p:grpSpPr>
+      <p:sp>
+        <p:nvSpPr>
           <p:cNvPr id="2" name="Titre 1"/>
           <p:cNvSpPr>
             <a:spLocks noGrp="1"/>
@@ -6586,7 +6720,7 @@
 </p:sld>
 </file>
 
-<file path=ppt/slides/slide31.xml><?xml version="1.0" encoding="utf-8"?>
+<file path=ppt/slides/slide32.xml><?xml version="1.0" encoding="utf-8"?>
 <p:sld xmlns:a="http://schemas.openxmlformats.org/drawingml/2006/main" xmlns:r="http://schemas.openxmlformats.org/officeDocument/2006/relationships" xmlns:p="http://schemas.openxmlformats.org/presentationml/2006/main">
   <p:cSld>
     <p:spTree>
